--- a/ppt.pptx
+++ b/ppt.pptx
@@ -2,10 +2,14 @@
 <file path=ppt/presentation.xml><?xml version="1.0" encoding="utf-8"?>
 <p:presentation xmlns:a="http://schemas.openxmlformats.org/drawingml/2006/main" xmlns:r="http://schemas.openxmlformats.org/officeDocument/2006/relationships" xmlns:p="http://schemas.openxmlformats.org/presentationml/2006/main" saveSubsetFonts="1" autoCompressPictures="0">
   <p:sldMasterIdLst>
-    <p:sldMasterId id="2147483648" r:id="rId1"/>
+    <p:sldMasterId id="2147483744" r:id="rId1"/>
   </p:sldMasterIdLst>
+  <p:notesMasterIdLst>
+    <p:notesMasterId r:id="rId4"/>
+  </p:notesMasterIdLst>
   <p:sldIdLst>
     <p:sldId id="257" r:id="rId2"/>
+    <p:sldId id="259" r:id="rId3"/>
   </p:sldIdLst>
   <p:sldSz cx="9144000" cy="6858000" type="screen4x3"/>
   <p:notesSz cx="6858000" cy="9144000"/>
@@ -104,7 +108,993 @@
       </a:defRPr>
     </a:lvl9pPr>
   </p:defaultTextStyle>
+  <p:extLst>
+    <p:ext uri="{EFAFB233-063F-42B5-8137-9DF3F51BA10A}">
+      <p15:sldGuideLst xmlns:p15="http://schemas.microsoft.com/office/powerpoint/2012/main">
+        <p15:guide id="1" orient="horz" pos="2160">
+          <p15:clr>
+            <a:srgbClr val="A4A3A4"/>
+          </p15:clr>
+        </p15:guide>
+        <p15:guide id="2" pos="2880">
+          <p15:clr>
+            <a:srgbClr val="A4A3A4"/>
+          </p15:clr>
+        </p15:guide>
+      </p15:sldGuideLst>
+    </p:ext>
+  </p:extLst>
 </p:presentation>
+</file>
+
+<file path=ppt/notesMasters/notesMaster1.xml><?xml version="1.0" encoding="utf-8"?>
+<p:notesMaster xmlns:a="http://schemas.openxmlformats.org/drawingml/2006/main" xmlns:r="http://schemas.openxmlformats.org/officeDocument/2006/relationships" xmlns:p="http://schemas.openxmlformats.org/presentationml/2006/main">
+  <p:cSld>
+    <p:bg>
+      <p:bgRef idx="1001">
+        <a:schemeClr val="bg1"/>
+      </p:bgRef>
+    </p:bg>
+    <p:spTree>
+      <p:nvGrpSpPr>
+        <p:cNvPr id="1" name=""/>
+        <p:cNvGrpSpPr/>
+        <p:nvPr/>
+      </p:nvGrpSpPr>
+      <p:grpSpPr>
+        <a:xfrm>
+          <a:off x="0" y="0"/>
+          <a:ext cx="0" cy="0"/>
+          <a:chOff x="0" y="0"/>
+          <a:chExt cx="0" cy="0"/>
+        </a:xfrm>
+      </p:grpSpPr>
+      <p:sp>
+        <p:nvSpPr>
+          <p:cNvPr id="2" name="Header Placeholder 1"/>
+          <p:cNvSpPr>
+            <a:spLocks noGrp="1"/>
+          </p:cNvSpPr>
+          <p:nvPr>
+            <p:ph type="hdr" sz="quarter"/>
+          </p:nvPr>
+        </p:nvSpPr>
+        <p:spPr>
+          <a:xfrm>
+            <a:off x="0" y="0"/>
+            <a:ext cx="2971800" cy="458788"/>
+          </a:xfrm>
+          <a:prstGeom prst="rect">
+            <a:avLst/>
+          </a:prstGeom>
+        </p:spPr>
+        <p:txBody>
+          <a:bodyPr vert="horz" lIns="91440" tIns="45720" rIns="91440" bIns="45720" rtlCol="0"/>
+          <a:lstStyle>
+            <a:lvl1pPr algn="l">
+              <a:defRPr sz="1200"/>
+            </a:lvl1pPr>
+          </a:lstStyle>
+          <a:p>
+            <a:endParaRPr lang="en-US"/>
+          </a:p>
+        </p:txBody>
+      </p:sp>
+      <p:sp>
+        <p:nvSpPr>
+          <p:cNvPr id="3" name="Date Placeholder 2"/>
+          <p:cNvSpPr>
+            <a:spLocks noGrp="1"/>
+          </p:cNvSpPr>
+          <p:nvPr>
+            <p:ph type="dt" idx="1"/>
+          </p:nvPr>
+        </p:nvSpPr>
+        <p:spPr>
+          <a:xfrm>
+            <a:off x="3884613" y="0"/>
+            <a:ext cx="2971800" cy="458788"/>
+          </a:xfrm>
+          <a:prstGeom prst="rect">
+            <a:avLst/>
+          </a:prstGeom>
+        </p:spPr>
+        <p:txBody>
+          <a:bodyPr vert="horz" lIns="91440" tIns="45720" rIns="91440" bIns="45720" rtlCol="0"/>
+          <a:lstStyle>
+            <a:lvl1pPr algn="r">
+              <a:defRPr sz="1200"/>
+            </a:lvl1pPr>
+          </a:lstStyle>
+          <a:p>
+            <a:fld id="{D07D4BFB-5337-F24A-A33C-2E310DD8F672}" type="datetimeFigureOut">
+              <a:rPr lang="en-US" smtClean="0"/>
+              <a:t>2/4/17</a:t>
+            </a:fld>
+            <a:endParaRPr lang="en-US"/>
+          </a:p>
+        </p:txBody>
+      </p:sp>
+      <p:sp>
+        <p:nvSpPr>
+          <p:cNvPr id="4" name="Slide Image Placeholder 3"/>
+          <p:cNvSpPr>
+            <a:spLocks noGrp="1" noRot="1" noChangeAspect="1"/>
+          </p:cNvSpPr>
+          <p:nvPr>
+            <p:ph type="sldImg" idx="2"/>
+          </p:nvPr>
+        </p:nvSpPr>
+        <p:spPr>
+          <a:xfrm>
+            <a:off x="1371600" y="1143000"/>
+            <a:ext cx="4114800" cy="3086100"/>
+          </a:xfrm>
+          <a:prstGeom prst="rect">
+            <a:avLst/>
+          </a:prstGeom>
+          <a:noFill/>
+          <a:ln w="12700">
+            <a:solidFill>
+              <a:prstClr val="black"/>
+            </a:solidFill>
+          </a:ln>
+        </p:spPr>
+        <p:txBody>
+          <a:bodyPr vert="horz" lIns="91440" tIns="45720" rIns="91440" bIns="45720" rtlCol="0" anchor="ctr"/>
+          <a:lstStyle/>
+          <a:p>
+            <a:endParaRPr lang="en-US"/>
+          </a:p>
+        </p:txBody>
+      </p:sp>
+      <p:sp>
+        <p:nvSpPr>
+          <p:cNvPr id="5" name="Notes Placeholder 4"/>
+          <p:cNvSpPr>
+            <a:spLocks noGrp="1"/>
+          </p:cNvSpPr>
+          <p:nvPr>
+            <p:ph type="body" sz="quarter" idx="3"/>
+          </p:nvPr>
+        </p:nvSpPr>
+        <p:spPr>
+          <a:xfrm>
+            <a:off x="685800" y="4400550"/>
+            <a:ext cx="5486400" cy="3600450"/>
+          </a:xfrm>
+          <a:prstGeom prst="rect">
+            <a:avLst/>
+          </a:prstGeom>
+        </p:spPr>
+        <p:txBody>
+          <a:bodyPr vert="horz" lIns="91440" tIns="45720" rIns="91440" bIns="45720" rtlCol="0"/>
+          <a:lstStyle/>
+          <a:p>
+            <a:pPr lvl="0"/>
+            <a:r>
+              <a:rPr lang="en-US" altLang="zh-CN" smtClean="0"/>
+              <a:t>Click to edit Master text styles</a:t>
+            </a:r>
+          </a:p>
+          <a:p>
+            <a:pPr lvl="1"/>
+            <a:r>
+              <a:rPr lang="en-US" altLang="zh-CN" smtClean="0"/>
+              <a:t>Second level</a:t>
+            </a:r>
+          </a:p>
+          <a:p>
+            <a:pPr lvl="2"/>
+            <a:r>
+              <a:rPr lang="en-US" altLang="zh-CN" smtClean="0"/>
+              <a:t>Third level</a:t>
+            </a:r>
+          </a:p>
+          <a:p>
+            <a:pPr lvl="3"/>
+            <a:r>
+              <a:rPr lang="en-US" altLang="zh-CN" smtClean="0"/>
+              <a:t>Fourth level</a:t>
+            </a:r>
+          </a:p>
+          <a:p>
+            <a:pPr lvl="4"/>
+            <a:r>
+              <a:rPr lang="en-US" altLang="zh-CN" smtClean="0"/>
+              <a:t>Fifth level</a:t>
+            </a:r>
+            <a:endParaRPr lang="en-US"/>
+          </a:p>
+        </p:txBody>
+      </p:sp>
+      <p:sp>
+        <p:nvSpPr>
+          <p:cNvPr id="6" name="Footer Placeholder 5"/>
+          <p:cNvSpPr>
+            <a:spLocks noGrp="1"/>
+          </p:cNvSpPr>
+          <p:nvPr>
+            <p:ph type="ftr" sz="quarter" idx="4"/>
+          </p:nvPr>
+        </p:nvSpPr>
+        <p:spPr>
+          <a:xfrm>
+            <a:off x="0" y="8685213"/>
+            <a:ext cx="2971800" cy="458787"/>
+          </a:xfrm>
+          <a:prstGeom prst="rect">
+            <a:avLst/>
+          </a:prstGeom>
+        </p:spPr>
+        <p:txBody>
+          <a:bodyPr vert="horz" lIns="91440" tIns="45720" rIns="91440" bIns="45720" rtlCol="0" anchor="b"/>
+          <a:lstStyle>
+            <a:lvl1pPr algn="l">
+              <a:defRPr sz="1200"/>
+            </a:lvl1pPr>
+          </a:lstStyle>
+          <a:p>
+            <a:endParaRPr lang="en-US"/>
+          </a:p>
+        </p:txBody>
+      </p:sp>
+      <p:sp>
+        <p:nvSpPr>
+          <p:cNvPr id="7" name="Slide Number Placeholder 6"/>
+          <p:cNvSpPr>
+            <a:spLocks noGrp="1"/>
+          </p:cNvSpPr>
+          <p:nvPr>
+            <p:ph type="sldNum" sz="quarter" idx="5"/>
+          </p:nvPr>
+        </p:nvSpPr>
+        <p:spPr>
+          <a:xfrm>
+            <a:off x="3884613" y="8685213"/>
+            <a:ext cx="2971800" cy="458787"/>
+          </a:xfrm>
+          <a:prstGeom prst="rect">
+            <a:avLst/>
+          </a:prstGeom>
+        </p:spPr>
+        <p:txBody>
+          <a:bodyPr vert="horz" lIns="91440" tIns="45720" rIns="91440" bIns="45720" rtlCol="0" anchor="b"/>
+          <a:lstStyle>
+            <a:lvl1pPr algn="r">
+              <a:defRPr sz="1200"/>
+            </a:lvl1pPr>
+          </a:lstStyle>
+          <a:p>
+            <a:fld id="{81798A15-1CAA-C140-B519-3CC6C4BCA78B}" type="slidenum">
+              <a:rPr lang="en-US" smtClean="0"/>
+              <a:t>‹#›</a:t>
+            </a:fld>
+            <a:endParaRPr lang="en-US"/>
+          </a:p>
+        </p:txBody>
+      </p:sp>
+    </p:spTree>
+    <p:extLst>
+      <p:ext uri="{BB962C8B-B14F-4D97-AF65-F5344CB8AC3E}">
+        <p14:creationId xmlns:p14="http://schemas.microsoft.com/office/powerpoint/2010/main" val="730532458"/>
+      </p:ext>
+    </p:extLst>
+  </p:cSld>
+  <p:clrMap bg1="lt1" tx1="dk1" bg2="lt2" tx2="dk2" accent1="accent1" accent2="accent2" accent3="accent3" accent4="accent4" accent5="accent5" accent6="accent6" hlink="hlink" folHlink="folHlink"/>
+  <p:notesStyle>
+    <a:lvl1pPr marL="0" algn="l" defTabSz="914400" rtl="0" eaLnBrk="1" latinLnBrk="0" hangingPunct="1">
+      <a:defRPr sz="1200" kern="1200">
+        <a:solidFill>
+          <a:schemeClr val="tx1"/>
+        </a:solidFill>
+        <a:latin typeface="+mn-lt"/>
+        <a:ea typeface="+mn-ea"/>
+        <a:cs typeface="+mn-cs"/>
+      </a:defRPr>
+    </a:lvl1pPr>
+    <a:lvl2pPr marL="457200" algn="l" defTabSz="914400" rtl="0" eaLnBrk="1" latinLnBrk="0" hangingPunct="1">
+      <a:defRPr sz="1200" kern="1200">
+        <a:solidFill>
+          <a:schemeClr val="tx1"/>
+        </a:solidFill>
+        <a:latin typeface="+mn-lt"/>
+        <a:ea typeface="+mn-ea"/>
+        <a:cs typeface="+mn-cs"/>
+      </a:defRPr>
+    </a:lvl2pPr>
+    <a:lvl3pPr marL="914400" algn="l" defTabSz="914400" rtl="0" eaLnBrk="1" latinLnBrk="0" hangingPunct="1">
+      <a:defRPr sz="1200" kern="1200">
+        <a:solidFill>
+          <a:schemeClr val="tx1"/>
+        </a:solidFill>
+        <a:latin typeface="+mn-lt"/>
+        <a:ea typeface="+mn-ea"/>
+        <a:cs typeface="+mn-cs"/>
+      </a:defRPr>
+    </a:lvl3pPr>
+    <a:lvl4pPr marL="1371600" algn="l" defTabSz="914400" rtl="0" eaLnBrk="1" latinLnBrk="0" hangingPunct="1">
+      <a:defRPr sz="1200" kern="1200">
+        <a:solidFill>
+          <a:schemeClr val="tx1"/>
+        </a:solidFill>
+        <a:latin typeface="+mn-lt"/>
+        <a:ea typeface="+mn-ea"/>
+        <a:cs typeface="+mn-cs"/>
+      </a:defRPr>
+    </a:lvl4pPr>
+    <a:lvl5pPr marL="1828800" algn="l" defTabSz="914400" rtl="0" eaLnBrk="1" latinLnBrk="0" hangingPunct="1">
+      <a:defRPr sz="1200" kern="1200">
+        <a:solidFill>
+          <a:schemeClr val="tx1"/>
+        </a:solidFill>
+        <a:latin typeface="+mn-lt"/>
+        <a:ea typeface="+mn-ea"/>
+        <a:cs typeface="+mn-cs"/>
+      </a:defRPr>
+    </a:lvl5pPr>
+    <a:lvl6pPr marL="2286000" algn="l" defTabSz="914400" rtl="0" eaLnBrk="1" latinLnBrk="0" hangingPunct="1">
+      <a:defRPr sz="1200" kern="1200">
+        <a:solidFill>
+          <a:schemeClr val="tx1"/>
+        </a:solidFill>
+        <a:latin typeface="+mn-lt"/>
+        <a:ea typeface="+mn-ea"/>
+        <a:cs typeface="+mn-cs"/>
+      </a:defRPr>
+    </a:lvl6pPr>
+    <a:lvl7pPr marL="2743200" algn="l" defTabSz="914400" rtl="0" eaLnBrk="1" latinLnBrk="0" hangingPunct="1">
+      <a:defRPr sz="1200" kern="1200">
+        <a:solidFill>
+          <a:schemeClr val="tx1"/>
+        </a:solidFill>
+        <a:latin typeface="+mn-lt"/>
+        <a:ea typeface="+mn-ea"/>
+        <a:cs typeface="+mn-cs"/>
+      </a:defRPr>
+    </a:lvl7pPr>
+    <a:lvl8pPr marL="3200400" algn="l" defTabSz="914400" rtl="0" eaLnBrk="1" latinLnBrk="0" hangingPunct="1">
+      <a:defRPr sz="1200" kern="1200">
+        <a:solidFill>
+          <a:schemeClr val="tx1"/>
+        </a:solidFill>
+        <a:latin typeface="+mn-lt"/>
+        <a:ea typeface="+mn-ea"/>
+        <a:cs typeface="+mn-cs"/>
+      </a:defRPr>
+    </a:lvl8pPr>
+    <a:lvl9pPr marL="3657600" algn="l" defTabSz="914400" rtl="0" eaLnBrk="1" latinLnBrk="0" hangingPunct="1">
+      <a:defRPr sz="1200" kern="1200">
+        <a:solidFill>
+          <a:schemeClr val="tx1"/>
+        </a:solidFill>
+        <a:latin typeface="+mn-lt"/>
+        <a:ea typeface="+mn-ea"/>
+        <a:cs typeface="+mn-cs"/>
+      </a:defRPr>
+    </a:lvl9pPr>
+  </p:notesStyle>
+</p:notesMaster>
+</file>
+
+<file path=ppt/notesSlides/notesSlide1.xml><?xml version="1.0" encoding="utf-8"?>
+<p:notes xmlns:a="http://schemas.openxmlformats.org/drawingml/2006/main" xmlns:r="http://schemas.openxmlformats.org/officeDocument/2006/relationships" xmlns:p="http://schemas.openxmlformats.org/presentationml/2006/main">
+  <p:cSld>
+    <p:spTree>
+      <p:nvGrpSpPr>
+        <p:cNvPr id="1" name=""/>
+        <p:cNvGrpSpPr/>
+        <p:nvPr/>
+      </p:nvGrpSpPr>
+      <p:grpSpPr>
+        <a:xfrm>
+          <a:off x="0" y="0"/>
+          <a:ext cx="0" cy="0"/>
+          <a:chOff x="0" y="0"/>
+          <a:chExt cx="0" cy="0"/>
+        </a:xfrm>
+      </p:grpSpPr>
+      <p:sp>
+        <p:nvSpPr>
+          <p:cNvPr id="2" name="Slide Image Placeholder 1"/>
+          <p:cNvSpPr>
+            <a:spLocks noGrp="1" noRot="1" noChangeAspect="1"/>
+          </p:cNvSpPr>
+          <p:nvPr>
+            <p:ph type="sldImg"/>
+          </p:nvPr>
+        </p:nvSpPr>
+        <p:spPr/>
+      </p:sp>
+      <p:sp>
+        <p:nvSpPr>
+          <p:cNvPr id="3" name="Notes Placeholder 2"/>
+          <p:cNvSpPr>
+            <a:spLocks noGrp="1"/>
+          </p:cNvSpPr>
+          <p:nvPr>
+            <p:ph type="body" idx="1"/>
+          </p:nvPr>
+        </p:nvSpPr>
+        <p:spPr/>
+        <p:txBody>
+          <a:bodyPr/>
+          <a:lstStyle/>
+          <a:p>
+            <a:r>
+              <a:rPr lang="en-US" altLang="zh-CN" dirty="0" smtClean="0"/>
+              <a:t>Though</a:t>
+            </a:r>
+            <a:r>
+              <a:rPr lang="zh-CN" altLang="en-US" baseline="0" dirty="0" smtClean="0"/>
+              <a:t> </a:t>
+            </a:r>
+            <a:r>
+              <a:rPr lang="en-US" altLang="zh-CN" baseline="0" dirty="0" smtClean="0"/>
+              <a:t>FOFE</a:t>
+            </a:r>
+            <a:r>
+              <a:rPr lang="zh-CN" altLang="en-US" baseline="0" dirty="0" smtClean="0"/>
+              <a:t> </a:t>
+            </a:r>
+            <a:r>
+              <a:rPr lang="en-US" altLang="zh-CN" baseline="0" dirty="0" smtClean="0"/>
+              <a:t>is</a:t>
+            </a:r>
+            <a:r>
+              <a:rPr lang="zh-CN" altLang="en-US" baseline="0" dirty="0" smtClean="0"/>
+              <a:t> </a:t>
+            </a:r>
+            <a:r>
+              <a:rPr lang="en-US" altLang="zh-CN" baseline="0" dirty="0" smtClean="0"/>
+              <a:t>defined</a:t>
+            </a:r>
+            <a:r>
+              <a:rPr lang="zh-CN" altLang="en-US" baseline="0" dirty="0" smtClean="0"/>
+              <a:t> </a:t>
+            </a:r>
+            <a:r>
+              <a:rPr lang="en-US" altLang="zh-CN" baseline="0" dirty="0" smtClean="0"/>
+              <a:t>as</a:t>
+            </a:r>
+            <a:r>
+              <a:rPr lang="zh-CN" altLang="en-US" baseline="0" dirty="0" smtClean="0"/>
+              <a:t> </a:t>
+            </a:r>
+            <a:r>
+              <a:rPr lang="en-US" altLang="zh-CN" baseline="0" dirty="0" smtClean="0"/>
+              <a:t>an</a:t>
+            </a:r>
+            <a:r>
+              <a:rPr lang="zh-CN" altLang="en-US" baseline="0" dirty="0" smtClean="0"/>
+              <a:t> </a:t>
+            </a:r>
+            <a:r>
+              <a:rPr lang="en-US" altLang="zh-CN" baseline="0" dirty="0" smtClean="0"/>
+              <a:t>encoding</a:t>
+            </a:r>
+            <a:r>
+              <a:rPr lang="zh-CN" altLang="en-US" baseline="0" dirty="0" smtClean="0"/>
+              <a:t> </a:t>
+            </a:r>
+            <a:r>
+              <a:rPr lang="en-US" altLang="zh-CN" baseline="0" dirty="0" smtClean="0"/>
+              <a:t>in</a:t>
+            </a:r>
+            <a:r>
+              <a:rPr lang="zh-CN" altLang="en-US" baseline="0" dirty="0" smtClean="0"/>
+              <a:t> </a:t>
+            </a:r>
+            <a:r>
+              <a:rPr lang="en-US" altLang="zh-CN" baseline="0" dirty="0" smtClean="0"/>
+              <a:t>the</a:t>
+            </a:r>
+            <a:r>
+              <a:rPr lang="zh-CN" altLang="en-US" baseline="0" dirty="0" smtClean="0"/>
+              <a:t> </a:t>
+            </a:r>
+            <a:r>
+              <a:rPr lang="en-US" altLang="zh-CN" baseline="0" dirty="0" smtClean="0"/>
+              <a:t>input</a:t>
+            </a:r>
+            <a:r>
+              <a:rPr lang="zh-CN" altLang="en-US" baseline="0" dirty="0" smtClean="0"/>
+              <a:t> </a:t>
+            </a:r>
+            <a:r>
+              <a:rPr lang="en-US" altLang="zh-CN" baseline="0" dirty="0" smtClean="0"/>
+              <a:t>to</a:t>
+            </a:r>
+            <a:r>
+              <a:rPr lang="zh-CN" altLang="en-US" baseline="0" dirty="0" smtClean="0"/>
+              <a:t> </a:t>
+            </a:r>
+            <a:r>
+              <a:rPr lang="en-US" altLang="zh-CN" baseline="0" dirty="0" smtClean="0"/>
+              <a:t>the</a:t>
+            </a:r>
+            <a:r>
+              <a:rPr lang="zh-CN" altLang="en-US" baseline="0" dirty="0" smtClean="0"/>
+              <a:t> </a:t>
+            </a:r>
+            <a:r>
+              <a:rPr lang="en-US" altLang="zh-CN" baseline="0" dirty="0" smtClean="0"/>
+              <a:t>neural</a:t>
+            </a:r>
+            <a:r>
+              <a:rPr lang="zh-CN" altLang="en-US" baseline="0" dirty="0" smtClean="0"/>
+              <a:t> </a:t>
+            </a:r>
+            <a:r>
+              <a:rPr lang="en-US" altLang="zh-CN" baseline="0" dirty="0" smtClean="0"/>
+              <a:t>network,</a:t>
+            </a:r>
+            <a:r>
+              <a:rPr lang="zh-CN" altLang="en-US" baseline="0" dirty="0" smtClean="0"/>
+              <a:t> </a:t>
+            </a:r>
+            <a:r>
+              <a:rPr lang="en-US" altLang="zh-CN" baseline="0" dirty="0" smtClean="0"/>
+              <a:t>it</a:t>
+            </a:r>
+            <a:r>
+              <a:rPr lang="zh-CN" altLang="en-US" baseline="0" dirty="0" smtClean="0"/>
+              <a:t> </a:t>
+            </a:r>
+            <a:r>
+              <a:rPr lang="en-US" altLang="zh-CN" baseline="0" dirty="0" smtClean="0"/>
+              <a:t>can</a:t>
+            </a:r>
+            <a:r>
+              <a:rPr lang="zh-CN" altLang="en-US" baseline="0" dirty="0" smtClean="0"/>
+              <a:t> </a:t>
+            </a:r>
+            <a:r>
+              <a:rPr lang="en-US" altLang="zh-CN" baseline="0" dirty="0" smtClean="0"/>
+              <a:t>be</a:t>
+            </a:r>
+            <a:r>
+              <a:rPr lang="zh-CN" altLang="en-US" baseline="0" dirty="0" smtClean="0"/>
+              <a:t> </a:t>
+            </a:r>
+            <a:r>
+              <a:rPr lang="en-US" altLang="zh-CN" baseline="0" dirty="0" smtClean="0"/>
+              <a:t>viewed</a:t>
+            </a:r>
+            <a:r>
+              <a:rPr lang="zh-CN" altLang="en-US" baseline="0" dirty="0" smtClean="0"/>
+              <a:t> </a:t>
+            </a:r>
+            <a:r>
+              <a:rPr lang="en-US" altLang="zh-CN" baseline="0" dirty="0" smtClean="0"/>
+              <a:t>as</a:t>
+            </a:r>
+            <a:r>
+              <a:rPr lang="zh-CN" altLang="en-US" baseline="0" dirty="0" smtClean="0"/>
+              <a:t> </a:t>
+            </a:r>
+            <a:r>
+              <a:rPr lang="en-US" altLang="zh-CN" baseline="0" dirty="0" smtClean="0"/>
+              <a:t>a</a:t>
+            </a:r>
+            <a:r>
+              <a:rPr lang="zh-CN" altLang="en-US" baseline="0" dirty="0" smtClean="0"/>
+              <a:t> </a:t>
+            </a:r>
+            <a:r>
+              <a:rPr lang="en-US" altLang="zh-CN" baseline="0" dirty="0" smtClean="0"/>
+              <a:t>recursion</a:t>
+            </a:r>
+            <a:r>
+              <a:rPr lang="zh-CN" altLang="en-US" baseline="0" dirty="0" smtClean="0"/>
+              <a:t> </a:t>
+            </a:r>
+            <a:r>
+              <a:rPr lang="en-US" altLang="zh-CN" baseline="0" dirty="0" smtClean="0"/>
+              <a:t>of</a:t>
+            </a:r>
+            <a:r>
+              <a:rPr lang="zh-CN" altLang="en-US" baseline="0" dirty="0" smtClean="0"/>
+              <a:t> </a:t>
+            </a:r>
+            <a:r>
+              <a:rPr lang="en-US" altLang="zh-CN" baseline="0" dirty="0" smtClean="0"/>
+              <a:t>the</a:t>
+            </a:r>
+            <a:r>
+              <a:rPr lang="zh-CN" altLang="en-US" baseline="0" dirty="0" smtClean="0"/>
+              <a:t> </a:t>
+            </a:r>
+            <a:r>
+              <a:rPr lang="en-US" altLang="zh-CN" baseline="0" dirty="0" smtClean="0"/>
+              <a:t>input</a:t>
+            </a:r>
+            <a:r>
+              <a:rPr lang="zh-CN" altLang="en-US" baseline="0" dirty="0" smtClean="0"/>
+              <a:t> </a:t>
+            </a:r>
+            <a:r>
+              <a:rPr lang="en-US" altLang="zh-CN" baseline="0" dirty="0" smtClean="0"/>
+              <a:t>to</a:t>
+            </a:r>
+            <a:r>
+              <a:rPr lang="zh-CN" altLang="en-US" baseline="0" dirty="0" smtClean="0"/>
+              <a:t> </a:t>
+            </a:r>
+            <a:r>
+              <a:rPr lang="en-US" altLang="zh-CN" baseline="0" dirty="0" smtClean="0"/>
+              <a:t>the</a:t>
+            </a:r>
+            <a:r>
+              <a:rPr lang="zh-CN" altLang="en-US" baseline="0" dirty="0" smtClean="0"/>
+              <a:t> </a:t>
+            </a:r>
+            <a:r>
+              <a:rPr lang="en-US" altLang="zh-CN" baseline="0" dirty="0" smtClean="0"/>
+              <a:t>first</a:t>
+            </a:r>
+            <a:r>
+              <a:rPr lang="zh-CN" altLang="en-US" baseline="0" dirty="0" smtClean="0"/>
+              <a:t> </a:t>
+            </a:r>
+            <a:r>
+              <a:rPr lang="en-US" altLang="zh-CN" baseline="0" dirty="0" smtClean="0"/>
+              <a:t>fully</a:t>
+            </a:r>
+            <a:r>
+              <a:rPr lang="zh-CN" altLang="en-US" baseline="0" dirty="0" smtClean="0"/>
+              <a:t> </a:t>
+            </a:r>
+            <a:r>
+              <a:rPr lang="en-US" altLang="zh-CN" baseline="0" dirty="0" smtClean="0"/>
+              <a:t>connected</a:t>
+            </a:r>
+            <a:r>
+              <a:rPr lang="zh-CN" altLang="en-US" baseline="0" dirty="0" smtClean="0"/>
+              <a:t> </a:t>
+            </a:r>
+            <a:r>
+              <a:rPr lang="en-US" altLang="zh-CN" baseline="0" dirty="0" smtClean="0"/>
+              <a:t>layer.</a:t>
+            </a:r>
+            <a:r>
+              <a:rPr lang="zh-CN" altLang="en-US" baseline="0" dirty="0" smtClean="0"/>
+              <a:t> </a:t>
+            </a:r>
+            <a:endParaRPr lang="en-US" altLang="zh-CN" baseline="0" dirty="0" smtClean="0"/>
+          </a:p>
+          <a:p>
+            <a:endParaRPr lang="en-US" altLang="zh-CN" baseline="0" dirty="0" smtClean="0"/>
+          </a:p>
+          <a:p>
+            <a:r>
+              <a:rPr lang="en-US" altLang="zh-CN" baseline="0" dirty="0" smtClean="0"/>
+              <a:t>If</a:t>
+            </a:r>
+            <a:r>
+              <a:rPr lang="zh-CN" altLang="en-US" baseline="0" dirty="0" smtClean="0"/>
+              <a:t> </a:t>
+            </a:r>
+            <a:r>
+              <a:rPr lang="en-US" altLang="zh-CN" baseline="0" dirty="0" smtClean="0"/>
+              <a:t>we</a:t>
+            </a:r>
+            <a:r>
+              <a:rPr lang="zh-CN" altLang="en-US" baseline="0" dirty="0" smtClean="0"/>
+              <a:t> </a:t>
+            </a:r>
+            <a:r>
+              <a:rPr lang="en-US" altLang="zh-CN" baseline="0" dirty="0" smtClean="0"/>
+              <a:t>use</a:t>
+            </a:r>
+            <a:r>
+              <a:rPr lang="zh-CN" altLang="en-US" baseline="0" dirty="0" smtClean="0"/>
+              <a:t> </a:t>
+            </a:r>
+            <a:r>
+              <a:rPr lang="en-US" altLang="zh-CN" baseline="0" dirty="0" smtClean="0"/>
+              <a:t>this</a:t>
+            </a:r>
+            <a:r>
+              <a:rPr lang="zh-CN" altLang="en-US" baseline="0" dirty="0" smtClean="0"/>
+              <a:t> </a:t>
+            </a:r>
+            <a:r>
+              <a:rPr lang="en-US" altLang="zh-CN" baseline="0" dirty="0" smtClean="0"/>
+              <a:t>interpretation,</a:t>
+            </a:r>
+            <a:r>
+              <a:rPr lang="zh-CN" altLang="en-US" baseline="0" dirty="0" smtClean="0"/>
+              <a:t> </a:t>
+            </a:r>
+            <a:r>
+              <a:rPr lang="en-US" altLang="zh-CN" baseline="0" dirty="0" smtClean="0"/>
+              <a:t>it’s</a:t>
+            </a:r>
+            <a:r>
+              <a:rPr lang="zh-CN" altLang="en-US" baseline="0" dirty="0" smtClean="0"/>
+              <a:t> </a:t>
+            </a:r>
+            <a:r>
+              <a:rPr lang="en-US" altLang="zh-CN" baseline="0" dirty="0" smtClean="0"/>
+              <a:t>a</a:t>
+            </a:r>
+            <a:r>
+              <a:rPr lang="zh-CN" altLang="en-US" baseline="0" dirty="0" smtClean="0"/>
+              <a:t> </a:t>
+            </a:r>
+            <a:r>
+              <a:rPr lang="en-US" altLang="zh-CN" baseline="0" dirty="0" smtClean="0"/>
+              <a:t>memory</a:t>
+            </a:r>
+            <a:r>
+              <a:rPr lang="zh-CN" altLang="en-US" baseline="0" dirty="0" smtClean="0"/>
+              <a:t> </a:t>
+            </a:r>
+            <a:r>
+              <a:rPr lang="en-US" altLang="zh-CN" baseline="0" dirty="0" smtClean="0"/>
+              <a:t>mechanism</a:t>
+            </a:r>
+            <a:r>
+              <a:rPr lang="zh-CN" altLang="en-US" baseline="0" dirty="0" smtClean="0"/>
+              <a:t> </a:t>
+            </a:r>
+            <a:r>
+              <a:rPr lang="en-US" altLang="zh-CN" baseline="0" dirty="0" smtClean="0"/>
+              <a:t>or</a:t>
+            </a:r>
+            <a:r>
+              <a:rPr lang="zh-CN" altLang="en-US" baseline="0" dirty="0" smtClean="0"/>
+              <a:t> </a:t>
+            </a:r>
+            <a:r>
+              <a:rPr lang="en-US" altLang="zh-CN" baseline="0" dirty="0" smtClean="0"/>
+              <a:t>a</a:t>
+            </a:r>
+            <a:r>
+              <a:rPr lang="zh-CN" altLang="en-US" baseline="0" dirty="0" smtClean="0"/>
+              <a:t> </a:t>
+            </a:r>
+            <a:r>
+              <a:rPr lang="en-US" altLang="zh-CN" baseline="0" dirty="0" smtClean="0"/>
+              <a:t>memory</a:t>
+            </a:r>
+            <a:r>
+              <a:rPr lang="zh-CN" altLang="en-US" baseline="0" dirty="0" smtClean="0"/>
+              <a:t> </a:t>
+            </a:r>
+            <a:r>
+              <a:rPr lang="en-US" altLang="zh-CN" baseline="0" dirty="0" smtClean="0"/>
+              <a:t>block</a:t>
+            </a:r>
+            <a:r>
+              <a:rPr lang="zh-CN" altLang="en-US" baseline="0" dirty="0" smtClean="0"/>
+              <a:t> </a:t>
+            </a:r>
+            <a:r>
+              <a:rPr lang="en-US" altLang="zh-CN" baseline="0" dirty="0" smtClean="0"/>
+              <a:t>of</a:t>
+            </a:r>
+            <a:r>
+              <a:rPr lang="zh-CN" altLang="en-US" baseline="0" dirty="0" smtClean="0"/>
+              <a:t> </a:t>
+            </a:r>
+            <a:r>
+              <a:rPr lang="en-US" altLang="zh-CN" baseline="0" dirty="0" smtClean="0"/>
+              <a:t>this</a:t>
+            </a:r>
+            <a:r>
+              <a:rPr lang="zh-CN" altLang="en-US" baseline="0" dirty="0" smtClean="0"/>
+              <a:t> </a:t>
+            </a:r>
+            <a:r>
+              <a:rPr lang="en-US" altLang="zh-CN" baseline="0" dirty="0" smtClean="0"/>
+              <a:t>fully</a:t>
+            </a:r>
+            <a:r>
+              <a:rPr lang="zh-CN" altLang="en-US" baseline="0" dirty="0" smtClean="0"/>
+              <a:t> </a:t>
+            </a:r>
+            <a:r>
+              <a:rPr lang="en-US" altLang="zh-CN" baseline="0" dirty="0" smtClean="0"/>
+              <a:t>connected</a:t>
+            </a:r>
+            <a:r>
+              <a:rPr lang="zh-CN" altLang="en-US" baseline="0" dirty="0" smtClean="0"/>
+              <a:t> </a:t>
+            </a:r>
+            <a:r>
+              <a:rPr lang="en-US" altLang="zh-CN" baseline="0" dirty="0" smtClean="0"/>
+              <a:t>layer.</a:t>
+            </a:r>
+            <a:r>
+              <a:rPr lang="zh-CN" altLang="en-US" baseline="0" dirty="0" smtClean="0"/>
+              <a:t> </a:t>
+            </a:r>
+            <a:endParaRPr lang="en-US" altLang="zh-CN" baseline="0" dirty="0" smtClean="0"/>
+          </a:p>
+          <a:p>
+            <a:endParaRPr lang="en-US" altLang="zh-CN" baseline="0" dirty="0" smtClean="0"/>
+          </a:p>
+          <a:p>
+            <a:r>
+              <a:rPr lang="en-US" altLang="zh-CN" baseline="0" dirty="0" smtClean="0"/>
+              <a:t>It’s</a:t>
+            </a:r>
+            <a:r>
+              <a:rPr lang="zh-CN" altLang="en-US" baseline="0" dirty="0" smtClean="0"/>
+              <a:t> </a:t>
+            </a:r>
+            <a:r>
+              <a:rPr lang="en-US" altLang="zh-CN" baseline="0" dirty="0" smtClean="0"/>
+              <a:t>probably</a:t>
+            </a:r>
+            <a:r>
+              <a:rPr lang="zh-CN" altLang="en-US" baseline="0" dirty="0" smtClean="0"/>
+              <a:t> </a:t>
+            </a:r>
+            <a:r>
+              <a:rPr lang="en-US" altLang="zh-CN" baseline="0" dirty="0" smtClean="0"/>
+              <a:t>a</a:t>
+            </a:r>
+            <a:r>
+              <a:rPr lang="zh-CN" altLang="en-US" baseline="0" dirty="0" smtClean="0"/>
+              <a:t> </a:t>
+            </a:r>
+            <a:r>
+              <a:rPr lang="en-US" altLang="zh-CN" baseline="0" dirty="0" smtClean="0"/>
+              <a:t>good</a:t>
+            </a:r>
+            <a:r>
+              <a:rPr lang="zh-CN" altLang="en-US" baseline="0" dirty="0" smtClean="0"/>
+              <a:t> </a:t>
+            </a:r>
+            <a:r>
+              <a:rPr lang="en-US" altLang="zh-CN" baseline="0" dirty="0" smtClean="0"/>
+              <a:t>idea</a:t>
+            </a:r>
+            <a:r>
+              <a:rPr lang="zh-CN" altLang="en-US" baseline="0" dirty="0" smtClean="0"/>
+              <a:t> </a:t>
+            </a:r>
+            <a:r>
+              <a:rPr lang="en-US" altLang="zh-CN" baseline="0" dirty="0" smtClean="0"/>
+              <a:t>to</a:t>
+            </a:r>
+            <a:r>
+              <a:rPr lang="zh-CN" altLang="en-US" baseline="0" dirty="0" smtClean="0"/>
+              <a:t> </a:t>
+            </a:r>
+            <a:r>
+              <a:rPr lang="en-US" altLang="zh-CN" baseline="0" dirty="0" smtClean="0"/>
+              <a:t>attach</a:t>
+            </a:r>
+            <a:r>
+              <a:rPr lang="zh-CN" altLang="en-US" baseline="0" dirty="0" smtClean="0"/>
+              <a:t> </a:t>
+            </a:r>
+            <a:r>
+              <a:rPr lang="en-US" altLang="zh-CN" baseline="0" dirty="0" smtClean="0"/>
+              <a:t>a</a:t>
+            </a:r>
+            <a:r>
+              <a:rPr lang="zh-CN" altLang="en-US" baseline="0" dirty="0" smtClean="0"/>
+              <a:t> </a:t>
+            </a:r>
+            <a:r>
+              <a:rPr lang="en-US" altLang="zh-CN" baseline="0" dirty="0" smtClean="0"/>
+              <a:t>FOFE</a:t>
+            </a:r>
+            <a:r>
+              <a:rPr lang="zh-CN" altLang="en-US" baseline="0" dirty="0" smtClean="0"/>
+              <a:t> </a:t>
+            </a:r>
+            <a:r>
+              <a:rPr lang="en-US" altLang="zh-CN" baseline="0" dirty="0" smtClean="0"/>
+              <a:t>memory</a:t>
+            </a:r>
+            <a:r>
+              <a:rPr lang="zh-CN" altLang="en-US" baseline="0" dirty="0" smtClean="0"/>
+              <a:t> </a:t>
+            </a:r>
+            <a:r>
+              <a:rPr lang="en-US" altLang="zh-CN" baseline="0" dirty="0" smtClean="0"/>
+              <a:t>block</a:t>
+            </a:r>
+            <a:r>
+              <a:rPr lang="zh-CN" altLang="en-US" baseline="0" dirty="0" smtClean="0"/>
+              <a:t> </a:t>
+            </a:r>
+            <a:r>
+              <a:rPr lang="en-US" altLang="zh-CN" baseline="0" dirty="0" smtClean="0"/>
+              <a:t>to</a:t>
+            </a:r>
+            <a:r>
+              <a:rPr lang="zh-CN" altLang="en-US" baseline="0" dirty="0" smtClean="0"/>
+              <a:t> </a:t>
+            </a:r>
+            <a:r>
+              <a:rPr lang="en-US" altLang="zh-CN" baseline="0" dirty="0" smtClean="0"/>
+              <a:t>a</a:t>
+            </a:r>
+            <a:r>
+              <a:rPr lang="zh-CN" altLang="en-US" baseline="0" dirty="0" smtClean="0"/>
+              <a:t> </a:t>
+            </a:r>
+            <a:r>
+              <a:rPr lang="en-US" altLang="zh-CN" baseline="0" dirty="0" smtClean="0"/>
+              <a:t>FC</a:t>
+            </a:r>
+            <a:r>
+              <a:rPr lang="zh-CN" altLang="en-US" baseline="0" dirty="0" smtClean="0"/>
+              <a:t> </a:t>
+            </a:r>
+            <a:r>
+              <a:rPr lang="en-US" altLang="zh-CN" baseline="0" dirty="0" smtClean="0"/>
+              <a:t>layer,</a:t>
+            </a:r>
+            <a:r>
+              <a:rPr lang="zh-CN" altLang="en-US" baseline="0" dirty="0" smtClean="0"/>
+              <a:t> </a:t>
+            </a:r>
+            <a:r>
+              <a:rPr lang="en-US" altLang="zh-CN" baseline="0" dirty="0" smtClean="0"/>
+              <a:t>as</a:t>
+            </a:r>
+            <a:r>
+              <a:rPr lang="zh-CN" altLang="en-US" baseline="0" dirty="0" smtClean="0"/>
+              <a:t> </a:t>
+            </a:r>
+            <a:r>
+              <a:rPr lang="en-US" altLang="zh-CN" baseline="0" dirty="0" smtClean="0"/>
+              <a:t>in</a:t>
+            </a:r>
+            <a:r>
+              <a:rPr lang="zh-CN" altLang="en-US" baseline="0" dirty="0" smtClean="0"/>
+              <a:t> </a:t>
+            </a:r>
+            <a:r>
+              <a:rPr lang="en-US" altLang="zh-CN" baseline="0" dirty="0" smtClean="0"/>
+              <a:t>RNN.</a:t>
+            </a:r>
+            <a:endParaRPr lang="en-US" dirty="0"/>
+          </a:p>
+        </p:txBody>
+      </p:sp>
+      <p:sp>
+        <p:nvSpPr>
+          <p:cNvPr id="4" name="Slide Number Placeholder 3"/>
+          <p:cNvSpPr>
+            <a:spLocks noGrp="1"/>
+          </p:cNvSpPr>
+          <p:nvPr>
+            <p:ph type="sldNum" sz="quarter" idx="10"/>
+          </p:nvPr>
+        </p:nvSpPr>
+        <p:spPr/>
+        <p:txBody>
+          <a:bodyPr/>
+          <a:lstStyle/>
+          <a:p>
+            <a:fld id="{4F4EA855-1B94-8D47-9523-A534AB8BD756}" type="slidenum">
+              <a:rPr lang="en-US" smtClean="0"/>
+              <a:t>2</a:t>
+            </a:fld>
+            <a:endParaRPr lang="en-US"/>
+          </a:p>
+        </p:txBody>
+      </p:sp>
+    </p:spTree>
+    <p:extLst>
+      <p:ext uri="{BB962C8B-B14F-4D97-AF65-F5344CB8AC3E}">
+        <p14:creationId xmlns:p14="http://schemas.microsoft.com/office/powerpoint/2010/main" val="1486295961"/>
+      </p:ext>
+    </p:extLst>
+  </p:cSld>
+  <p:clrMapOvr>
+    <a:masterClrMapping/>
+  </p:clrMapOvr>
+</p:notes>
 </file>
 
 <file path=ppt/slideLayouts/slideLayout1.xml><?xml version="1.0" encoding="utf-8"?>
@@ -136,19 +1126,23 @@
         </p:nvSpPr>
         <p:spPr>
           <a:xfrm>
-            <a:off x="685800" y="2130425"/>
-            <a:ext cx="7772400" cy="1470025"/>
-          </a:xfrm>
-        </p:spPr>
-        <p:txBody>
-          <a:bodyPr/>
-          <a:lstStyle/>
-          <a:p>
-            <a:r>
-              <a:rPr lang="en-CA"/>
+            <a:off x="685800" y="1122363"/>
+            <a:ext cx="7772400" cy="2387600"/>
+          </a:xfrm>
+        </p:spPr>
+        <p:txBody>
+          <a:bodyPr anchor="b"/>
+          <a:lstStyle>
+            <a:lvl1pPr algn="ctr">
+              <a:defRPr sz="6000"/>
+            </a:lvl1pPr>
+          </a:lstStyle>
+          <a:p>
+            <a:r>
+              <a:rPr lang="en-US" altLang="zh-CN" smtClean="0"/>
               <a:t>Click to edit Master title style</a:t>
             </a:r>
-            <a:endParaRPr lang="en-US"/>
+            <a:endParaRPr lang="en-US" dirty="0"/>
           </a:p>
         </p:txBody>
       </p:sp>
@@ -164,8 +1158,8 @@
         </p:nvSpPr>
         <p:spPr>
           <a:xfrm>
-            <a:off x="1371600" y="3886200"/>
-            <a:ext cx="6400800" cy="1752600"/>
+            <a:off x="1143000" y="3602038"/>
+            <a:ext cx="6858000" cy="1655762"/>
           </a:xfrm>
         </p:spPr>
         <p:txBody>
@@ -173,101 +1167,47 @@
           <a:lstStyle>
             <a:lvl1pPr marL="0" indent="0" algn="ctr">
               <a:buNone/>
-              <a:defRPr>
-                <a:solidFill>
-                  <a:schemeClr val="tx1">
-                    <a:tint val="75000"/>
-                  </a:schemeClr>
-                </a:solidFill>
-              </a:defRPr>
+              <a:defRPr sz="2400"/>
             </a:lvl1pPr>
             <a:lvl2pPr marL="457200" indent="0" algn="ctr">
               <a:buNone/>
-              <a:defRPr>
-                <a:solidFill>
-                  <a:schemeClr val="tx1">
-                    <a:tint val="75000"/>
-                  </a:schemeClr>
-                </a:solidFill>
-              </a:defRPr>
+              <a:defRPr sz="2000"/>
             </a:lvl2pPr>
             <a:lvl3pPr marL="914400" indent="0" algn="ctr">
               <a:buNone/>
-              <a:defRPr>
-                <a:solidFill>
-                  <a:schemeClr val="tx1">
-                    <a:tint val="75000"/>
-                  </a:schemeClr>
-                </a:solidFill>
-              </a:defRPr>
+              <a:defRPr sz="1800"/>
             </a:lvl3pPr>
             <a:lvl4pPr marL="1371600" indent="0" algn="ctr">
               <a:buNone/>
-              <a:defRPr>
-                <a:solidFill>
-                  <a:schemeClr val="tx1">
-                    <a:tint val="75000"/>
-                  </a:schemeClr>
-                </a:solidFill>
-              </a:defRPr>
+              <a:defRPr sz="1600"/>
             </a:lvl4pPr>
             <a:lvl5pPr marL="1828800" indent="0" algn="ctr">
               <a:buNone/>
-              <a:defRPr>
-                <a:solidFill>
-                  <a:schemeClr val="tx1">
-                    <a:tint val="75000"/>
-                  </a:schemeClr>
-                </a:solidFill>
-              </a:defRPr>
+              <a:defRPr sz="1600"/>
             </a:lvl5pPr>
             <a:lvl6pPr marL="2286000" indent="0" algn="ctr">
               <a:buNone/>
-              <a:defRPr>
-                <a:solidFill>
-                  <a:schemeClr val="tx1">
-                    <a:tint val="75000"/>
-                  </a:schemeClr>
-                </a:solidFill>
-              </a:defRPr>
+              <a:defRPr sz="1600"/>
             </a:lvl6pPr>
             <a:lvl7pPr marL="2743200" indent="0" algn="ctr">
               <a:buNone/>
-              <a:defRPr>
-                <a:solidFill>
-                  <a:schemeClr val="tx1">
-                    <a:tint val="75000"/>
-                  </a:schemeClr>
-                </a:solidFill>
-              </a:defRPr>
+              <a:defRPr sz="1600"/>
             </a:lvl7pPr>
             <a:lvl8pPr marL="3200400" indent="0" algn="ctr">
               <a:buNone/>
-              <a:defRPr>
-                <a:solidFill>
-                  <a:schemeClr val="tx1">
-                    <a:tint val="75000"/>
-                  </a:schemeClr>
-                </a:solidFill>
-              </a:defRPr>
+              <a:defRPr sz="1600"/>
             </a:lvl8pPr>
             <a:lvl9pPr marL="3657600" indent="0" algn="ctr">
               <a:buNone/>
-              <a:defRPr>
-                <a:solidFill>
-                  <a:schemeClr val="tx1">
-                    <a:tint val="75000"/>
-                  </a:schemeClr>
-                </a:solidFill>
-              </a:defRPr>
+              <a:defRPr sz="1600"/>
             </a:lvl9pPr>
           </a:lstStyle>
           <a:p>
             <a:r>
-              <a:rPr lang="en-CA"/>
+              <a:rPr lang="en-US" altLang="zh-CN" smtClean="0"/>
               <a:t>Click to edit Master subtitle style</a:t>
             </a:r>
-            <a:endParaRPr lang="en-US"/>
+            <a:endParaRPr lang="en-US" dirty="0"/>
           </a:p>
         </p:txBody>
       </p:sp>
@@ -287,7 +1227,8 @@
           <a:lstStyle/>
           <a:p>
             <a:fld id="{C47D408F-8A80-EC46-9B06-2A4F39B76EBA}" type="datetimeFigureOut">
-              <a:t>16-10-31</a:t>
+              <a:rPr lang="en-US" smtClean="0"/>
+              <a:t>2/4/17</a:t>
             </a:fld>
             <a:endParaRPr lang="en-US"/>
           </a:p>
@@ -328,16 +1269,17 @@
           <a:lstStyle/>
           <a:p>
             <a:fld id="{F1C2ECA3-817C-F04B-B8AB-27BAD34D4C1A}" type="slidenum">
+              <a:rPr lang="uk-UA" smtClean="0"/>
               <a:t>‹#›</a:t>
             </a:fld>
-            <a:endParaRPr lang="en-US"/>
+            <a:endParaRPr lang="uk-UA"/>
           </a:p>
         </p:txBody>
       </p:sp>
     </p:spTree>
     <p:extLst>
       <p:ext uri="{BB962C8B-B14F-4D97-AF65-F5344CB8AC3E}">
-        <p14:creationId xmlns:p14="http://schemas.microsoft.com/office/powerpoint/2010/main" val="4126205625"/>
+        <p14:creationId xmlns:p14="http://schemas.microsoft.com/office/powerpoint/2010/main" val="1167863487"/>
       </p:ext>
     </p:extLst>
   </p:cSld>
@@ -380,10 +1322,10 @@
           <a:lstStyle/>
           <a:p>
             <a:r>
-              <a:rPr lang="en-CA"/>
+              <a:rPr lang="en-US" altLang="zh-CN" smtClean="0"/>
               <a:t>Click to edit Master title style</a:t>
             </a:r>
-            <a:endParaRPr lang="en-US"/>
+            <a:endParaRPr lang="en-US" dirty="0"/>
           </a:p>
         </p:txBody>
       </p:sp>
@@ -404,38 +1346,38 @@
           <a:p>
             <a:pPr lvl="0"/>
             <a:r>
-              <a:rPr lang="en-CA"/>
+              <a:rPr lang="en-US" altLang="zh-CN" smtClean="0"/>
               <a:t>Click to edit Master text styles</a:t>
             </a:r>
           </a:p>
           <a:p>
             <a:pPr lvl="1"/>
             <a:r>
-              <a:rPr lang="en-CA"/>
+              <a:rPr lang="en-US" altLang="zh-CN" smtClean="0"/>
               <a:t>Second level</a:t>
             </a:r>
           </a:p>
           <a:p>
             <a:pPr lvl="2"/>
             <a:r>
-              <a:rPr lang="en-CA"/>
+              <a:rPr lang="en-US" altLang="zh-CN" smtClean="0"/>
               <a:t>Third level</a:t>
             </a:r>
           </a:p>
           <a:p>
             <a:pPr lvl="3"/>
             <a:r>
-              <a:rPr lang="en-CA"/>
+              <a:rPr lang="en-US" altLang="zh-CN" smtClean="0"/>
               <a:t>Fourth level</a:t>
             </a:r>
           </a:p>
           <a:p>
             <a:pPr lvl="4"/>
             <a:r>
-              <a:rPr lang="en-CA"/>
+              <a:rPr lang="en-US" altLang="zh-CN" smtClean="0"/>
               <a:t>Fifth level</a:t>
             </a:r>
-            <a:endParaRPr lang="en-US"/>
+            <a:endParaRPr lang="en-US" dirty="0"/>
           </a:p>
         </p:txBody>
       </p:sp>
@@ -455,7 +1397,8 @@
           <a:lstStyle/>
           <a:p>
             <a:fld id="{C47D408F-8A80-EC46-9B06-2A4F39B76EBA}" type="datetimeFigureOut">
-              <a:t>16-10-31</a:t>
+              <a:rPr lang="en-US" smtClean="0"/>
+              <a:t>2/4/17</a:t>
             </a:fld>
             <a:endParaRPr lang="en-US"/>
           </a:p>
@@ -496,16 +1439,17 @@
           <a:lstStyle/>
           <a:p>
             <a:fld id="{F1C2ECA3-817C-F04B-B8AB-27BAD34D4C1A}" type="slidenum">
+              <a:rPr lang="uk-UA" smtClean="0"/>
               <a:t>‹#›</a:t>
             </a:fld>
-            <a:endParaRPr lang="en-US"/>
+            <a:endParaRPr lang="uk-UA"/>
           </a:p>
         </p:txBody>
       </p:sp>
     </p:spTree>
     <p:extLst>
       <p:ext uri="{BB962C8B-B14F-4D97-AF65-F5344CB8AC3E}">
-        <p14:creationId xmlns:p14="http://schemas.microsoft.com/office/powerpoint/2010/main" val="827405372"/>
+        <p14:creationId xmlns:p14="http://schemas.microsoft.com/office/powerpoint/2010/main" val="487292058"/>
       </p:ext>
     </p:extLst>
   </p:cSld>
@@ -544,8 +1488,8 @@
         </p:nvSpPr>
         <p:spPr>
           <a:xfrm>
-            <a:off x="6629400" y="274638"/>
-            <a:ext cx="2057400" cy="5851525"/>
+            <a:off x="6543675" y="365125"/>
+            <a:ext cx="1971675" cy="5811838"/>
           </a:xfrm>
         </p:spPr>
         <p:txBody>
@@ -553,10 +1497,10 @@
           <a:lstStyle/>
           <a:p>
             <a:r>
-              <a:rPr lang="en-CA"/>
+              <a:rPr lang="en-US" altLang="zh-CN" smtClean="0"/>
               <a:t>Click to edit Master title style</a:t>
             </a:r>
-            <a:endParaRPr lang="en-US"/>
+            <a:endParaRPr lang="en-US" dirty="0"/>
           </a:p>
         </p:txBody>
       </p:sp>
@@ -572,8 +1516,8 @@
         </p:nvSpPr>
         <p:spPr>
           <a:xfrm>
-            <a:off x="457200" y="274638"/>
-            <a:ext cx="6019800" cy="5851525"/>
+            <a:off x="628650" y="365125"/>
+            <a:ext cx="5800725" cy="5811838"/>
           </a:xfrm>
         </p:spPr>
         <p:txBody>
@@ -582,38 +1526,38 @@
           <a:p>
             <a:pPr lvl="0"/>
             <a:r>
-              <a:rPr lang="en-CA"/>
+              <a:rPr lang="en-US" altLang="zh-CN" smtClean="0"/>
               <a:t>Click to edit Master text styles</a:t>
             </a:r>
           </a:p>
           <a:p>
             <a:pPr lvl="1"/>
             <a:r>
-              <a:rPr lang="en-CA"/>
+              <a:rPr lang="en-US" altLang="zh-CN" smtClean="0"/>
               <a:t>Second level</a:t>
             </a:r>
           </a:p>
           <a:p>
             <a:pPr lvl="2"/>
             <a:r>
-              <a:rPr lang="en-CA"/>
+              <a:rPr lang="en-US" altLang="zh-CN" smtClean="0"/>
               <a:t>Third level</a:t>
             </a:r>
           </a:p>
           <a:p>
             <a:pPr lvl="3"/>
             <a:r>
-              <a:rPr lang="en-CA"/>
+              <a:rPr lang="en-US" altLang="zh-CN" smtClean="0"/>
               <a:t>Fourth level</a:t>
             </a:r>
           </a:p>
           <a:p>
             <a:pPr lvl="4"/>
             <a:r>
-              <a:rPr lang="en-CA"/>
+              <a:rPr lang="en-US" altLang="zh-CN" smtClean="0"/>
               <a:t>Fifth level</a:t>
             </a:r>
-            <a:endParaRPr lang="en-US"/>
+            <a:endParaRPr lang="en-US" dirty="0"/>
           </a:p>
         </p:txBody>
       </p:sp>
@@ -633,7 +1577,8 @@
           <a:lstStyle/>
           <a:p>
             <a:fld id="{C47D408F-8A80-EC46-9B06-2A4F39B76EBA}" type="datetimeFigureOut">
-              <a:t>16-10-31</a:t>
+              <a:rPr lang="en-US" smtClean="0"/>
+              <a:t>2/4/17</a:t>
             </a:fld>
             <a:endParaRPr lang="en-US"/>
           </a:p>
@@ -674,16 +1619,17 @@
           <a:lstStyle/>
           <a:p>
             <a:fld id="{F1C2ECA3-817C-F04B-B8AB-27BAD34D4C1A}" type="slidenum">
+              <a:rPr lang="uk-UA" smtClean="0"/>
               <a:t>‹#›</a:t>
             </a:fld>
-            <a:endParaRPr lang="en-US"/>
+            <a:endParaRPr lang="uk-UA"/>
           </a:p>
         </p:txBody>
       </p:sp>
     </p:spTree>
     <p:extLst>
       <p:ext uri="{BB962C8B-B14F-4D97-AF65-F5344CB8AC3E}">
-        <p14:creationId xmlns:p14="http://schemas.microsoft.com/office/powerpoint/2010/main" val="3244585757"/>
+        <p14:creationId xmlns:p14="http://schemas.microsoft.com/office/powerpoint/2010/main" val="1562472795"/>
       </p:ext>
     </p:extLst>
   </p:cSld>
@@ -726,10 +1672,10 @@
           <a:lstStyle/>
           <a:p>
             <a:r>
-              <a:rPr lang="en-CA"/>
+              <a:rPr lang="en-US" altLang="zh-CN" smtClean="0"/>
               <a:t>Click to edit Master title style</a:t>
             </a:r>
-            <a:endParaRPr lang="en-US"/>
+            <a:endParaRPr lang="en-US" dirty="0"/>
           </a:p>
         </p:txBody>
       </p:sp>
@@ -750,38 +1696,38 @@
           <a:p>
             <a:pPr lvl="0"/>
             <a:r>
-              <a:rPr lang="en-CA"/>
+              <a:rPr lang="en-US" altLang="zh-CN" smtClean="0"/>
               <a:t>Click to edit Master text styles</a:t>
             </a:r>
           </a:p>
           <a:p>
             <a:pPr lvl="1"/>
             <a:r>
-              <a:rPr lang="en-CA"/>
+              <a:rPr lang="en-US" altLang="zh-CN" smtClean="0"/>
               <a:t>Second level</a:t>
             </a:r>
           </a:p>
           <a:p>
             <a:pPr lvl="2"/>
             <a:r>
-              <a:rPr lang="en-CA"/>
+              <a:rPr lang="en-US" altLang="zh-CN" smtClean="0"/>
               <a:t>Third level</a:t>
             </a:r>
           </a:p>
           <a:p>
             <a:pPr lvl="3"/>
             <a:r>
-              <a:rPr lang="en-CA"/>
+              <a:rPr lang="en-US" altLang="zh-CN" smtClean="0"/>
               <a:t>Fourth level</a:t>
             </a:r>
           </a:p>
           <a:p>
             <a:pPr lvl="4"/>
             <a:r>
-              <a:rPr lang="en-CA"/>
+              <a:rPr lang="en-US" altLang="zh-CN" smtClean="0"/>
               <a:t>Fifth level</a:t>
             </a:r>
-            <a:endParaRPr lang="en-US"/>
+            <a:endParaRPr lang="en-US" dirty="0"/>
           </a:p>
         </p:txBody>
       </p:sp>
@@ -801,7 +1747,8 @@
           <a:lstStyle/>
           <a:p>
             <a:fld id="{C47D408F-8A80-EC46-9B06-2A4F39B76EBA}" type="datetimeFigureOut">
-              <a:t>16-10-31</a:t>
+              <a:rPr lang="en-US" smtClean="0"/>
+              <a:t>2/4/17</a:t>
             </a:fld>
             <a:endParaRPr lang="en-US"/>
           </a:p>
@@ -842,16 +1789,17 @@
           <a:lstStyle/>
           <a:p>
             <a:fld id="{F1C2ECA3-817C-F04B-B8AB-27BAD34D4C1A}" type="slidenum">
+              <a:rPr lang="uk-UA" smtClean="0"/>
               <a:t>‹#›</a:t>
             </a:fld>
-            <a:endParaRPr lang="en-US"/>
+            <a:endParaRPr lang="uk-UA"/>
           </a:p>
         </p:txBody>
       </p:sp>
     </p:spTree>
     <p:extLst>
       <p:ext uri="{BB962C8B-B14F-4D97-AF65-F5344CB8AC3E}">
-        <p14:creationId xmlns:p14="http://schemas.microsoft.com/office/powerpoint/2010/main" val="766888857"/>
+        <p14:creationId xmlns:p14="http://schemas.microsoft.com/office/powerpoint/2010/main" val="281092429"/>
       </p:ext>
     </p:extLst>
   </p:cSld>
@@ -890,23 +1838,23 @@
         </p:nvSpPr>
         <p:spPr>
           <a:xfrm>
-            <a:off x="722313" y="4406900"/>
-            <a:ext cx="7772400" cy="1362075"/>
-          </a:xfrm>
-        </p:spPr>
-        <p:txBody>
-          <a:bodyPr anchor="t"/>
+            <a:off x="623888" y="1709739"/>
+            <a:ext cx="7886700" cy="2852737"/>
+          </a:xfrm>
+        </p:spPr>
+        <p:txBody>
+          <a:bodyPr anchor="b"/>
           <a:lstStyle>
-            <a:lvl1pPr algn="l">
-              <a:defRPr sz="4000" b="1" cap="all"/>
+            <a:lvl1pPr>
+              <a:defRPr sz="6000"/>
             </a:lvl1pPr>
           </a:lstStyle>
           <a:p>
             <a:r>
-              <a:rPr lang="en-CA"/>
+              <a:rPr lang="en-US" altLang="zh-CN" smtClean="0"/>
               <a:t>Click to edit Master title style</a:t>
             </a:r>
-            <a:endParaRPr lang="en-US"/>
+            <a:endParaRPr lang="en-US" dirty="0"/>
           </a:p>
         </p:txBody>
       </p:sp>
@@ -922,26 +1870,24 @@
         </p:nvSpPr>
         <p:spPr>
           <a:xfrm>
-            <a:off x="722313" y="2906713"/>
-            <a:ext cx="7772400" cy="1500187"/>
-          </a:xfrm>
-        </p:spPr>
-        <p:txBody>
-          <a:bodyPr anchor="b"/>
+            <a:off x="623888" y="4589464"/>
+            <a:ext cx="7886700" cy="1500187"/>
+          </a:xfrm>
+        </p:spPr>
+        <p:txBody>
+          <a:bodyPr/>
           <a:lstStyle>
             <a:lvl1pPr marL="0" indent="0">
               <a:buNone/>
-              <a:defRPr sz="2000">
+              <a:defRPr sz="2400">
                 <a:solidFill>
-                  <a:schemeClr val="tx1">
-                    <a:tint val="75000"/>
-                  </a:schemeClr>
+                  <a:schemeClr val="tx1"/>
                 </a:solidFill>
               </a:defRPr>
             </a:lvl1pPr>
             <a:lvl2pPr marL="457200" indent="0">
               <a:buNone/>
-              <a:defRPr sz="1800">
+              <a:defRPr sz="2000">
                 <a:solidFill>
                   <a:schemeClr val="tx1">
                     <a:tint val="75000"/>
@@ -951,7 +1897,7 @@
             </a:lvl2pPr>
             <a:lvl3pPr marL="914400" indent="0">
               <a:buNone/>
-              <a:defRPr sz="1600">
+              <a:defRPr sz="1800">
                 <a:solidFill>
                   <a:schemeClr val="tx1">
                     <a:tint val="75000"/>
@@ -961,7 +1907,7 @@
             </a:lvl3pPr>
             <a:lvl4pPr marL="1371600" indent="0">
               <a:buNone/>
-              <a:defRPr sz="1400">
+              <a:defRPr sz="1600">
                 <a:solidFill>
                   <a:schemeClr val="tx1">
                     <a:tint val="75000"/>
@@ -971,7 +1917,7 @@
             </a:lvl4pPr>
             <a:lvl5pPr marL="1828800" indent="0">
               <a:buNone/>
-              <a:defRPr sz="1400">
+              <a:defRPr sz="1600">
                 <a:solidFill>
                   <a:schemeClr val="tx1">
                     <a:tint val="75000"/>
@@ -981,7 +1927,7 @@
             </a:lvl5pPr>
             <a:lvl6pPr marL="2286000" indent="0">
               <a:buNone/>
-              <a:defRPr sz="1400">
+              <a:defRPr sz="1600">
                 <a:solidFill>
                   <a:schemeClr val="tx1">
                     <a:tint val="75000"/>
@@ -991,7 +1937,7 @@
             </a:lvl6pPr>
             <a:lvl7pPr marL="2743200" indent="0">
               <a:buNone/>
-              <a:defRPr sz="1400">
+              <a:defRPr sz="1600">
                 <a:solidFill>
                   <a:schemeClr val="tx1">
                     <a:tint val="75000"/>
@@ -1001,7 +1947,7 @@
             </a:lvl7pPr>
             <a:lvl8pPr marL="3200400" indent="0">
               <a:buNone/>
-              <a:defRPr sz="1400">
+              <a:defRPr sz="1600">
                 <a:solidFill>
                   <a:schemeClr val="tx1">
                     <a:tint val="75000"/>
@@ -1011,7 +1957,7 @@
             </a:lvl8pPr>
             <a:lvl9pPr marL="3657600" indent="0">
               <a:buNone/>
-              <a:defRPr sz="1400">
+              <a:defRPr sz="1600">
                 <a:solidFill>
                   <a:schemeClr val="tx1">
                     <a:tint val="75000"/>
@@ -1023,7 +1969,7 @@
           <a:p>
             <a:pPr lvl="0"/>
             <a:r>
-              <a:rPr lang="en-CA"/>
+              <a:rPr lang="en-US" altLang="zh-CN" smtClean="0"/>
               <a:t>Click to edit Master text styles</a:t>
             </a:r>
           </a:p>
@@ -1045,7 +1991,8 @@
           <a:lstStyle/>
           <a:p>
             <a:fld id="{C47D408F-8A80-EC46-9B06-2A4F39B76EBA}" type="datetimeFigureOut">
-              <a:t>16-10-31</a:t>
+              <a:rPr lang="en-US" smtClean="0"/>
+              <a:t>2/4/17</a:t>
             </a:fld>
             <a:endParaRPr lang="en-US"/>
           </a:p>
@@ -1086,16 +2033,17 @@
           <a:lstStyle/>
           <a:p>
             <a:fld id="{F1C2ECA3-817C-F04B-B8AB-27BAD34D4C1A}" type="slidenum">
+              <a:rPr lang="uk-UA" smtClean="0"/>
               <a:t>‹#›</a:t>
             </a:fld>
-            <a:endParaRPr lang="en-US"/>
+            <a:endParaRPr lang="uk-UA"/>
           </a:p>
         </p:txBody>
       </p:sp>
     </p:spTree>
     <p:extLst>
       <p:ext uri="{BB962C8B-B14F-4D97-AF65-F5344CB8AC3E}">
-        <p14:creationId xmlns:p14="http://schemas.microsoft.com/office/powerpoint/2010/main" val="3017413503"/>
+        <p14:creationId xmlns:p14="http://schemas.microsoft.com/office/powerpoint/2010/main" val="2003914450"/>
       </p:ext>
     </p:extLst>
   </p:cSld>
@@ -1138,10 +2086,10 @@
           <a:lstStyle/>
           <a:p>
             <a:r>
-              <a:rPr lang="en-CA"/>
+              <a:rPr lang="en-US" altLang="zh-CN" smtClean="0"/>
               <a:t>Click to edit Master title style</a:t>
             </a:r>
-            <a:endParaRPr lang="en-US"/>
+            <a:endParaRPr lang="en-US" dirty="0"/>
           </a:p>
         </p:txBody>
       </p:sp>
@@ -1157,76 +2105,48 @@
         </p:nvSpPr>
         <p:spPr>
           <a:xfrm>
-            <a:off x="457200" y="1600200"/>
-            <a:ext cx="4038600" cy="4525963"/>
+            <a:off x="628650" y="1825625"/>
+            <a:ext cx="3886200" cy="4351338"/>
           </a:xfrm>
         </p:spPr>
         <p:txBody>
           <a:bodyPr/>
-          <a:lstStyle>
-            <a:lvl1pPr>
-              <a:defRPr sz="2800"/>
-            </a:lvl1pPr>
-            <a:lvl2pPr>
-              <a:defRPr sz="2400"/>
-            </a:lvl2pPr>
-            <a:lvl3pPr>
-              <a:defRPr sz="2000"/>
-            </a:lvl3pPr>
-            <a:lvl4pPr>
-              <a:defRPr sz="1800"/>
-            </a:lvl4pPr>
-            <a:lvl5pPr>
-              <a:defRPr sz="1800"/>
-            </a:lvl5pPr>
-            <a:lvl6pPr>
-              <a:defRPr sz="1800"/>
-            </a:lvl6pPr>
-            <a:lvl7pPr>
-              <a:defRPr sz="1800"/>
-            </a:lvl7pPr>
-            <a:lvl8pPr>
-              <a:defRPr sz="1800"/>
-            </a:lvl8pPr>
-            <a:lvl9pPr>
-              <a:defRPr sz="1800"/>
-            </a:lvl9pPr>
-          </a:lstStyle>
+          <a:lstStyle/>
           <a:p>
             <a:pPr lvl="0"/>
             <a:r>
-              <a:rPr lang="en-CA"/>
+              <a:rPr lang="en-US" altLang="zh-CN" smtClean="0"/>
               <a:t>Click to edit Master text styles</a:t>
             </a:r>
           </a:p>
           <a:p>
             <a:pPr lvl="1"/>
             <a:r>
-              <a:rPr lang="en-CA"/>
+              <a:rPr lang="en-US" altLang="zh-CN" smtClean="0"/>
               <a:t>Second level</a:t>
             </a:r>
           </a:p>
           <a:p>
             <a:pPr lvl="2"/>
             <a:r>
-              <a:rPr lang="en-CA"/>
+              <a:rPr lang="en-US" altLang="zh-CN" smtClean="0"/>
               <a:t>Third level</a:t>
             </a:r>
           </a:p>
           <a:p>
             <a:pPr lvl="3"/>
             <a:r>
-              <a:rPr lang="en-CA"/>
+              <a:rPr lang="en-US" altLang="zh-CN" smtClean="0"/>
               <a:t>Fourth level</a:t>
             </a:r>
           </a:p>
           <a:p>
             <a:pPr lvl="4"/>
             <a:r>
-              <a:rPr lang="en-CA"/>
+              <a:rPr lang="en-US" altLang="zh-CN" smtClean="0"/>
               <a:t>Fifth level</a:t>
             </a:r>
-            <a:endParaRPr lang="en-US"/>
+            <a:endParaRPr lang="en-US" dirty="0"/>
           </a:p>
         </p:txBody>
       </p:sp>
@@ -1242,76 +2162,48 @@
         </p:nvSpPr>
         <p:spPr>
           <a:xfrm>
-            <a:off x="4648200" y="1600200"/>
-            <a:ext cx="4038600" cy="4525963"/>
+            <a:off x="4629150" y="1825625"/>
+            <a:ext cx="3886200" cy="4351338"/>
           </a:xfrm>
         </p:spPr>
         <p:txBody>
           <a:bodyPr/>
-          <a:lstStyle>
-            <a:lvl1pPr>
-              <a:defRPr sz="2800"/>
-            </a:lvl1pPr>
-            <a:lvl2pPr>
-              <a:defRPr sz="2400"/>
-            </a:lvl2pPr>
-            <a:lvl3pPr>
-              <a:defRPr sz="2000"/>
-            </a:lvl3pPr>
-            <a:lvl4pPr>
-              <a:defRPr sz="1800"/>
-            </a:lvl4pPr>
-            <a:lvl5pPr>
-              <a:defRPr sz="1800"/>
-            </a:lvl5pPr>
-            <a:lvl6pPr>
-              <a:defRPr sz="1800"/>
-            </a:lvl6pPr>
-            <a:lvl7pPr>
-              <a:defRPr sz="1800"/>
-            </a:lvl7pPr>
-            <a:lvl8pPr>
-              <a:defRPr sz="1800"/>
-            </a:lvl8pPr>
-            <a:lvl9pPr>
-              <a:defRPr sz="1800"/>
-            </a:lvl9pPr>
-          </a:lstStyle>
+          <a:lstStyle/>
           <a:p>
             <a:pPr lvl="0"/>
             <a:r>
-              <a:rPr lang="en-CA"/>
+              <a:rPr lang="en-US" altLang="zh-CN" smtClean="0"/>
               <a:t>Click to edit Master text styles</a:t>
             </a:r>
           </a:p>
           <a:p>
             <a:pPr lvl="1"/>
             <a:r>
-              <a:rPr lang="en-CA"/>
+              <a:rPr lang="en-US" altLang="zh-CN" smtClean="0"/>
               <a:t>Second level</a:t>
             </a:r>
           </a:p>
           <a:p>
             <a:pPr lvl="2"/>
             <a:r>
-              <a:rPr lang="en-CA"/>
+              <a:rPr lang="en-US" altLang="zh-CN" smtClean="0"/>
               <a:t>Third level</a:t>
             </a:r>
           </a:p>
           <a:p>
             <a:pPr lvl="3"/>
             <a:r>
-              <a:rPr lang="en-CA"/>
+              <a:rPr lang="en-US" altLang="zh-CN" smtClean="0"/>
               <a:t>Fourth level</a:t>
             </a:r>
           </a:p>
           <a:p>
             <a:pPr lvl="4"/>
             <a:r>
-              <a:rPr lang="en-CA"/>
+              <a:rPr lang="en-US" altLang="zh-CN" smtClean="0"/>
               <a:t>Fifth level</a:t>
             </a:r>
-            <a:endParaRPr lang="en-US"/>
+            <a:endParaRPr lang="en-US" dirty="0"/>
           </a:p>
         </p:txBody>
       </p:sp>
@@ -1331,7 +2223,8 @@
           <a:lstStyle/>
           <a:p>
             <a:fld id="{C47D408F-8A80-EC46-9B06-2A4F39B76EBA}" type="datetimeFigureOut">
-              <a:t>16-10-31</a:t>
+              <a:rPr lang="en-US" smtClean="0"/>
+              <a:t>2/4/17</a:t>
             </a:fld>
             <a:endParaRPr lang="en-US"/>
           </a:p>
@@ -1372,16 +2265,17 @@
           <a:lstStyle/>
           <a:p>
             <a:fld id="{F1C2ECA3-817C-F04B-B8AB-27BAD34D4C1A}" type="slidenum">
+              <a:rPr lang="uk-UA" smtClean="0"/>
               <a:t>‹#›</a:t>
             </a:fld>
-            <a:endParaRPr lang="en-US"/>
+            <a:endParaRPr lang="uk-UA"/>
           </a:p>
         </p:txBody>
       </p:sp>
     </p:spTree>
     <p:extLst>
       <p:ext uri="{BB962C8B-B14F-4D97-AF65-F5344CB8AC3E}">
-        <p14:creationId xmlns:p14="http://schemas.microsoft.com/office/powerpoint/2010/main" val="1593330006"/>
+        <p14:creationId xmlns:p14="http://schemas.microsoft.com/office/powerpoint/2010/main" val="804125249"/>
       </p:ext>
     </p:extLst>
   </p:cSld>
@@ -1418,20 +2312,21 @@
             <p:ph type="title"/>
           </p:nvPr>
         </p:nvSpPr>
-        <p:spPr/>
+        <p:spPr>
+          <a:xfrm>
+            <a:off x="629841" y="365126"/>
+            <a:ext cx="7886700" cy="1325563"/>
+          </a:xfrm>
+        </p:spPr>
         <p:txBody>
           <a:bodyPr/>
-          <a:lstStyle>
-            <a:lvl1pPr>
-              <a:defRPr/>
-            </a:lvl1pPr>
-          </a:lstStyle>
-          <a:p>
-            <a:r>
-              <a:rPr lang="en-CA"/>
+          <a:lstStyle/>
+          <a:p>
+            <a:r>
+              <a:rPr lang="en-US" altLang="zh-CN" smtClean="0"/>
               <a:t>Click to edit Master title style</a:t>
             </a:r>
-            <a:endParaRPr lang="en-US"/>
+            <a:endParaRPr lang="en-US" dirty="0"/>
           </a:p>
         </p:txBody>
       </p:sp>
@@ -1447,8 +2342,8 @@
         </p:nvSpPr>
         <p:spPr>
           <a:xfrm>
-            <a:off x="457200" y="1535113"/>
-            <a:ext cx="4040188" cy="639762"/>
+            <a:off x="629842" y="1681163"/>
+            <a:ext cx="3868340" cy="823912"/>
           </a:xfrm>
         </p:spPr>
         <p:txBody>
@@ -1494,7 +2389,7 @@
           <a:p>
             <a:pPr lvl="0"/>
             <a:r>
-              <a:rPr lang="en-CA"/>
+              <a:rPr lang="en-US" altLang="zh-CN" smtClean="0"/>
               <a:t>Click to edit Master text styles</a:t>
             </a:r>
           </a:p>
@@ -1512,76 +2407,48 @@
         </p:nvSpPr>
         <p:spPr>
           <a:xfrm>
-            <a:off x="457200" y="2174875"/>
-            <a:ext cx="4040188" cy="3951288"/>
+            <a:off x="629842" y="2505075"/>
+            <a:ext cx="3868340" cy="3684588"/>
           </a:xfrm>
         </p:spPr>
         <p:txBody>
           <a:bodyPr/>
-          <a:lstStyle>
-            <a:lvl1pPr>
-              <a:defRPr sz="2400"/>
-            </a:lvl1pPr>
-            <a:lvl2pPr>
-              <a:defRPr sz="2000"/>
-            </a:lvl2pPr>
-            <a:lvl3pPr>
-              <a:defRPr sz="1800"/>
-            </a:lvl3pPr>
-            <a:lvl4pPr>
-              <a:defRPr sz="1600"/>
-            </a:lvl4pPr>
-            <a:lvl5pPr>
-              <a:defRPr sz="1600"/>
-            </a:lvl5pPr>
-            <a:lvl6pPr>
-              <a:defRPr sz="1600"/>
-            </a:lvl6pPr>
-            <a:lvl7pPr>
-              <a:defRPr sz="1600"/>
-            </a:lvl7pPr>
-            <a:lvl8pPr>
-              <a:defRPr sz="1600"/>
-            </a:lvl8pPr>
-            <a:lvl9pPr>
-              <a:defRPr sz="1600"/>
-            </a:lvl9pPr>
-          </a:lstStyle>
+          <a:lstStyle/>
           <a:p>
             <a:pPr lvl="0"/>
             <a:r>
-              <a:rPr lang="en-CA"/>
+              <a:rPr lang="en-US" altLang="zh-CN" smtClean="0"/>
               <a:t>Click to edit Master text styles</a:t>
             </a:r>
           </a:p>
           <a:p>
             <a:pPr lvl="1"/>
             <a:r>
-              <a:rPr lang="en-CA"/>
+              <a:rPr lang="en-US" altLang="zh-CN" smtClean="0"/>
               <a:t>Second level</a:t>
             </a:r>
           </a:p>
           <a:p>
             <a:pPr lvl="2"/>
             <a:r>
-              <a:rPr lang="en-CA"/>
+              <a:rPr lang="en-US" altLang="zh-CN" smtClean="0"/>
               <a:t>Third level</a:t>
             </a:r>
           </a:p>
           <a:p>
             <a:pPr lvl="3"/>
             <a:r>
-              <a:rPr lang="en-CA"/>
+              <a:rPr lang="en-US" altLang="zh-CN" smtClean="0"/>
               <a:t>Fourth level</a:t>
             </a:r>
           </a:p>
           <a:p>
             <a:pPr lvl="4"/>
             <a:r>
-              <a:rPr lang="en-CA"/>
+              <a:rPr lang="en-US" altLang="zh-CN" smtClean="0"/>
               <a:t>Fifth level</a:t>
             </a:r>
-            <a:endParaRPr lang="en-US"/>
+            <a:endParaRPr lang="en-US" dirty="0"/>
           </a:p>
         </p:txBody>
       </p:sp>
@@ -1597,8 +2464,8 @@
         </p:nvSpPr>
         <p:spPr>
           <a:xfrm>
-            <a:off x="4645025" y="1535113"/>
-            <a:ext cx="4041775" cy="639762"/>
+            <a:off x="4629150" y="1681163"/>
+            <a:ext cx="3887391" cy="823912"/>
           </a:xfrm>
         </p:spPr>
         <p:txBody>
@@ -1644,7 +2511,7 @@
           <a:p>
             <a:pPr lvl="0"/>
             <a:r>
-              <a:rPr lang="en-CA"/>
+              <a:rPr lang="en-US" altLang="zh-CN" smtClean="0"/>
               <a:t>Click to edit Master text styles</a:t>
             </a:r>
           </a:p>
@@ -1662,76 +2529,48 @@
         </p:nvSpPr>
         <p:spPr>
           <a:xfrm>
-            <a:off x="4645025" y="2174875"/>
-            <a:ext cx="4041775" cy="3951288"/>
+            <a:off x="4629150" y="2505075"/>
+            <a:ext cx="3887391" cy="3684588"/>
           </a:xfrm>
         </p:spPr>
         <p:txBody>
           <a:bodyPr/>
-          <a:lstStyle>
-            <a:lvl1pPr>
-              <a:defRPr sz="2400"/>
-            </a:lvl1pPr>
-            <a:lvl2pPr>
-              <a:defRPr sz="2000"/>
-            </a:lvl2pPr>
-            <a:lvl3pPr>
-              <a:defRPr sz="1800"/>
-            </a:lvl3pPr>
-            <a:lvl4pPr>
-              <a:defRPr sz="1600"/>
-            </a:lvl4pPr>
-            <a:lvl5pPr>
-              <a:defRPr sz="1600"/>
-            </a:lvl5pPr>
-            <a:lvl6pPr>
-              <a:defRPr sz="1600"/>
-            </a:lvl6pPr>
-            <a:lvl7pPr>
-              <a:defRPr sz="1600"/>
-            </a:lvl7pPr>
-            <a:lvl8pPr>
-              <a:defRPr sz="1600"/>
-            </a:lvl8pPr>
-            <a:lvl9pPr>
-              <a:defRPr sz="1600"/>
-            </a:lvl9pPr>
-          </a:lstStyle>
+          <a:lstStyle/>
           <a:p>
             <a:pPr lvl="0"/>
             <a:r>
-              <a:rPr lang="en-CA"/>
+              <a:rPr lang="en-US" altLang="zh-CN" smtClean="0"/>
               <a:t>Click to edit Master text styles</a:t>
             </a:r>
           </a:p>
           <a:p>
             <a:pPr lvl="1"/>
             <a:r>
-              <a:rPr lang="en-CA"/>
+              <a:rPr lang="en-US" altLang="zh-CN" smtClean="0"/>
               <a:t>Second level</a:t>
             </a:r>
           </a:p>
           <a:p>
             <a:pPr lvl="2"/>
             <a:r>
-              <a:rPr lang="en-CA"/>
+              <a:rPr lang="en-US" altLang="zh-CN" smtClean="0"/>
               <a:t>Third level</a:t>
             </a:r>
           </a:p>
           <a:p>
             <a:pPr lvl="3"/>
             <a:r>
-              <a:rPr lang="en-CA"/>
+              <a:rPr lang="en-US" altLang="zh-CN" smtClean="0"/>
               <a:t>Fourth level</a:t>
             </a:r>
           </a:p>
           <a:p>
             <a:pPr lvl="4"/>
             <a:r>
-              <a:rPr lang="en-CA"/>
+              <a:rPr lang="en-US" altLang="zh-CN" smtClean="0"/>
               <a:t>Fifth level</a:t>
             </a:r>
-            <a:endParaRPr lang="en-US"/>
+            <a:endParaRPr lang="en-US" dirty="0"/>
           </a:p>
         </p:txBody>
       </p:sp>
@@ -1751,7 +2590,8 @@
           <a:lstStyle/>
           <a:p>
             <a:fld id="{C47D408F-8A80-EC46-9B06-2A4F39B76EBA}" type="datetimeFigureOut">
-              <a:t>16-10-31</a:t>
+              <a:rPr lang="en-US" smtClean="0"/>
+              <a:t>2/4/17</a:t>
             </a:fld>
             <a:endParaRPr lang="en-US"/>
           </a:p>
@@ -1792,16 +2632,17 @@
           <a:lstStyle/>
           <a:p>
             <a:fld id="{F1C2ECA3-817C-F04B-B8AB-27BAD34D4C1A}" type="slidenum">
+              <a:rPr lang="uk-UA" smtClean="0"/>
               <a:t>‹#›</a:t>
             </a:fld>
-            <a:endParaRPr lang="en-US"/>
+            <a:endParaRPr lang="uk-UA"/>
           </a:p>
         </p:txBody>
       </p:sp>
     </p:spTree>
     <p:extLst>
       <p:ext uri="{BB962C8B-B14F-4D97-AF65-F5344CB8AC3E}">
-        <p14:creationId xmlns:p14="http://schemas.microsoft.com/office/powerpoint/2010/main" val="420216780"/>
+        <p14:creationId xmlns:p14="http://schemas.microsoft.com/office/powerpoint/2010/main" val="818469372"/>
       </p:ext>
     </p:extLst>
   </p:cSld>
@@ -1844,10 +2685,10 @@
           <a:lstStyle/>
           <a:p>
             <a:r>
-              <a:rPr lang="en-CA"/>
+              <a:rPr lang="en-US" altLang="zh-CN" smtClean="0"/>
               <a:t>Click to edit Master title style</a:t>
             </a:r>
-            <a:endParaRPr lang="en-US"/>
+            <a:endParaRPr lang="en-US" dirty="0"/>
           </a:p>
         </p:txBody>
       </p:sp>
@@ -1867,7 +2708,8 @@
           <a:lstStyle/>
           <a:p>
             <a:fld id="{C47D408F-8A80-EC46-9B06-2A4F39B76EBA}" type="datetimeFigureOut">
-              <a:t>16-10-31</a:t>
+              <a:rPr lang="en-US" smtClean="0"/>
+              <a:t>2/4/17</a:t>
             </a:fld>
             <a:endParaRPr lang="en-US"/>
           </a:p>
@@ -1908,16 +2750,17 @@
           <a:lstStyle/>
           <a:p>
             <a:fld id="{F1C2ECA3-817C-F04B-B8AB-27BAD34D4C1A}" type="slidenum">
+              <a:rPr lang="uk-UA" smtClean="0"/>
               <a:t>‹#›</a:t>
             </a:fld>
-            <a:endParaRPr lang="en-US"/>
+            <a:endParaRPr lang="uk-UA"/>
           </a:p>
         </p:txBody>
       </p:sp>
     </p:spTree>
     <p:extLst>
       <p:ext uri="{BB962C8B-B14F-4D97-AF65-F5344CB8AC3E}">
-        <p14:creationId xmlns:p14="http://schemas.microsoft.com/office/powerpoint/2010/main" val="1516527891"/>
+        <p14:creationId xmlns:p14="http://schemas.microsoft.com/office/powerpoint/2010/main" val="1381976169"/>
       </p:ext>
     </p:extLst>
   </p:cSld>
@@ -1960,7 +2803,8 @@
           <a:lstStyle/>
           <a:p>
             <a:fld id="{C47D408F-8A80-EC46-9B06-2A4F39B76EBA}" type="datetimeFigureOut">
-              <a:t>16-10-31</a:t>
+              <a:rPr lang="en-US" smtClean="0"/>
+              <a:t>2/4/17</a:t>
             </a:fld>
             <a:endParaRPr lang="en-US"/>
           </a:p>
@@ -2001,16 +2845,17 @@
           <a:lstStyle/>
           <a:p>
             <a:fld id="{F1C2ECA3-817C-F04B-B8AB-27BAD34D4C1A}" type="slidenum">
+              <a:rPr lang="uk-UA" smtClean="0"/>
               <a:t>‹#›</a:t>
             </a:fld>
-            <a:endParaRPr lang="en-US"/>
+            <a:endParaRPr lang="uk-UA"/>
           </a:p>
         </p:txBody>
       </p:sp>
     </p:spTree>
     <p:extLst>
       <p:ext uri="{BB962C8B-B14F-4D97-AF65-F5344CB8AC3E}">
-        <p14:creationId xmlns:p14="http://schemas.microsoft.com/office/powerpoint/2010/main" val="2315276019"/>
+        <p14:creationId xmlns:p14="http://schemas.microsoft.com/office/powerpoint/2010/main" val="1837830078"/>
       </p:ext>
     </p:extLst>
   </p:cSld>
@@ -2049,23 +2894,23 @@
         </p:nvSpPr>
         <p:spPr>
           <a:xfrm>
-            <a:off x="457200" y="273050"/>
-            <a:ext cx="3008313" cy="1162050"/>
+            <a:off x="629841" y="457200"/>
+            <a:ext cx="2949178" cy="1600200"/>
           </a:xfrm>
         </p:spPr>
         <p:txBody>
           <a:bodyPr anchor="b"/>
           <a:lstStyle>
-            <a:lvl1pPr algn="l">
-              <a:defRPr sz="2000" b="1"/>
+            <a:lvl1pPr>
+              <a:defRPr sz="3200"/>
             </a:lvl1pPr>
           </a:lstStyle>
           <a:p>
             <a:r>
-              <a:rPr lang="en-CA"/>
+              <a:rPr lang="en-US" altLang="zh-CN" smtClean="0"/>
               <a:t>Click to edit Master title style</a:t>
             </a:r>
-            <a:endParaRPr lang="en-US"/>
+            <a:endParaRPr lang="en-US" dirty="0"/>
           </a:p>
         </p:txBody>
       </p:sp>
@@ -2081,8 +2926,8 @@
         </p:nvSpPr>
         <p:spPr>
           <a:xfrm>
-            <a:off x="3575050" y="273050"/>
-            <a:ext cx="5111750" cy="5853113"/>
+            <a:off x="3887391" y="987426"/>
+            <a:ext cx="4629150" cy="4873625"/>
           </a:xfrm>
         </p:spPr>
         <p:txBody>
@@ -2119,38 +2964,38 @@
           <a:p>
             <a:pPr lvl="0"/>
             <a:r>
-              <a:rPr lang="en-CA"/>
+              <a:rPr lang="en-US" altLang="zh-CN" smtClean="0"/>
               <a:t>Click to edit Master text styles</a:t>
             </a:r>
           </a:p>
           <a:p>
             <a:pPr lvl="1"/>
             <a:r>
-              <a:rPr lang="en-CA"/>
+              <a:rPr lang="en-US" altLang="zh-CN" smtClean="0"/>
               <a:t>Second level</a:t>
             </a:r>
           </a:p>
           <a:p>
             <a:pPr lvl="2"/>
             <a:r>
-              <a:rPr lang="en-CA"/>
+              <a:rPr lang="en-US" altLang="zh-CN" smtClean="0"/>
               <a:t>Third level</a:t>
             </a:r>
           </a:p>
           <a:p>
             <a:pPr lvl="3"/>
             <a:r>
-              <a:rPr lang="en-CA"/>
+              <a:rPr lang="en-US" altLang="zh-CN" smtClean="0"/>
               <a:t>Fourth level</a:t>
             </a:r>
           </a:p>
           <a:p>
             <a:pPr lvl="4"/>
             <a:r>
-              <a:rPr lang="en-CA"/>
+              <a:rPr lang="en-US" altLang="zh-CN" smtClean="0"/>
               <a:t>Fifth level</a:t>
             </a:r>
-            <a:endParaRPr lang="en-US"/>
+            <a:endParaRPr lang="en-US" dirty="0"/>
           </a:p>
         </p:txBody>
       </p:sp>
@@ -2166,8 +3011,8 @@
         </p:nvSpPr>
         <p:spPr>
           <a:xfrm>
-            <a:off x="457200" y="1435100"/>
-            <a:ext cx="3008313" cy="4691063"/>
+            <a:off x="629841" y="2057400"/>
+            <a:ext cx="2949178" cy="3811588"/>
           </a:xfrm>
         </p:spPr>
         <p:txBody>
@@ -2175,45 +3020,45 @@
           <a:lstStyle>
             <a:lvl1pPr marL="0" indent="0">
               <a:buNone/>
-              <a:defRPr sz="1400"/>
+              <a:defRPr sz="1600"/>
             </a:lvl1pPr>
             <a:lvl2pPr marL="457200" indent="0">
               <a:buNone/>
-              <a:defRPr sz="1200"/>
+              <a:defRPr sz="1400"/>
             </a:lvl2pPr>
             <a:lvl3pPr marL="914400" indent="0">
               <a:buNone/>
-              <a:defRPr sz="1000"/>
+              <a:defRPr sz="1200"/>
             </a:lvl3pPr>
             <a:lvl4pPr marL="1371600" indent="0">
               <a:buNone/>
-              <a:defRPr sz="900"/>
+              <a:defRPr sz="1000"/>
             </a:lvl4pPr>
             <a:lvl5pPr marL="1828800" indent="0">
               <a:buNone/>
-              <a:defRPr sz="900"/>
+              <a:defRPr sz="1000"/>
             </a:lvl5pPr>
             <a:lvl6pPr marL="2286000" indent="0">
               <a:buNone/>
-              <a:defRPr sz="900"/>
+              <a:defRPr sz="1000"/>
             </a:lvl6pPr>
             <a:lvl7pPr marL="2743200" indent="0">
               <a:buNone/>
-              <a:defRPr sz="900"/>
+              <a:defRPr sz="1000"/>
             </a:lvl7pPr>
             <a:lvl8pPr marL="3200400" indent="0">
               <a:buNone/>
-              <a:defRPr sz="900"/>
+              <a:defRPr sz="1000"/>
             </a:lvl8pPr>
             <a:lvl9pPr marL="3657600" indent="0">
               <a:buNone/>
-              <a:defRPr sz="900"/>
+              <a:defRPr sz="1000"/>
             </a:lvl9pPr>
           </a:lstStyle>
           <a:p>
             <a:pPr lvl="0"/>
             <a:r>
-              <a:rPr lang="en-CA"/>
+              <a:rPr lang="en-US" altLang="zh-CN" smtClean="0"/>
               <a:t>Click to edit Master text styles</a:t>
             </a:r>
           </a:p>
@@ -2235,7 +3080,8 @@
           <a:lstStyle/>
           <a:p>
             <a:fld id="{C47D408F-8A80-EC46-9B06-2A4F39B76EBA}" type="datetimeFigureOut">
-              <a:t>16-10-31</a:t>
+              <a:rPr lang="en-US" smtClean="0"/>
+              <a:t>2/4/17</a:t>
             </a:fld>
             <a:endParaRPr lang="en-US"/>
           </a:p>
@@ -2276,16 +3122,17 @@
           <a:lstStyle/>
           <a:p>
             <a:fld id="{F1C2ECA3-817C-F04B-B8AB-27BAD34D4C1A}" type="slidenum">
+              <a:rPr lang="uk-UA" smtClean="0"/>
               <a:t>‹#›</a:t>
             </a:fld>
-            <a:endParaRPr lang="en-US"/>
+            <a:endParaRPr lang="uk-UA"/>
           </a:p>
         </p:txBody>
       </p:sp>
     </p:spTree>
     <p:extLst>
       <p:ext uri="{BB962C8B-B14F-4D97-AF65-F5344CB8AC3E}">
-        <p14:creationId xmlns:p14="http://schemas.microsoft.com/office/powerpoint/2010/main" val="1958840441"/>
+        <p14:creationId xmlns:p14="http://schemas.microsoft.com/office/powerpoint/2010/main" val="1152826145"/>
       </p:ext>
     </p:extLst>
   </p:cSld>
@@ -2324,23 +3171,23 @@
         </p:nvSpPr>
         <p:spPr>
           <a:xfrm>
-            <a:off x="1792288" y="4800600"/>
-            <a:ext cx="5486400" cy="566738"/>
+            <a:off x="629841" y="457200"/>
+            <a:ext cx="2949178" cy="1600200"/>
           </a:xfrm>
         </p:spPr>
         <p:txBody>
           <a:bodyPr anchor="b"/>
           <a:lstStyle>
-            <a:lvl1pPr algn="l">
-              <a:defRPr sz="2000" b="1"/>
+            <a:lvl1pPr>
+              <a:defRPr sz="3200"/>
             </a:lvl1pPr>
           </a:lstStyle>
           <a:p>
             <a:r>
-              <a:rPr lang="en-CA"/>
+              <a:rPr lang="en-US" altLang="zh-CN" smtClean="0"/>
               <a:t>Click to edit Master title style</a:t>
             </a:r>
-            <a:endParaRPr lang="en-US"/>
+            <a:endParaRPr lang="en-US" dirty="0"/>
           </a:p>
         </p:txBody>
       </p:sp>
@@ -2348,7 +3195,7 @@
         <p:nvSpPr>
           <p:cNvPr id="3" name="Picture Placeholder 2"/>
           <p:cNvSpPr>
-            <a:spLocks noGrp="1"/>
+            <a:spLocks noGrp="1" noChangeAspect="1"/>
           </p:cNvSpPr>
           <p:nvPr>
             <p:ph type="pic" idx="1"/>
@@ -2356,12 +3203,12 @@
         </p:nvSpPr>
         <p:spPr>
           <a:xfrm>
-            <a:off x="1792288" y="612775"/>
-            <a:ext cx="5486400" cy="4114800"/>
-          </a:xfrm>
-        </p:spPr>
-        <p:txBody>
-          <a:bodyPr/>
+            <a:off x="3887391" y="987426"/>
+            <a:ext cx="4629150" cy="4873625"/>
+          </a:xfrm>
+        </p:spPr>
+        <p:txBody>
+          <a:bodyPr anchor="t"/>
           <a:lstStyle>
             <a:lvl1pPr marL="0" indent="0">
               <a:buNone/>
@@ -2401,7 +3248,11 @@
             </a:lvl9pPr>
           </a:lstStyle>
           <a:p>
-            <a:endParaRPr lang="en-US"/>
+            <a:r>
+              <a:rPr lang="en-US" altLang="zh-CN" smtClean="0"/>
+              <a:t>Drag picture to placeholder or click icon to add</a:t>
+            </a:r>
+            <a:endParaRPr lang="en-US" dirty="0"/>
           </a:p>
         </p:txBody>
       </p:sp>
@@ -2417,8 +3268,8 @@
         </p:nvSpPr>
         <p:spPr>
           <a:xfrm>
-            <a:off x="1792288" y="5367338"/>
-            <a:ext cx="5486400" cy="804862"/>
+            <a:off x="629841" y="2057400"/>
+            <a:ext cx="2949178" cy="3811588"/>
           </a:xfrm>
         </p:spPr>
         <p:txBody>
@@ -2426,45 +3277,45 @@
           <a:lstStyle>
             <a:lvl1pPr marL="0" indent="0">
               <a:buNone/>
-              <a:defRPr sz="1400"/>
+              <a:defRPr sz="1600"/>
             </a:lvl1pPr>
             <a:lvl2pPr marL="457200" indent="0">
               <a:buNone/>
-              <a:defRPr sz="1200"/>
+              <a:defRPr sz="1400"/>
             </a:lvl2pPr>
             <a:lvl3pPr marL="914400" indent="0">
               <a:buNone/>
-              <a:defRPr sz="1000"/>
+              <a:defRPr sz="1200"/>
             </a:lvl3pPr>
             <a:lvl4pPr marL="1371600" indent="0">
               <a:buNone/>
-              <a:defRPr sz="900"/>
+              <a:defRPr sz="1000"/>
             </a:lvl4pPr>
             <a:lvl5pPr marL="1828800" indent="0">
               <a:buNone/>
-              <a:defRPr sz="900"/>
+              <a:defRPr sz="1000"/>
             </a:lvl5pPr>
             <a:lvl6pPr marL="2286000" indent="0">
               <a:buNone/>
-              <a:defRPr sz="900"/>
+              <a:defRPr sz="1000"/>
             </a:lvl6pPr>
             <a:lvl7pPr marL="2743200" indent="0">
               <a:buNone/>
-              <a:defRPr sz="900"/>
+              <a:defRPr sz="1000"/>
             </a:lvl7pPr>
             <a:lvl8pPr marL="3200400" indent="0">
               <a:buNone/>
-              <a:defRPr sz="900"/>
+              <a:defRPr sz="1000"/>
             </a:lvl8pPr>
             <a:lvl9pPr marL="3657600" indent="0">
               <a:buNone/>
-              <a:defRPr sz="900"/>
+              <a:defRPr sz="1000"/>
             </a:lvl9pPr>
           </a:lstStyle>
           <a:p>
             <a:pPr lvl="0"/>
             <a:r>
-              <a:rPr lang="en-CA"/>
+              <a:rPr lang="en-US" altLang="zh-CN" smtClean="0"/>
               <a:t>Click to edit Master text styles</a:t>
             </a:r>
           </a:p>
@@ -2486,7 +3337,8 @@
           <a:lstStyle/>
           <a:p>
             <a:fld id="{C47D408F-8A80-EC46-9B06-2A4F39B76EBA}" type="datetimeFigureOut">
-              <a:t>16-10-31</a:t>
+              <a:rPr lang="en-US" smtClean="0"/>
+              <a:t>2/4/17</a:t>
             </a:fld>
             <a:endParaRPr lang="en-US"/>
           </a:p>
@@ -2527,16 +3379,17 @@
           <a:lstStyle/>
           <a:p>
             <a:fld id="{F1C2ECA3-817C-F04B-B8AB-27BAD34D4C1A}" type="slidenum">
+              <a:rPr lang="uk-UA" smtClean="0"/>
               <a:t>‹#›</a:t>
             </a:fld>
-            <a:endParaRPr lang="en-US"/>
+            <a:endParaRPr lang="uk-UA"/>
           </a:p>
         </p:txBody>
       </p:sp>
     </p:spTree>
     <p:extLst>
       <p:ext uri="{BB962C8B-B14F-4D97-AF65-F5344CB8AC3E}">
-        <p14:creationId xmlns:p14="http://schemas.microsoft.com/office/powerpoint/2010/main" val="3526670255"/>
+        <p14:creationId xmlns:p14="http://schemas.microsoft.com/office/powerpoint/2010/main" val="951555781"/>
       </p:ext>
     </p:extLst>
   </p:cSld>
@@ -2580,8 +3433,8 @@
         </p:nvSpPr>
         <p:spPr>
           <a:xfrm>
-            <a:off x="457200" y="274638"/>
-            <a:ext cx="8229600" cy="1143000"/>
+            <a:off x="628650" y="365126"/>
+            <a:ext cx="7886700" cy="1325563"/>
           </a:xfrm>
           <a:prstGeom prst="rect">
             <a:avLst/>
@@ -2594,10 +3447,10 @@
           <a:lstStyle/>
           <a:p>
             <a:r>
-              <a:rPr lang="en-CA"/>
+              <a:rPr lang="en-US" altLang="zh-CN" smtClean="0"/>
               <a:t>Click to edit Master title style</a:t>
             </a:r>
-            <a:endParaRPr lang="en-US"/>
+            <a:endParaRPr lang="en-US" dirty="0"/>
           </a:p>
         </p:txBody>
       </p:sp>
@@ -2613,8 +3466,8 @@
         </p:nvSpPr>
         <p:spPr>
           <a:xfrm>
-            <a:off x="457200" y="1600200"/>
-            <a:ext cx="8229600" cy="4525963"/>
+            <a:off x="628650" y="1825625"/>
+            <a:ext cx="7886700" cy="4351338"/>
           </a:xfrm>
           <a:prstGeom prst="rect">
             <a:avLst/>
@@ -2628,38 +3481,38 @@
           <a:p>
             <a:pPr lvl="0"/>
             <a:r>
-              <a:rPr lang="en-CA"/>
+              <a:rPr lang="en-US" altLang="zh-CN" smtClean="0"/>
               <a:t>Click to edit Master text styles</a:t>
             </a:r>
           </a:p>
           <a:p>
             <a:pPr lvl="1"/>
             <a:r>
-              <a:rPr lang="en-CA"/>
+              <a:rPr lang="en-US" altLang="zh-CN" smtClean="0"/>
               <a:t>Second level</a:t>
             </a:r>
           </a:p>
           <a:p>
             <a:pPr lvl="2"/>
             <a:r>
-              <a:rPr lang="en-CA"/>
+              <a:rPr lang="en-US" altLang="zh-CN" smtClean="0"/>
               <a:t>Third level</a:t>
             </a:r>
           </a:p>
           <a:p>
             <a:pPr lvl="3"/>
             <a:r>
-              <a:rPr lang="en-CA"/>
+              <a:rPr lang="en-US" altLang="zh-CN" smtClean="0"/>
               <a:t>Fourth level</a:t>
             </a:r>
           </a:p>
           <a:p>
             <a:pPr lvl="4"/>
             <a:r>
-              <a:rPr lang="en-CA"/>
+              <a:rPr lang="en-US" altLang="zh-CN" smtClean="0"/>
               <a:t>Fifth level</a:t>
             </a:r>
-            <a:endParaRPr lang="en-US"/>
+            <a:endParaRPr lang="en-US" dirty="0"/>
           </a:p>
         </p:txBody>
       </p:sp>
@@ -2675,8 +3528,8 @@
         </p:nvSpPr>
         <p:spPr>
           <a:xfrm>
-            <a:off x="457200" y="6356350"/>
-            <a:ext cx="2133600" cy="365125"/>
+            <a:off x="628650" y="6356351"/>
+            <a:ext cx="2057400" cy="365125"/>
           </a:xfrm>
           <a:prstGeom prst="rect">
             <a:avLst/>
@@ -2697,7 +3550,8 @@
           </a:lstStyle>
           <a:p>
             <a:fld id="{C47D408F-8A80-EC46-9B06-2A4F39B76EBA}" type="datetimeFigureOut">
-              <a:t>16-10-31</a:t>
+              <a:rPr lang="en-US" smtClean="0"/>
+              <a:t>2/4/17</a:t>
             </a:fld>
             <a:endParaRPr lang="en-US"/>
           </a:p>
@@ -2715,8 +3569,8 @@
         </p:nvSpPr>
         <p:spPr>
           <a:xfrm>
-            <a:off x="3124200" y="6356350"/>
-            <a:ext cx="2895600" cy="365125"/>
+            <a:off x="3028950" y="6356351"/>
+            <a:ext cx="3086100" cy="365125"/>
           </a:xfrm>
           <a:prstGeom prst="rect">
             <a:avLst/>
@@ -2752,8 +3606,8 @@
         </p:nvSpPr>
         <p:spPr>
           <a:xfrm>
-            <a:off x="6553200" y="6356350"/>
-            <a:ext cx="2133600" cy="365125"/>
+            <a:off x="6457950" y="6356351"/>
+            <a:ext cx="2057400" cy="365125"/>
           </a:xfrm>
           <a:prstGeom prst="rect">
             <a:avLst/>
@@ -2774,36 +3628,40 @@
           </a:lstStyle>
           <a:p>
             <a:fld id="{F1C2ECA3-817C-F04B-B8AB-27BAD34D4C1A}" type="slidenum">
+              <a:rPr lang="uk-UA" smtClean="0"/>
               <a:t>‹#›</a:t>
             </a:fld>
-            <a:endParaRPr lang="en-US"/>
+            <a:endParaRPr lang="uk-UA"/>
           </a:p>
         </p:txBody>
       </p:sp>
     </p:spTree>
     <p:extLst>
       <p:ext uri="{BB962C8B-B14F-4D97-AF65-F5344CB8AC3E}">
-        <p14:creationId xmlns:p14="http://schemas.microsoft.com/office/powerpoint/2010/main" val="2224910638"/>
+        <p14:creationId xmlns:p14="http://schemas.microsoft.com/office/powerpoint/2010/main" val="1773688842"/>
       </p:ext>
     </p:extLst>
   </p:cSld>
   <p:clrMap bg1="lt1" tx1="dk1" bg2="lt2" tx2="dk2" accent1="accent1" accent2="accent2" accent3="accent3" accent4="accent4" accent5="accent5" accent6="accent6" hlink="hlink" folHlink="folHlink"/>
   <p:sldLayoutIdLst>
-    <p:sldLayoutId id="2147483649" r:id="rId1"/>
-    <p:sldLayoutId id="2147483650" r:id="rId2"/>
-    <p:sldLayoutId id="2147483651" r:id="rId3"/>
-    <p:sldLayoutId id="2147483652" r:id="rId4"/>
-    <p:sldLayoutId id="2147483653" r:id="rId5"/>
-    <p:sldLayoutId id="2147483654" r:id="rId6"/>
-    <p:sldLayoutId id="2147483655" r:id="rId7"/>
-    <p:sldLayoutId id="2147483656" r:id="rId8"/>
-    <p:sldLayoutId id="2147483657" r:id="rId9"/>
-    <p:sldLayoutId id="2147483658" r:id="rId10"/>
-    <p:sldLayoutId id="2147483659" r:id="rId11"/>
+    <p:sldLayoutId id="2147483745" r:id="rId1"/>
+    <p:sldLayoutId id="2147483746" r:id="rId2"/>
+    <p:sldLayoutId id="2147483747" r:id="rId3"/>
+    <p:sldLayoutId id="2147483748" r:id="rId4"/>
+    <p:sldLayoutId id="2147483749" r:id="rId5"/>
+    <p:sldLayoutId id="2147483750" r:id="rId6"/>
+    <p:sldLayoutId id="2147483751" r:id="rId7"/>
+    <p:sldLayoutId id="2147483752" r:id="rId8"/>
+    <p:sldLayoutId id="2147483753" r:id="rId9"/>
+    <p:sldLayoutId id="2147483754" r:id="rId10"/>
+    <p:sldLayoutId id="2147483755" r:id="rId11"/>
   </p:sldLayoutIdLst>
   <p:txStyles>
     <p:titleStyle>
-      <a:lvl1pPr algn="ctr" defTabSz="457200" rtl="0" eaLnBrk="1" latinLnBrk="0" hangingPunct="1">
+      <a:lvl1pPr algn="l" defTabSz="914400" rtl="0" eaLnBrk="1" latinLnBrk="0" hangingPunct="1">
+        <a:lnSpc>
+          <a:spcPct val="90000"/>
+        </a:lnSpc>
         <a:spcBef>
           <a:spcPct val="0"/>
         </a:spcBef>
@@ -2819,13 +3677,16 @@
       </a:lvl1pPr>
     </p:titleStyle>
     <p:bodyStyle>
-      <a:lvl1pPr marL="342900" indent="-342900" algn="l" defTabSz="457200" rtl="0" eaLnBrk="1" latinLnBrk="0" hangingPunct="1">
+      <a:lvl1pPr marL="228600" indent="-228600" algn="l" defTabSz="914400" rtl="0" eaLnBrk="1" latinLnBrk="0" hangingPunct="1">
+        <a:lnSpc>
+          <a:spcPct val="90000"/>
+        </a:lnSpc>
         <a:spcBef>
-          <a:spcPct val="20000"/>
+          <a:spcPts val="1000"/>
         </a:spcBef>
-        <a:buFont typeface="Arial"/>
+        <a:buFont typeface="Arial" panose="020B0604020202020204" pitchFamily="34" charset="0"/>
         <a:buChar char="•"/>
-        <a:defRPr sz="3200" kern="1200">
+        <a:defRPr sz="2800" kern="1200">
           <a:solidFill>
             <a:schemeClr val="tx1"/>
           </a:solidFill>
@@ -2834,26 +3695,14 @@
           <a:cs typeface="+mn-cs"/>
         </a:defRPr>
       </a:lvl1pPr>
-      <a:lvl2pPr marL="742950" indent="-285750" algn="l" defTabSz="457200" rtl="0" eaLnBrk="1" latinLnBrk="0" hangingPunct="1">
+      <a:lvl2pPr marL="685800" indent="-228600" algn="l" defTabSz="914400" rtl="0" eaLnBrk="1" latinLnBrk="0" hangingPunct="1">
+        <a:lnSpc>
+          <a:spcPct val="90000"/>
+        </a:lnSpc>
         <a:spcBef>
-          <a:spcPct val="20000"/>
+          <a:spcPts val="500"/>
         </a:spcBef>
-        <a:buFont typeface="Arial"/>
-        <a:buChar char="–"/>
-        <a:defRPr sz="2800" kern="1200">
-          <a:solidFill>
-            <a:schemeClr val="tx1"/>
-          </a:solidFill>
-          <a:latin typeface="+mn-lt"/>
-          <a:ea typeface="+mn-ea"/>
-          <a:cs typeface="+mn-cs"/>
-        </a:defRPr>
-      </a:lvl2pPr>
-      <a:lvl3pPr marL="1143000" indent="-228600" algn="l" defTabSz="457200" rtl="0" eaLnBrk="1" latinLnBrk="0" hangingPunct="1">
-        <a:spcBef>
-          <a:spcPct val="20000"/>
-        </a:spcBef>
-        <a:buFont typeface="Arial"/>
+        <a:buFont typeface="Arial" panose="020B0604020202020204" pitchFamily="34" charset="0"/>
         <a:buChar char="•"/>
         <a:defRPr sz="2400" kern="1200">
           <a:solidFill>
@@ -2863,42 +3712,15 @@
           <a:ea typeface="+mn-ea"/>
           <a:cs typeface="+mn-cs"/>
         </a:defRPr>
-      </a:lvl3pPr>
-      <a:lvl4pPr marL="1600200" indent="-228600" algn="l" defTabSz="457200" rtl="0" eaLnBrk="1" latinLnBrk="0" hangingPunct="1">
+      </a:lvl2pPr>
+      <a:lvl3pPr marL="1143000" indent="-228600" algn="l" defTabSz="914400" rtl="0" eaLnBrk="1" latinLnBrk="0" hangingPunct="1">
+        <a:lnSpc>
+          <a:spcPct val="90000"/>
+        </a:lnSpc>
         <a:spcBef>
-          <a:spcPct val="20000"/>
+          <a:spcPts val="500"/>
         </a:spcBef>
-        <a:buFont typeface="Arial"/>
-        <a:buChar char="–"/>
-        <a:defRPr sz="2000" kern="1200">
-          <a:solidFill>
-            <a:schemeClr val="tx1"/>
-          </a:solidFill>
-          <a:latin typeface="+mn-lt"/>
-          <a:ea typeface="+mn-ea"/>
-          <a:cs typeface="+mn-cs"/>
-        </a:defRPr>
-      </a:lvl4pPr>
-      <a:lvl5pPr marL="2057400" indent="-228600" algn="l" defTabSz="457200" rtl="0" eaLnBrk="1" latinLnBrk="0" hangingPunct="1">
-        <a:spcBef>
-          <a:spcPct val="20000"/>
-        </a:spcBef>
-        <a:buFont typeface="Arial"/>
-        <a:buChar char="»"/>
-        <a:defRPr sz="2000" kern="1200">
-          <a:solidFill>
-            <a:schemeClr val="tx1"/>
-          </a:solidFill>
-          <a:latin typeface="+mn-lt"/>
-          <a:ea typeface="+mn-ea"/>
-          <a:cs typeface="+mn-cs"/>
-        </a:defRPr>
-      </a:lvl5pPr>
-      <a:lvl6pPr marL="2514600" indent="-228600" algn="l" defTabSz="457200" rtl="0" eaLnBrk="1" latinLnBrk="0" hangingPunct="1">
-        <a:spcBef>
-          <a:spcPct val="20000"/>
-        </a:spcBef>
-        <a:buFont typeface="Arial"/>
+        <a:buFont typeface="Arial" panose="020B0604020202020204" pitchFamily="34" charset="0"/>
         <a:buChar char="•"/>
         <a:defRPr sz="2000" kern="1200">
           <a:solidFill>
@@ -2908,14 +3730,71 @@
           <a:ea typeface="+mn-ea"/>
           <a:cs typeface="+mn-cs"/>
         </a:defRPr>
+      </a:lvl3pPr>
+      <a:lvl4pPr marL="1600200" indent="-228600" algn="l" defTabSz="914400" rtl="0" eaLnBrk="1" latinLnBrk="0" hangingPunct="1">
+        <a:lnSpc>
+          <a:spcPct val="90000"/>
+        </a:lnSpc>
+        <a:spcBef>
+          <a:spcPts val="500"/>
+        </a:spcBef>
+        <a:buFont typeface="Arial" panose="020B0604020202020204" pitchFamily="34" charset="0"/>
+        <a:buChar char="•"/>
+        <a:defRPr sz="1800" kern="1200">
+          <a:solidFill>
+            <a:schemeClr val="tx1"/>
+          </a:solidFill>
+          <a:latin typeface="+mn-lt"/>
+          <a:ea typeface="+mn-ea"/>
+          <a:cs typeface="+mn-cs"/>
+        </a:defRPr>
+      </a:lvl4pPr>
+      <a:lvl5pPr marL="2057400" indent="-228600" algn="l" defTabSz="914400" rtl="0" eaLnBrk="1" latinLnBrk="0" hangingPunct="1">
+        <a:lnSpc>
+          <a:spcPct val="90000"/>
+        </a:lnSpc>
+        <a:spcBef>
+          <a:spcPts val="500"/>
+        </a:spcBef>
+        <a:buFont typeface="Arial" panose="020B0604020202020204" pitchFamily="34" charset="0"/>
+        <a:buChar char="•"/>
+        <a:defRPr sz="1800" kern="1200">
+          <a:solidFill>
+            <a:schemeClr val="tx1"/>
+          </a:solidFill>
+          <a:latin typeface="+mn-lt"/>
+          <a:ea typeface="+mn-ea"/>
+          <a:cs typeface="+mn-cs"/>
+        </a:defRPr>
+      </a:lvl5pPr>
+      <a:lvl6pPr marL="2514600" indent="-228600" algn="l" defTabSz="914400" rtl="0" eaLnBrk="1" latinLnBrk="0" hangingPunct="1">
+        <a:lnSpc>
+          <a:spcPct val="90000"/>
+        </a:lnSpc>
+        <a:spcBef>
+          <a:spcPts val="500"/>
+        </a:spcBef>
+        <a:buFont typeface="Arial" panose="020B0604020202020204" pitchFamily="34" charset="0"/>
+        <a:buChar char="•"/>
+        <a:defRPr sz="1800" kern="1200">
+          <a:solidFill>
+            <a:schemeClr val="tx1"/>
+          </a:solidFill>
+          <a:latin typeface="+mn-lt"/>
+          <a:ea typeface="+mn-ea"/>
+          <a:cs typeface="+mn-cs"/>
+        </a:defRPr>
       </a:lvl6pPr>
-      <a:lvl7pPr marL="2971800" indent="-228600" algn="l" defTabSz="457200" rtl="0" eaLnBrk="1" latinLnBrk="0" hangingPunct="1">
+      <a:lvl7pPr marL="2971800" indent="-228600" algn="l" defTabSz="914400" rtl="0" eaLnBrk="1" latinLnBrk="0" hangingPunct="1">
+        <a:lnSpc>
+          <a:spcPct val="90000"/>
+        </a:lnSpc>
         <a:spcBef>
-          <a:spcPct val="20000"/>
+          <a:spcPts val="500"/>
         </a:spcBef>
-        <a:buFont typeface="Arial"/>
+        <a:buFont typeface="Arial" panose="020B0604020202020204" pitchFamily="34" charset="0"/>
         <a:buChar char="•"/>
-        <a:defRPr sz="2000" kern="1200">
+        <a:defRPr sz="1800" kern="1200">
           <a:solidFill>
             <a:schemeClr val="tx1"/>
           </a:solidFill>
@@ -2924,13 +3803,16 @@
           <a:cs typeface="+mn-cs"/>
         </a:defRPr>
       </a:lvl7pPr>
-      <a:lvl8pPr marL="3429000" indent="-228600" algn="l" defTabSz="457200" rtl="0" eaLnBrk="1" latinLnBrk="0" hangingPunct="1">
+      <a:lvl8pPr marL="3429000" indent="-228600" algn="l" defTabSz="914400" rtl="0" eaLnBrk="1" latinLnBrk="0" hangingPunct="1">
+        <a:lnSpc>
+          <a:spcPct val="90000"/>
+        </a:lnSpc>
         <a:spcBef>
-          <a:spcPct val="20000"/>
+          <a:spcPts val="500"/>
         </a:spcBef>
-        <a:buFont typeface="Arial"/>
+        <a:buFont typeface="Arial" panose="020B0604020202020204" pitchFamily="34" charset="0"/>
         <a:buChar char="•"/>
-        <a:defRPr sz="2000" kern="1200">
+        <a:defRPr sz="1800" kern="1200">
           <a:solidFill>
             <a:schemeClr val="tx1"/>
           </a:solidFill>
@@ -2939,13 +3821,16 @@
           <a:cs typeface="+mn-cs"/>
         </a:defRPr>
       </a:lvl8pPr>
-      <a:lvl9pPr marL="3886200" indent="-228600" algn="l" defTabSz="457200" rtl="0" eaLnBrk="1" latinLnBrk="0" hangingPunct="1">
+      <a:lvl9pPr marL="3886200" indent="-228600" algn="l" defTabSz="914400" rtl="0" eaLnBrk="1" latinLnBrk="0" hangingPunct="1">
+        <a:lnSpc>
+          <a:spcPct val="90000"/>
+        </a:lnSpc>
         <a:spcBef>
-          <a:spcPct val="20000"/>
+          <a:spcPts val="500"/>
         </a:spcBef>
-        <a:buFont typeface="Arial"/>
+        <a:buFont typeface="Arial" panose="020B0604020202020204" pitchFamily="34" charset="0"/>
         <a:buChar char="•"/>
-        <a:defRPr sz="2000" kern="1200">
+        <a:defRPr sz="1800" kern="1200">
           <a:solidFill>
             <a:schemeClr val="tx1"/>
           </a:solidFill>
@@ -2959,7 +3844,7 @@
       <a:defPPr>
         <a:defRPr lang="en-US"/>
       </a:defPPr>
-      <a:lvl1pPr marL="0" algn="l" defTabSz="457200" rtl="0" eaLnBrk="1" latinLnBrk="0" hangingPunct="1">
+      <a:lvl1pPr marL="0" algn="l" defTabSz="914400" rtl="0" eaLnBrk="1" latinLnBrk="0" hangingPunct="1">
         <a:defRPr sz="1800" kern="1200">
           <a:solidFill>
             <a:schemeClr val="tx1"/>
@@ -2969,7 +3854,7 @@
           <a:cs typeface="+mn-cs"/>
         </a:defRPr>
       </a:lvl1pPr>
-      <a:lvl2pPr marL="457200" algn="l" defTabSz="457200" rtl="0" eaLnBrk="1" latinLnBrk="0" hangingPunct="1">
+      <a:lvl2pPr marL="457200" algn="l" defTabSz="914400" rtl="0" eaLnBrk="1" latinLnBrk="0" hangingPunct="1">
         <a:defRPr sz="1800" kern="1200">
           <a:solidFill>
             <a:schemeClr val="tx1"/>
@@ -2979,7 +3864,7 @@
           <a:cs typeface="+mn-cs"/>
         </a:defRPr>
       </a:lvl2pPr>
-      <a:lvl3pPr marL="914400" algn="l" defTabSz="457200" rtl="0" eaLnBrk="1" latinLnBrk="0" hangingPunct="1">
+      <a:lvl3pPr marL="914400" algn="l" defTabSz="914400" rtl="0" eaLnBrk="1" latinLnBrk="0" hangingPunct="1">
         <a:defRPr sz="1800" kern="1200">
           <a:solidFill>
             <a:schemeClr val="tx1"/>
@@ -2989,7 +3874,7 @@
           <a:cs typeface="+mn-cs"/>
         </a:defRPr>
       </a:lvl3pPr>
-      <a:lvl4pPr marL="1371600" algn="l" defTabSz="457200" rtl="0" eaLnBrk="1" latinLnBrk="0" hangingPunct="1">
+      <a:lvl4pPr marL="1371600" algn="l" defTabSz="914400" rtl="0" eaLnBrk="1" latinLnBrk="0" hangingPunct="1">
         <a:defRPr sz="1800" kern="1200">
           <a:solidFill>
             <a:schemeClr val="tx1"/>
@@ -2999,7 +3884,7 @@
           <a:cs typeface="+mn-cs"/>
         </a:defRPr>
       </a:lvl4pPr>
-      <a:lvl5pPr marL="1828800" algn="l" defTabSz="457200" rtl="0" eaLnBrk="1" latinLnBrk="0" hangingPunct="1">
+      <a:lvl5pPr marL="1828800" algn="l" defTabSz="914400" rtl="0" eaLnBrk="1" latinLnBrk="0" hangingPunct="1">
         <a:defRPr sz="1800" kern="1200">
           <a:solidFill>
             <a:schemeClr val="tx1"/>
@@ -3009,7 +3894,7 @@
           <a:cs typeface="+mn-cs"/>
         </a:defRPr>
       </a:lvl5pPr>
-      <a:lvl6pPr marL="2286000" algn="l" defTabSz="457200" rtl="0" eaLnBrk="1" latinLnBrk="0" hangingPunct="1">
+      <a:lvl6pPr marL="2286000" algn="l" defTabSz="914400" rtl="0" eaLnBrk="1" latinLnBrk="0" hangingPunct="1">
         <a:defRPr sz="1800" kern="1200">
           <a:solidFill>
             <a:schemeClr val="tx1"/>
@@ -3019,7 +3904,7 @@
           <a:cs typeface="+mn-cs"/>
         </a:defRPr>
       </a:lvl6pPr>
-      <a:lvl7pPr marL="2743200" algn="l" defTabSz="457200" rtl="0" eaLnBrk="1" latinLnBrk="0" hangingPunct="1">
+      <a:lvl7pPr marL="2743200" algn="l" defTabSz="914400" rtl="0" eaLnBrk="1" latinLnBrk="0" hangingPunct="1">
         <a:defRPr sz="1800" kern="1200">
           <a:solidFill>
             <a:schemeClr val="tx1"/>
@@ -3029,7 +3914,7 @@
           <a:cs typeface="+mn-cs"/>
         </a:defRPr>
       </a:lvl7pPr>
-      <a:lvl8pPr marL="3200400" algn="l" defTabSz="457200" rtl="0" eaLnBrk="1" latinLnBrk="0" hangingPunct="1">
+      <a:lvl8pPr marL="3200400" algn="l" defTabSz="914400" rtl="0" eaLnBrk="1" latinLnBrk="0" hangingPunct="1">
         <a:defRPr sz="1800" kern="1200">
           <a:solidFill>
             <a:schemeClr val="tx1"/>
@@ -3039,7 +3924,7 @@
           <a:cs typeface="+mn-cs"/>
         </a:defRPr>
       </a:lvl8pPr>
-      <a:lvl9pPr marL="3657600" algn="l" defTabSz="457200" rtl="0" eaLnBrk="1" latinLnBrk="0" hangingPunct="1">
+      <a:lvl9pPr marL="3657600" algn="l" defTabSz="914400" rtl="0" eaLnBrk="1" latinLnBrk="0" hangingPunct="1">
         <a:defRPr sz="1800" kern="1200">
           <a:solidFill>
             <a:schemeClr val="tx1"/>
@@ -4481,7 +5366,3280 @@
   <p:timing>
     <p:tnLst>
       <p:par>
-        <p:cTn xmlns:p14="http://schemas.microsoft.com/office/powerpoint/2010/main" id="1" dur="indefinite" restart="never" nodeType="tmRoot"/>
+        <p:cTn id="1" dur="indefinite" restart="never" nodeType="tmRoot"/>
+      </p:par>
+    </p:tnLst>
+  </p:timing>
+</p:sld>
+</file>
+
+<file path=ppt/slides/slide2.xml><?xml version="1.0" encoding="utf-8"?>
+<p:sld xmlns:a="http://schemas.openxmlformats.org/drawingml/2006/main" xmlns:r="http://schemas.openxmlformats.org/officeDocument/2006/relationships" xmlns:p="http://schemas.openxmlformats.org/presentationml/2006/main">
+  <p:cSld>
+    <p:spTree>
+      <p:nvGrpSpPr>
+        <p:cNvPr id="1" name=""/>
+        <p:cNvGrpSpPr/>
+        <p:nvPr/>
+      </p:nvGrpSpPr>
+      <p:grpSpPr>
+        <a:xfrm>
+          <a:off x="0" y="0"/>
+          <a:ext cx="0" cy="0"/>
+          <a:chOff x="0" y="0"/>
+          <a:chExt cx="0" cy="0"/>
+        </a:xfrm>
+      </p:grpSpPr>
+      <p:grpSp>
+        <p:nvGrpSpPr>
+          <p:cNvPr id="25" name="Group 24"/>
+          <p:cNvGrpSpPr/>
+          <p:nvPr/>
+        </p:nvGrpSpPr>
+        <p:grpSpPr>
+          <a:xfrm>
+            <a:off x="2236399" y="4961233"/>
+            <a:ext cx="982043" cy="463958"/>
+            <a:chOff x="1672046" y="3370217"/>
+            <a:chExt cx="1658983" cy="783772"/>
+          </a:xfrm>
+        </p:grpSpPr>
+        <p:sp>
+          <p:nvSpPr>
+            <p:cNvPr id="334" name="Rounded Rectangle 333"/>
+            <p:cNvSpPr/>
+            <p:nvPr/>
+          </p:nvSpPr>
+          <p:spPr>
+            <a:xfrm>
+              <a:off x="1672046" y="3370217"/>
+              <a:ext cx="1658983" cy="783772"/>
+            </a:xfrm>
+            <a:prstGeom prst="roundRect">
+              <a:avLst/>
+            </a:prstGeom>
+            <a:solidFill>
+              <a:schemeClr val="accent6">
+                <a:lumMod val="40000"/>
+                <a:lumOff val="60000"/>
+              </a:schemeClr>
+            </a:solidFill>
+          </p:spPr>
+          <p:style>
+            <a:lnRef idx="1">
+              <a:schemeClr val="accent6"/>
+            </a:lnRef>
+            <a:fillRef idx="2">
+              <a:schemeClr val="accent6"/>
+            </a:fillRef>
+            <a:effectRef idx="1">
+              <a:schemeClr val="accent6"/>
+            </a:effectRef>
+            <a:fontRef idx="minor">
+              <a:schemeClr val="dk1"/>
+            </a:fontRef>
+          </p:style>
+          <p:txBody>
+            <a:bodyPr rtlCol="0" anchor="ctr"/>
+            <a:lstStyle/>
+            <a:p>
+              <a:pPr algn="ctr"/>
+              <a:endParaRPr lang="en-US" sz="1350"/>
+            </a:p>
+          </p:txBody>
+        </p:sp>
+        <p:sp>
+          <p:nvSpPr>
+            <p:cNvPr id="335" name="Oval 334"/>
+            <p:cNvSpPr/>
+            <p:nvPr/>
+          </p:nvSpPr>
+          <p:spPr>
+            <a:xfrm>
+              <a:off x="1869897" y="3524036"/>
+              <a:ext cx="513708" cy="513708"/>
+            </a:xfrm>
+            <a:prstGeom prst="ellipse">
+              <a:avLst/>
+            </a:prstGeom>
+          </p:spPr>
+          <p:style>
+            <a:lnRef idx="2">
+              <a:schemeClr val="accent6"/>
+            </a:lnRef>
+            <a:fillRef idx="1">
+              <a:schemeClr val="lt1"/>
+            </a:fillRef>
+            <a:effectRef idx="0">
+              <a:schemeClr val="accent6"/>
+            </a:effectRef>
+            <a:fontRef idx="minor">
+              <a:schemeClr val="dk1"/>
+            </a:fontRef>
+          </p:style>
+          <p:txBody>
+            <a:bodyPr rtlCol="0" anchor="ctr"/>
+            <a:lstStyle/>
+            <a:p>
+              <a:pPr algn="ctr"/>
+              <a:endParaRPr lang="en-US" sz="1350" dirty="0"/>
+            </a:p>
+          </p:txBody>
+        </p:sp>
+        <p:sp>
+          <p:nvSpPr>
+            <p:cNvPr id="336" name="Oval 335"/>
+            <p:cNvSpPr/>
+            <p:nvPr/>
+          </p:nvSpPr>
+          <p:spPr>
+            <a:xfrm>
+              <a:off x="2610126" y="3524036"/>
+              <a:ext cx="513708" cy="513708"/>
+            </a:xfrm>
+            <a:prstGeom prst="ellipse">
+              <a:avLst/>
+            </a:prstGeom>
+          </p:spPr>
+          <p:style>
+            <a:lnRef idx="2">
+              <a:schemeClr val="accent6"/>
+            </a:lnRef>
+            <a:fillRef idx="1">
+              <a:schemeClr val="lt1"/>
+            </a:fillRef>
+            <a:effectRef idx="0">
+              <a:schemeClr val="accent6"/>
+            </a:effectRef>
+            <a:fontRef idx="minor">
+              <a:schemeClr val="dk1"/>
+            </a:fontRef>
+          </p:style>
+          <p:txBody>
+            <a:bodyPr rtlCol="0" anchor="ctr"/>
+            <a:lstStyle/>
+            <a:p>
+              <a:pPr algn="ctr"/>
+              <a:endParaRPr lang="en-US" sz="1350"/>
+            </a:p>
+          </p:txBody>
+        </p:sp>
+      </p:grpSp>
+      <p:grpSp>
+        <p:nvGrpSpPr>
+          <p:cNvPr id="43" name="Group 42"/>
+          <p:cNvGrpSpPr/>
+          <p:nvPr/>
+        </p:nvGrpSpPr>
+        <p:grpSpPr>
+          <a:xfrm>
+            <a:off x="5526542" y="4964478"/>
+            <a:ext cx="982043" cy="463958"/>
+            <a:chOff x="1672044" y="3370218"/>
+            <a:chExt cx="1658982" cy="783772"/>
+          </a:xfrm>
+        </p:grpSpPr>
+        <p:sp>
+          <p:nvSpPr>
+            <p:cNvPr id="322" name="Rounded Rectangle 321"/>
+            <p:cNvSpPr/>
+            <p:nvPr/>
+          </p:nvSpPr>
+          <p:spPr>
+            <a:xfrm>
+              <a:off x="1672044" y="3370218"/>
+              <a:ext cx="1658982" cy="783772"/>
+            </a:xfrm>
+            <a:prstGeom prst="roundRect">
+              <a:avLst/>
+            </a:prstGeom>
+            <a:solidFill>
+              <a:schemeClr val="accent6">
+                <a:lumMod val="40000"/>
+                <a:lumOff val="60000"/>
+              </a:schemeClr>
+            </a:solidFill>
+          </p:spPr>
+          <p:style>
+            <a:lnRef idx="1">
+              <a:schemeClr val="accent6"/>
+            </a:lnRef>
+            <a:fillRef idx="2">
+              <a:schemeClr val="accent6"/>
+            </a:fillRef>
+            <a:effectRef idx="1">
+              <a:schemeClr val="accent6"/>
+            </a:effectRef>
+            <a:fontRef idx="minor">
+              <a:schemeClr val="dk1"/>
+            </a:fontRef>
+          </p:style>
+          <p:txBody>
+            <a:bodyPr rtlCol="0" anchor="ctr"/>
+            <a:lstStyle/>
+            <a:p>
+              <a:pPr algn="ctr"/>
+              <a:endParaRPr lang="en-US" sz="1350"/>
+            </a:p>
+          </p:txBody>
+        </p:sp>
+        <p:sp>
+          <p:nvSpPr>
+            <p:cNvPr id="323" name="Oval 322"/>
+            <p:cNvSpPr/>
+            <p:nvPr/>
+          </p:nvSpPr>
+          <p:spPr>
+            <a:xfrm>
+              <a:off x="1869897" y="3524033"/>
+              <a:ext cx="513708" cy="513708"/>
+            </a:xfrm>
+            <a:prstGeom prst="ellipse">
+              <a:avLst/>
+            </a:prstGeom>
+          </p:spPr>
+          <p:style>
+            <a:lnRef idx="2">
+              <a:schemeClr val="accent6"/>
+            </a:lnRef>
+            <a:fillRef idx="1">
+              <a:schemeClr val="lt1"/>
+            </a:fillRef>
+            <a:effectRef idx="0">
+              <a:schemeClr val="accent6"/>
+            </a:effectRef>
+            <a:fontRef idx="minor">
+              <a:schemeClr val="dk1"/>
+            </a:fontRef>
+          </p:style>
+          <p:txBody>
+            <a:bodyPr rtlCol="0" anchor="ctr"/>
+            <a:lstStyle/>
+            <a:p>
+              <a:pPr algn="ctr"/>
+              <a:endParaRPr lang="en-US" sz="1350" dirty="0"/>
+            </a:p>
+          </p:txBody>
+        </p:sp>
+        <p:sp>
+          <p:nvSpPr>
+            <p:cNvPr id="324" name="Oval 323"/>
+            <p:cNvSpPr/>
+            <p:nvPr/>
+          </p:nvSpPr>
+          <p:spPr>
+            <a:xfrm>
+              <a:off x="2610126" y="3524036"/>
+              <a:ext cx="513708" cy="513708"/>
+            </a:xfrm>
+            <a:prstGeom prst="ellipse">
+              <a:avLst/>
+            </a:prstGeom>
+          </p:spPr>
+          <p:style>
+            <a:lnRef idx="2">
+              <a:schemeClr val="accent6"/>
+            </a:lnRef>
+            <a:fillRef idx="1">
+              <a:schemeClr val="lt1"/>
+            </a:fillRef>
+            <a:effectRef idx="0">
+              <a:schemeClr val="accent6"/>
+            </a:effectRef>
+            <a:fontRef idx="minor">
+              <a:schemeClr val="dk1"/>
+            </a:fontRef>
+          </p:style>
+          <p:txBody>
+            <a:bodyPr rtlCol="0" anchor="ctr"/>
+            <a:lstStyle/>
+            <a:p>
+              <a:pPr algn="ctr"/>
+              <a:endParaRPr lang="en-US" sz="1350"/>
+            </a:p>
+          </p:txBody>
+        </p:sp>
+      </p:grpSp>
+      <p:grpSp>
+        <p:nvGrpSpPr>
+          <p:cNvPr id="54" name="Group 53"/>
+          <p:cNvGrpSpPr/>
+          <p:nvPr/>
+        </p:nvGrpSpPr>
+        <p:grpSpPr>
+          <a:xfrm>
+            <a:off x="3221220" y="4256492"/>
+            <a:ext cx="2311154" cy="463958"/>
+            <a:chOff x="1866157" y="3042474"/>
+            <a:chExt cx="3081539" cy="618610"/>
+          </a:xfrm>
+        </p:grpSpPr>
+        <p:sp>
+          <p:nvSpPr>
+            <p:cNvPr id="308" name="Rounded Rectangle 307"/>
+            <p:cNvSpPr/>
+            <p:nvPr/>
+          </p:nvSpPr>
+          <p:spPr>
+            <a:xfrm>
+              <a:off x="1866157" y="3042474"/>
+              <a:ext cx="3081539" cy="618610"/>
+            </a:xfrm>
+            <a:prstGeom prst="roundRect">
+              <a:avLst/>
+            </a:prstGeom>
+            <a:solidFill>
+              <a:schemeClr val="accent6">
+                <a:lumMod val="40000"/>
+                <a:lumOff val="60000"/>
+              </a:schemeClr>
+            </a:solidFill>
+          </p:spPr>
+          <p:style>
+            <a:lnRef idx="1">
+              <a:schemeClr val="accent6"/>
+            </a:lnRef>
+            <a:fillRef idx="2">
+              <a:schemeClr val="accent6"/>
+            </a:fillRef>
+            <a:effectRef idx="1">
+              <a:schemeClr val="accent6"/>
+            </a:effectRef>
+            <a:fontRef idx="minor">
+              <a:schemeClr val="dk1"/>
+            </a:fontRef>
+          </p:style>
+          <p:txBody>
+            <a:bodyPr rtlCol="0" anchor="ctr"/>
+            <a:lstStyle/>
+            <a:p>
+              <a:pPr algn="ctr"/>
+              <a:r>
+                <a:rPr lang="is-IS" altLang="zh-CN" sz="1350" dirty="0"/>
+                <a:t>……</a:t>
+              </a:r>
+              <a:endParaRPr lang="en-US" sz="1350" dirty="0"/>
+            </a:p>
+          </p:txBody>
+        </p:sp>
+        <p:sp>
+          <p:nvSpPr>
+            <p:cNvPr id="309" name="Oval 308"/>
+            <p:cNvSpPr/>
+            <p:nvPr/>
+          </p:nvSpPr>
+          <p:spPr>
+            <a:xfrm>
+              <a:off x="2022315" y="3163879"/>
+              <a:ext cx="405456" cy="405456"/>
+            </a:xfrm>
+            <a:prstGeom prst="ellipse">
+              <a:avLst/>
+            </a:prstGeom>
+          </p:spPr>
+          <p:style>
+            <a:lnRef idx="2">
+              <a:schemeClr val="accent6"/>
+            </a:lnRef>
+            <a:fillRef idx="1">
+              <a:schemeClr val="lt1"/>
+            </a:fillRef>
+            <a:effectRef idx="0">
+              <a:schemeClr val="accent6"/>
+            </a:effectRef>
+            <a:fontRef idx="minor">
+              <a:schemeClr val="dk1"/>
+            </a:fontRef>
+          </p:style>
+          <p:txBody>
+            <a:bodyPr rtlCol="0" anchor="ctr"/>
+            <a:lstStyle/>
+            <a:p>
+              <a:pPr algn="ctr"/>
+              <a:endParaRPr lang="en-US" sz="1350" dirty="0"/>
+            </a:p>
+          </p:txBody>
+        </p:sp>
+        <p:sp>
+          <p:nvSpPr>
+            <p:cNvPr id="310" name="Oval 309"/>
+            <p:cNvSpPr/>
+            <p:nvPr/>
+          </p:nvSpPr>
+          <p:spPr>
+            <a:xfrm>
+              <a:off x="2606558" y="3163879"/>
+              <a:ext cx="405456" cy="405456"/>
+            </a:xfrm>
+            <a:prstGeom prst="ellipse">
+              <a:avLst/>
+            </a:prstGeom>
+          </p:spPr>
+          <p:style>
+            <a:lnRef idx="2">
+              <a:schemeClr val="accent6"/>
+            </a:lnRef>
+            <a:fillRef idx="1">
+              <a:schemeClr val="lt1"/>
+            </a:fillRef>
+            <a:effectRef idx="0">
+              <a:schemeClr val="accent6"/>
+            </a:effectRef>
+            <a:fontRef idx="minor">
+              <a:schemeClr val="dk1"/>
+            </a:fontRef>
+          </p:style>
+          <p:txBody>
+            <a:bodyPr rtlCol="0" anchor="ctr"/>
+            <a:lstStyle/>
+            <a:p>
+              <a:pPr algn="ctr"/>
+              <a:endParaRPr lang="en-US" sz="1350"/>
+            </a:p>
+          </p:txBody>
+        </p:sp>
+        <p:sp>
+          <p:nvSpPr>
+            <p:cNvPr id="311" name="Oval 310"/>
+            <p:cNvSpPr/>
+            <p:nvPr/>
+          </p:nvSpPr>
+          <p:spPr>
+            <a:xfrm>
+              <a:off x="3771404" y="3163879"/>
+              <a:ext cx="405456" cy="405456"/>
+            </a:xfrm>
+            <a:prstGeom prst="ellipse">
+              <a:avLst/>
+            </a:prstGeom>
+          </p:spPr>
+          <p:style>
+            <a:lnRef idx="2">
+              <a:schemeClr val="accent6"/>
+            </a:lnRef>
+            <a:fillRef idx="1">
+              <a:schemeClr val="lt1"/>
+            </a:fillRef>
+            <a:effectRef idx="0">
+              <a:schemeClr val="accent6"/>
+            </a:effectRef>
+            <a:fontRef idx="minor">
+              <a:schemeClr val="dk1"/>
+            </a:fontRef>
+          </p:style>
+          <p:txBody>
+            <a:bodyPr rtlCol="0" anchor="ctr"/>
+            <a:lstStyle/>
+            <a:p>
+              <a:pPr algn="ctr"/>
+              <a:endParaRPr lang="en-US" sz="1350"/>
+            </a:p>
+          </p:txBody>
+        </p:sp>
+        <p:sp>
+          <p:nvSpPr>
+            <p:cNvPr id="312" name="Oval 311"/>
+            <p:cNvSpPr/>
+            <p:nvPr/>
+          </p:nvSpPr>
+          <p:spPr>
+            <a:xfrm>
+              <a:off x="4359287" y="3163879"/>
+              <a:ext cx="405456" cy="405456"/>
+            </a:xfrm>
+            <a:prstGeom prst="ellipse">
+              <a:avLst/>
+            </a:prstGeom>
+          </p:spPr>
+          <p:style>
+            <a:lnRef idx="2">
+              <a:schemeClr val="accent6"/>
+            </a:lnRef>
+            <a:fillRef idx="1">
+              <a:schemeClr val="lt1"/>
+            </a:fillRef>
+            <a:effectRef idx="0">
+              <a:schemeClr val="accent6"/>
+            </a:effectRef>
+            <a:fontRef idx="minor">
+              <a:schemeClr val="dk1"/>
+            </a:fontRef>
+          </p:style>
+          <p:txBody>
+            <a:bodyPr rtlCol="0" anchor="ctr"/>
+            <a:lstStyle/>
+            <a:p>
+              <a:pPr algn="ctr"/>
+              <a:endParaRPr lang="en-US" sz="1350"/>
+            </a:p>
+          </p:txBody>
+        </p:sp>
+      </p:grpSp>
+      <p:cxnSp>
+        <p:nvCxnSpPr>
+          <p:cNvPr id="55" name="Straight Arrow Connector 54"/>
+          <p:cNvCxnSpPr>
+            <a:stCxn id="335" idx="0"/>
+          </p:cNvCxnSpPr>
+          <p:nvPr/>
+        </p:nvCxnSpPr>
+        <p:spPr>
+          <a:xfrm flipV="1">
+            <a:off x="2505564" y="4651637"/>
+            <a:ext cx="984820" cy="400650"/>
+          </a:xfrm>
+          <a:prstGeom prst="straightConnector1">
+            <a:avLst/>
+          </a:prstGeom>
+          <a:ln>
+            <a:tailEnd type="triangle"/>
+          </a:ln>
+        </p:spPr>
+        <p:style>
+          <a:lnRef idx="1">
+            <a:schemeClr val="dk1"/>
+          </a:lnRef>
+          <a:fillRef idx="0">
+            <a:schemeClr val="dk1"/>
+          </a:fillRef>
+          <a:effectRef idx="0">
+            <a:schemeClr val="dk1"/>
+          </a:effectRef>
+          <a:fontRef idx="minor">
+            <a:schemeClr val="tx1"/>
+          </a:fontRef>
+        </p:style>
+      </p:cxnSp>
+      <p:cxnSp>
+        <p:nvCxnSpPr>
+          <p:cNvPr id="56" name="Straight Arrow Connector 55"/>
+          <p:cNvCxnSpPr>
+            <a:stCxn id="335" idx="0"/>
+          </p:cNvCxnSpPr>
+          <p:nvPr/>
+        </p:nvCxnSpPr>
+        <p:spPr>
+          <a:xfrm flipV="1">
+            <a:off x="2505564" y="4651637"/>
+            <a:ext cx="1423002" cy="400650"/>
+          </a:xfrm>
+          <a:prstGeom prst="straightConnector1">
+            <a:avLst/>
+          </a:prstGeom>
+          <a:ln>
+            <a:tailEnd type="triangle"/>
+          </a:ln>
+        </p:spPr>
+        <p:style>
+          <a:lnRef idx="1">
+            <a:schemeClr val="dk1"/>
+          </a:lnRef>
+          <a:fillRef idx="0">
+            <a:schemeClr val="dk1"/>
+          </a:fillRef>
+          <a:effectRef idx="0">
+            <a:schemeClr val="dk1"/>
+          </a:effectRef>
+          <a:fontRef idx="minor">
+            <a:schemeClr val="tx1"/>
+          </a:fontRef>
+        </p:style>
+      </p:cxnSp>
+      <p:cxnSp>
+        <p:nvCxnSpPr>
+          <p:cNvPr id="57" name="Straight Arrow Connector 56"/>
+          <p:cNvCxnSpPr>
+            <a:stCxn id="335" idx="0"/>
+          </p:cNvCxnSpPr>
+          <p:nvPr/>
+        </p:nvCxnSpPr>
+        <p:spPr>
+          <a:xfrm flipV="1">
+            <a:off x="2505564" y="4651638"/>
+            <a:ext cx="2296637" cy="400649"/>
+          </a:xfrm>
+          <a:prstGeom prst="straightConnector1">
+            <a:avLst/>
+          </a:prstGeom>
+          <a:ln>
+            <a:tailEnd type="triangle"/>
+          </a:ln>
+        </p:spPr>
+        <p:style>
+          <a:lnRef idx="1">
+            <a:schemeClr val="dk1"/>
+          </a:lnRef>
+          <a:fillRef idx="0">
+            <a:schemeClr val="dk1"/>
+          </a:fillRef>
+          <a:effectRef idx="0">
+            <a:schemeClr val="dk1"/>
+          </a:effectRef>
+          <a:fontRef idx="minor">
+            <a:schemeClr val="tx1"/>
+          </a:fontRef>
+        </p:style>
+      </p:cxnSp>
+      <p:cxnSp>
+        <p:nvCxnSpPr>
+          <p:cNvPr id="58" name="Straight Arrow Connector 57"/>
+          <p:cNvCxnSpPr>
+            <a:stCxn id="335" idx="0"/>
+          </p:cNvCxnSpPr>
+          <p:nvPr/>
+        </p:nvCxnSpPr>
+        <p:spPr>
+          <a:xfrm flipV="1">
+            <a:off x="2505564" y="4651637"/>
+            <a:ext cx="2737549" cy="400650"/>
+          </a:xfrm>
+          <a:prstGeom prst="straightConnector1">
+            <a:avLst/>
+          </a:prstGeom>
+          <a:ln>
+            <a:tailEnd type="triangle"/>
+          </a:ln>
+        </p:spPr>
+        <p:style>
+          <a:lnRef idx="1">
+            <a:schemeClr val="dk1"/>
+          </a:lnRef>
+          <a:fillRef idx="0">
+            <a:schemeClr val="dk1"/>
+          </a:fillRef>
+          <a:effectRef idx="0">
+            <a:schemeClr val="dk1"/>
+          </a:effectRef>
+          <a:fontRef idx="minor">
+            <a:schemeClr val="tx1"/>
+          </a:fontRef>
+        </p:style>
+      </p:cxnSp>
+      <p:cxnSp>
+        <p:nvCxnSpPr>
+          <p:cNvPr id="59" name="Straight Arrow Connector 58"/>
+          <p:cNvCxnSpPr>
+            <a:stCxn id="336" idx="0"/>
+          </p:cNvCxnSpPr>
+          <p:nvPr/>
+        </p:nvCxnSpPr>
+        <p:spPr>
+          <a:xfrm flipV="1">
+            <a:off x="2943746" y="4651637"/>
+            <a:ext cx="546638" cy="400650"/>
+          </a:xfrm>
+          <a:prstGeom prst="straightConnector1">
+            <a:avLst/>
+          </a:prstGeom>
+          <a:ln>
+            <a:tailEnd type="triangle"/>
+          </a:ln>
+        </p:spPr>
+        <p:style>
+          <a:lnRef idx="1">
+            <a:schemeClr val="dk1"/>
+          </a:lnRef>
+          <a:fillRef idx="0">
+            <a:schemeClr val="dk1"/>
+          </a:fillRef>
+          <a:effectRef idx="0">
+            <a:schemeClr val="dk1"/>
+          </a:effectRef>
+          <a:fontRef idx="minor">
+            <a:schemeClr val="tx1"/>
+          </a:fontRef>
+        </p:style>
+      </p:cxnSp>
+      <p:cxnSp>
+        <p:nvCxnSpPr>
+          <p:cNvPr id="60" name="Straight Arrow Connector 59"/>
+          <p:cNvCxnSpPr>
+            <a:stCxn id="336" idx="0"/>
+          </p:cNvCxnSpPr>
+          <p:nvPr/>
+        </p:nvCxnSpPr>
+        <p:spPr>
+          <a:xfrm flipV="1">
+            <a:off x="2943746" y="4651637"/>
+            <a:ext cx="984820" cy="400650"/>
+          </a:xfrm>
+          <a:prstGeom prst="straightConnector1">
+            <a:avLst/>
+          </a:prstGeom>
+          <a:ln>
+            <a:tailEnd type="triangle"/>
+          </a:ln>
+        </p:spPr>
+        <p:style>
+          <a:lnRef idx="1">
+            <a:schemeClr val="dk1"/>
+          </a:lnRef>
+          <a:fillRef idx="0">
+            <a:schemeClr val="dk1"/>
+          </a:fillRef>
+          <a:effectRef idx="0">
+            <a:schemeClr val="dk1"/>
+          </a:effectRef>
+          <a:fontRef idx="minor">
+            <a:schemeClr val="tx1"/>
+          </a:fontRef>
+        </p:style>
+      </p:cxnSp>
+      <p:cxnSp>
+        <p:nvCxnSpPr>
+          <p:cNvPr id="61" name="Straight Arrow Connector 60"/>
+          <p:cNvCxnSpPr>
+            <a:stCxn id="336" idx="0"/>
+          </p:cNvCxnSpPr>
+          <p:nvPr/>
+        </p:nvCxnSpPr>
+        <p:spPr>
+          <a:xfrm flipV="1">
+            <a:off x="2943746" y="4651637"/>
+            <a:ext cx="1858455" cy="400650"/>
+          </a:xfrm>
+          <a:prstGeom prst="straightConnector1">
+            <a:avLst/>
+          </a:prstGeom>
+          <a:ln>
+            <a:tailEnd type="triangle"/>
+          </a:ln>
+        </p:spPr>
+        <p:style>
+          <a:lnRef idx="1">
+            <a:schemeClr val="dk1"/>
+          </a:lnRef>
+          <a:fillRef idx="0">
+            <a:schemeClr val="dk1"/>
+          </a:fillRef>
+          <a:effectRef idx="0">
+            <a:schemeClr val="dk1"/>
+          </a:effectRef>
+          <a:fontRef idx="minor">
+            <a:schemeClr val="tx1"/>
+          </a:fontRef>
+        </p:style>
+      </p:cxnSp>
+      <p:cxnSp>
+        <p:nvCxnSpPr>
+          <p:cNvPr id="62" name="Straight Arrow Connector 61"/>
+          <p:cNvCxnSpPr>
+            <a:stCxn id="324" idx="0"/>
+          </p:cNvCxnSpPr>
+          <p:nvPr/>
+        </p:nvCxnSpPr>
+        <p:spPr>
+          <a:xfrm flipH="1" flipV="1">
+            <a:off x="3490384" y="4651638"/>
+            <a:ext cx="2743507" cy="403893"/>
+          </a:xfrm>
+          <a:prstGeom prst="straightConnector1">
+            <a:avLst/>
+          </a:prstGeom>
+          <a:ln>
+            <a:tailEnd type="triangle"/>
+          </a:ln>
+        </p:spPr>
+        <p:style>
+          <a:lnRef idx="1">
+            <a:schemeClr val="dk1"/>
+          </a:lnRef>
+          <a:fillRef idx="0">
+            <a:schemeClr val="dk1"/>
+          </a:fillRef>
+          <a:effectRef idx="0">
+            <a:schemeClr val="dk1"/>
+          </a:effectRef>
+          <a:fontRef idx="minor">
+            <a:schemeClr val="tx1"/>
+          </a:fontRef>
+        </p:style>
+      </p:cxnSp>
+      <p:cxnSp>
+        <p:nvCxnSpPr>
+          <p:cNvPr id="63" name="Straight Arrow Connector 62"/>
+          <p:cNvCxnSpPr>
+            <a:stCxn id="323" idx="0"/>
+          </p:cNvCxnSpPr>
+          <p:nvPr/>
+        </p:nvCxnSpPr>
+        <p:spPr>
+          <a:xfrm flipH="1" flipV="1">
+            <a:off x="3490384" y="4651639"/>
+            <a:ext cx="2305324" cy="403891"/>
+          </a:xfrm>
+          <a:prstGeom prst="straightConnector1">
+            <a:avLst/>
+          </a:prstGeom>
+          <a:ln>
+            <a:tailEnd type="triangle"/>
+          </a:ln>
+        </p:spPr>
+        <p:style>
+          <a:lnRef idx="1">
+            <a:schemeClr val="dk1"/>
+          </a:lnRef>
+          <a:fillRef idx="0">
+            <a:schemeClr val="dk1"/>
+          </a:fillRef>
+          <a:effectRef idx="0">
+            <a:schemeClr val="dk1"/>
+          </a:effectRef>
+          <a:fontRef idx="minor">
+            <a:schemeClr val="tx1"/>
+          </a:fontRef>
+        </p:style>
+      </p:cxnSp>
+      <p:cxnSp>
+        <p:nvCxnSpPr>
+          <p:cNvPr id="64" name="Straight Arrow Connector 63"/>
+          <p:cNvCxnSpPr>
+            <a:stCxn id="323" idx="0"/>
+          </p:cNvCxnSpPr>
+          <p:nvPr/>
+        </p:nvCxnSpPr>
+        <p:spPr>
+          <a:xfrm flipH="1" flipV="1">
+            <a:off x="3928566" y="4651639"/>
+            <a:ext cx="1867142" cy="403891"/>
+          </a:xfrm>
+          <a:prstGeom prst="straightConnector1">
+            <a:avLst/>
+          </a:prstGeom>
+          <a:ln>
+            <a:tailEnd type="triangle"/>
+          </a:ln>
+        </p:spPr>
+        <p:style>
+          <a:lnRef idx="1">
+            <a:schemeClr val="dk1"/>
+          </a:lnRef>
+          <a:fillRef idx="0">
+            <a:schemeClr val="dk1"/>
+          </a:fillRef>
+          <a:effectRef idx="0">
+            <a:schemeClr val="dk1"/>
+          </a:effectRef>
+          <a:fontRef idx="minor">
+            <a:schemeClr val="tx1"/>
+          </a:fontRef>
+        </p:style>
+      </p:cxnSp>
+      <p:cxnSp>
+        <p:nvCxnSpPr>
+          <p:cNvPr id="65" name="Straight Arrow Connector 64"/>
+          <p:cNvCxnSpPr>
+            <a:stCxn id="323" idx="0"/>
+          </p:cNvCxnSpPr>
+          <p:nvPr/>
+        </p:nvCxnSpPr>
+        <p:spPr>
+          <a:xfrm flipH="1" flipV="1">
+            <a:off x="4802202" y="4651639"/>
+            <a:ext cx="993506" cy="403891"/>
+          </a:xfrm>
+          <a:prstGeom prst="straightConnector1">
+            <a:avLst/>
+          </a:prstGeom>
+          <a:ln>
+            <a:tailEnd type="triangle"/>
+          </a:ln>
+        </p:spPr>
+        <p:style>
+          <a:lnRef idx="1">
+            <a:schemeClr val="dk1"/>
+          </a:lnRef>
+          <a:fillRef idx="0">
+            <a:schemeClr val="dk1"/>
+          </a:fillRef>
+          <a:effectRef idx="0">
+            <a:schemeClr val="dk1"/>
+          </a:effectRef>
+          <a:fontRef idx="minor">
+            <a:schemeClr val="tx1"/>
+          </a:fontRef>
+        </p:style>
+      </p:cxnSp>
+      <p:cxnSp>
+        <p:nvCxnSpPr>
+          <p:cNvPr id="66" name="Straight Arrow Connector 65"/>
+          <p:cNvCxnSpPr>
+            <a:stCxn id="323" idx="0"/>
+          </p:cNvCxnSpPr>
+          <p:nvPr/>
+        </p:nvCxnSpPr>
+        <p:spPr>
+          <a:xfrm flipH="1" flipV="1">
+            <a:off x="5243113" y="4651639"/>
+            <a:ext cx="552595" cy="403891"/>
+          </a:xfrm>
+          <a:prstGeom prst="straightConnector1">
+            <a:avLst/>
+          </a:prstGeom>
+          <a:ln>
+            <a:tailEnd type="triangle"/>
+          </a:ln>
+        </p:spPr>
+        <p:style>
+          <a:lnRef idx="1">
+            <a:schemeClr val="dk1"/>
+          </a:lnRef>
+          <a:fillRef idx="0">
+            <a:schemeClr val="dk1"/>
+          </a:fillRef>
+          <a:effectRef idx="0">
+            <a:schemeClr val="dk1"/>
+          </a:effectRef>
+          <a:fontRef idx="minor">
+            <a:schemeClr val="tx1"/>
+          </a:fontRef>
+        </p:style>
+      </p:cxnSp>
+      <p:cxnSp>
+        <p:nvCxnSpPr>
+          <p:cNvPr id="67" name="Straight Arrow Connector 66"/>
+          <p:cNvCxnSpPr>
+            <a:stCxn id="336" idx="0"/>
+          </p:cNvCxnSpPr>
+          <p:nvPr/>
+        </p:nvCxnSpPr>
+        <p:spPr>
+          <a:xfrm flipV="1">
+            <a:off x="2943746" y="4651637"/>
+            <a:ext cx="2299367" cy="400650"/>
+          </a:xfrm>
+          <a:prstGeom prst="straightConnector1">
+            <a:avLst/>
+          </a:prstGeom>
+          <a:ln>
+            <a:tailEnd type="triangle"/>
+          </a:ln>
+        </p:spPr>
+        <p:style>
+          <a:lnRef idx="1">
+            <a:schemeClr val="dk1"/>
+          </a:lnRef>
+          <a:fillRef idx="0">
+            <a:schemeClr val="dk1"/>
+          </a:fillRef>
+          <a:effectRef idx="0">
+            <a:schemeClr val="dk1"/>
+          </a:effectRef>
+          <a:fontRef idx="minor">
+            <a:schemeClr val="tx1"/>
+          </a:fontRef>
+        </p:style>
+      </p:cxnSp>
+      <p:cxnSp>
+        <p:nvCxnSpPr>
+          <p:cNvPr id="68" name="Straight Arrow Connector 67"/>
+          <p:cNvCxnSpPr>
+            <a:stCxn id="324" idx="0"/>
+          </p:cNvCxnSpPr>
+          <p:nvPr/>
+        </p:nvCxnSpPr>
+        <p:spPr>
+          <a:xfrm flipH="1" flipV="1">
+            <a:off x="3928566" y="4651638"/>
+            <a:ext cx="2305325" cy="403893"/>
+          </a:xfrm>
+          <a:prstGeom prst="straightConnector1">
+            <a:avLst/>
+          </a:prstGeom>
+          <a:ln>
+            <a:tailEnd type="triangle"/>
+          </a:ln>
+        </p:spPr>
+        <p:style>
+          <a:lnRef idx="1">
+            <a:schemeClr val="dk1"/>
+          </a:lnRef>
+          <a:fillRef idx="0">
+            <a:schemeClr val="dk1"/>
+          </a:fillRef>
+          <a:effectRef idx="0">
+            <a:schemeClr val="dk1"/>
+          </a:effectRef>
+          <a:fontRef idx="minor">
+            <a:schemeClr val="tx1"/>
+          </a:fontRef>
+        </p:style>
+      </p:cxnSp>
+      <p:cxnSp>
+        <p:nvCxnSpPr>
+          <p:cNvPr id="69" name="Straight Arrow Connector 68"/>
+          <p:cNvCxnSpPr>
+            <a:stCxn id="324" idx="0"/>
+          </p:cNvCxnSpPr>
+          <p:nvPr/>
+        </p:nvCxnSpPr>
+        <p:spPr>
+          <a:xfrm flipH="1" flipV="1">
+            <a:off x="4802200" y="4651638"/>
+            <a:ext cx="1431691" cy="403893"/>
+          </a:xfrm>
+          <a:prstGeom prst="straightConnector1">
+            <a:avLst/>
+          </a:prstGeom>
+          <a:ln>
+            <a:tailEnd type="triangle"/>
+          </a:ln>
+        </p:spPr>
+        <p:style>
+          <a:lnRef idx="1">
+            <a:schemeClr val="dk1"/>
+          </a:lnRef>
+          <a:fillRef idx="0">
+            <a:schemeClr val="dk1"/>
+          </a:fillRef>
+          <a:effectRef idx="0">
+            <a:schemeClr val="dk1"/>
+          </a:effectRef>
+          <a:fontRef idx="minor">
+            <a:schemeClr val="tx1"/>
+          </a:fontRef>
+        </p:style>
+      </p:cxnSp>
+      <p:cxnSp>
+        <p:nvCxnSpPr>
+          <p:cNvPr id="70" name="Straight Arrow Connector 69"/>
+          <p:cNvCxnSpPr>
+            <a:stCxn id="324" idx="0"/>
+          </p:cNvCxnSpPr>
+          <p:nvPr/>
+        </p:nvCxnSpPr>
+        <p:spPr>
+          <a:xfrm flipH="1" flipV="1">
+            <a:off x="5243113" y="4651638"/>
+            <a:ext cx="990778" cy="403893"/>
+          </a:xfrm>
+          <a:prstGeom prst="straightConnector1">
+            <a:avLst/>
+          </a:prstGeom>
+          <a:ln>
+            <a:tailEnd type="triangle"/>
+          </a:ln>
+        </p:spPr>
+        <p:style>
+          <a:lnRef idx="1">
+            <a:schemeClr val="dk1"/>
+          </a:lnRef>
+          <a:fillRef idx="0">
+            <a:schemeClr val="dk1"/>
+          </a:fillRef>
+          <a:effectRef idx="0">
+            <a:schemeClr val="dk1"/>
+          </a:effectRef>
+          <a:fontRef idx="minor">
+            <a:schemeClr val="tx1"/>
+          </a:fontRef>
+        </p:style>
+      </p:cxnSp>
+      <p:grpSp>
+        <p:nvGrpSpPr>
+          <p:cNvPr id="340" name="Group 339"/>
+          <p:cNvGrpSpPr/>
+          <p:nvPr/>
+        </p:nvGrpSpPr>
+        <p:grpSpPr>
+          <a:xfrm>
+            <a:off x="3221220" y="3504017"/>
+            <a:ext cx="2311154" cy="463958"/>
+            <a:chOff x="1866157" y="3042474"/>
+            <a:chExt cx="3081539" cy="618610"/>
+          </a:xfrm>
+        </p:grpSpPr>
+        <p:sp>
+          <p:nvSpPr>
+            <p:cNvPr id="341" name="Rounded Rectangle 340"/>
+            <p:cNvSpPr/>
+            <p:nvPr/>
+          </p:nvSpPr>
+          <p:spPr>
+            <a:xfrm>
+              <a:off x="1866157" y="3042474"/>
+              <a:ext cx="3081539" cy="618610"/>
+            </a:xfrm>
+            <a:prstGeom prst="roundRect">
+              <a:avLst/>
+            </a:prstGeom>
+            <a:solidFill>
+              <a:schemeClr val="accent6">
+                <a:lumMod val="40000"/>
+                <a:lumOff val="60000"/>
+              </a:schemeClr>
+            </a:solidFill>
+          </p:spPr>
+          <p:style>
+            <a:lnRef idx="1">
+              <a:schemeClr val="accent6"/>
+            </a:lnRef>
+            <a:fillRef idx="2">
+              <a:schemeClr val="accent6"/>
+            </a:fillRef>
+            <a:effectRef idx="1">
+              <a:schemeClr val="accent6"/>
+            </a:effectRef>
+            <a:fontRef idx="minor">
+              <a:schemeClr val="dk1"/>
+            </a:fontRef>
+          </p:style>
+          <p:txBody>
+            <a:bodyPr rtlCol="0" anchor="ctr"/>
+            <a:lstStyle/>
+            <a:p>
+              <a:pPr algn="ctr"/>
+              <a:r>
+                <a:rPr lang="is-IS" altLang="zh-CN" sz="1350" dirty="0"/>
+                <a:t>……</a:t>
+              </a:r>
+              <a:endParaRPr lang="en-US" sz="1350" dirty="0"/>
+            </a:p>
+          </p:txBody>
+        </p:sp>
+        <p:sp>
+          <p:nvSpPr>
+            <p:cNvPr id="342" name="Oval 341"/>
+            <p:cNvSpPr/>
+            <p:nvPr/>
+          </p:nvSpPr>
+          <p:spPr>
+            <a:xfrm>
+              <a:off x="2022315" y="3163879"/>
+              <a:ext cx="405456" cy="405456"/>
+            </a:xfrm>
+            <a:prstGeom prst="ellipse">
+              <a:avLst/>
+            </a:prstGeom>
+          </p:spPr>
+          <p:style>
+            <a:lnRef idx="2">
+              <a:schemeClr val="accent6"/>
+            </a:lnRef>
+            <a:fillRef idx="1">
+              <a:schemeClr val="lt1"/>
+            </a:fillRef>
+            <a:effectRef idx="0">
+              <a:schemeClr val="accent6"/>
+            </a:effectRef>
+            <a:fontRef idx="minor">
+              <a:schemeClr val="dk1"/>
+            </a:fontRef>
+          </p:style>
+          <p:txBody>
+            <a:bodyPr rtlCol="0" anchor="ctr"/>
+            <a:lstStyle/>
+            <a:p>
+              <a:pPr algn="ctr"/>
+              <a:endParaRPr lang="en-US" sz="1350" dirty="0"/>
+            </a:p>
+          </p:txBody>
+        </p:sp>
+        <p:sp>
+          <p:nvSpPr>
+            <p:cNvPr id="343" name="Oval 342"/>
+            <p:cNvSpPr/>
+            <p:nvPr/>
+          </p:nvSpPr>
+          <p:spPr>
+            <a:xfrm>
+              <a:off x="2606558" y="3163879"/>
+              <a:ext cx="405456" cy="405456"/>
+            </a:xfrm>
+            <a:prstGeom prst="ellipse">
+              <a:avLst/>
+            </a:prstGeom>
+          </p:spPr>
+          <p:style>
+            <a:lnRef idx="2">
+              <a:schemeClr val="accent6"/>
+            </a:lnRef>
+            <a:fillRef idx="1">
+              <a:schemeClr val="lt1"/>
+            </a:fillRef>
+            <a:effectRef idx="0">
+              <a:schemeClr val="accent6"/>
+            </a:effectRef>
+            <a:fontRef idx="minor">
+              <a:schemeClr val="dk1"/>
+            </a:fontRef>
+          </p:style>
+          <p:txBody>
+            <a:bodyPr rtlCol="0" anchor="ctr"/>
+            <a:lstStyle/>
+            <a:p>
+              <a:pPr algn="ctr"/>
+              <a:endParaRPr lang="en-US" sz="1350"/>
+            </a:p>
+          </p:txBody>
+        </p:sp>
+        <p:sp>
+          <p:nvSpPr>
+            <p:cNvPr id="344" name="Oval 343"/>
+            <p:cNvSpPr/>
+            <p:nvPr/>
+          </p:nvSpPr>
+          <p:spPr>
+            <a:xfrm>
+              <a:off x="3771404" y="3163879"/>
+              <a:ext cx="405456" cy="405456"/>
+            </a:xfrm>
+            <a:prstGeom prst="ellipse">
+              <a:avLst/>
+            </a:prstGeom>
+          </p:spPr>
+          <p:style>
+            <a:lnRef idx="2">
+              <a:schemeClr val="accent6"/>
+            </a:lnRef>
+            <a:fillRef idx="1">
+              <a:schemeClr val="lt1"/>
+            </a:fillRef>
+            <a:effectRef idx="0">
+              <a:schemeClr val="accent6"/>
+            </a:effectRef>
+            <a:fontRef idx="minor">
+              <a:schemeClr val="dk1"/>
+            </a:fontRef>
+          </p:style>
+          <p:txBody>
+            <a:bodyPr rtlCol="0" anchor="ctr"/>
+            <a:lstStyle/>
+            <a:p>
+              <a:pPr algn="ctr"/>
+              <a:endParaRPr lang="en-US" sz="1350"/>
+            </a:p>
+          </p:txBody>
+        </p:sp>
+        <p:sp>
+          <p:nvSpPr>
+            <p:cNvPr id="345" name="Oval 344"/>
+            <p:cNvSpPr/>
+            <p:nvPr/>
+          </p:nvSpPr>
+          <p:spPr>
+            <a:xfrm>
+              <a:off x="4359287" y="3163879"/>
+              <a:ext cx="405456" cy="405456"/>
+            </a:xfrm>
+            <a:prstGeom prst="ellipse">
+              <a:avLst/>
+            </a:prstGeom>
+          </p:spPr>
+          <p:style>
+            <a:lnRef idx="2">
+              <a:schemeClr val="accent6"/>
+            </a:lnRef>
+            <a:fillRef idx="1">
+              <a:schemeClr val="lt1"/>
+            </a:fillRef>
+            <a:effectRef idx="0">
+              <a:schemeClr val="accent6"/>
+            </a:effectRef>
+            <a:fontRef idx="minor">
+              <a:schemeClr val="dk1"/>
+            </a:fontRef>
+          </p:style>
+          <p:txBody>
+            <a:bodyPr rtlCol="0" anchor="ctr"/>
+            <a:lstStyle/>
+            <a:p>
+              <a:pPr algn="ctr"/>
+              <a:endParaRPr lang="en-US" sz="1350"/>
+            </a:p>
+          </p:txBody>
+        </p:sp>
+      </p:grpSp>
+      <p:cxnSp>
+        <p:nvCxnSpPr>
+          <p:cNvPr id="348" name="Straight Arrow Connector 347"/>
+          <p:cNvCxnSpPr>
+            <a:stCxn id="309" idx="0"/>
+            <a:endCxn id="342" idx="4"/>
+          </p:cNvCxnSpPr>
+          <p:nvPr/>
+        </p:nvCxnSpPr>
+        <p:spPr>
+          <a:xfrm flipV="1">
+            <a:off x="3490384" y="3899163"/>
+            <a:ext cx="0" cy="448383"/>
+          </a:xfrm>
+          <a:prstGeom prst="straightConnector1">
+            <a:avLst/>
+          </a:prstGeom>
+          <a:ln>
+            <a:tailEnd type="triangle"/>
+          </a:ln>
+        </p:spPr>
+        <p:style>
+          <a:lnRef idx="1">
+            <a:schemeClr val="dk1"/>
+          </a:lnRef>
+          <a:fillRef idx="0">
+            <a:schemeClr val="dk1"/>
+          </a:fillRef>
+          <a:effectRef idx="0">
+            <a:schemeClr val="dk1"/>
+          </a:effectRef>
+          <a:fontRef idx="minor">
+            <a:schemeClr val="tx1"/>
+          </a:fontRef>
+        </p:style>
+      </p:cxnSp>
+      <p:cxnSp>
+        <p:nvCxnSpPr>
+          <p:cNvPr id="349" name="Straight Arrow Connector 348"/>
+          <p:cNvCxnSpPr>
+            <a:stCxn id="309" idx="0"/>
+            <a:endCxn id="343" idx="4"/>
+          </p:cNvCxnSpPr>
+          <p:nvPr/>
+        </p:nvCxnSpPr>
+        <p:spPr>
+          <a:xfrm flipV="1">
+            <a:off x="3490384" y="3899163"/>
+            <a:ext cx="438182" cy="448383"/>
+          </a:xfrm>
+          <a:prstGeom prst="straightConnector1">
+            <a:avLst/>
+          </a:prstGeom>
+          <a:ln>
+            <a:tailEnd type="triangle"/>
+          </a:ln>
+        </p:spPr>
+        <p:style>
+          <a:lnRef idx="1">
+            <a:schemeClr val="dk1"/>
+          </a:lnRef>
+          <a:fillRef idx="0">
+            <a:schemeClr val="dk1"/>
+          </a:fillRef>
+          <a:effectRef idx="0">
+            <a:schemeClr val="dk1"/>
+          </a:effectRef>
+          <a:fontRef idx="minor">
+            <a:schemeClr val="tx1"/>
+          </a:fontRef>
+        </p:style>
+      </p:cxnSp>
+      <p:cxnSp>
+        <p:nvCxnSpPr>
+          <p:cNvPr id="350" name="Straight Arrow Connector 349"/>
+          <p:cNvCxnSpPr>
+            <a:stCxn id="309" idx="0"/>
+            <a:endCxn id="344" idx="4"/>
+          </p:cNvCxnSpPr>
+          <p:nvPr/>
+        </p:nvCxnSpPr>
+        <p:spPr>
+          <a:xfrm flipV="1">
+            <a:off x="3490384" y="3899163"/>
+            <a:ext cx="1311817" cy="448383"/>
+          </a:xfrm>
+          <a:prstGeom prst="straightConnector1">
+            <a:avLst/>
+          </a:prstGeom>
+          <a:ln>
+            <a:tailEnd type="triangle"/>
+          </a:ln>
+        </p:spPr>
+        <p:style>
+          <a:lnRef idx="1">
+            <a:schemeClr val="dk1"/>
+          </a:lnRef>
+          <a:fillRef idx="0">
+            <a:schemeClr val="dk1"/>
+          </a:fillRef>
+          <a:effectRef idx="0">
+            <a:schemeClr val="dk1"/>
+          </a:effectRef>
+          <a:fontRef idx="minor">
+            <a:schemeClr val="tx1"/>
+          </a:fontRef>
+        </p:style>
+      </p:cxnSp>
+      <p:cxnSp>
+        <p:nvCxnSpPr>
+          <p:cNvPr id="353" name="Straight Arrow Connector 352"/>
+          <p:cNvCxnSpPr>
+            <a:stCxn id="309" idx="0"/>
+            <a:endCxn id="345" idx="4"/>
+          </p:cNvCxnSpPr>
+          <p:nvPr/>
+        </p:nvCxnSpPr>
+        <p:spPr>
+          <a:xfrm flipV="1">
+            <a:off x="3490384" y="3899163"/>
+            <a:ext cx="1752729" cy="448383"/>
+          </a:xfrm>
+          <a:prstGeom prst="straightConnector1">
+            <a:avLst/>
+          </a:prstGeom>
+          <a:ln>
+            <a:tailEnd type="triangle"/>
+          </a:ln>
+        </p:spPr>
+        <p:style>
+          <a:lnRef idx="1">
+            <a:schemeClr val="dk1"/>
+          </a:lnRef>
+          <a:fillRef idx="0">
+            <a:schemeClr val="dk1"/>
+          </a:fillRef>
+          <a:effectRef idx="0">
+            <a:schemeClr val="dk1"/>
+          </a:effectRef>
+          <a:fontRef idx="minor">
+            <a:schemeClr val="tx1"/>
+          </a:fontRef>
+        </p:style>
+      </p:cxnSp>
+      <p:cxnSp>
+        <p:nvCxnSpPr>
+          <p:cNvPr id="356" name="Straight Arrow Connector 355"/>
+          <p:cNvCxnSpPr>
+            <a:stCxn id="310" idx="0"/>
+            <a:endCxn id="342" idx="4"/>
+          </p:cNvCxnSpPr>
+          <p:nvPr/>
+        </p:nvCxnSpPr>
+        <p:spPr>
+          <a:xfrm flipH="1" flipV="1">
+            <a:off x="3490384" y="3899163"/>
+            <a:ext cx="438182" cy="448383"/>
+          </a:xfrm>
+          <a:prstGeom prst="straightConnector1">
+            <a:avLst/>
+          </a:prstGeom>
+          <a:ln>
+            <a:tailEnd type="triangle"/>
+          </a:ln>
+        </p:spPr>
+        <p:style>
+          <a:lnRef idx="1">
+            <a:schemeClr val="dk1"/>
+          </a:lnRef>
+          <a:fillRef idx="0">
+            <a:schemeClr val="dk1"/>
+          </a:fillRef>
+          <a:effectRef idx="0">
+            <a:schemeClr val="dk1"/>
+          </a:effectRef>
+          <a:fontRef idx="minor">
+            <a:schemeClr val="tx1"/>
+          </a:fontRef>
+        </p:style>
+      </p:cxnSp>
+      <p:cxnSp>
+        <p:nvCxnSpPr>
+          <p:cNvPr id="360" name="Straight Arrow Connector 359"/>
+          <p:cNvCxnSpPr>
+            <a:stCxn id="310" idx="0"/>
+            <a:endCxn id="343" idx="4"/>
+          </p:cNvCxnSpPr>
+          <p:nvPr/>
+        </p:nvCxnSpPr>
+        <p:spPr>
+          <a:xfrm flipV="1">
+            <a:off x="3928566" y="3899163"/>
+            <a:ext cx="0" cy="448383"/>
+          </a:xfrm>
+          <a:prstGeom prst="straightConnector1">
+            <a:avLst/>
+          </a:prstGeom>
+          <a:ln>
+            <a:tailEnd type="triangle"/>
+          </a:ln>
+        </p:spPr>
+        <p:style>
+          <a:lnRef idx="1">
+            <a:schemeClr val="dk1"/>
+          </a:lnRef>
+          <a:fillRef idx="0">
+            <a:schemeClr val="dk1"/>
+          </a:fillRef>
+          <a:effectRef idx="0">
+            <a:schemeClr val="dk1"/>
+          </a:effectRef>
+          <a:fontRef idx="minor">
+            <a:schemeClr val="tx1"/>
+          </a:fontRef>
+        </p:style>
+      </p:cxnSp>
+      <p:cxnSp>
+        <p:nvCxnSpPr>
+          <p:cNvPr id="364" name="Straight Arrow Connector 363"/>
+          <p:cNvCxnSpPr>
+            <a:stCxn id="310" idx="0"/>
+            <a:endCxn id="344" idx="4"/>
+          </p:cNvCxnSpPr>
+          <p:nvPr/>
+        </p:nvCxnSpPr>
+        <p:spPr>
+          <a:xfrm flipV="1">
+            <a:off x="3928566" y="3899163"/>
+            <a:ext cx="873635" cy="448383"/>
+          </a:xfrm>
+          <a:prstGeom prst="straightConnector1">
+            <a:avLst/>
+          </a:prstGeom>
+          <a:ln>
+            <a:tailEnd type="triangle"/>
+          </a:ln>
+        </p:spPr>
+        <p:style>
+          <a:lnRef idx="1">
+            <a:schemeClr val="dk1"/>
+          </a:lnRef>
+          <a:fillRef idx="0">
+            <a:schemeClr val="dk1"/>
+          </a:fillRef>
+          <a:effectRef idx="0">
+            <a:schemeClr val="dk1"/>
+          </a:effectRef>
+          <a:fontRef idx="minor">
+            <a:schemeClr val="tx1"/>
+          </a:fontRef>
+        </p:style>
+      </p:cxnSp>
+      <p:cxnSp>
+        <p:nvCxnSpPr>
+          <p:cNvPr id="367" name="Straight Arrow Connector 366"/>
+          <p:cNvCxnSpPr>
+            <a:stCxn id="310" idx="0"/>
+            <a:endCxn id="345" idx="4"/>
+          </p:cNvCxnSpPr>
+          <p:nvPr/>
+        </p:nvCxnSpPr>
+        <p:spPr>
+          <a:xfrm flipV="1">
+            <a:off x="3928566" y="3899163"/>
+            <a:ext cx="1314547" cy="448383"/>
+          </a:xfrm>
+          <a:prstGeom prst="straightConnector1">
+            <a:avLst/>
+          </a:prstGeom>
+          <a:ln>
+            <a:tailEnd type="triangle"/>
+          </a:ln>
+        </p:spPr>
+        <p:style>
+          <a:lnRef idx="1">
+            <a:schemeClr val="dk1"/>
+          </a:lnRef>
+          <a:fillRef idx="0">
+            <a:schemeClr val="dk1"/>
+          </a:fillRef>
+          <a:effectRef idx="0">
+            <a:schemeClr val="dk1"/>
+          </a:effectRef>
+          <a:fontRef idx="minor">
+            <a:schemeClr val="tx1"/>
+          </a:fontRef>
+        </p:style>
+      </p:cxnSp>
+      <p:cxnSp>
+        <p:nvCxnSpPr>
+          <p:cNvPr id="371" name="Straight Arrow Connector 370"/>
+          <p:cNvCxnSpPr>
+            <a:stCxn id="311" idx="0"/>
+            <a:endCxn id="342" idx="4"/>
+          </p:cNvCxnSpPr>
+          <p:nvPr/>
+        </p:nvCxnSpPr>
+        <p:spPr>
+          <a:xfrm flipH="1" flipV="1">
+            <a:off x="3490384" y="3899163"/>
+            <a:ext cx="1311817" cy="448383"/>
+          </a:xfrm>
+          <a:prstGeom prst="straightConnector1">
+            <a:avLst/>
+          </a:prstGeom>
+          <a:ln>
+            <a:tailEnd type="triangle"/>
+          </a:ln>
+        </p:spPr>
+        <p:style>
+          <a:lnRef idx="1">
+            <a:schemeClr val="dk1"/>
+          </a:lnRef>
+          <a:fillRef idx="0">
+            <a:schemeClr val="dk1"/>
+          </a:fillRef>
+          <a:effectRef idx="0">
+            <a:schemeClr val="dk1"/>
+          </a:effectRef>
+          <a:fontRef idx="minor">
+            <a:schemeClr val="tx1"/>
+          </a:fontRef>
+        </p:style>
+      </p:cxnSp>
+      <p:cxnSp>
+        <p:nvCxnSpPr>
+          <p:cNvPr id="375" name="Straight Arrow Connector 374"/>
+          <p:cNvCxnSpPr>
+            <a:stCxn id="311" idx="0"/>
+            <a:endCxn id="343" idx="4"/>
+          </p:cNvCxnSpPr>
+          <p:nvPr/>
+        </p:nvCxnSpPr>
+        <p:spPr>
+          <a:xfrm flipH="1" flipV="1">
+            <a:off x="3928566" y="3899163"/>
+            <a:ext cx="873635" cy="448383"/>
+          </a:xfrm>
+          <a:prstGeom prst="straightConnector1">
+            <a:avLst/>
+          </a:prstGeom>
+          <a:ln>
+            <a:tailEnd type="triangle"/>
+          </a:ln>
+        </p:spPr>
+        <p:style>
+          <a:lnRef idx="1">
+            <a:schemeClr val="dk1"/>
+          </a:lnRef>
+          <a:fillRef idx="0">
+            <a:schemeClr val="dk1"/>
+          </a:fillRef>
+          <a:effectRef idx="0">
+            <a:schemeClr val="dk1"/>
+          </a:effectRef>
+          <a:fontRef idx="minor">
+            <a:schemeClr val="tx1"/>
+          </a:fontRef>
+        </p:style>
+      </p:cxnSp>
+      <p:cxnSp>
+        <p:nvCxnSpPr>
+          <p:cNvPr id="378" name="Straight Arrow Connector 377"/>
+          <p:cNvCxnSpPr>
+            <a:stCxn id="311" idx="0"/>
+            <a:endCxn id="344" idx="4"/>
+          </p:cNvCxnSpPr>
+          <p:nvPr/>
+        </p:nvCxnSpPr>
+        <p:spPr>
+          <a:xfrm flipV="1">
+            <a:off x="4802201" y="3899163"/>
+            <a:ext cx="0" cy="448383"/>
+          </a:xfrm>
+          <a:prstGeom prst="straightConnector1">
+            <a:avLst/>
+          </a:prstGeom>
+          <a:ln>
+            <a:tailEnd type="triangle"/>
+          </a:ln>
+        </p:spPr>
+        <p:style>
+          <a:lnRef idx="1">
+            <a:schemeClr val="dk1"/>
+          </a:lnRef>
+          <a:fillRef idx="0">
+            <a:schemeClr val="dk1"/>
+          </a:fillRef>
+          <a:effectRef idx="0">
+            <a:schemeClr val="dk1"/>
+          </a:effectRef>
+          <a:fontRef idx="minor">
+            <a:schemeClr val="tx1"/>
+          </a:fontRef>
+        </p:style>
+      </p:cxnSp>
+      <p:cxnSp>
+        <p:nvCxnSpPr>
+          <p:cNvPr id="381" name="Straight Arrow Connector 380"/>
+          <p:cNvCxnSpPr>
+            <a:stCxn id="311" idx="0"/>
+            <a:endCxn id="345" idx="4"/>
+          </p:cNvCxnSpPr>
+          <p:nvPr/>
+        </p:nvCxnSpPr>
+        <p:spPr>
+          <a:xfrm flipV="1">
+            <a:off x="4802201" y="3899163"/>
+            <a:ext cx="440912" cy="448383"/>
+          </a:xfrm>
+          <a:prstGeom prst="straightConnector1">
+            <a:avLst/>
+          </a:prstGeom>
+          <a:ln>
+            <a:tailEnd type="triangle"/>
+          </a:ln>
+        </p:spPr>
+        <p:style>
+          <a:lnRef idx="1">
+            <a:schemeClr val="dk1"/>
+          </a:lnRef>
+          <a:fillRef idx="0">
+            <a:schemeClr val="dk1"/>
+          </a:fillRef>
+          <a:effectRef idx="0">
+            <a:schemeClr val="dk1"/>
+          </a:effectRef>
+          <a:fontRef idx="minor">
+            <a:schemeClr val="tx1"/>
+          </a:fontRef>
+        </p:style>
+      </p:cxnSp>
+      <p:cxnSp>
+        <p:nvCxnSpPr>
+          <p:cNvPr id="384" name="Straight Arrow Connector 383"/>
+          <p:cNvCxnSpPr>
+            <a:stCxn id="312" idx="0"/>
+            <a:endCxn id="342" idx="4"/>
+          </p:cNvCxnSpPr>
+          <p:nvPr/>
+        </p:nvCxnSpPr>
+        <p:spPr>
+          <a:xfrm flipH="1" flipV="1">
+            <a:off x="3490384" y="3899163"/>
+            <a:ext cx="1752729" cy="448383"/>
+          </a:xfrm>
+          <a:prstGeom prst="straightConnector1">
+            <a:avLst/>
+          </a:prstGeom>
+          <a:ln>
+            <a:tailEnd type="triangle"/>
+          </a:ln>
+        </p:spPr>
+        <p:style>
+          <a:lnRef idx="1">
+            <a:schemeClr val="dk1"/>
+          </a:lnRef>
+          <a:fillRef idx="0">
+            <a:schemeClr val="dk1"/>
+          </a:fillRef>
+          <a:effectRef idx="0">
+            <a:schemeClr val="dk1"/>
+          </a:effectRef>
+          <a:fontRef idx="minor">
+            <a:schemeClr val="tx1"/>
+          </a:fontRef>
+        </p:style>
+      </p:cxnSp>
+      <p:cxnSp>
+        <p:nvCxnSpPr>
+          <p:cNvPr id="387" name="Straight Arrow Connector 386"/>
+          <p:cNvCxnSpPr>
+            <a:stCxn id="312" idx="0"/>
+            <a:endCxn id="343" idx="4"/>
+          </p:cNvCxnSpPr>
+          <p:nvPr/>
+        </p:nvCxnSpPr>
+        <p:spPr>
+          <a:xfrm flipH="1" flipV="1">
+            <a:off x="3928566" y="3899163"/>
+            <a:ext cx="1314547" cy="448383"/>
+          </a:xfrm>
+          <a:prstGeom prst="straightConnector1">
+            <a:avLst/>
+          </a:prstGeom>
+          <a:ln>
+            <a:tailEnd type="triangle"/>
+          </a:ln>
+        </p:spPr>
+        <p:style>
+          <a:lnRef idx="1">
+            <a:schemeClr val="dk1"/>
+          </a:lnRef>
+          <a:fillRef idx="0">
+            <a:schemeClr val="dk1"/>
+          </a:fillRef>
+          <a:effectRef idx="0">
+            <a:schemeClr val="dk1"/>
+          </a:effectRef>
+          <a:fontRef idx="minor">
+            <a:schemeClr val="tx1"/>
+          </a:fontRef>
+        </p:style>
+      </p:cxnSp>
+      <p:cxnSp>
+        <p:nvCxnSpPr>
+          <p:cNvPr id="390" name="Straight Arrow Connector 389"/>
+          <p:cNvCxnSpPr>
+            <a:stCxn id="312" idx="0"/>
+            <a:endCxn id="344" idx="4"/>
+          </p:cNvCxnSpPr>
+          <p:nvPr/>
+        </p:nvCxnSpPr>
+        <p:spPr>
+          <a:xfrm flipH="1" flipV="1">
+            <a:off x="4802201" y="3899163"/>
+            <a:ext cx="440912" cy="448383"/>
+          </a:xfrm>
+          <a:prstGeom prst="straightConnector1">
+            <a:avLst/>
+          </a:prstGeom>
+          <a:ln>
+            <a:tailEnd type="triangle"/>
+          </a:ln>
+        </p:spPr>
+        <p:style>
+          <a:lnRef idx="1">
+            <a:schemeClr val="dk1"/>
+          </a:lnRef>
+          <a:fillRef idx="0">
+            <a:schemeClr val="dk1"/>
+          </a:fillRef>
+          <a:effectRef idx="0">
+            <a:schemeClr val="dk1"/>
+          </a:effectRef>
+          <a:fontRef idx="minor">
+            <a:schemeClr val="tx1"/>
+          </a:fontRef>
+        </p:style>
+      </p:cxnSp>
+      <p:cxnSp>
+        <p:nvCxnSpPr>
+          <p:cNvPr id="393" name="Straight Arrow Connector 392"/>
+          <p:cNvCxnSpPr>
+            <a:stCxn id="312" idx="0"/>
+            <a:endCxn id="345" idx="4"/>
+          </p:cNvCxnSpPr>
+          <p:nvPr/>
+        </p:nvCxnSpPr>
+        <p:spPr>
+          <a:xfrm flipV="1">
+            <a:off x="5243113" y="3899163"/>
+            <a:ext cx="0" cy="448383"/>
+          </a:xfrm>
+          <a:prstGeom prst="straightConnector1">
+            <a:avLst/>
+          </a:prstGeom>
+          <a:ln>
+            <a:tailEnd type="triangle"/>
+          </a:ln>
+        </p:spPr>
+        <p:style>
+          <a:lnRef idx="1">
+            <a:schemeClr val="dk1"/>
+          </a:lnRef>
+          <a:fillRef idx="0">
+            <a:schemeClr val="dk1"/>
+          </a:fillRef>
+          <a:effectRef idx="0">
+            <a:schemeClr val="dk1"/>
+          </a:effectRef>
+          <a:fontRef idx="minor">
+            <a:schemeClr val="tx1"/>
+          </a:fontRef>
+        </p:style>
+      </p:cxnSp>
+      <p:sp>
+        <p:nvSpPr>
+          <p:cNvPr id="366" name="Rounded Rectangle 365"/>
+          <p:cNvSpPr/>
+          <p:nvPr/>
+        </p:nvSpPr>
+        <p:spPr>
+          <a:xfrm>
+            <a:off x="2944100" y="3338402"/>
+            <a:ext cx="3460878" cy="1473520"/>
+          </a:xfrm>
+          <a:prstGeom prst="roundRect">
+            <a:avLst/>
+          </a:prstGeom>
+          <a:noFill/>
+          <a:ln>
+            <a:solidFill>
+              <a:schemeClr val="accent6"/>
+            </a:solidFill>
+            <a:prstDash val="lgDash"/>
+          </a:ln>
+        </p:spPr>
+        <p:style>
+          <a:lnRef idx="2">
+            <a:schemeClr val="accent1">
+              <a:shade val="50000"/>
+            </a:schemeClr>
+          </a:lnRef>
+          <a:fillRef idx="1">
+            <a:schemeClr val="accent1"/>
+          </a:fillRef>
+          <a:effectRef idx="0">
+            <a:schemeClr val="accent1"/>
+          </a:effectRef>
+          <a:fontRef idx="minor">
+            <a:schemeClr val="lt1"/>
+          </a:fontRef>
+        </p:style>
+        <p:txBody>
+          <a:bodyPr rtlCol="0" anchor="ctr"/>
+          <a:lstStyle/>
+          <a:p>
+            <a:pPr algn="ctr"/>
+            <a:endParaRPr lang="en-US" sz="1350"/>
+          </a:p>
+        </p:txBody>
+      </p:sp>
+      <p:sp>
+        <p:nvSpPr>
+          <p:cNvPr id="372" name="Rectangle 371"/>
+          <p:cNvSpPr/>
+          <p:nvPr/>
+        </p:nvSpPr>
+        <p:spPr>
+          <a:xfrm>
+            <a:off x="5298955" y="3727923"/>
+            <a:ext cx="1309008" cy="430887"/>
+          </a:xfrm>
+          <a:prstGeom prst="rect">
+            <a:avLst/>
+          </a:prstGeom>
+        </p:spPr>
+        <p:txBody>
+          <a:bodyPr wrap="square">
+            <a:spAutoFit/>
+          </a:bodyPr>
+          <a:lstStyle/>
+          <a:p>
+            <a:pPr algn="ctr"/>
+            <a:r>
+              <a:rPr lang="en-US" altLang="zh-CN" sz="1100" dirty="0" smtClean="0">
+                <a:latin typeface="Times New Roman" charset="0"/>
+                <a:ea typeface="Times New Roman" charset="0"/>
+                <a:cs typeface="Times New Roman" charset="0"/>
+              </a:rPr>
+              <a:t>Feedforward</a:t>
+            </a:r>
+            <a:r>
+              <a:rPr lang="zh-CN" altLang="en-US" sz="1100" dirty="0" smtClean="0">
+                <a:latin typeface="Times New Roman" charset="0"/>
+                <a:ea typeface="Times New Roman" charset="0"/>
+                <a:cs typeface="Times New Roman" charset="0"/>
+              </a:rPr>
+              <a:t/>
+            </a:r>
+            <a:br>
+              <a:rPr lang="zh-CN" altLang="en-US" sz="1100" dirty="0" smtClean="0">
+                <a:latin typeface="Times New Roman" charset="0"/>
+                <a:ea typeface="Times New Roman" charset="0"/>
+                <a:cs typeface="Times New Roman" charset="0"/>
+              </a:rPr>
+            </a:br>
+            <a:r>
+              <a:rPr lang="en-US" altLang="zh-CN" sz="1100" dirty="0" smtClean="0">
+                <a:latin typeface="Times New Roman" charset="0"/>
+                <a:ea typeface="Times New Roman" charset="0"/>
+                <a:cs typeface="Times New Roman" charset="0"/>
+              </a:rPr>
+              <a:t>Neural</a:t>
+            </a:r>
+            <a:r>
+              <a:rPr lang="zh-CN" altLang="en-US" sz="1100" dirty="0" smtClean="0">
+                <a:latin typeface="Times New Roman" charset="0"/>
+                <a:ea typeface="Times New Roman" charset="0"/>
+                <a:cs typeface="Times New Roman" charset="0"/>
+              </a:rPr>
+              <a:t> </a:t>
+            </a:r>
+            <a:r>
+              <a:rPr lang="en-US" altLang="zh-CN" sz="1100" dirty="0" smtClean="0">
+                <a:latin typeface="Times New Roman" charset="0"/>
+                <a:ea typeface="Times New Roman" charset="0"/>
+                <a:cs typeface="Times New Roman" charset="0"/>
+              </a:rPr>
+              <a:t>Network</a:t>
+            </a:r>
+            <a:r>
+              <a:rPr lang="zh-CN" altLang="en-US" sz="1100" dirty="0" smtClean="0">
+                <a:latin typeface="Times New Roman" charset="0"/>
+                <a:ea typeface="Times New Roman" charset="0"/>
+                <a:cs typeface="Times New Roman" charset="0"/>
+              </a:rPr>
+              <a:t> </a:t>
+            </a:r>
+            <a:endParaRPr lang="en-US" sz="1100" dirty="0">
+              <a:latin typeface="Times New Roman" charset="0"/>
+              <a:ea typeface="Times New Roman" charset="0"/>
+              <a:cs typeface="Times New Roman" charset="0"/>
+            </a:endParaRPr>
+          </a:p>
+        </p:txBody>
+      </p:sp>
+      <p:sp>
+        <p:nvSpPr>
+          <p:cNvPr id="128" name="TextBox 127"/>
+          <p:cNvSpPr txBox="1"/>
+          <p:nvPr/>
+        </p:nvSpPr>
+        <p:spPr>
+          <a:xfrm>
+            <a:off x="190824" y="5712276"/>
+            <a:ext cx="8918072" cy="830997"/>
+          </a:xfrm>
+          <a:prstGeom prst="rect">
+            <a:avLst/>
+          </a:prstGeom>
+          <a:noFill/>
+          <a:ln>
+            <a:noFill/>
+          </a:ln>
+        </p:spPr>
+        <p:txBody>
+          <a:bodyPr wrap="square" rtlCol="0">
+            <a:spAutoFit/>
+          </a:bodyPr>
+          <a:lstStyle/>
+          <a:p>
+            <a:r>
+              <a:rPr lang="mr-IN" sz="1600" b="1" dirty="0">
+                <a:latin typeface="Times New Roman" charset="0"/>
+                <a:ea typeface="Times New Roman" charset="0"/>
+                <a:cs typeface="Times New Roman" charset="0"/>
+              </a:rPr>
+              <a:t>…</a:t>
+            </a:r>
+            <a:r>
+              <a:rPr lang="en-CA" sz="1600" b="1" dirty="0">
+                <a:latin typeface="Times New Roman" charset="0"/>
+                <a:ea typeface="Times New Roman" charset="0"/>
+                <a:cs typeface="Times New Roman" charset="0"/>
+              </a:rPr>
+              <a:t> </a:t>
+            </a:r>
+            <a:r>
+              <a:rPr lang="en-US" sz="1600" b="1" dirty="0">
+                <a:latin typeface="Times New Roman" charset="0"/>
+                <a:ea typeface="Times New Roman" charset="0"/>
+                <a:cs typeface="Times New Roman" charset="0"/>
+              </a:rPr>
+              <a:t> achievements from space did not appear off </a:t>
+            </a:r>
+            <a:r>
+              <a:rPr lang="mr-IN" sz="1600" b="1" dirty="0">
+                <a:latin typeface="Times New Roman" charset="0"/>
+                <a:ea typeface="Times New Roman" charset="0"/>
+                <a:cs typeface="Times New Roman" charset="0"/>
+              </a:rPr>
+              <a:t>–</a:t>
+            </a:r>
+            <a:r>
+              <a:rPr lang="en-US" sz="1600" b="1" dirty="0">
+                <a:latin typeface="Times New Roman" charset="0"/>
+                <a:ea typeface="Times New Roman" charset="0"/>
+                <a:cs typeface="Times New Roman" charset="0"/>
+              </a:rPr>
+              <a:t> the  charts from a scientific point of view. </a:t>
+            </a:r>
+          </a:p>
+          <a:p>
+            <a:r>
+              <a:rPr lang="en-US" sz="1600" b="1" dirty="0">
+                <a:latin typeface="Times New Roman" charset="0"/>
+                <a:ea typeface="Times New Roman" charset="0"/>
+                <a:cs typeface="Times New Roman" charset="0"/>
+              </a:rPr>
+              <a:t>He dropped a puck from space for the </a:t>
+            </a:r>
+            <a:r>
+              <a:rPr lang="en-US" sz="1600" b="1" dirty="0">
+                <a:solidFill>
+                  <a:schemeClr val="accent6">
+                    <a:lumMod val="75000"/>
+                  </a:schemeClr>
+                </a:solidFill>
+                <a:latin typeface="Times New Roman" charset="0"/>
+                <a:ea typeface="Times New Roman" charset="0"/>
+                <a:cs typeface="Times New Roman" charset="0"/>
+              </a:rPr>
+              <a:t>Toronto Maple Leafs </a:t>
+            </a:r>
+            <a:r>
+              <a:rPr lang="en-US" sz="1600" b="1" dirty="0">
+                <a:latin typeface="Times New Roman" charset="0"/>
+                <a:ea typeface="Times New Roman" charset="0"/>
+                <a:cs typeface="Times New Roman" charset="0"/>
+              </a:rPr>
+              <a:t>' home opener against the Buffalo </a:t>
+            </a:r>
+            <a:r>
+              <a:rPr lang="en-US" sz="1600" b="1" dirty="0" err="1">
+                <a:latin typeface="Times New Roman" charset="0"/>
+                <a:ea typeface="Times New Roman" charset="0"/>
+                <a:cs typeface="Times New Roman" charset="0"/>
+              </a:rPr>
+              <a:t>Sabres</a:t>
+            </a:r>
+            <a:r>
+              <a:rPr lang="en-US" sz="1600" b="1" dirty="0">
+                <a:latin typeface="Times New Roman" charset="0"/>
+                <a:ea typeface="Times New Roman" charset="0"/>
+                <a:cs typeface="Times New Roman" charset="0"/>
+              </a:rPr>
+              <a:t> . He also unveiled a new Canadian </a:t>
+            </a:r>
+            <a:r>
+              <a:rPr lang="mr-IN" sz="1600" b="1" dirty="0">
+                <a:latin typeface="Times New Roman" charset="0"/>
+                <a:ea typeface="Times New Roman" charset="0"/>
+                <a:cs typeface="Times New Roman" charset="0"/>
+              </a:rPr>
+              <a:t>…</a:t>
+            </a:r>
+            <a:endParaRPr lang="en-US" sz="1600" b="1" dirty="0">
+              <a:latin typeface="Times New Roman" charset="0"/>
+              <a:ea typeface="Times New Roman" charset="0"/>
+              <a:cs typeface="Times New Roman" charset="0"/>
+            </a:endParaRPr>
+          </a:p>
+        </p:txBody>
+      </p:sp>
+      <p:sp>
+        <p:nvSpPr>
+          <p:cNvPr id="129" name="Rectangle 128"/>
+          <p:cNvSpPr/>
+          <p:nvPr/>
+        </p:nvSpPr>
+        <p:spPr>
+          <a:xfrm>
+            <a:off x="3637895" y="5980917"/>
+            <a:ext cx="1819641" cy="341908"/>
+          </a:xfrm>
+          <a:prstGeom prst="rect">
+            <a:avLst/>
+          </a:prstGeom>
+          <a:noFill/>
+          <a:ln w="28575" cmpd="sng">
+            <a:solidFill>
+              <a:schemeClr val="accent6"/>
+            </a:solidFill>
+            <a:prstDash val="sysDash"/>
+          </a:ln>
+        </p:spPr>
+        <p:style>
+          <a:lnRef idx="1">
+            <a:schemeClr val="accent1"/>
+          </a:lnRef>
+          <a:fillRef idx="3">
+            <a:schemeClr val="accent1"/>
+          </a:fillRef>
+          <a:effectRef idx="2">
+            <a:schemeClr val="accent1"/>
+          </a:effectRef>
+          <a:fontRef idx="minor">
+            <a:schemeClr val="lt1"/>
+          </a:fontRef>
+        </p:style>
+        <p:txBody>
+          <a:bodyPr rtlCol="0" anchor="ctr"/>
+          <a:lstStyle/>
+          <a:p>
+            <a:pPr algn="ctr"/>
+            <a:endParaRPr lang="en-US">
+              <a:latin typeface="Times New Roman" charset="0"/>
+              <a:ea typeface="Times New Roman" charset="0"/>
+              <a:cs typeface="Times New Roman" charset="0"/>
+            </a:endParaRPr>
+          </a:p>
+        </p:txBody>
+      </p:sp>
+      <p:sp>
+        <p:nvSpPr>
+          <p:cNvPr id="130" name="Rectangle 129"/>
+          <p:cNvSpPr/>
+          <p:nvPr/>
+        </p:nvSpPr>
+        <p:spPr>
+          <a:xfrm>
+            <a:off x="-418057" y="5980917"/>
+            <a:ext cx="4017305" cy="341908"/>
+          </a:xfrm>
+          <a:prstGeom prst="rect">
+            <a:avLst/>
+          </a:prstGeom>
+          <a:noFill/>
+          <a:ln w="28575" cmpd="sng">
+            <a:solidFill>
+              <a:schemeClr val="accent5"/>
+            </a:solidFill>
+            <a:prstDash val="sysDash"/>
+          </a:ln>
+        </p:spPr>
+        <p:style>
+          <a:lnRef idx="1">
+            <a:schemeClr val="accent1"/>
+          </a:lnRef>
+          <a:fillRef idx="3">
+            <a:schemeClr val="accent1"/>
+          </a:fillRef>
+          <a:effectRef idx="2">
+            <a:schemeClr val="accent1"/>
+          </a:effectRef>
+          <a:fontRef idx="minor">
+            <a:schemeClr val="lt1"/>
+          </a:fontRef>
+        </p:style>
+        <p:txBody>
+          <a:bodyPr rtlCol="0" anchor="ctr"/>
+          <a:lstStyle/>
+          <a:p>
+            <a:pPr algn="ctr"/>
+            <a:endParaRPr lang="en-US">
+              <a:latin typeface="Times New Roman" charset="0"/>
+              <a:ea typeface="Times New Roman" charset="0"/>
+              <a:cs typeface="Times New Roman" charset="0"/>
+            </a:endParaRPr>
+          </a:p>
+        </p:txBody>
+      </p:sp>
+      <p:sp>
+        <p:nvSpPr>
+          <p:cNvPr id="139" name="Rectangle 138"/>
+          <p:cNvSpPr/>
+          <p:nvPr/>
+        </p:nvSpPr>
+        <p:spPr>
+          <a:xfrm>
+            <a:off x="5559266" y="5986785"/>
+            <a:ext cx="4045215" cy="336040"/>
+          </a:xfrm>
+          <a:prstGeom prst="rect">
+            <a:avLst/>
+          </a:prstGeom>
+          <a:noFill/>
+          <a:ln w="28575" cmpd="sng">
+            <a:solidFill>
+              <a:schemeClr val="accent5"/>
+            </a:solidFill>
+            <a:prstDash val="sysDash"/>
+          </a:ln>
+        </p:spPr>
+        <p:style>
+          <a:lnRef idx="1">
+            <a:schemeClr val="accent1"/>
+          </a:lnRef>
+          <a:fillRef idx="3">
+            <a:schemeClr val="accent1"/>
+          </a:fillRef>
+          <a:effectRef idx="2">
+            <a:schemeClr val="accent1"/>
+          </a:effectRef>
+          <a:fontRef idx="minor">
+            <a:schemeClr val="lt1"/>
+          </a:fontRef>
+        </p:style>
+        <p:txBody>
+          <a:bodyPr rtlCol="0" anchor="ctr"/>
+          <a:lstStyle/>
+          <a:p>
+            <a:pPr algn="ctr"/>
+            <a:endParaRPr lang="en-US">
+              <a:latin typeface="Times New Roman" charset="0"/>
+              <a:ea typeface="Times New Roman" charset="0"/>
+              <a:cs typeface="Times New Roman" charset="0"/>
+            </a:endParaRPr>
+          </a:p>
+        </p:txBody>
+      </p:sp>
+      <p:grpSp>
+        <p:nvGrpSpPr>
+          <p:cNvPr id="150" name="Group 149"/>
+          <p:cNvGrpSpPr/>
+          <p:nvPr/>
+        </p:nvGrpSpPr>
+        <p:grpSpPr>
+          <a:xfrm>
+            <a:off x="3875061" y="4947004"/>
+            <a:ext cx="982043" cy="463958"/>
+            <a:chOff x="1672046" y="3370217"/>
+            <a:chExt cx="1658983" cy="783772"/>
+          </a:xfrm>
+        </p:grpSpPr>
+        <p:sp>
+          <p:nvSpPr>
+            <p:cNvPr id="151" name="Rounded Rectangle 150"/>
+            <p:cNvSpPr/>
+            <p:nvPr/>
+          </p:nvSpPr>
+          <p:spPr>
+            <a:xfrm>
+              <a:off x="1672046" y="3370217"/>
+              <a:ext cx="1658983" cy="783772"/>
+            </a:xfrm>
+            <a:prstGeom prst="roundRect">
+              <a:avLst/>
+            </a:prstGeom>
+            <a:solidFill>
+              <a:schemeClr val="accent6">
+                <a:lumMod val="40000"/>
+                <a:lumOff val="60000"/>
+              </a:schemeClr>
+            </a:solidFill>
+          </p:spPr>
+          <p:style>
+            <a:lnRef idx="1">
+              <a:schemeClr val="accent6"/>
+            </a:lnRef>
+            <a:fillRef idx="2">
+              <a:schemeClr val="accent6"/>
+            </a:fillRef>
+            <a:effectRef idx="1">
+              <a:schemeClr val="accent6"/>
+            </a:effectRef>
+            <a:fontRef idx="minor">
+              <a:schemeClr val="dk1"/>
+            </a:fontRef>
+          </p:style>
+          <p:txBody>
+            <a:bodyPr rtlCol="0" anchor="ctr"/>
+            <a:lstStyle/>
+            <a:p>
+              <a:pPr algn="ctr"/>
+              <a:endParaRPr lang="en-US" sz="1350"/>
+            </a:p>
+          </p:txBody>
+        </p:sp>
+        <p:sp>
+          <p:nvSpPr>
+            <p:cNvPr id="152" name="Oval 151"/>
+            <p:cNvSpPr/>
+            <p:nvPr/>
+          </p:nvSpPr>
+          <p:spPr>
+            <a:xfrm>
+              <a:off x="1869897" y="3524036"/>
+              <a:ext cx="513708" cy="513708"/>
+            </a:xfrm>
+            <a:prstGeom prst="ellipse">
+              <a:avLst/>
+            </a:prstGeom>
+          </p:spPr>
+          <p:style>
+            <a:lnRef idx="2">
+              <a:schemeClr val="accent6"/>
+            </a:lnRef>
+            <a:fillRef idx="1">
+              <a:schemeClr val="lt1"/>
+            </a:fillRef>
+            <a:effectRef idx="0">
+              <a:schemeClr val="accent6"/>
+            </a:effectRef>
+            <a:fontRef idx="minor">
+              <a:schemeClr val="dk1"/>
+            </a:fontRef>
+          </p:style>
+          <p:txBody>
+            <a:bodyPr rtlCol="0" anchor="ctr"/>
+            <a:lstStyle/>
+            <a:p>
+              <a:pPr algn="ctr"/>
+              <a:endParaRPr lang="en-US" sz="1350" dirty="0"/>
+            </a:p>
+          </p:txBody>
+        </p:sp>
+        <p:sp>
+          <p:nvSpPr>
+            <p:cNvPr id="153" name="Oval 152"/>
+            <p:cNvSpPr/>
+            <p:nvPr/>
+          </p:nvSpPr>
+          <p:spPr>
+            <a:xfrm>
+              <a:off x="2610126" y="3524036"/>
+              <a:ext cx="513708" cy="513708"/>
+            </a:xfrm>
+            <a:prstGeom prst="ellipse">
+              <a:avLst/>
+            </a:prstGeom>
+          </p:spPr>
+          <p:style>
+            <a:lnRef idx="2">
+              <a:schemeClr val="accent6"/>
+            </a:lnRef>
+            <a:fillRef idx="1">
+              <a:schemeClr val="lt1"/>
+            </a:fillRef>
+            <a:effectRef idx="0">
+              <a:schemeClr val="accent6"/>
+            </a:effectRef>
+            <a:fontRef idx="minor">
+              <a:schemeClr val="dk1"/>
+            </a:fontRef>
+          </p:style>
+          <p:txBody>
+            <a:bodyPr rtlCol="0" anchor="ctr"/>
+            <a:lstStyle/>
+            <a:p>
+              <a:pPr algn="ctr"/>
+              <a:endParaRPr lang="en-US" sz="1350"/>
+            </a:p>
+          </p:txBody>
+        </p:sp>
+      </p:grpSp>
+      <p:cxnSp>
+        <p:nvCxnSpPr>
+          <p:cNvPr id="154" name="Straight Arrow Connector 153"/>
+          <p:cNvCxnSpPr>
+            <a:stCxn id="152" idx="0"/>
+            <a:endCxn id="309" idx="4"/>
+          </p:cNvCxnSpPr>
+          <p:nvPr/>
+        </p:nvCxnSpPr>
+        <p:spPr>
+          <a:xfrm flipH="1" flipV="1">
+            <a:off x="3490384" y="4651638"/>
+            <a:ext cx="653842" cy="386420"/>
+          </a:xfrm>
+          <a:prstGeom prst="straightConnector1">
+            <a:avLst/>
+          </a:prstGeom>
+          <a:ln>
+            <a:tailEnd type="triangle"/>
+          </a:ln>
+        </p:spPr>
+        <p:style>
+          <a:lnRef idx="1">
+            <a:schemeClr val="dk1"/>
+          </a:lnRef>
+          <a:fillRef idx="0">
+            <a:schemeClr val="dk1"/>
+          </a:fillRef>
+          <a:effectRef idx="0">
+            <a:schemeClr val="dk1"/>
+          </a:effectRef>
+          <a:fontRef idx="minor">
+            <a:schemeClr val="tx1"/>
+          </a:fontRef>
+        </p:style>
+      </p:cxnSp>
+      <p:cxnSp>
+        <p:nvCxnSpPr>
+          <p:cNvPr id="159" name="Straight Arrow Connector 158"/>
+          <p:cNvCxnSpPr>
+            <a:stCxn id="152" idx="0"/>
+            <a:endCxn id="310" idx="4"/>
+          </p:cNvCxnSpPr>
+          <p:nvPr/>
+        </p:nvCxnSpPr>
+        <p:spPr>
+          <a:xfrm flipH="1" flipV="1">
+            <a:off x="3928567" y="4651638"/>
+            <a:ext cx="215659" cy="386420"/>
+          </a:xfrm>
+          <a:prstGeom prst="straightConnector1">
+            <a:avLst/>
+          </a:prstGeom>
+          <a:ln>
+            <a:tailEnd type="triangle"/>
+          </a:ln>
+        </p:spPr>
+        <p:style>
+          <a:lnRef idx="1">
+            <a:schemeClr val="dk1"/>
+          </a:lnRef>
+          <a:fillRef idx="0">
+            <a:schemeClr val="dk1"/>
+          </a:fillRef>
+          <a:effectRef idx="0">
+            <a:schemeClr val="dk1"/>
+          </a:effectRef>
+          <a:fontRef idx="minor">
+            <a:schemeClr val="tx1"/>
+          </a:fontRef>
+        </p:style>
+      </p:cxnSp>
+      <p:cxnSp>
+        <p:nvCxnSpPr>
+          <p:cNvPr id="162" name="Straight Arrow Connector 161"/>
+          <p:cNvCxnSpPr>
+            <a:stCxn id="152" idx="0"/>
+            <a:endCxn id="311" idx="4"/>
+          </p:cNvCxnSpPr>
+          <p:nvPr/>
+        </p:nvCxnSpPr>
+        <p:spPr>
+          <a:xfrm flipV="1">
+            <a:off x="4144226" y="4651638"/>
+            <a:ext cx="657975" cy="386420"/>
+          </a:xfrm>
+          <a:prstGeom prst="straightConnector1">
+            <a:avLst/>
+          </a:prstGeom>
+          <a:ln>
+            <a:tailEnd type="triangle"/>
+          </a:ln>
+        </p:spPr>
+        <p:style>
+          <a:lnRef idx="1">
+            <a:schemeClr val="dk1"/>
+          </a:lnRef>
+          <a:fillRef idx="0">
+            <a:schemeClr val="dk1"/>
+          </a:fillRef>
+          <a:effectRef idx="0">
+            <a:schemeClr val="dk1"/>
+          </a:effectRef>
+          <a:fontRef idx="minor">
+            <a:schemeClr val="tx1"/>
+          </a:fontRef>
+        </p:style>
+      </p:cxnSp>
+      <p:cxnSp>
+        <p:nvCxnSpPr>
+          <p:cNvPr id="165" name="Straight Arrow Connector 164"/>
+          <p:cNvCxnSpPr>
+            <a:stCxn id="152" idx="0"/>
+            <a:endCxn id="312" idx="4"/>
+          </p:cNvCxnSpPr>
+          <p:nvPr/>
+        </p:nvCxnSpPr>
+        <p:spPr>
+          <a:xfrm flipV="1">
+            <a:off x="4144226" y="4651638"/>
+            <a:ext cx="1098887" cy="386420"/>
+          </a:xfrm>
+          <a:prstGeom prst="straightConnector1">
+            <a:avLst/>
+          </a:prstGeom>
+          <a:ln>
+            <a:tailEnd type="triangle"/>
+          </a:ln>
+        </p:spPr>
+        <p:style>
+          <a:lnRef idx="1">
+            <a:schemeClr val="dk1"/>
+          </a:lnRef>
+          <a:fillRef idx="0">
+            <a:schemeClr val="dk1"/>
+          </a:fillRef>
+          <a:effectRef idx="0">
+            <a:schemeClr val="dk1"/>
+          </a:effectRef>
+          <a:fontRef idx="minor">
+            <a:schemeClr val="tx1"/>
+          </a:fontRef>
+        </p:style>
+      </p:cxnSp>
+      <p:cxnSp>
+        <p:nvCxnSpPr>
+          <p:cNvPr id="168" name="Straight Arrow Connector 167"/>
+          <p:cNvCxnSpPr>
+            <a:stCxn id="153" idx="0"/>
+            <a:endCxn id="309" idx="4"/>
+          </p:cNvCxnSpPr>
+          <p:nvPr/>
+        </p:nvCxnSpPr>
+        <p:spPr>
+          <a:xfrm flipH="1" flipV="1">
+            <a:off x="3490384" y="4651638"/>
+            <a:ext cx="1092024" cy="386420"/>
+          </a:xfrm>
+          <a:prstGeom prst="straightConnector1">
+            <a:avLst/>
+          </a:prstGeom>
+          <a:ln>
+            <a:tailEnd type="triangle"/>
+          </a:ln>
+        </p:spPr>
+        <p:style>
+          <a:lnRef idx="1">
+            <a:schemeClr val="dk1"/>
+          </a:lnRef>
+          <a:fillRef idx="0">
+            <a:schemeClr val="dk1"/>
+          </a:fillRef>
+          <a:effectRef idx="0">
+            <a:schemeClr val="dk1"/>
+          </a:effectRef>
+          <a:fontRef idx="minor">
+            <a:schemeClr val="tx1"/>
+          </a:fontRef>
+        </p:style>
+      </p:cxnSp>
+      <p:cxnSp>
+        <p:nvCxnSpPr>
+          <p:cNvPr id="171" name="Straight Arrow Connector 170"/>
+          <p:cNvCxnSpPr>
+            <a:stCxn id="153" idx="0"/>
+            <a:endCxn id="310" idx="4"/>
+          </p:cNvCxnSpPr>
+          <p:nvPr/>
+        </p:nvCxnSpPr>
+        <p:spPr>
+          <a:xfrm flipH="1" flipV="1">
+            <a:off x="3928567" y="4651638"/>
+            <a:ext cx="653841" cy="386420"/>
+          </a:xfrm>
+          <a:prstGeom prst="straightConnector1">
+            <a:avLst/>
+          </a:prstGeom>
+          <a:ln>
+            <a:tailEnd type="triangle"/>
+          </a:ln>
+        </p:spPr>
+        <p:style>
+          <a:lnRef idx="1">
+            <a:schemeClr val="dk1"/>
+          </a:lnRef>
+          <a:fillRef idx="0">
+            <a:schemeClr val="dk1"/>
+          </a:fillRef>
+          <a:effectRef idx="0">
+            <a:schemeClr val="dk1"/>
+          </a:effectRef>
+          <a:fontRef idx="minor">
+            <a:schemeClr val="tx1"/>
+          </a:fontRef>
+        </p:style>
+      </p:cxnSp>
+      <p:cxnSp>
+        <p:nvCxnSpPr>
+          <p:cNvPr id="174" name="Straight Arrow Connector 173"/>
+          <p:cNvCxnSpPr>
+            <a:stCxn id="153" idx="0"/>
+            <a:endCxn id="311" idx="4"/>
+          </p:cNvCxnSpPr>
+          <p:nvPr/>
+        </p:nvCxnSpPr>
+        <p:spPr>
+          <a:xfrm flipV="1">
+            <a:off x="4582408" y="4651638"/>
+            <a:ext cx="219793" cy="386420"/>
+          </a:xfrm>
+          <a:prstGeom prst="straightConnector1">
+            <a:avLst/>
+          </a:prstGeom>
+          <a:ln>
+            <a:tailEnd type="triangle"/>
+          </a:ln>
+        </p:spPr>
+        <p:style>
+          <a:lnRef idx="1">
+            <a:schemeClr val="dk1"/>
+          </a:lnRef>
+          <a:fillRef idx="0">
+            <a:schemeClr val="dk1"/>
+          </a:fillRef>
+          <a:effectRef idx="0">
+            <a:schemeClr val="dk1"/>
+          </a:effectRef>
+          <a:fontRef idx="minor">
+            <a:schemeClr val="tx1"/>
+          </a:fontRef>
+        </p:style>
+      </p:cxnSp>
+      <p:cxnSp>
+        <p:nvCxnSpPr>
+          <p:cNvPr id="177" name="Straight Arrow Connector 176"/>
+          <p:cNvCxnSpPr>
+            <a:stCxn id="153" idx="0"/>
+            <a:endCxn id="312" idx="4"/>
+          </p:cNvCxnSpPr>
+          <p:nvPr/>
+        </p:nvCxnSpPr>
+        <p:spPr>
+          <a:xfrm flipV="1">
+            <a:off x="4582408" y="4651638"/>
+            <a:ext cx="660705" cy="386420"/>
+          </a:xfrm>
+          <a:prstGeom prst="straightConnector1">
+            <a:avLst/>
+          </a:prstGeom>
+          <a:ln>
+            <a:tailEnd type="triangle"/>
+          </a:ln>
+        </p:spPr>
+        <p:style>
+          <a:lnRef idx="1">
+            <a:schemeClr val="dk1"/>
+          </a:lnRef>
+          <a:fillRef idx="0">
+            <a:schemeClr val="dk1"/>
+          </a:fillRef>
+          <a:effectRef idx="0">
+            <a:schemeClr val="dk1"/>
+          </a:effectRef>
+          <a:fontRef idx="minor">
+            <a:schemeClr val="tx1"/>
+          </a:fontRef>
+        </p:style>
+      </p:cxnSp>
+      <p:sp>
+        <p:nvSpPr>
+          <p:cNvPr id="180" name="Rectangle 179"/>
+          <p:cNvSpPr/>
+          <p:nvPr/>
+        </p:nvSpPr>
+        <p:spPr>
+          <a:xfrm>
+            <a:off x="6087677" y="4682273"/>
+            <a:ext cx="1371978" cy="461665"/>
+          </a:xfrm>
+          <a:prstGeom prst="rect">
+            <a:avLst/>
+          </a:prstGeom>
+        </p:spPr>
+        <p:txBody>
+          <a:bodyPr wrap="square">
+            <a:spAutoFit/>
+          </a:bodyPr>
+          <a:lstStyle/>
+          <a:p>
+            <a:pPr algn="ctr"/>
+            <a:r>
+              <a:rPr lang="en-US" altLang="zh-CN" sz="1200" dirty="0" smtClean="0">
+                <a:latin typeface="Times New Roman" charset="0"/>
+                <a:ea typeface="Times New Roman" charset="0"/>
+                <a:cs typeface="Times New Roman" charset="0"/>
+              </a:rPr>
+              <a:t>Right</a:t>
+            </a:r>
+            <a:r>
+              <a:rPr lang="zh-CN" altLang="en-US" sz="1200" dirty="0" smtClean="0">
+                <a:latin typeface="Times New Roman" charset="0"/>
+                <a:ea typeface="Times New Roman" charset="0"/>
+                <a:cs typeface="Times New Roman" charset="0"/>
+              </a:rPr>
+              <a:t> </a:t>
+            </a:r>
+            <a:r>
+              <a:rPr lang="en-US" altLang="zh-CN" sz="1200" dirty="0" smtClean="0">
+                <a:latin typeface="Times New Roman" charset="0"/>
+                <a:ea typeface="Times New Roman" charset="0"/>
+                <a:cs typeface="Times New Roman" charset="0"/>
+              </a:rPr>
+              <a:t>Context</a:t>
+            </a:r>
+            <a:r>
+              <a:rPr lang="zh-CN" altLang="en-US" sz="1200" dirty="0" smtClean="0">
+                <a:latin typeface="Times New Roman" charset="0"/>
+                <a:ea typeface="Times New Roman" charset="0"/>
+                <a:cs typeface="Times New Roman" charset="0"/>
+              </a:rPr>
+              <a:t> </a:t>
+            </a:r>
+            <a:r>
+              <a:rPr lang="en-US" altLang="zh-CN" sz="1200" dirty="0" smtClean="0">
+                <a:latin typeface="Times New Roman" charset="0"/>
+                <a:ea typeface="Times New Roman" charset="0"/>
+                <a:cs typeface="Times New Roman" charset="0"/>
+              </a:rPr>
+              <a:t>FOFE</a:t>
+            </a:r>
+            <a:endParaRPr lang="en-US" sz="1200" dirty="0">
+              <a:latin typeface="Times New Roman" charset="0"/>
+              <a:ea typeface="Times New Roman" charset="0"/>
+              <a:cs typeface="Times New Roman" charset="0"/>
+            </a:endParaRPr>
+          </a:p>
+        </p:txBody>
+      </p:sp>
+      <p:sp>
+        <p:nvSpPr>
+          <p:cNvPr id="181" name="Rectangle 180"/>
+          <p:cNvSpPr/>
+          <p:nvPr/>
+        </p:nvSpPr>
+        <p:spPr>
+          <a:xfrm>
+            <a:off x="1343699" y="4692018"/>
+            <a:ext cx="1371978" cy="461665"/>
+          </a:xfrm>
+          <a:prstGeom prst="rect">
+            <a:avLst/>
+          </a:prstGeom>
+        </p:spPr>
+        <p:txBody>
+          <a:bodyPr wrap="square">
+            <a:spAutoFit/>
+          </a:bodyPr>
+          <a:lstStyle/>
+          <a:p>
+            <a:pPr algn="ctr"/>
+            <a:r>
+              <a:rPr lang="en-US" altLang="zh-CN" sz="1200" dirty="0" smtClean="0">
+                <a:latin typeface="Times New Roman" charset="0"/>
+                <a:ea typeface="Times New Roman" charset="0"/>
+                <a:cs typeface="Times New Roman" charset="0"/>
+              </a:rPr>
+              <a:t>Left</a:t>
+            </a:r>
+            <a:r>
+              <a:rPr lang="zh-CN" altLang="en-US" sz="1200" dirty="0" smtClean="0">
+                <a:latin typeface="Times New Roman" charset="0"/>
+                <a:ea typeface="Times New Roman" charset="0"/>
+                <a:cs typeface="Times New Roman" charset="0"/>
+              </a:rPr>
+              <a:t> </a:t>
+            </a:r>
+            <a:r>
+              <a:rPr lang="en-US" altLang="zh-CN" sz="1200" dirty="0" smtClean="0">
+                <a:latin typeface="Times New Roman" charset="0"/>
+                <a:ea typeface="Times New Roman" charset="0"/>
+                <a:cs typeface="Times New Roman" charset="0"/>
+              </a:rPr>
+              <a:t>Context</a:t>
+            </a:r>
+            <a:r>
+              <a:rPr lang="zh-CN" altLang="en-US" sz="1200" dirty="0" smtClean="0">
+                <a:latin typeface="Times New Roman" charset="0"/>
+                <a:ea typeface="Times New Roman" charset="0"/>
+                <a:cs typeface="Times New Roman" charset="0"/>
+              </a:rPr>
+              <a:t> </a:t>
+            </a:r>
+            <a:br>
+              <a:rPr lang="zh-CN" altLang="en-US" sz="1200" dirty="0" smtClean="0">
+                <a:latin typeface="Times New Roman" charset="0"/>
+                <a:ea typeface="Times New Roman" charset="0"/>
+                <a:cs typeface="Times New Roman" charset="0"/>
+              </a:rPr>
+            </a:br>
+            <a:r>
+              <a:rPr lang="en-US" altLang="zh-CN" sz="1200" dirty="0" smtClean="0">
+                <a:latin typeface="Times New Roman" charset="0"/>
+                <a:ea typeface="Times New Roman" charset="0"/>
+                <a:cs typeface="Times New Roman" charset="0"/>
+              </a:rPr>
+              <a:t>FOFE</a:t>
+            </a:r>
+            <a:endParaRPr lang="en-US" sz="1200" dirty="0">
+              <a:latin typeface="Times New Roman" charset="0"/>
+              <a:ea typeface="Times New Roman" charset="0"/>
+              <a:cs typeface="Times New Roman" charset="0"/>
+            </a:endParaRPr>
+          </a:p>
+        </p:txBody>
+      </p:sp>
+      <p:sp>
+        <p:nvSpPr>
+          <p:cNvPr id="182" name="Down Arrow 181"/>
+          <p:cNvSpPr/>
+          <p:nvPr/>
+        </p:nvSpPr>
+        <p:spPr>
+          <a:xfrm rot="12169760">
+            <a:off x="2605719" y="5518818"/>
+            <a:ext cx="230161" cy="242802"/>
+          </a:xfrm>
+          <a:prstGeom prst="downArrow">
+            <a:avLst/>
+          </a:prstGeom>
+          <a:noFill/>
+          <a:ln w="28575" cmpd="sng"/>
+        </p:spPr>
+        <p:style>
+          <a:lnRef idx="1">
+            <a:schemeClr val="accent1"/>
+          </a:lnRef>
+          <a:fillRef idx="3">
+            <a:schemeClr val="accent1"/>
+          </a:fillRef>
+          <a:effectRef idx="2">
+            <a:schemeClr val="accent1"/>
+          </a:effectRef>
+          <a:fontRef idx="minor">
+            <a:schemeClr val="lt1"/>
+          </a:fontRef>
+        </p:style>
+        <p:txBody>
+          <a:bodyPr rtlCol="0" anchor="ctr"/>
+          <a:lstStyle/>
+          <a:p>
+            <a:pPr algn="ctr"/>
+            <a:endParaRPr lang="en-US">
+              <a:latin typeface="Times New Roman" charset="0"/>
+              <a:ea typeface="Times New Roman" charset="0"/>
+              <a:cs typeface="Times New Roman" charset="0"/>
+            </a:endParaRPr>
+          </a:p>
+        </p:txBody>
+      </p:sp>
+      <p:sp>
+        <p:nvSpPr>
+          <p:cNvPr id="186" name="Down Arrow 185"/>
+          <p:cNvSpPr/>
+          <p:nvPr/>
+        </p:nvSpPr>
+        <p:spPr>
+          <a:xfrm rot="9430240" flipH="1">
+            <a:off x="5985840" y="5512729"/>
+            <a:ext cx="230161" cy="242802"/>
+          </a:xfrm>
+          <a:prstGeom prst="downArrow">
+            <a:avLst/>
+          </a:prstGeom>
+          <a:noFill/>
+          <a:ln w="28575" cmpd="sng"/>
+        </p:spPr>
+        <p:style>
+          <a:lnRef idx="1">
+            <a:schemeClr val="accent1"/>
+          </a:lnRef>
+          <a:fillRef idx="3">
+            <a:schemeClr val="accent1"/>
+          </a:fillRef>
+          <a:effectRef idx="2">
+            <a:schemeClr val="accent1"/>
+          </a:effectRef>
+          <a:fontRef idx="minor">
+            <a:schemeClr val="lt1"/>
+          </a:fontRef>
+        </p:style>
+        <p:txBody>
+          <a:bodyPr rtlCol="0" anchor="ctr"/>
+          <a:lstStyle/>
+          <a:p>
+            <a:pPr algn="ctr"/>
+            <a:endParaRPr lang="en-US">
+              <a:latin typeface="Times New Roman" charset="0"/>
+              <a:ea typeface="Times New Roman" charset="0"/>
+              <a:cs typeface="Times New Roman" charset="0"/>
+            </a:endParaRPr>
+          </a:p>
+        </p:txBody>
+      </p:sp>
+      <p:sp>
+        <p:nvSpPr>
+          <p:cNvPr id="187" name="Down Arrow 186"/>
+          <p:cNvSpPr/>
+          <p:nvPr/>
+        </p:nvSpPr>
+        <p:spPr>
+          <a:xfrm rot="10800000">
+            <a:off x="4279466" y="5504590"/>
+            <a:ext cx="230161" cy="242802"/>
+          </a:xfrm>
+          <a:prstGeom prst="downArrow">
+            <a:avLst/>
+          </a:prstGeom>
+          <a:noFill/>
+          <a:ln w="28575" cmpd="sng"/>
+        </p:spPr>
+        <p:style>
+          <a:lnRef idx="1">
+            <a:schemeClr val="accent1"/>
+          </a:lnRef>
+          <a:fillRef idx="3">
+            <a:schemeClr val="accent1"/>
+          </a:fillRef>
+          <a:effectRef idx="2">
+            <a:schemeClr val="accent1"/>
+          </a:effectRef>
+          <a:fontRef idx="minor">
+            <a:schemeClr val="lt1"/>
+          </a:fontRef>
+        </p:style>
+        <p:txBody>
+          <a:bodyPr rtlCol="0" anchor="ctr"/>
+          <a:lstStyle/>
+          <a:p>
+            <a:pPr algn="ctr"/>
+            <a:endParaRPr lang="en-US">
+              <a:latin typeface="Times New Roman" charset="0"/>
+              <a:ea typeface="Times New Roman" charset="0"/>
+              <a:cs typeface="Times New Roman" charset="0"/>
+            </a:endParaRPr>
+          </a:p>
+        </p:txBody>
+      </p:sp>
+      <p:sp>
+        <p:nvSpPr>
+          <p:cNvPr id="188" name="Rectangle 187"/>
+          <p:cNvSpPr/>
+          <p:nvPr/>
+        </p:nvSpPr>
+        <p:spPr>
+          <a:xfrm>
+            <a:off x="3294465" y="5329006"/>
+            <a:ext cx="950644" cy="461665"/>
+          </a:xfrm>
+          <a:prstGeom prst="rect">
+            <a:avLst/>
+          </a:prstGeom>
+        </p:spPr>
+        <p:txBody>
+          <a:bodyPr wrap="square">
+            <a:spAutoFit/>
+          </a:bodyPr>
+          <a:lstStyle/>
+          <a:p>
+            <a:pPr algn="ctr"/>
+            <a:r>
+              <a:rPr lang="en-US" altLang="zh-CN" sz="1200" dirty="0" smtClean="0">
+                <a:latin typeface="Times New Roman" charset="0"/>
+                <a:ea typeface="Times New Roman" charset="0"/>
+                <a:cs typeface="Times New Roman" charset="0"/>
+              </a:rPr>
+              <a:t>Segment</a:t>
+            </a:r>
+            <a:r>
+              <a:rPr lang="zh-CN" altLang="en-US" sz="1200" dirty="0" smtClean="0">
+                <a:latin typeface="Times New Roman" charset="0"/>
+                <a:ea typeface="Times New Roman" charset="0"/>
+                <a:cs typeface="Times New Roman" charset="0"/>
+              </a:rPr>
+              <a:t/>
+            </a:r>
+            <a:br>
+              <a:rPr lang="zh-CN" altLang="en-US" sz="1200" dirty="0" smtClean="0">
+                <a:latin typeface="Times New Roman" charset="0"/>
+                <a:ea typeface="Times New Roman" charset="0"/>
+                <a:cs typeface="Times New Roman" charset="0"/>
+              </a:rPr>
+            </a:br>
+            <a:r>
+              <a:rPr lang="en-US" altLang="zh-CN" sz="1200" dirty="0" smtClean="0">
+                <a:latin typeface="Times New Roman" charset="0"/>
+                <a:ea typeface="Times New Roman" charset="0"/>
+                <a:cs typeface="Times New Roman" charset="0"/>
+              </a:rPr>
+              <a:t>Code</a:t>
+            </a:r>
+            <a:endParaRPr lang="en-US" sz="1200" dirty="0">
+              <a:latin typeface="Times New Roman" charset="0"/>
+              <a:ea typeface="Times New Roman" charset="0"/>
+              <a:cs typeface="Times New Roman" charset="0"/>
+            </a:endParaRPr>
+          </a:p>
+        </p:txBody>
+      </p:sp>
+      <p:sp>
+        <p:nvSpPr>
+          <p:cNvPr id="189" name="Rectangle 188"/>
+          <p:cNvSpPr/>
+          <p:nvPr/>
+        </p:nvSpPr>
+        <p:spPr>
+          <a:xfrm>
+            <a:off x="2908975" y="2835267"/>
+            <a:ext cx="616179" cy="276999"/>
+          </a:xfrm>
+          <a:prstGeom prst="rect">
+            <a:avLst/>
+          </a:prstGeom>
+        </p:spPr>
+        <p:txBody>
+          <a:bodyPr wrap="square">
+            <a:spAutoFit/>
+          </a:bodyPr>
+          <a:lstStyle/>
+          <a:p>
+            <a:pPr algn="ctr"/>
+            <a:r>
+              <a:rPr lang="en-US" altLang="zh-CN" sz="1200" dirty="0" smtClean="0">
+                <a:latin typeface="Times New Roman" charset="0"/>
+                <a:ea typeface="Times New Roman" charset="0"/>
+                <a:cs typeface="Times New Roman" charset="0"/>
+              </a:rPr>
+              <a:t>PER</a:t>
+            </a:r>
+            <a:r>
+              <a:rPr lang="zh-CN" altLang="en-US" sz="1200" dirty="0" smtClean="0">
+                <a:latin typeface="Times New Roman" charset="0"/>
+                <a:ea typeface="Times New Roman" charset="0"/>
+                <a:cs typeface="Times New Roman" charset="0"/>
+              </a:rPr>
+              <a:t> </a:t>
+            </a:r>
+            <a:endParaRPr lang="en-US" sz="1200" dirty="0">
+              <a:latin typeface="Times New Roman" charset="0"/>
+              <a:ea typeface="Times New Roman" charset="0"/>
+              <a:cs typeface="Times New Roman" charset="0"/>
+            </a:endParaRPr>
+          </a:p>
+        </p:txBody>
+      </p:sp>
+      <p:sp>
+        <p:nvSpPr>
+          <p:cNvPr id="191" name="Rectangle 190"/>
+          <p:cNvSpPr/>
+          <p:nvPr/>
+        </p:nvSpPr>
+        <p:spPr>
+          <a:xfrm>
+            <a:off x="3461697" y="2835266"/>
+            <a:ext cx="616179" cy="276999"/>
+          </a:xfrm>
+          <a:prstGeom prst="rect">
+            <a:avLst/>
+          </a:prstGeom>
+        </p:spPr>
+        <p:txBody>
+          <a:bodyPr wrap="square">
+            <a:spAutoFit/>
+          </a:bodyPr>
+          <a:lstStyle/>
+          <a:p>
+            <a:pPr algn="ctr"/>
+            <a:r>
+              <a:rPr lang="en-US" altLang="zh-CN" sz="1200" dirty="0" smtClean="0">
+                <a:latin typeface="Times New Roman" charset="0"/>
+                <a:ea typeface="Times New Roman" charset="0"/>
+                <a:cs typeface="Times New Roman" charset="0"/>
+              </a:rPr>
+              <a:t>ORG</a:t>
+            </a:r>
+            <a:endParaRPr lang="en-US" sz="1200" dirty="0">
+              <a:latin typeface="Times New Roman" charset="0"/>
+              <a:ea typeface="Times New Roman" charset="0"/>
+              <a:cs typeface="Times New Roman" charset="0"/>
+            </a:endParaRPr>
+          </a:p>
+        </p:txBody>
+      </p:sp>
+      <p:sp>
+        <p:nvSpPr>
+          <p:cNvPr id="192" name="Rectangle 191"/>
+          <p:cNvSpPr/>
+          <p:nvPr/>
+        </p:nvSpPr>
+        <p:spPr>
+          <a:xfrm>
+            <a:off x="4990865" y="2835908"/>
+            <a:ext cx="616179" cy="276999"/>
+          </a:xfrm>
+          <a:prstGeom prst="rect">
+            <a:avLst/>
+          </a:prstGeom>
+        </p:spPr>
+        <p:txBody>
+          <a:bodyPr wrap="square">
+            <a:spAutoFit/>
+          </a:bodyPr>
+          <a:lstStyle/>
+          <a:p>
+            <a:pPr algn="ctr"/>
+            <a:r>
+              <a:rPr lang="en-US" altLang="zh-CN" sz="1200" dirty="0" smtClean="0">
+                <a:latin typeface="Times New Roman" charset="0"/>
+                <a:ea typeface="Times New Roman" charset="0"/>
+                <a:cs typeface="Times New Roman" charset="0"/>
+              </a:rPr>
+              <a:t>NONE</a:t>
+            </a:r>
+            <a:endParaRPr lang="en-US" sz="1200" dirty="0">
+              <a:latin typeface="Times New Roman" charset="0"/>
+              <a:ea typeface="Times New Roman" charset="0"/>
+              <a:cs typeface="Times New Roman" charset="0"/>
+            </a:endParaRPr>
+          </a:p>
+        </p:txBody>
+      </p:sp>
+      <p:cxnSp>
+        <p:nvCxnSpPr>
+          <p:cNvPr id="193" name="Straight Arrow Connector 192"/>
+          <p:cNvCxnSpPr>
+            <a:stCxn id="342" idx="0"/>
+            <a:endCxn id="189" idx="2"/>
+          </p:cNvCxnSpPr>
+          <p:nvPr/>
+        </p:nvCxnSpPr>
+        <p:spPr>
+          <a:xfrm flipH="1" flipV="1">
+            <a:off x="3217065" y="3112266"/>
+            <a:ext cx="273319" cy="482805"/>
+          </a:xfrm>
+          <a:prstGeom prst="straightConnector1">
+            <a:avLst/>
+          </a:prstGeom>
+          <a:ln>
+            <a:tailEnd type="triangle"/>
+          </a:ln>
+        </p:spPr>
+        <p:style>
+          <a:lnRef idx="1">
+            <a:schemeClr val="dk1"/>
+          </a:lnRef>
+          <a:fillRef idx="0">
+            <a:schemeClr val="dk1"/>
+          </a:fillRef>
+          <a:effectRef idx="0">
+            <a:schemeClr val="dk1"/>
+          </a:effectRef>
+          <a:fontRef idx="minor">
+            <a:schemeClr val="tx1"/>
+          </a:fontRef>
+        </p:style>
+      </p:cxnSp>
+      <p:cxnSp>
+        <p:nvCxnSpPr>
+          <p:cNvPr id="196" name="Straight Arrow Connector 195"/>
+          <p:cNvCxnSpPr>
+            <a:stCxn id="343" idx="0"/>
+            <a:endCxn id="191" idx="2"/>
+          </p:cNvCxnSpPr>
+          <p:nvPr/>
+        </p:nvCxnSpPr>
+        <p:spPr>
+          <a:xfrm flipH="1" flipV="1">
+            <a:off x="3769787" y="3112265"/>
+            <a:ext cx="158780" cy="482806"/>
+          </a:xfrm>
+          <a:prstGeom prst="straightConnector1">
+            <a:avLst/>
+          </a:prstGeom>
+          <a:ln>
+            <a:tailEnd type="triangle"/>
+          </a:ln>
+        </p:spPr>
+        <p:style>
+          <a:lnRef idx="1">
+            <a:schemeClr val="dk1"/>
+          </a:lnRef>
+          <a:fillRef idx="0">
+            <a:schemeClr val="dk1"/>
+          </a:fillRef>
+          <a:effectRef idx="0">
+            <a:schemeClr val="dk1"/>
+          </a:effectRef>
+          <a:fontRef idx="minor">
+            <a:schemeClr val="tx1"/>
+          </a:fontRef>
+        </p:style>
+      </p:cxnSp>
+      <p:cxnSp>
+        <p:nvCxnSpPr>
+          <p:cNvPr id="202" name="Straight Arrow Connector 201"/>
+          <p:cNvCxnSpPr>
+            <a:stCxn id="345" idx="0"/>
+            <a:endCxn id="192" idx="2"/>
+          </p:cNvCxnSpPr>
+          <p:nvPr/>
+        </p:nvCxnSpPr>
+        <p:spPr>
+          <a:xfrm flipV="1">
+            <a:off x="5243113" y="3112907"/>
+            <a:ext cx="55842" cy="482164"/>
+          </a:xfrm>
+          <a:prstGeom prst="straightConnector1">
+            <a:avLst/>
+          </a:prstGeom>
+          <a:ln>
+            <a:tailEnd type="triangle"/>
+          </a:ln>
+        </p:spPr>
+        <p:style>
+          <a:lnRef idx="1">
+            <a:schemeClr val="dk1"/>
+          </a:lnRef>
+          <a:fillRef idx="0">
+            <a:schemeClr val="dk1"/>
+          </a:fillRef>
+          <a:effectRef idx="0">
+            <a:schemeClr val="dk1"/>
+          </a:effectRef>
+          <a:fontRef idx="minor">
+            <a:schemeClr val="tx1"/>
+          </a:fontRef>
+        </p:style>
+      </p:cxnSp>
+    </p:spTree>
+    <p:extLst>
+      <p:ext uri="{BB962C8B-B14F-4D97-AF65-F5344CB8AC3E}">
+        <p14:creationId xmlns:p14="http://schemas.microsoft.com/office/powerpoint/2010/main" val="895011707"/>
+      </p:ext>
+    </p:extLst>
+  </p:cSld>
+  <p:clrMapOvr>
+    <a:masterClrMapping/>
+  </p:clrMapOvr>
+  <p:timing>
+    <p:tnLst>
+      <p:par>
+        <p:cTn id="1" dur="indefinite" restart="never" nodeType="tmRoot"/>
       </p:par>
     </p:tnLst>
   </p:timing>
@@ -4491,7 +8649,7 @@
 <file path=ppt/theme/theme1.xml><?xml version="1.0" encoding="utf-8"?>
 <a:theme xmlns:a="http://schemas.openxmlformats.org/drawingml/2006/main" name="Office Theme">
   <a:themeElements>
-    <a:clrScheme name="Office">
+    <a:clrScheme name="Office Theme">
       <a:dk1>
         <a:sysClr val="windowText" lastClr="000000"/>
       </a:dk1>
@@ -4499,39 +8657,39 @@
         <a:sysClr val="window" lastClr="FFFFFF"/>
       </a:lt1>
       <a:dk2>
-        <a:srgbClr val="1F497D"/>
+        <a:srgbClr val="44546A"/>
       </a:dk2>
       <a:lt2>
-        <a:srgbClr val="EEECE1"/>
+        <a:srgbClr val="E7E6E6"/>
       </a:lt2>
       <a:accent1>
-        <a:srgbClr val="4F81BD"/>
+        <a:srgbClr val="5B9BD5"/>
       </a:accent1>
       <a:accent2>
-        <a:srgbClr val="C0504D"/>
+        <a:srgbClr val="ED7D31"/>
       </a:accent2>
       <a:accent3>
-        <a:srgbClr val="9BBB59"/>
+        <a:srgbClr val="A5A5A5"/>
       </a:accent3>
       <a:accent4>
-        <a:srgbClr val="8064A2"/>
+        <a:srgbClr val="FFC000"/>
       </a:accent4>
       <a:accent5>
-        <a:srgbClr val="4BACC6"/>
+        <a:srgbClr val="4472C4"/>
       </a:accent5>
       <a:accent6>
-        <a:srgbClr val="F79646"/>
+        <a:srgbClr val="70AD47"/>
       </a:accent6>
       <a:hlink>
-        <a:srgbClr val="0000FF"/>
+        <a:srgbClr val="0563C1"/>
       </a:hlink>
       <a:folHlink>
-        <a:srgbClr val="800080"/>
+        <a:srgbClr val="954F72"/>
       </a:folHlink>
     </a:clrScheme>
-    <a:fontScheme name="Office">
+    <a:fontScheme name="Office Theme">
       <a:majorFont>
-        <a:latin typeface="Calibri"/>
+        <a:latin typeface="Calibri Light" panose="020F0302020204030204"/>
         <a:ea typeface=""/>
         <a:cs typeface=""/>
         <a:font script="Jpan" typeface="ＭＳ Ｐゴシック"/>
@@ -4566,7 +8724,268 @@
         <a:font script="Geor" typeface="Sylfaen"/>
       </a:majorFont>
       <a:minorFont>
-        <a:latin typeface="Calibri"/>
+        <a:latin typeface="Calibri" panose="020F0502020204030204"/>
+        <a:ea typeface=""/>
+        <a:cs typeface=""/>
+        <a:font script="Jpan" typeface="ＭＳ Ｐゴシック"/>
+        <a:font script="Hang" typeface="맑은 고딕"/>
+        <a:font script="Hans" typeface="宋体"/>
+        <a:font script="Hant" typeface="新細明體"/>
+        <a:font script="Arab" typeface="Arial"/>
+        <a:font script="Hebr" typeface="Arial"/>
+        <a:font script="Thai" typeface="Cordia New"/>
+        <a:font script="Ethi" typeface="Nyala"/>
+        <a:font script="Beng" typeface="Vrinda"/>
+        <a:font script="Gujr" typeface="Shruti"/>
+        <a:font script="Khmr" typeface="DaunPenh"/>
+        <a:font script="Knda" typeface="Tunga"/>
+        <a:font script="Guru" typeface="Raavi"/>
+        <a:font script="Cans" typeface="Euphemia"/>
+        <a:font script="Cher" typeface="Plantagenet Cherokee"/>
+        <a:font script="Yiii" typeface="Microsoft Yi Baiti"/>
+        <a:font script="Tibt" typeface="Microsoft Himalaya"/>
+        <a:font script="Thaa" typeface="MV Boli"/>
+        <a:font script="Deva" typeface="Mangal"/>
+        <a:font script="Telu" typeface="Gautami"/>
+        <a:font script="Taml" typeface="Latha"/>
+        <a:font script="Syrc" typeface="Estrangelo Edessa"/>
+        <a:font script="Orya" typeface="Kalinga"/>
+        <a:font script="Mlym" typeface="Kartika"/>
+        <a:font script="Laoo" typeface="DokChampa"/>
+        <a:font script="Sinh" typeface="Iskoola Pota"/>
+        <a:font script="Mong" typeface="Mongolian Baiti"/>
+        <a:font script="Viet" typeface="Arial"/>
+        <a:font script="Uigh" typeface="Microsoft Uighur"/>
+        <a:font script="Geor" typeface="Sylfaen"/>
+      </a:minorFont>
+    </a:fontScheme>
+    <a:fmtScheme name="Office Theme">
+      <a:fillStyleLst>
+        <a:solidFill>
+          <a:schemeClr val="phClr"/>
+        </a:solidFill>
+        <a:gradFill rotWithShape="1">
+          <a:gsLst>
+            <a:gs pos="0">
+              <a:schemeClr val="phClr">
+                <a:lumMod val="110000"/>
+                <a:satMod val="105000"/>
+                <a:tint val="67000"/>
+              </a:schemeClr>
+            </a:gs>
+            <a:gs pos="50000">
+              <a:schemeClr val="phClr">
+                <a:lumMod val="105000"/>
+                <a:satMod val="103000"/>
+                <a:tint val="73000"/>
+              </a:schemeClr>
+            </a:gs>
+            <a:gs pos="100000">
+              <a:schemeClr val="phClr">
+                <a:lumMod val="105000"/>
+                <a:satMod val="109000"/>
+                <a:tint val="81000"/>
+              </a:schemeClr>
+            </a:gs>
+          </a:gsLst>
+          <a:lin ang="5400000" scaled="0"/>
+        </a:gradFill>
+        <a:gradFill rotWithShape="1">
+          <a:gsLst>
+            <a:gs pos="0">
+              <a:schemeClr val="phClr">
+                <a:satMod val="103000"/>
+                <a:lumMod val="102000"/>
+                <a:tint val="94000"/>
+              </a:schemeClr>
+            </a:gs>
+            <a:gs pos="50000">
+              <a:schemeClr val="phClr">
+                <a:satMod val="110000"/>
+                <a:lumMod val="100000"/>
+                <a:shade val="100000"/>
+              </a:schemeClr>
+            </a:gs>
+            <a:gs pos="100000">
+              <a:schemeClr val="phClr">
+                <a:lumMod val="99000"/>
+                <a:satMod val="120000"/>
+                <a:shade val="78000"/>
+              </a:schemeClr>
+            </a:gs>
+          </a:gsLst>
+          <a:lin ang="5400000" scaled="0"/>
+        </a:gradFill>
+      </a:fillStyleLst>
+      <a:lnStyleLst>
+        <a:ln w="6350" cap="flat" cmpd="sng" algn="ctr">
+          <a:solidFill>
+            <a:schemeClr val="phClr"/>
+          </a:solidFill>
+          <a:prstDash val="solid"/>
+          <a:miter lim="800000"/>
+        </a:ln>
+        <a:ln w="12700" cap="flat" cmpd="sng" algn="ctr">
+          <a:solidFill>
+            <a:schemeClr val="phClr"/>
+          </a:solidFill>
+          <a:prstDash val="solid"/>
+          <a:miter lim="800000"/>
+        </a:ln>
+        <a:ln w="19050" cap="flat" cmpd="sng" algn="ctr">
+          <a:solidFill>
+            <a:schemeClr val="phClr"/>
+          </a:solidFill>
+          <a:prstDash val="solid"/>
+          <a:miter lim="800000"/>
+        </a:ln>
+      </a:lnStyleLst>
+      <a:effectStyleLst>
+        <a:effectStyle>
+          <a:effectLst/>
+        </a:effectStyle>
+        <a:effectStyle>
+          <a:effectLst/>
+        </a:effectStyle>
+        <a:effectStyle>
+          <a:effectLst>
+            <a:outerShdw blurRad="57150" dist="19050" dir="5400000" algn="ctr" rotWithShape="0">
+              <a:srgbClr val="000000">
+                <a:alpha val="63000"/>
+              </a:srgbClr>
+            </a:outerShdw>
+          </a:effectLst>
+        </a:effectStyle>
+      </a:effectStyleLst>
+      <a:bgFillStyleLst>
+        <a:solidFill>
+          <a:schemeClr val="phClr"/>
+        </a:solidFill>
+        <a:solidFill>
+          <a:schemeClr val="phClr">
+            <a:tint val="95000"/>
+            <a:satMod val="170000"/>
+          </a:schemeClr>
+        </a:solidFill>
+        <a:gradFill rotWithShape="1">
+          <a:gsLst>
+            <a:gs pos="0">
+              <a:schemeClr val="phClr">
+                <a:tint val="93000"/>
+                <a:satMod val="150000"/>
+                <a:shade val="98000"/>
+                <a:lumMod val="102000"/>
+              </a:schemeClr>
+            </a:gs>
+            <a:gs pos="50000">
+              <a:schemeClr val="phClr">
+                <a:tint val="98000"/>
+                <a:satMod val="130000"/>
+                <a:shade val="90000"/>
+                <a:lumMod val="103000"/>
+              </a:schemeClr>
+            </a:gs>
+            <a:gs pos="100000">
+              <a:schemeClr val="phClr">
+                <a:shade val="63000"/>
+                <a:satMod val="120000"/>
+              </a:schemeClr>
+            </a:gs>
+          </a:gsLst>
+          <a:lin ang="5400000" scaled="0"/>
+        </a:gradFill>
+      </a:bgFillStyleLst>
+    </a:fmtScheme>
+  </a:themeElements>
+  <a:objectDefaults/>
+  <a:extraClrSchemeLst/>
+  <a:extLst>
+    <a:ext uri="{05A4C25C-085E-4340-85A3-A5531E510DB2}">
+      <thm15:themeFamily xmlns:thm15="http://schemas.microsoft.com/office/thememl/2012/main" name="Office Theme" id="{62F939B6-93AF-4DB8-9C6B-D6C7DFDC589F}" vid="{4A3C46E8-61CC-4603-A589-7422A47A8E4A}"/>
+    </a:ext>
+  </a:extLst>
+</a:theme>
+</file>
+
+<file path=ppt/theme/theme2.xml><?xml version="1.0" encoding="utf-8"?>
+<a:theme xmlns:a="http://schemas.openxmlformats.org/drawingml/2006/main" name="Office Theme">
+  <a:themeElements>
+    <a:clrScheme name="Office">
+      <a:dk1>
+        <a:sysClr val="windowText" lastClr="000000"/>
+      </a:dk1>
+      <a:lt1>
+        <a:sysClr val="window" lastClr="FFFFFF"/>
+      </a:lt1>
+      <a:dk2>
+        <a:srgbClr val="44546A"/>
+      </a:dk2>
+      <a:lt2>
+        <a:srgbClr val="E7E6E6"/>
+      </a:lt2>
+      <a:accent1>
+        <a:srgbClr val="5B9BD5"/>
+      </a:accent1>
+      <a:accent2>
+        <a:srgbClr val="ED7D31"/>
+      </a:accent2>
+      <a:accent3>
+        <a:srgbClr val="A5A5A5"/>
+      </a:accent3>
+      <a:accent4>
+        <a:srgbClr val="FFC000"/>
+      </a:accent4>
+      <a:accent5>
+        <a:srgbClr val="4472C4"/>
+      </a:accent5>
+      <a:accent6>
+        <a:srgbClr val="70AD47"/>
+      </a:accent6>
+      <a:hlink>
+        <a:srgbClr val="0563C1"/>
+      </a:hlink>
+      <a:folHlink>
+        <a:srgbClr val="954F72"/>
+      </a:folHlink>
+    </a:clrScheme>
+    <a:fontScheme name="Office">
+      <a:majorFont>
+        <a:latin typeface="Calibri Light" panose="020F0302020204030204"/>
+        <a:ea typeface=""/>
+        <a:cs typeface=""/>
+        <a:font script="Jpan" typeface="ＭＳ Ｐゴシック"/>
+        <a:font script="Hang" typeface="맑은 고딕"/>
+        <a:font script="Hans" typeface="宋体"/>
+        <a:font script="Hant" typeface="新細明體"/>
+        <a:font script="Arab" typeface="Times New Roman"/>
+        <a:font script="Hebr" typeface="Times New Roman"/>
+        <a:font script="Thai" typeface="Angsana New"/>
+        <a:font script="Ethi" typeface="Nyala"/>
+        <a:font script="Beng" typeface="Vrinda"/>
+        <a:font script="Gujr" typeface="Shruti"/>
+        <a:font script="Khmr" typeface="MoolBoran"/>
+        <a:font script="Knda" typeface="Tunga"/>
+        <a:font script="Guru" typeface="Raavi"/>
+        <a:font script="Cans" typeface="Euphemia"/>
+        <a:font script="Cher" typeface="Plantagenet Cherokee"/>
+        <a:font script="Yiii" typeface="Microsoft Yi Baiti"/>
+        <a:font script="Tibt" typeface="Microsoft Himalaya"/>
+        <a:font script="Thaa" typeface="MV Boli"/>
+        <a:font script="Deva" typeface="Mangal"/>
+        <a:font script="Telu" typeface="Gautami"/>
+        <a:font script="Taml" typeface="Latha"/>
+        <a:font script="Syrc" typeface="Estrangelo Edessa"/>
+        <a:font script="Orya" typeface="Kalinga"/>
+        <a:font script="Mlym" typeface="Kartika"/>
+        <a:font script="Laoo" typeface="DokChampa"/>
+        <a:font script="Sinh" typeface="Iskoola Pota"/>
+        <a:font script="Mong" typeface="Mongolian Baiti"/>
+        <a:font script="Viet" typeface="Times New Roman"/>
+        <a:font script="Uigh" typeface="Microsoft Uighur"/>
+        <a:font script="Geor" typeface="Sylfaen"/>
+      </a:majorFont>
+      <a:minorFont>
+        <a:latin typeface="Calibri" panose="020F0502020204030204"/>
         <a:ea typeface=""/>
         <a:cs typeface=""/>
         <a:font script="Jpan" typeface="ＭＳ Ｐゴシック"/>
@@ -4610,200 +9029,141 @@
           <a:gsLst>
             <a:gs pos="0">
               <a:schemeClr val="phClr">
-                <a:tint val="50000"/>
-                <a:satMod val="300000"/>
+                <a:lumMod val="110000"/>
+                <a:satMod val="105000"/>
+                <a:tint val="67000"/>
               </a:schemeClr>
             </a:gs>
-            <a:gs pos="35000">
+            <a:gs pos="50000">
               <a:schemeClr val="phClr">
-                <a:tint val="37000"/>
-                <a:satMod val="300000"/>
+                <a:lumMod val="105000"/>
+                <a:satMod val="103000"/>
+                <a:tint val="73000"/>
               </a:schemeClr>
             </a:gs>
             <a:gs pos="100000">
               <a:schemeClr val="phClr">
-                <a:tint val="15000"/>
-                <a:satMod val="350000"/>
+                <a:lumMod val="105000"/>
+                <a:satMod val="109000"/>
+                <a:tint val="81000"/>
               </a:schemeClr>
             </a:gs>
           </a:gsLst>
-          <a:lin ang="16200000" scaled="1"/>
+          <a:lin ang="5400000" scaled="0"/>
         </a:gradFill>
         <a:gradFill rotWithShape="1">
           <a:gsLst>
             <a:gs pos="0">
               <a:schemeClr val="phClr">
-                <a:tint val="100000"/>
+                <a:satMod val="103000"/>
+                <a:lumMod val="102000"/>
+                <a:tint val="94000"/>
+              </a:schemeClr>
+            </a:gs>
+            <a:gs pos="50000">
+              <a:schemeClr val="phClr">
+                <a:satMod val="110000"/>
+                <a:lumMod val="100000"/>
                 <a:shade val="100000"/>
-                <a:satMod val="130000"/>
               </a:schemeClr>
             </a:gs>
             <a:gs pos="100000">
               <a:schemeClr val="phClr">
-                <a:tint val="50000"/>
-                <a:shade val="100000"/>
-                <a:satMod val="350000"/>
+                <a:lumMod val="99000"/>
+                <a:satMod val="120000"/>
+                <a:shade val="78000"/>
               </a:schemeClr>
             </a:gs>
           </a:gsLst>
-          <a:lin ang="16200000" scaled="0"/>
+          <a:lin ang="5400000" scaled="0"/>
         </a:gradFill>
       </a:fillStyleLst>
       <a:lnStyleLst>
-        <a:ln w="9525" cap="flat" cmpd="sng" algn="ctr">
-          <a:solidFill>
-            <a:schemeClr val="phClr">
-              <a:shade val="95000"/>
-              <a:satMod val="105000"/>
-            </a:schemeClr>
-          </a:solidFill>
-          <a:prstDash val="solid"/>
-        </a:ln>
-        <a:ln w="25400" cap="flat" cmpd="sng" algn="ctr">
+        <a:ln w="6350" cap="flat" cmpd="sng" algn="ctr">
           <a:solidFill>
             <a:schemeClr val="phClr"/>
           </a:solidFill>
           <a:prstDash val="solid"/>
+          <a:miter lim="800000"/>
         </a:ln>
-        <a:ln w="38100" cap="flat" cmpd="sng" algn="ctr">
+        <a:ln w="12700" cap="flat" cmpd="sng" algn="ctr">
           <a:solidFill>
             <a:schemeClr val="phClr"/>
           </a:solidFill>
           <a:prstDash val="solid"/>
+          <a:miter lim="800000"/>
+        </a:ln>
+        <a:ln w="19050" cap="flat" cmpd="sng" algn="ctr">
+          <a:solidFill>
+            <a:schemeClr val="phClr"/>
+          </a:solidFill>
+          <a:prstDash val="solid"/>
+          <a:miter lim="800000"/>
         </a:ln>
       </a:lnStyleLst>
       <a:effectStyleLst>
         <a:effectStyle>
+          <a:effectLst/>
+        </a:effectStyle>
+        <a:effectStyle>
+          <a:effectLst/>
+        </a:effectStyle>
+        <a:effectStyle>
           <a:effectLst>
-            <a:outerShdw blurRad="40000" dist="20000" dir="5400000" rotWithShape="0">
+            <a:outerShdw blurRad="57150" dist="19050" dir="5400000" algn="ctr" rotWithShape="0">
               <a:srgbClr val="000000">
-                <a:alpha val="38000"/>
+                <a:alpha val="63000"/>
               </a:srgbClr>
             </a:outerShdw>
           </a:effectLst>
-        </a:effectStyle>
-        <a:effectStyle>
-          <a:effectLst>
-            <a:outerShdw blurRad="40000" dist="23000" dir="5400000" rotWithShape="0">
-              <a:srgbClr val="000000">
-                <a:alpha val="35000"/>
-              </a:srgbClr>
-            </a:outerShdw>
-          </a:effectLst>
-        </a:effectStyle>
-        <a:effectStyle>
-          <a:effectLst>
-            <a:outerShdw blurRad="40000" dist="23000" dir="5400000" rotWithShape="0">
-              <a:srgbClr val="000000">
-                <a:alpha val="35000"/>
-              </a:srgbClr>
-            </a:outerShdw>
-          </a:effectLst>
-          <a:scene3d>
-            <a:camera prst="orthographicFront">
-              <a:rot lat="0" lon="0" rev="0"/>
-            </a:camera>
-            <a:lightRig rig="threePt" dir="t">
-              <a:rot lat="0" lon="0" rev="1200000"/>
-            </a:lightRig>
-          </a:scene3d>
-          <a:sp3d>
-            <a:bevelT w="63500" h="25400"/>
-          </a:sp3d>
         </a:effectStyle>
       </a:effectStyleLst>
       <a:bgFillStyleLst>
         <a:solidFill>
           <a:schemeClr val="phClr"/>
         </a:solidFill>
+        <a:solidFill>
+          <a:schemeClr val="phClr">
+            <a:tint val="95000"/>
+            <a:satMod val="170000"/>
+          </a:schemeClr>
+        </a:solidFill>
         <a:gradFill rotWithShape="1">
           <a:gsLst>
             <a:gs pos="0">
               <a:schemeClr val="phClr">
-                <a:tint val="40000"/>
-                <a:satMod val="350000"/>
+                <a:tint val="93000"/>
+                <a:satMod val="150000"/>
+                <a:shade val="98000"/>
+                <a:lumMod val="102000"/>
               </a:schemeClr>
             </a:gs>
-            <a:gs pos="40000">
+            <a:gs pos="50000">
               <a:schemeClr val="phClr">
-                <a:tint val="45000"/>
-                <a:shade val="99000"/>
-                <a:satMod val="350000"/>
+                <a:tint val="98000"/>
+                <a:satMod val="130000"/>
+                <a:shade val="90000"/>
+                <a:lumMod val="103000"/>
               </a:schemeClr>
             </a:gs>
             <a:gs pos="100000">
               <a:schemeClr val="phClr">
-                <a:shade val="20000"/>
-                <a:satMod val="255000"/>
+                <a:shade val="63000"/>
+                <a:satMod val="120000"/>
               </a:schemeClr>
             </a:gs>
           </a:gsLst>
-          <a:path path="circle">
-            <a:fillToRect l="50000" t="-80000" r="50000" b="180000"/>
-          </a:path>
-        </a:gradFill>
-        <a:gradFill rotWithShape="1">
-          <a:gsLst>
-            <a:gs pos="0">
-              <a:schemeClr val="phClr">
-                <a:tint val="80000"/>
-                <a:satMod val="300000"/>
-              </a:schemeClr>
-            </a:gs>
-            <a:gs pos="100000">
-              <a:schemeClr val="phClr">
-                <a:shade val="30000"/>
-                <a:satMod val="200000"/>
-              </a:schemeClr>
-            </a:gs>
-          </a:gsLst>
-          <a:path path="circle">
-            <a:fillToRect l="50000" t="50000" r="50000" b="50000"/>
-          </a:path>
+          <a:lin ang="5400000" scaled="0"/>
         </a:gradFill>
       </a:bgFillStyleLst>
     </a:fmtScheme>
   </a:themeElements>
-  <a:objectDefaults>
-    <a:spDef>
-      <a:spPr/>
-      <a:bodyPr/>
-      <a:lstStyle/>
-      <a:style>
-        <a:lnRef idx="1">
-          <a:schemeClr val="accent1"/>
-        </a:lnRef>
-        <a:fillRef idx="3">
-          <a:schemeClr val="accent1"/>
-        </a:fillRef>
-        <a:effectRef idx="2">
-          <a:schemeClr val="accent1"/>
-        </a:effectRef>
-        <a:fontRef idx="minor">
-          <a:schemeClr val="lt1"/>
-        </a:fontRef>
-      </a:style>
-    </a:spDef>
-    <a:lnDef>
-      <a:spPr/>
-      <a:bodyPr/>
-      <a:lstStyle/>
-      <a:style>
-        <a:lnRef idx="2">
-          <a:schemeClr val="accent1"/>
-        </a:lnRef>
-        <a:fillRef idx="0">
-          <a:schemeClr val="accent1"/>
-        </a:fillRef>
-        <a:effectRef idx="1">
-          <a:schemeClr val="accent1"/>
-        </a:effectRef>
-        <a:fontRef idx="minor">
-          <a:schemeClr val="tx1"/>
-        </a:fontRef>
-      </a:style>
-    </a:lnDef>
-  </a:objectDefaults>
+  <a:objectDefaults/>
   <a:extraClrSchemeLst/>
+  <a:extLst>
+    <a:ext uri="{05A4C25C-085E-4340-85A3-A5531E510DB2}">
+      <thm15:themeFamily xmlns:thm15="http://schemas.microsoft.com/office/thememl/2012/main" name="Office Theme" id="{62F939B6-93AF-4DB8-9C6B-D6C7DFDC589F}" vid="{4A3C46E8-61CC-4603-A589-7422A47A8E4A}"/>
+    </a:ext>
+  </a:extLst>
 </a:theme>
 </file>
--- a/ppt.pptx
+++ b/ppt.pptx
@@ -209,7 +209,7 @@
           <a:p>
             <a:fld id="{D07D4BFB-5337-F24A-A33C-2E310DD8F672}" type="datetimeFigureOut">
               <a:rPr lang="en-US" smtClean="0"/>
-              <a:t>2/4/17</a:t>
+              <a:t>2/5/17</a:t>
             </a:fld>
             <a:endParaRPr lang="en-US"/>
           </a:p>
@@ -1228,7 +1228,7 @@
           <a:p>
             <a:fld id="{C47D408F-8A80-EC46-9B06-2A4F39B76EBA}" type="datetimeFigureOut">
               <a:rPr lang="en-US" smtClean="0"/>
-              <a:t>2/4/17</a:t>
+              <a:t>2/5/17</a:t>
             </a:fld>
             <a:endParaRPr lang="en-US"/>
           </a:p>
@@ -1398,7 +1398,7 @@
           <a:p>
             <a:fld id="{C47D408F-8A80-EC46-9B06-2A4F39B76EBA}" type="datetimeFigureOut">
               <a:rPr lang="en-US" smtClean="0"/>
-              <a:t>2/4/17</a:t>
+              <a:t>2/5/17</a:t>
             </a:fld>
             <a:endParaRPr lang="en-US"/>
           </a:p>
@@ -1578,7 +1578,7 @@
           <a:p>
             <a:fld id="{C47D408F-8A80-EC46-9B06-2A4F39B76EBA}" type="datetimeFigureOut">
               <a:rPr lang="en-US" smtClean="0"/>
-              <a:t>2/4/17</a:t>
+              <a:t>2/5/17</a:t>
             </a:fld>
             <a:endParaRPr lang="en-US"/>
           </a:p>
@@ -1748,7 +1748,7 @@
           <a:p>
             <a:fld id="{C47D408F-8A80-EC46-9B06-2A4F39B76EBA}" type="datetimeFigureOut">
               <a:rPr lang="en-US" smtClean="0"/>
-              <a:t>2/4/17</a:t>
+              <a:t>2/5/17</a:t>
             </a:fld>
             <a:endParaRPr lang="en-US"/>
           </a:p>
@@ -1992,7 +1992,7 @@
           <a:p>
             <a:fld id="{C47D408F-8A80-EC46-9B06-2A4F39B76EBA}" type="datetimeFigureOut">
               <a:rPr lang="en-US" smtClean="0"/>
-              <a:t>2/4/17</a:t>
+              <a:t>2/5/17</a:t>
             </a:fld>
             <a:endParaRPr lang="en-US"/>
           </a:p>
@@ -2224,7 +2224,7 @@
           <a:p>
             <a:fld id="{C47D408F-8A80-EC46-9B06-2A4F39B76EBA}" type="datetimeFigureOut">
               <a:rPr lang="en-US" smtClean="0"/>
-              <a:t>2/4/17</a:t>
+              <a:t>2/5/17</a:t>
             </a:fld>
             <a:endParaRPr lang="en-US"/>
           </a:p>
@@ -2591,7 +2591,7 @@
           <a:p>
             <a:fld id="{C47D408F-8A80-EC46-9B06-2A4F39B76EBA}" type="datetimeFigureOut">
               <a:rPr lang="en-US" smtClean="0"/>
-              <a:t>2/4/17</a:t>
+              <a:t>2/5/17</a:t>
             </a:fld>
             <a:endParaRPr lang="en-US"/>
           </a:p>
@@ -2709,7 +2709,7 @@
           <a:p>
             <a:fld id="{C47D408F-8A80-EC46-9B06-2A4F39B76EBA}" type="datetimeFigureOut">
               <a:rPr lang="en-US" smtClean="0"/>
-              <a:t>2/4/17</a:t>
+              <a:t>2/5/17</a:t>
             </a:fld>
             <a:endParaRPr lang="en-US"/>
           </a:p>
@@ -2804,7 +2804,7 @@
           <a:p>
             <a:fld id="{C47D408F-8A80-EC46-9B06-2A4F39B76EBA}" type="datetimeFigureOut">
               <a:rPr lang="en-US" smtClean="0"/>
-              <a:t>2/4/17</a:t>
+              <a:t>2/5/17</a:t>
             </a:fld>
             <a:endParaRPr lang="en-US"/>
           </a:p>
@@ -3081,7 +3081,7 @@
           <a:p>
             <a:fld id="{C47D408F-8A80-EC46-9B06-2A4F39B76EBA}" type="datetimeFigureOut">
               <a:rPr lang="en-US" smtClean="0"/>
-              <a:t>2/4/17</a:t>
+              <a:t>2/5/17</a:t>
             </a:fld>
             <a:endParaRPr lang="en-US"/>
           </a:p>
@@ -3338,7 +3338,7 @@
           <a:p>
             <a:fld id="{C47D408F-8A80-EC46-9B06-2A4F39B76EBA}" type="datetimeFigureOut">
               <a:rPr lang="en-US" smtClean="0"/>
-              <a:t>2/4/17</a:t>
+              <a:t>2/5/17</a:t>
             </a:fld>
             <a:endParaRPr lang="en-US"/>
           </a:p>
@@ -3551,7 +3551,7 @@
           <a:p>
             <a:fld id="{C47D408F-8A80-EC46-9B06-2A4F39B76EBA}" type="datetimeFigureOut">
               <a:rPr lang="en-US" smtClean="0"/>
-              <a:t>2/4/17</a:t>
+              <a:t>2/5/17</a:t>
             </a:fld>
             <a:endParaRPr lang="en-US"/>
           </a:p>
@@ -5390,1974 +5390,6 @@
           <a:chExt cx="0" cy="0"/>
         </a:xfrm>
       </p:grpSpPr>
-      <p:grpSp>
-        <p:nvGrpSpPr>
-          <p:cNvPr id="25" name="Group 24"/>
-          <p:cNvGrpSpPr/>
-          <p:nvPr/>
-        </p:nvGrpSpPr>
-        <p:grpSpPr>
-          <a:xfrm>
-            <a:off x="2236399" y="4961233"/>
-            <a:ext cx="982043" cy="463958"/>
-            <a:chOff x="1672046" y="3370217"/>
-            <a:chExt cx="1658983" cy="783772"/>
-          </a:xfrm>
-        </p:grpSpPr>
-        <p:sp>
-          <p:nvSpPr>
-            <p:cNvPr id="334" name="Rounded Rectangle 333"/>
-            <p:cNvSpPr/>
-            <p:nvPr/>
-          </p:nvSpPr>
-          <p:spPr>
-            <a:xfrm>
-              <a:off x="1672046" y="3370217"/>
-              <a:ext cx="1658983" cy="783772"/>
-            </a:xfrm>
-            <a:prstGeom prst="roundRect">
-              <a:avLst/>
-            </a:prstGeom>
-            <a:solidFill>
-              <a:schemeClr val="accent6">
-                <a:lumMod val="40000"/>
-                <a:lumOff val="60000"/>
-              </a:schemeClr>
-            </a:solidFill>
-          </p:spPr>
-          <p:style>
-            <a:lnRef idx="1">
-              <a:schemeClr val="accent6"/>
-            </a:lnRef>
-            <a:fillRef idx="2">
-              <a:schemeClr val="accent6"/>
-            </a:fillRef>
-            <a:effectRef idx="1">
-              <a:schemeClr val="accent6"/>
-            </a:effectRef>
-            <a:fontRef idx="minor">
-              <a:schemeClr val="dk1"/>
-            </a:fontRef>
-          </p:style>
-          <p:txBody>
-            <a:bodyPr rtlCol="0" anchor="ctr"/>
-            <a:lstStyle/>
-            <a:p>
-              <a:pPr algn="ctr"/>
-              <a:endParaRPr lang="en-US" sz="1350"/>
-            </a:p>
-          </p:txBody>
-        </p:sp>
-        <p:sp>
-          <p:nvSpPr>
-            <p:cNvPr id="335" name="Oval 334"/>
-            <p:cNvSpPr/>
-            <p:nvPr/>
-          </p:nvSpPr>
-          <p:spPr>
-            <a:xfrm>
-              <a:off x="1869897" y="3524036"/>
-              <a:ext cx="513708" cy="513708"/>
-            </a:xfrm>
-            <a:prstGeom prst="ellipse">
-              <a:avLst/>
-            </a:prstGeom>
-          </p:spPr>
-          <p:style>
-            <a:lnRef idx="2">
-              <a:schemeClr val="accent6"/>
-            </a:lnRef>
-            <a:fillRef idx="1">
-              <a:schemeClr val="lt1"/>
-            </a:fillRef>
-            <a:effectRef idx="0">
-              <a:schemeClr val="accent6"/>
-            </a:effectRef>
-            <a:fontRef idx="minor">
-              <a:schemeClr val="dk1"/>
-            </a:fontRef>
-          </p:style>
-          <p:txBody>
-            <a:bodyPr rtlCol="0" anchor="ctr"/>
-            <a:lstStyle/>
-            <a:p>
-              <a:pPr algn="ctr"/>
-              <a:endParaRPr lang="en-US" sz="1350" dirty="0"/>
-            </a:p>
-          </p:txBody>
-        </p:sp>
-        <p:sp>
-          <p:nvSpPr>
-            <p:cNvPr id="336" name="Oval 335"/>
-            <p:cNvSpPr/>
-            <p:nvPr/>
-          </p:nvSpPr>
-          <p:spPr>
-            <a:xfrm>
-              <a:off x="2610126" y="3524036"/>
-              <a:ext cx="513708" cy="513708"/>
-            </a:xfrm>
-            <a:prstGeom prst="ellipse">
-              <a:avLst/>
-            </a:prstGeom>
-          </p:spPr>
-          <p:style>
-            <a:lnRef idx="2">
-              <a:schemeClr val="accent6"/>
-            </a:lnRef>
-            <a:fillRef idx="1">
-              <a:schemeClr val="lt1"/>
-            </a:fillRef>
-            <a:effectRef idx="0">
-              <a:schemeClr val="accent6"/>
-            </a:effectRef>
-            <a:fontRef idx="minor">
-              <a:schemeClr val="dk1"/>
-            </a:fontRef>
-          </p:style>
-          <p:txBody>
-            <a:bodyPr rtlCol="0" anchor="ctr"/>
-            <a:lstStyle/>
-            <a:p>
-              <a:pPr algn="ctr"/>
-              <a:endParaRPr lang="en-US" sz="1350"/>
-            </a:p>
-          </p:txBody>
-        </p:sp>
-      </p:grpSp>
-      <p:grpSp>
-        <p:nvGrpSpPr>
-          <p:cNvPr id="43" name="Group 42"/>
-          <p:cNvGrpSpPr/>
-          <p:nvPr/>
-        </p:nvGrpSpPr>
-        <p:grpSpPr>
-          <a:xfrm>
-            <a:off x="5526542" y="4964478"/>
-            <a:ext cx="982043" cy="463958"/>
-            <a:chOff x="1672044" y="3370218"/>
-            <a:chExt cx="1658982" cy="783772"/>
-          </a:xfrm>
-        </p:grpSpPr>
-        <p:sp>
-          <p:nvSpPr>
-            <p:cNvPr id="322" name="Rounded Rectangle 321"/>
-            <p:cNvSpPr/>
-            <p:nvPr/>
-          </p:nvSpPr>
-          <p:spPr>
-            <a:xfrm>
-              <a:off x="1672044" y="3370218"/>
-              <a:ext cx="1658982" cy="783772"/>
-            </a:xfrm>
-            <a:prstGeom prst="roundRect">
-              <a:avLst/>
-            </a:prstGeom>
-            <a:solidFill>
-              <a:schemeClr val="accent6">
-                <a:lumMod val="40000"/>
-                <a:lumOff val="60000"/>
-              </a:schemeClr>
-            </a:solidFill>
-          </p:spPr>
-          <p:style>
-            <a:lnRef idx="1">
-              <a:schemeClr val="accent6"/>
-            </a:lnRef>
-            <a:fillRef idx="2">
-              <a:schemeClr val="accent6"/>
-            </a:fillRef>
-            <a:effectRef idx="1">
-              <a:schemeClr val="accent6"/>
-            </a:effectRef>
-            <a:fontRef idx="minor">
-              <a:schemeClr val="dk1"/>
-            </a:fontRef>
-          </p:style>
-          <p:txBody>
-            <a:bodyPr rtlCol="0" anchor="ctr"/>
-            <a:lstStyle/>
-            <a:p>
-              <a:pPr algn="ctr"/>
-              <a:endParaRPr lang="en-US" sz="1350"/>
-            </a:p>
-          </p:txBody>
-        </p:sp>
-        <p:sp>
-          <p:nvSpPr>
-            <p:cNvPr id="323" name="Oval 322"/>
-            <p:cNvSpPr/>
-            <p:nvPr/>
-          </p:nvSpPr>
-          <p:spPr>
-            <a:xfrm>
-              <a:off x="1869897" y="3524033"/>
-              <a:ext cx="513708" cy="513708"/>
-            </a:xfrm>
-            <a:prstGeom prst="ellipse">
-              <a:avLst/>
-            </a:prstGeom>
-          </p:spPr>
-          <p:style>
-            <a:lnRef idx="2">
-              <a:schemeClr val="accent6"/>
-            </a:lnRef>
-            <a:fillRef idx="1">
-              <a:schemeClr val="lt1"/>
-            </a:fillRef>
-            <a:effectRef idx="0">
-              <a:schemeClr val="accent6"/>
-            </a:effectRef>
-            <a:fontRef idx="minor">
-              <a:schemeClr val="dk1"/>
-            </a:fontRef>
-          </p:style>
-          <p:txBody>
-            <a:bodyPr rtlCol="0" anchor="ctr"/>
-            <a:lstStyle/>
-            <a:p>
-              <a:pPr algn="ctr"/>
-              <a:endParaRPr lang="en-US" sz="1350" dirty="0"/>
-            </a:p>
-          </p:txBody>
-        </p:sp>
-        <p:sp>
-          <p:nvSpPr>
-            <p:cNvPr id="324" name="Oval 323"/>
-            <p:cNvSpPr/>
-            <p:nvPr/>
-          </p:nvSpPr>
-          <p:spPr>
-            <a:xfrm>
-              <a:off x="2610126" y="3524036"/>
-              <a:ext cx="513708" cy="513708"/>
-            </a:xfrm>
-            <a:prstGeom prst="ellipse">
-              <a:avLst/>
-            </a:prstGeom>
-          </p:spPr>
-          <p:style>
-            <a:lnRef idx="2">
-              <a:schemeClr val="accent6"/>
-            </a:lnRef>
-            <a:fillRef idx="1">
-              <a:schemeClr val="lt1"/>
-            </a:fillRef>
-            <a:effectRef idx="0">
-              <a:schemeClr val="accent6"/>
-            </a:effectRef>
-            <a:fontRef idx="minor">
-              <a:schemeClr val="dk1"/>
-            </a:fontRef>
-          </p:style>
-          <p:txBody>
-            <a:bodyPr rtlCol="0" anchor="ctr"/>
-            <a:lstStyle/>
-            <a:p>
-              <a:pPr algn="ctr"/>
-              <a:endParaRPr lang="en-US" sz="1350"/>
-            </a:p>
-          </p:txBody>
-        </p:sp>
-      </p:grpSp>
-      <p:grpSp>
-        <p:nvGrpSpPr>
-          <p:cNvPr id="54" name="Group 53"/>
-          <p:cNvGrpSpPr/>
-          <p:nvPr/>
-        </p:nvGrpSpPr>
-        <p:grpSpPr>
-          <a:xfrm>
-            <a:off x="3221220" y="4256492"/>
-            <a:ext cx="2311154" cy="463958"/>
-            <a:chOff x="1866157" y="3042474"/>
-            <a:chExt cx="3081539" cy="618610"/>
-          </a:xfrm>
-        </p:grpSpPr>
-        <p:sp>
-          <p:nvSpPr>
-            <p:cNvPr id="308" name="Rounded Rectangle 307"/>
-            <p:cNvSpPr/>
-            <p:nvPr/>
-          </p:nvSpPr>
-          <p:spPr>
-            <a:xfrm>
-              <a:off x="1866157" y="3042474"/>
-              <a:ext cx="3081539" cy="618610"/>
-            </a:xfrm>
-            <a:prstGeom prst="roundRect">
-              <a:avLst/>
-            </a:prstGeom>
-            <a:solidFill>
-              <a:schemeClr val="accent6">
-                <a:lumMod val="40000"/>
-                <a:lumOff val="60000"/>
-              </a:schemeClr>
-            </a:solidFill>
-          </p:spPr>
-          <p:style>
-            <a:lnRef idx="1">
-              <a:schemeClr val="accent6"/>
-            </a:lnRef>
-            <a:fillRef idx="2">
-              <a:schemeClr val="accent6"/>
-            </a:fillRef>
-            <a:effectRef idx="1">
-              <a:schemeClr val="accent6"/>
-            </a:effectRef>
-            <a:fontRef idx="minor">
-              <a:schemeClr val="dk1"/>
-            </a:fontRef>
-          </p:style>
-          <p:txBody>
-            <a:bodyPr rtlCol="0" anchor="ctr"/>
-            <a:lstStyle/>
-            <a:p>
-              <a:pPr algn="ctr"/>
-              <a:r>
-                <a:rPr lang="is-IS" altLang="zh-CN" sz="1350" dirty="0"/>
-                <a:t>……</a:t>
-              </a:r>
-              <a:endParaRPr lang="en-US" sz="1350" dirty="0"/>
-            </a:p>
-          </p:txBody>
-        </p:sp>
-        <p:sp>
-          <p:nvSpPr>
-            <p:cNvPr id="309" name="Oval 308"/>
-            <p:cNvSpPr/>
-            <p:nvPr/>
-          </p:nvSpPr>
-          <p:spPr>
-            <a:xfrm>
-              <a:off x="2022315" y="3163879"/>
-              <a:ext cx="405456" cy="405456"/>
-            </a:xfrm>
-            <a:prstGeom prst="ellipse">
-              <a:avLst/>
-            </a:prstGeom>
-          </p:spPr>
-          <p:style>
-            <a:lnRef idx="2">
-              <a:schemeClr val="accent6"/>
-            </a:lnRef>
-            <a:fillRef idx="1">
-              <a:schemeClr val="lt1"/>
-            </a:fillRef>
-            <a:effectRef idx="0">
-              <a:schemeClr val="accent6"/>
-            </a:effectRef>
-            <a:fontRef idx="minor">
-              <a:schemeClr val="dk1"/>
-            </a:fontRef>
-          </p:style>
-          <p:txBody>
-            <a:bodyPr rtlCol="0" anchor="ctr"/>
-            <a:lstStyle/>
-            <a:p>
-              <a:pPr algn="ctr"/>
-              <a:endParaRPr lang="en-US" sz="1350" dirty="0"/>
-            </a:p>
-          </p:txBody>
-        </p:sp>
-        <p:sp>
-          <p:nvSpPr>
-            <p:cNvPr id="310" name="Oval 309"/>
-            <p:cNvSpPr/>
-            <p:nvPr/>
-          </p:nvSpPr>
-          <p:spPr>
-            <a:xfrm>
-              <a:off x="2606558" y="3163879"/>
-              <a:ext cx="405456" cy="405456"/>
-            </a:xfrm>
-            <a:prstGeom prst="ellipse">
-              <a:avLst/>
-            </a:prstGeom>
-          </p:spPr>
-          <p:style>
-            <a:lnRef idx="2">
-              <a:schemeClr val="accent6"/>
-            </a:lnRef>
-            <a:fillRef idx="1">
-              <a:schemeClr val="lt1"/>
-            </a:fillRef>
-            <a:effectRef idx="0">
-              <a:schemeClr val="accent6"/>
-            </a:effectRef>
-            <a:fontRef idx="minor">
-              <a:schemeClr val="dk1"/>
-            </a:fontRef>
-          </p:style>
-          <p:txBody>
-            <a:bodyPr rtlCol="0" anchor="ctr"/>
-            <a:lstStyle/>
-            <a:p>
-              <a:pPr algn="ctr"/>
-              <a:endParaRPr lang="en-US" sz="1350"/>
-            </a:p>
-          </p:txBody>
-        </p:sp>
-        <p:sp>
-          <p:nvSpPr>
-            <p:cNvPr id="311" name="Oval 310"/>
-            <p:cNvSpPr/>
-            <p:nvPr/>
-          </p:nvSpPr>
-          <p:spPr>
-            <a:xfrm>
-              <a:off x="3771404" y="3163879"/>
-              <a:ext cx="405456" cy="405456"/>
-            </a:xfrm>
-            <a:prstGeom prst="ellipse">
-              <a:avLst/>
-            </a:prstGeom>
-          </p:spPr>
-          <p:style>
-            <a:lnRef idx="2">
-              <a:schemeClr val="accent6"/>
-            </a:lnRef>
-            <a:fillRef idx="1">
-              <a:schemeClr val="lt1"/>
-            </a:fillRef>
-            <a:effectRef idx="0">
-              <a:schemeClr val="accent6"/>
-            </a:effectRef>
-            <a:fontRef idx="minor">
-              <a:schemeClr val="dk1"/>
-            </a:fontRef>
-          </p:style>
-          <p:txBody>
-            <a:bodyPr rtlCol="0" anchor="ctr"/>
-            <a:lstStyle/>
-            <a:p>
-              <a:pPr algn="ctr"/>
-              <a:endParaRPr lang="en-US" sz="1350"/>
-            </a:p>
-          </p:txBody>
-        </p:sp>
-        <p:sp>
-          <p:nvSpPr>
-            <p:cNvPr id="312" name="Oval 311"/>
-            <p:cNvSpPr/>
-            <p:nvPr/>
-          </p:nvSpPr>
-          <p:spPr>
-            <a:xfrm>
-              <a:off x="4359287" y="3163879"/>
-              <a:ext cx="405456" cy="405456"/>
-            </a:xfrm>
-            <a:prstGeom prst="ellipse">
-              <a:avLst/>
-            </a:prstGeom>
-          </p:spPr>
-          <p:style>
-            <a:lnRef idx="2">
-              <a:schemeClr val="accent6"/>
-            </a:lnRef>
-            <a:fillRef idx="1">
-              <a:schemeClr val="lt1"/>
-            </a:fillRef>
-            <a:effectRef idx="0">
-              <a:schemeClr val="accent6"/>
-            </a:effectRef>
-            <a:fontRef idx="minor">
-              <a:schemeClr val="dk1"/>
-            </a:fontRef>
-          </p:style>
-          <p:txBody>
-            <a:bodyPr rtlCol="0" anchor="ctr"/>
-            <a:lstStyle/>
-            <a:p>
-              <a:pPr algn="ctr"/>
-              <a:endParaRPr lang="en-US" sz="1350"/>
-            </a:p>
-          </p:txBody>
-        </p:sp>
-      </p:grpSp>
-      <p:cxnSp>
-        <p:nvCxnSpPr>
-          <p:cNvPr id="55" name="Straight Arrow Connector 54"/>
-          <p:cNvCxnSpPr>
-            <a:stCxn id="335" idx="0"/>
-          </p:cNvCxnSpPr>
-          <p:nvPr/>
-        </p:nvCxnSpPr>
-        <p:spPr>
-          <a:xfrm flipV="1">
-            <a:off x="2505564" y="4651637"/>
-            <a:ext cx="984820" cy="400650"/>
-          </a:xfrm>
-          <a:prstGeom prst="straightConnector1">
-            <a:avLst/>
-          </a:prstGeom>
-          <a:ln>
-            <a:tailEnd type="triangle"/>
-          </a:ln>
-        </p:spPr>
-        <p:style>
-          <a:lnRef idx="1">
-            <a:schemeClr val="dk1"/>
-          </a:lnRef>
-          <a:fillRef idx="0">
-            <a:schemeClr val="dk1"/>
-          </a:fillRef>
-          <a:effectRef idx="0">
-            <a:schemeClr val="dk1"/>
-          </a:effectRef>
-          <a:fontRef idx="minor">
-            <a:schemeClr val="tx1"/>
-          </a:fontRef>
-        </p:style>
-      </p:cxnSp>
-      <p:cxnSp>
-        <p:nvCxnSpPr>
-          <p:cNvPr id="56" name="Straight Arrow Connector 55"/>
-          <p:cNvCxnSpPr>
-            <a:stCxn id="335" idx="0"/>
-          </p:cNvCxnSpPr>
-          <p:nvPr/>
-        </p:nvCxnSpPr>
-        <p:spPr>
-          <a:xfrm flipV="1">
-            <a:off x="2505564" y="4651637"/>
-            <a:ext cx="1423002" cy="400650"/>
-          </a:xfrm>
-          <a:prstGeom prst="straightConnector1">
-            <a:avLst/>
-          </a:prstGeom>
-          <a:ln>
-            <a:tailEnd type="triangle"/>
-          </a:ln>
-        </p:spPr>
-        <p:style>
-          <a:lnRef idx="1">
-            <a:schemeClr val="dk1"/>
-          </a:lnRef>
-          <a:fillRef idx="0">
-            <a:schemeClr val="dk1"/>
-          </a:fillRef>
-          <a:effectRef idx="0">
-            <a:schemeClr val="dk1"/>
-          </a:effectRef>
-          <a:fontRef idx="minor">
-            <a:schemeClr val="tx1"/>
-          </a:fontRef>
-        </p:style>
-      </p:cxnSp>
-      <p:cxnSp>
-        <p:nvCxnSpPr>
-          <p:cNvPr id="57" name="Straight Arrow Connector 56"/>
-          <p:cNvCxnSpPr>
-            <a:stCxn id="335" idx="0"/>
-          </p:cNvCxnSpPr>
-          <p:nvPr/>
-        </p:nvCxnSpPr>
-        <p:spPr>
-          <a:xfrm flipV="1">
-            <a:off x="2505564" y="4651638"/>
-            <a:ext cx="2296637" cy="400649"/>
-          </a:xfrm>
-          <a:prstGeom prst="straightConnector1">
-            <a:avLst/>
-          </a:prstGeom>
-          <a:ln>
-            <a:tailEnd type="triangle"/>
-          </a:ln>
-        </p:spPr>
-        <p:style>
-          <a:lnRef idx="1">
-            <a:schemeClr val="dk1"/>
-          </a:lnRef>
-          <a:fillRef idx="0">
-            <a:schemeClr val="dk1"/>
-          </a:fillRef>
-          <a:effectRef idx="0">
-            <a:schemeClr val="dk1"/>
-          </a:effectRef>
-          <a:fontRef idx="minor">
-            <a:schemeClr val="tx1"/>
-          </a:fontRef>
-        </p:style>
-      </p:cxnSp>
-      <p:cxnSp>
-        <p:nvCxnSpPr>
-          <p:cNvPr id="58" name="Straight Arrow Connector 57"/>
-          <p:cNvCxnSpPr>
-            <a:stCxn id="335" idx="0"/>
-          </p:cNvCxnSpPr>
-          <p:nvPr/>
-        </p:nvCxnSpPr>
-        <p:spPr>
-          <a:xfrm flipV="1">
-            <a:off x="2505564" y="4651637"/>
-            <a:ext cx="2737549" cy="400650"/>
-          </a:xfrm>
-          <a:prstGeom prst="straightConnector1">
-            <a:avLst/>
-          </a:prstGeom>
-          <a:ln>
-            <a:tailEnd type="triangle"/>
-          </a:ln>
-        </p:spPr>
-        <p:style>
-          <a:lnRef idx="1">
-            <a:schemeClr val="dk1"/>
-          </a:lnRef>
-          <a:fillRef idx="0">
-            <a:schemeClr val="dk1"/>
-          </a:fillRef>
-          <a:effectRef idx="0">
-            <a:schemeClr val="dk1"/>
-          </a:effectRef>
-          <a:fontRef idx="minor">
-            <a:schemeClr val="tx1"/>
-          </a:fontRef>
-        </p:style>
-      </p:cxnSp>
-      <p:cxnSp>
-        <p:nvCxnSpPr>
-          <p:cNvPr id="59" name="Straight Arrow Connector 58"/>
-          <p:cNvCxnSpPr>
-            <a:stCxn id="336" idx="0"/>
-          </p:cNvCxnSpPr>
-          <p:nvPr/>
-        </p:nvCxnSpPr>
-        <p:spPr>
-          <a:xfrm flipV="1">
-            <a:off x="2943746" y="4651637"/>
-            <a:ext cx="546638" cy="400650"/>
-          </a:xfrm>
-          <a:prstGeom prst="straightConnector1">
-            <a:avLst/>
-          </a:prstGeom>
-          <a:ln>
-            <a:tailEnd type="triangle"/>
-          </a:ln>
-        </p:spPr>
-        <p:style>
-          <a:lnRef idx="1">
-            <a:schemeClr val="dk1"/>
-          </a:lnRef>
-          <a:fillRef idx="0">
-            <a:schemeClr val="dk1"/>
-          </a:fillRef>
-          <a:effectRef idx="0">
-            <a:schemeClr val="dk1"/>
-          </a:effectRef>
-          <a:fontRef idx="minor">
-            <a:schemeClr val="tx1"/>
-          </a:fontRef>
-        </p:style>
-      </p:cxnSp>
-      <p:cxnSp>
-        <p:nvCxnSpPr>
-          <p:cNvPr id="60" name="Straight Arrow Connector 59"/>
-          <p:cNvCxnSpPr>
-            <a:stCxn id="336" idx="0"/>
-          </p:cNvCxnSpPr>
-          <p:nvPr/>
-        </p:nvCxnSpPr>
-        <p:spPr>
-          <a:xfrm flipV="1">
-            <a:off x="2943746" y="4651637"/>
-            <a:ext cx="984820" cy="400650"/>
-          </a:xfrm>
-          <a:prstGeom prst="straightConnector1">
-            <a:avLst/>
-          </a:prstGeom>
-          <a:ln>
-            <a:tailEnd type="triangle"/>
-          </a:ln>
-        </p:spPr>
-        <p:style>
-          <a:lnRef idx="1">
-            <a:schemeClr val="dk1"/>
-          </a:lnRef>
-          <a:fillRef idx="0">
-            <a:schemeClr val="dk1"/>
-          </a:fillRef>
-          <a:effectRef idx="0">
-            <a:schemeClr val="dk1"/>
-          </a:effectRef>
-          <a:fontRef idx="minor">
-            <a:schemeClr val="tx1"/>
-          </a:fontRef>
-        </p:style>
-      </p:cxnSp>
-      <p:cxnSp>
-        <p:nvCxnSpPr>
-          <p:cNvPr id="61" name="Straight Arrow Connector 60"/>
-          <p:cNvCxnSpPr>
-            <a:stCxn id="336" idx="0"/>
-          </p:cNvCxnSpPr>
-          <p:nvPr/>
-        </p:nvCxnSpPr>
-        <p:spPr>
-          <a:xfrm flipV="1">
-            <a:off x="2943746" y="4651637"/>
-            <a:ext cx="1858455" cy="400650"/>
-          </a:xfrm>
-          <a:prstGeom prst="straightConnector1">
-            <a:avLst/>
-          </a:prstGeom>
-          <a:ln>
-            <a:tailEnd type="triangle"/>
-          </a:ln>
-        </p:spPr>
-        <p:style>
-          <a:lnRef idx="1">
-            <a:schemeClr val="dk1"/>
-          </a:lnRef>
-          <a:fillRef idx="0">
-            <a:schemeClr val="dk1"/>
-          </a:fillRef>
-          <a:effectRef idx="0">
-            <a:schemeClr val="dk1"/>
-          </a:effectRef>
-          <a:fontRef idx="minor">
-            <a:schemeClr val="tx1"/>
-          </a:fontRef>
-        </p:style>
-      </p:cxnSp>
-      <p:cxnSp>
-        <p:nvCxnSpPr>
-          <p:cNvPr id="62" name="Straight Arrow Connector 61"/>
-          <p:cNvCxnSpPr>
-            <a:stCxn id="324" idx="0"/>
-          </p:cNvCxnSpPr>
-          <p:nvPr/>
-        </p:nvCxnSpPr>
-        <p:spPr>
-          <a:xfrm flipH="1" flipV="1">
-            <a:off x="3490384" y="4651638"/>
-            <a:ext cx="2743507" cy="403893"/>
-          </a:xfrm>
-          <a:prstGeom prst="straightConnector1">
-            <a:avLst/>
-          </a:prstGeom>
-          <a:ln>
-            <a:tailEnd type="triangle"/>
-          </a:ln>
-        </p:spPr>
-        <p:style>
-          <a:lnRef idx="1">
-            <a:schemeClr val="dk1"/>
-          </a:lnRef>
-          <a:fillRef idx="0">
-            <a:schemeClr val="dk1"/>
-          </a:fillRef>
-          <a:effectRef idx="0">
-            <a:schemeClr val="dk1"/>
-          </a:effectRef>
-          <a:fontRef idx="minor">
-            <a:schemeClr val="tx1"/>
-          </a:fontRef>
-        </p:style>
-      </p:cxnSp>
-      <p:cxnSp>
-        <p:nvCxnSpPr>
-          <p:cNvPr id="63" name="Straight Arrow Connector 62"/>
-          <p:cNvCxnSpPr>
-            <a:stCxn id="323" idx="0"/>
-          </p:cNvCxnSpPr>
-          <p:nvPr/>
-        </p:nvCxnSpPr>
-        <p:spPr>
-          <a:xfrm flipH="1" flipV="1">
-            <a:off x="3490384" y="4651639"/>
-            <a:ext cx="2305324" cy="403891"/>
-          </a:xfrm>
-          <a:prstGeom prst="straightConnector1">
-            <a:avLst/>
-          </a:prstGeom>
-          <a:ln>
-            <a:tailEnd type="triangle"/>
-          </a:ln>
-        </p:spPr>
-        <p:style>
-          <a:lnRef idx="1">
-            <a:schemeClr val="dk1"/>
-          </a:lnRef>
-          <a:fillRef idx="0">
-            <a:schemeClr val="dk1"/>
-          </a:fillRef>
-          <a:effectRef idx="0">
-            <a:schemeClr val="dk1"/>
-          </a:effectRef>
-          <a:fontRef idx="minor">
-            <a:schemeClr val="tx1"/>
-          </a:fontRef>
-        </p:style>
-      </p:cxnSp>
-      <p:cxnSp>
-        <p:nvCxnSpPr>
-          <p:cNvPr id="64" name="Straight Arrow Connector 63"/>
-          <p:cNvCxnSpPr>
-            <a:stCxn id="323" idx="0"/>
-          </p:cNvCxnSpPr>
-          <p:nvPr/>
-        </p:nvCxnSpPr>
-        <p:spPr>
-          <a:xfrm flipH="1" flipV="1">
-            <a:off x="3928566" y="4651639"/>
-            <a:ext cx="1867142" cy="403891"/>
-          </a:xfrm>
-          <a:prstGeom prst="straightConnector1">
-            <a:avLst/>
-          </a:prstGeom>
-          <a:ln>
-            <a:tailEnd type="triangle"/>
-          </a:ln>
-        </p:spPr>
-        <p:style>
-          <a:lnRef idx="1">
-            <a:schemeClr val="dk1"/>
-          </a:lnRef>
-          <a:fillRef idx="0">
-            <a:schemeClr val="dk1"/>
-          </a:fillRef>
-          <a:effectRef idx="0">
-            <a:schemeClr val="dk1"/>
-          </a:effectRef>
-          <a:fontRef idx="minor">
-            <a:schemeClr val="tx1"/>
-          </a:fontRef>
-        </p:style>
-      </p:cxnSp>
-      <p:cxnSp>
-        <p:nvCxnSpPr>
-          <p:cNvPr id="65" name="Straight Arrow Connector 64"/>
-          <p:cNvCxnSpPr>
-            <a:stCxn id="323" idx="0"/>
-          </p:cNvCxnSpPr>
-          <p:nvPr/>
-        </p:nvCxnSpPr>
-        <p:spPr>
-          <a:xfrm flipH="1" flipV="1">
-            <a:off x="4802202" y="4651639"/>
-            <a:ext cx="993506" cy="403891"/>
-          </a:xfrm>
-          <a:prstGeom prst="straightConnector1">
-            <a:avLst/>
-          </a:prstGeom>
-          <a:ln>
-            <a:tailEnd type="triangle"/>
-          </a:ln>
-        </p:spPr>
-        <p:style>
-          <a:lnRef idx="1">
-            <a:schemeClr val="dk1"/>
-          </a:lnRef>
-          <a:fillRef idx="0">
-            <a:schemeClr val="dk1"/>
-          </a:fillRef>
-          <a:effectRef idx="0">
-            <a:schemeClr val="dk1"/>
-          </a:effectRef>
-          <a:fontRef idx="minor">
-            <a:schemeClr val="tx1"/>
-          </a:fontRef>
-        </p:style>
-      </p:cxnSp>
-      <p:cxnSp>
-        <p:nvCxnSpPr>
-          <p:cNvPr id="66" name="Straight Arrow Connector 65"/>
-          <p:cNvCxnSpPr>
-            <a:stCxn id="323" idx="0"/>
-          </p:cNvCxnSpPr>
-          <p:nvPr/>
-        </p:nvCxnSpPr>
-        <p:spPr>
-          <a:xfrm flipH="1" flipV="1">
-            <a:off x="5243113" y="4651639"/>
-            <a:ext cx="552595" cy="403891"/>
-          </a:xfrm>
-          <a:prstGeom prst="straightConnector1">
-            <a:avLst/>
-          </a:prstGeom>
-          <a:ln>
-            <a:tailEnd type="triangle"/>
-          </a:ln>
-        </p:spPr>
-        <p:style>
-          <a:lnRef idx="1">
-            <a:schemeClr val="dk1"/>
-          </a:lnRef>
-          <a:fillRef idx="0">
-            <a:schemeClr val="dk1"/>
-          </a:fillRef>
-          <a:effectRef idx="0">
-            <a:schemeClr val="dk1"/>
-          </a:effectRef>
-          <a:fontRef idx="minor">
-            <a:schemeClr val="tx1"/>
-          </a:fontRef>
-        </p:style>
-      </p:cxnSp>
-      <p:cxnSp>
-        <p:nvCxnSpPr>
-          <p:cNvPr id="67" name="Straight Arrow Connector 66"/>
-          <p:cNvCxnSpPr>
-            <a:stCxn id="336" idx="0"/>
-          </p:cNvCxnSpPr>
-          <p:nvPr/>
-        </p:nvCxnSpPr>
-        <p:spPr>
-          <a:xfrm flipV="1">
-            <a:off x="2943746" y="4651637"/>
-            <a:ext cx="2299367" cy="400650"/>
-          </a:xfrm>
-          <a:prstGeom prst="straightConnector1">
-            <a:avLst/>
-          </a:prstGeom>
-          <a:ln>
-            <a:tailEnd type="triangle"/>
-          </a:ln>
-        </p:spPr>
-        <p:style>
-          <a:lnRef idx="1">
-            <a:schemeClr val="dk1"/>
-          </a:lnRef>
-          <a:fillRef idx="0">
-            <a:schemeClr val="dk1"/>
-          </a:fillRef>
-          <a:effectRef idx="0">
-            <a:schemeClr val="dk1"/>
-          </a:effectRef>
-          <a:fontRef idx="minor">
-            <a:schemeClr val="tx1"/>
-          </a:fontRef>
-        </p:style>
-      </p:cxnSp>
-      <p:cxnSp>
-        <p:nvCxnSpPr>
-          <p:cNvPr id="68" name="Straight Arrow Connector 67"/>
-          <p:cNvCxnSpPr>
-            <a:stCxn id="324" idx="0"/>
-          </p:cNvCxnSpPr>
-          <p:nvPr/>
-        </p:nvCxnSpPr>
-        <p:spPr>
-          <a:xfrm flipH="1" flipV="1">
-            <a:off x="3928566" y="4651638"/>
-            <a:ext cx="2305325" cy="403893"/>
-          </a:xfrm>
-          <a:prstGeom prst="straightConnector1">
-            <a:avLst/>
-          </a:prstGeom>
-          <a:ln>
-            <a:tailEnd type="triangle"/>
-          </a:ln>
-        </p:spPr>
-        <p:style>
-          <a:lnRef idx="1">
-            <a:schemeClr val="dk1"/>
-          </a:lnRef>
-          <a:fillRef idx="0">
-            <a:schemeClr val="dk1"/>
-          </a:fillRef>
-          <a:effectRef idx="0">
-            <a:schemeClr val="dk1"/>
-          </a:effectRef>
-          <a:fontRef idx="minor">
-            <a:schemeClr val="tx1"/>
-          </a:fontRef>
-        </p:style>
-      </p:cxnSp>
-      <p:cxnSp>
-        <p:nvCxnSpPr>
-          <p:cNvPr id="69" name="Straight Arrow Connector 68"/>
-          <p:cNvCxnSpPr>
-            <a:stCxn id="324" idx="0"/>
-          </p:cNvCxnSpPr>
-          <p:nvPr/>
-        </p:nvCxnSpPr>
-        <p:spPr>
-          <a:xfrm flipH="1" flipV="1">
-            <a:off x="4802200" y="4651638"/>
-            <a:ext cx="1431691" cy="403893"/>
-          </a:xfrm>
-          <a:prstGeom prst="straightConnector1">
-            <a:avLst/>
-          </a:prstGeom>
-          <a:ln>
-            <a:tailEnd type="triangle"/>
-          </a:ln>
-        </p:spPr>
-        <p:style>
-          <a:lnRef idx="1">
-            <a:schemeClr val="dk1"/>
-          </a:lnRef>
-          <a:fillRef idx="0">
-            <a:schemeClr val="dk1"/>
-          </a:fillRef>
-          <a:effectRef idx="0">
-            <a:schemeClr val="dk1"/>
-          </a:effectRef>
-          <a:fontRef idx="minor">
-            <a:schemeClr val="tx1"/>
-          </a:fontRef>
-        </p:style>
-      </p:cxnSp>
-      <p:cxnSp>
-        <p:nvCxnSpPr>
-          <p:cNvPr id="70" name="Straight Arrow Connector 69"/>
-          <p:cNvCxnSpPr>
-            <a:stCxn id="324" idx="0"/>
-          </p:cNvCxnSpPr>
-          <p:nvPr/>
-        </p:nvCxnSpPr>
-        <p:spPr>
-          <a:xfrm flipH="1" flipV="1">
-            <a:off x="5243113" y="4651638"/>
-            <a:ext cx="990778" cy="403893"/>
-          </a:xfrm>
-          <a:prstGeom prst="straightConnector1">
-            <a:avLst/>
-          </a:prstGeom>
-          <a:ln>
-            <a:tailEnd type="triangle"/>
-          </a:ln>
-        </p:spPr>
-        <p:style>
-          <a:lnRef idx="1">
-            <a:schemeClr val="dk1"/>
-          </a:lnRef>
-          <a:fillRef idx="0">
-            <a:schemeClr val="dk1"/>
-          </a:fillRef>
-          <a:effectRef idx="0">
-            <a:schemeClr val="dk1"/>
-          </a:effectRef>
-          <a:fontRef idx="minor">
-            <a:schemeClr val="tx1"/>
-          </a:fontRef>
-        </p:style>
-      </p:cxnSp>
-      <p:grpSp>
-        <p:nvGrpSpPr>
-          <p:cNvPr id="340" name="Group 339"/>
-          <p:cNvGrpSpPr/>
-          <p:nvPr/>
-        </p:nvGrpSpPr>
-        <p:grpSpPr>
-          <a:xfrm>
-            <a:off x="3221220" y="3504017"/>
-            <a:ext cx="2311154" cy="463958"/>
-            <a:chOff x="1866157" y="3042474"/>
-            <a:chExt cx="3081539" cy="618610"/>
-          </a:xfrm>
-        </p:grpSpPr>
-        <p:sp>
-          <p:nvSpPr>
-            <p:cNvPr id="341" name="Rounded Rectangle 340"/>
-            <p:cNvSpPr/>
-            <p:nvPr/>
-          </p:nvSpPr>
-          <p:spPr>
-            <a:xfrm>
-              <a:off x="1866157" y="3042474"/>
-              <a:ext cx="3081539" cy="618610"/>
-            </a:xfrm>
-            <a:prstGeom prst="roundRect">
-              <a:avLst/>
-            </a:prstGeom>
-            <a:solidFill>
-              <a:schemeClr val="accent6">
-                <a:lumMod val="40000"/>
-                <a:lumOff val="60000"/>
-              </a:schemeClr>
-            </a:solidFill>
-          </p:spPr>
-          <p:style>
-            <a:lnRef idx="1">
-              <a:schemeClr val="accent6"/>
-            </a:lnRef>
-            <a:fillRef idx="2">
-              <a:schemeClr val="accent6"/>
-            </a:fillRef>
-            <a:effectRef idx="1">
-              <a:schemeClr val="accent6"/>
-            </a:effectRef>
-            <a:fontRef idx="minor">
-              <a:schemeClr val="dk1"/>
-            </a:fontRef>
-          </p:style>
-          <p:txBody>
-            <a:bodyPr rtlCol="0" anchor="ctr"/>
-            <a:lstStyle/>
-            <a:p>
-              <a:pPr algn="ctr"/>
-              <a:r>
-                <a:rPr lang="is-IS" altLang="zh-CN" sz="1350" dirty="0"/>
-                <a:t>……</a:t>
-              </a:r>
-              <a:endParaRPr lang="en-US" sz="1350" dirty="0"/>
-            </a:p>
-          </p:txBody>
-        </p:sp>
-        <p:sp>
-          <p:nvSpPr>
-            <p:cNvPr id="342" name="Oval 341"/>
-            <p:cNvSpPr/>
-            <p:nvPr/>
-          </p:nvSpPr>
-          <p:spPr>
-            <a:xfrm>
-              <a:off x="2022315" y="3163879"/>
-              <a:ext cx="405456" cy="405456"/>
-            </a:xfrm>
-            <a:prstGeom prst="ellipse">
-              <a:avLst/>
-            </a:prstGeom>
-          </p:spPr>
-          <p:style>
-            <a:lnRef idx="2">
-              <a:schemeClr val="accent6"/>
-            </a:lnRef>
-            <a:fillRef idx="1">
-              <a:schemeClr val="lt1"/>
-            </a:fillRef>
-            <a:effectRef idx="0">
-              <a:schemeClr val="accent6"/>
-            </a:effectRef>
-            <a:fontRef idx="minor">
-              <a:schemeClr val="dk1"/>
-            </a:fontRef>
-          </p:style>
-          <p:txBody>
-            <a:bodyPr rtlCol="0" anchor="ctr"/>
-            <a:lstStyle/>
-            <a:p>
-              <a:pPr algn="ctr"/>
-              <a:endParaRPr lang="en-US" sz="1350" dirty="0"/>
-            </a:p>
-          </p:txBody>
-        </p:sp>
-        <p:sp>
-          <p:nvSpPr>
-            <p:cNvPr id="343" name="Oval 342"/>
-            <p:cNvSpPr/>
-            <p:nvPr/>
-          </p:nvSpPr>
-          <p:spPr>
-            <a:xfrm>
-              <a:off x="2606558" y="3163879"/>
-              <a:ext cx="405456" cy="405456"/>
-            </a:xfrm>
-            <a:prstGeom prst="ellipse">
-              <a:avLst/>
-            </a:prstGeom>
-          </p:spPr>
-          <p:style>
-            <a:lnRef idx="2">
-              <a:schemeClr val="accent6"/>
-            </a:lnRef>
-            <a:fillRef idx="1">
-              <a:schemeClr val="lt1"/>
-            </a:fillRef>
-            <a:effectRef idx="0">
-              <a:schemeClr val="accent6"/>
-            </a:effectRef>
-            <a:fontRef idx="minor">
-              <a:schemeClr val="dk1"/>
-            </a:fontRef>
-          </p:style>
-          <p:txBody>
-            <a:bodyPr rtlCol="0" anchor="ctr"/>
-            <a:lstStyle/>
-            <a:p>
-              <a:pPr algn="ctr"/>
-              <a:endParaRPr lang="en-US" sz="1350"/>
-            </a:p>
-          </p:txBody>
-        </p:sp>
-        <p:sp>
-          <p:nvSpPr>
-            <p:cNvPr id="344" name="Oval 343"/>
-            <p:cNvSpPr/>
-            <p:nvPr/>
-          </p:nvSpPr>
-          <p:spPr>
-            <a:xfrm>
-              <a:off x="3771404" y="3163879"/>
-              <a:ext cx="405456" cy="405456"/>
-            </a:xfrm>
-            <a:prstGeom prst="ellipse">
-              <a:avLst/>
-            </a:prstGeom>
-          </p:spPr>
-          <p:style>
-            <a:lnRef idx="2">
-              <a:schemeClr val="accent6"/>
-            </a:lnRef>
-            <a:fillRef idx="1">
-              <a:schemeClr val="lt1"/>
-            </a:fillRef>
-            <a:effectRef idx="0">
-              <a:schemeClr val="accent6"/>
-            </a:effectRef>
-            <a:fontRef idx="minor">
-              <a:schemeClr val="dk1"/>
-            </a:fontRef>
-          </p:style>
-          <p:txBody>
-            <a:bodyPr rtlCol="0" anchor="ctr"/>
-            <a:lstStyle/>
-            <a:p>
-              <a:pPr algn="ctr"/>
-              <a:endParaRPr lang="en-US" sz="1350"/>
-            </a:p>
-          </p:txBody>
-        </p:sp>
-        <p:sp>
-          <p:nvSpPr>
-            <p:cNvPr id="345" name="Oval 344"/>
-            <p:cNvSpPr/>
-            <p:nvPr/>
-          </p:nvSpPr>
-          <p:spPr>
-            <a:xfrm>
-              <a:off x="4359287" y="3163879"/>
-              <a:ext cx="405456" cy="405456"/>
-            </a:xfrm>
-            <a:prstGeom prst="ellipse">
-              <a:avLst/>
-            </a:prstGeom>
-          </p:spPr>
-          <p:style>
-            <a:lnRef idx="2">
-              <a:schemeClr val="accent6"/>
-            </a:lnRef>
-            <a:fillRef idx="1">
-              <a:schemeClr val="lt1"/>
-            </a:fillRef>
-            <a:effectRef idx="0">
-              <a:schemeClr val="accent6"/>
-            </a:effectRef>
-            <a:fontRef idx="minor">
-              <a:schemeClr val="dk1"/>
-            </a:fontRef>
-          </p:style>
-          <p:txBody>
-            <a:bodyPr rtlCol="0" anchor="ctr"/>
-            <a:lstStyle/>
-            <a:p>
-              <a:pPr algn="ctr"/>
-              <a:endParaRPr lang="en-US" sz="1350"/>
-            </a:p>
-          </p:txBody>
-        </p:sp>
-      </p:grpSp>
-      <p:cxnSp>
-        <p:nvCxnSpPr>
-          <p:cNvPr id="348" name="Straight Arrow Connector 347"/>
-          <p:cNvCxnSpPr>
-            <a:stCxn id="309" idx="0"/>
-            <a:endCxn id="342" idx="4"/>
-          </p:cNvCxnSpPr>
-          <p:nvPr/>
-        </p:nvCxnSpPr>
-        <p:spPr>
-          <a:xfrm flipV="1">
-            <a:off x="3490384" y="3899163"/>
-            <a:ext cx="0" cy="448383"/>
-          </a:xfrm>
-          <a:prstGeom prst="straightConnector1">
-            <a:avLst/>
-          </a:prstGeom>
-          <a:ln>
-            <a:tailEnd type="triangle"/>
-          </a:ln>
-        </p:spPr>
-        <p:style>
-          <a:lnRef idx="1">
-            <a:schemeClr val="dk1"/>
-          </a:lnRef>
-          <a:fillRef idx="0">
-            <a:schemeClr val="dk1"/>
-          </a:fillRef>
-          <a:effectRef idx="0">
-            <a:schemeClr val="dk1"/>
-          </a:effectRef>
-          <a:fontRef idx="minor">
-            <a:schemeClr val="tx1"/>
-          </a:fontRef>
-        </p:style>
-      </p:cxnSp>
-      <p:cxnSp>
-        <p:nvCxnSpPr>
-          <p:cNvPr id="349" name="Straight Arrow Connector 348"/>
-          <p:cNvCxnSpPr>
-            <a:stCxn id="309" idx="0"/>
-            <a:endCxn id="343" idx="4"/>
-          </p:cNvCxnSpPr>
-          <p:nvPr/>
-        </p:nvCxnSpPr>
-        <p:spPr>
-          <a:xfrm flipV="1">
-            <a:off x="3490384" y="3899163"/>
-            <a:ext cx="438182" cy="448383"/>
-          </a:xfrm>
-          <a:prstGeom prst="straightConnector1">
-            <a:avLst/>
-          </a:prstGeom>
-          <a:ln>
-            <a:tailEnd type="triangle"/>
-          </a:ln>
-        </p:spPr>
-        <p:style>
-          <a:lnRef idx="1">
-            <a:schemeClr val="dk1"/>
-          </a:lnRef>
-          <a:fillRef idx="0">
-            <a:schemeClr val="dk1"/>
-          </a:fillRef>
-          <a:effectRef idx="0">
-            <a:schemeClr val="dk1"/>
-          </a:effectRef>
-          <a:fontRef idx="minor">
-            <a:schemeClr val="tx1"/>
-          </a:fontRef>
-        </p:style>
-      </p:cxnSp>
-      <p:cxnSp>
-        <p:nvCxnSpPr>
-          <p:cNvPr id="350" name="Straight Arrow Connector 349"/>
-          <p:cNvCxnSpPr>
-            <a:stCxn id="309" idx="0"/>
-            <a:endCxn id="344" idx="4"/>
-          </p:cNvCxnSpPr>
-          <p:nvPr/>
-        </p:nvCxnSpPr>
-        <p:spPr>
-          <a:xfrm flipV="1">
-            <a:off x="3490384" y="3899163"/>
-            <a:ext cx="1311817" cy="448383"/>
-          </a:xfrm>
-          <a:prstGeom prst="straightConnector1">
-            <a:avLst/>
-          </a:prstGeom>
-          <a:ln>
-            <a:tailEnd type="triangle"/>
-          </a:ln>
-        </p:spPr>
-        <p:style>
-          <a:lnRef idx="1">
-            <a:schemeClr val="dk1"/>
-          </a:lnRef>
-          <a:fillRef idx="0">
-            <a:schemeClr val="dk1"/>
-          </a:fillRef>
-          <a:effectRef idx="0">
-            <a:schemeClr val="dk1"/>
-          </a:effectRef>
-          <a:fontRef idx="minor">
-            <a:schemeClr val="tx1"/>
-          </a:fontRef>
-        </p:style>
-      </p:cxnSp>
-      <p:cxnSp>
-        <p:nvCxnSpPr>
-          <p:cNvPr id="353" name="Straight Arrow Connector 352"/>
-          <p:cNvCxnSpPr>
-            <a:stCxn id="309" idx="0"/>
-            <a:endCxn id="345" idx="4"/>
-          </p:cNvCxnSpPr>
-          <p:nvPr/>
-        </p:nvCxnSpPr>
-        <p:spPr>
-          <a:xfrm flipV="1">
-            <a:off x="3490384" y="3899163"/>
-            <a:ext cx="1752729" cy="448383"/>
-          </a:xfrm>
-          <a:prstGeom prst="straightConnector1">
-            <a:avLst/>
-          </a:prstGeom>
-          <a:ln>
-            <a:tailEnd type="triangle"/>
-          </a:ln>
-        </p:spPr>
-        <p:style>
-          <a:lnRef idx="1">
-            <a:schemeClr val="dk1"/>
-          </a:lnRef>
-          <a:fillRef idx="0">
-            <a:schemeClr val="dk1"/>
-          </a:fillRef>
-          <a:effectRef idx="0">
-            <a:schemeClr val="dk1"/>
-          </a:effectRef>
-          <a:fontRef idx="minor">
-            <a:schemeClr val="tx1"/>
-          </a:fontRef>
-        </p:style>
-      </p:cxnSp>
-      <p:cxnSp>
-        <p:nvCxnSpPr>
-          <p:cNvPr id="356" name="Straight Arrow Connector 355"/>
-          <p:cNvCxnSpPr>
-            <a:stCxn id="310" idx="0"/>
-            <a:endCxn id="342" idx="4"/>
-          </p:cNvCxnSpPr>
-          <p:nvPr/>
-        </p:nvCxnSpPr>
-        <p:spPr>
-          <a:xfrm flipH="1" flipV="1">
-            <a:off x="3490384" y="3899163"/>
-            <a:ext cx="438182" cy="448383"/>
-          </a:xfrm>
-          <a:prstGeom prst="straightConnector1">
-            <a:avLst/>
-          </a:prstGeom>
-          <a:ln>
-            <a:tailEnd type="triangle"/>
-          </a:ln>
-        </p:spPr>
-        <p:style>
-          <a:lnRef idx="1">
-            <a:schemeClr val="dk1"/>
-          </a:lnRef>
-          <a:fillRef idx="0">
-            <a:schemeClr val="dk1"/>
-          </a:fillRef>
-          <a:effectRef idx="0">
-            <a:schemeClr val="dk1"/>
-          </a:effectRef>
-          <a:fontRef idx="minor">
-            <a:schemeClr val="tx1"/>
-          </a:fontRef>
-        </p:style>
-      </p:cxnSp>
-      <p:cxnSp>
-        <p:nvCxnSpPr>
-          <p:cNvPr id="360" name="Straight Arrow Connector 359"/>
-          <p:cNvCxnSpPr>
-            <a:stCxn id="310" idx="0"/>
-            <a:endCxn id="343" idx="4"/>
-          </p:cNvCxnSpPr>
-          <p:nvPr/>
-        </p:nvCxnSpPr>
-        <p:spPr>
-          <a:xfrm flipV="1">
-            <a:off x="3928566" y="3899163"/>
-            <a:ext cx="0" cy="448383"/>
-          </a:xfrm>
-          <a:prstGeom prst="straightConnector1">
-            <a:avLst/>
-          </a:prstGeom>
-          <a:ln>
-            <a:tailEnd type="triangle"/>
-          </a:ln>
-        </p:spPr>
-        <p:style>
-          <a:lnRef idx="1">
-            <a:schemeClr val="dk1"/>
-          </a:lnRef>
-          <a:fillRef idx="0">
-            <a:schemeClr val="dk1"/>
-          </a:fillRef>
-          <a:effectRef idx="0">
-            <a:schemeClr val="dk1"/>
-          </a:effectRef>
-          <a:fontRef idx="minor">
-            <a:schemeClr val="tx1"/>
-          </a:fontRef>
-        </p:style>
-      </p:cxnSp>
-      <p:cxnSp>
-        <p:nvCxnSpPr>
-          <p:cNvPr id="364" name="Straight Arrow Connector 363"/>
-          <p:cNvCxnSpPr>
-            <a:stCxn id="310" idx="0"/>
-            <a:endCxn id="344" idx="4"/>
-          </p:cNvCxnSpPr>
-          <p:nvPr/>
-        </p:nvCxnSpPr>
-        <p:spPr>
-          <a:xfrm flipV="1">
-            <a:off x="3928566" y="3899163"/>
-            <a:ext cx="873635" cy="448383"/>
-          </a:xfrm>
-          <a:prstGeom prst="straightConnector1">
-            <a:avLst/>
-          </a:prstGeom>
-          <a:ln>
-            <a:tailEnd type="triangle"/>
-          </a:ln>
-        </p:spPr>
-        <p:style>
-          <a:lnRef idx="1">
-            <a:schemeClr val="dk1"/>
-          </a:lnRef>
-          <a:fillRef idx="0">
-            <a:schemeClr val="dk1"/>
-          </a:fillRef>
-          <a:effectRef idx="0">
-            <a:schemeClr val="dk1"/>
-          </a:effectRef>
-          <a:fontRef idx="minor">
-            <a:schemeClr val="tx1"/>
-          </a:fontRef>
-        </p:style>
-      </p:cxnSp>
-      <p:cxnSp>
-        <p:nvCxnSpPr>
-          <p:cNvPr id="367" name="Straight Arrow Connector 366"/>
-          <p:cNvCxnSpPr>
-            <a:stCxn id="310" idx="0"/>
-            <a:endCxn id="345" idx="4"/>
-          </p:cNvCxnSpPr>
-          <p:nvPr/>
-        </p:nvCxnSpPr>
-        <p:spPr>
-          <a:xfrm flipV="1">
-            <a:off x="3928566" y="3899163"/>
-            <a:ext cx="1314547" cy="448383"/>
-          </a:xfrm>
-          <a:prstGeom prst="straightConnector1">
-            <a:avLst/>
-          </a:prstGeom>
-          <a:ln>
-            <a:tailEnd type="triangle"/>
-          </a:ln>
-        </p:spPr>
-        <p:style>
-          <a:lnRef idx="1">
-            <a:schemeClr val="dk1"/>
-          </a:lnRef>
-          <a:fillRef idx="0">
-            <a:schemeClr val="dk1"/>
-          </a:fillRef>
-          <a:effectRef idx="0">
-            <a:schemeClr val="dk1"/>
-          </a:effectRef>
-          <a:fontRef idx="minor">
-            <a:schemeClr val="tx1"/>
-          </a:fontRef>
-        </p:style>
-      </p:cxnSp>
-      <p:cxnSp>
-        <p:nvCxnSpPr>
-          <p:cNvPr id="371" name="Straight Arrow Connector 370"/>
-          <p:cNvCxnSpPr>
-            <a:stCxn id="311" idx="0"/>
-            <a:endCxn id="342" idx="4"/>
-          </p:cNvCxnSpPr>
-          <p:nvPr/>
-        </p:nvCxnSpPr>
-        <p:spPr>
-          <a:xfrm flipH="1" flipV="1">
-            <a:off x="3490384" y="3899163"/>
-            <a:ext cx="1311817" cy="448383"/>
-          </a:xfrm>
-          <a:prstGeom prst="straightConnector1">
-            <a:avLst/>
-          </a:prstGeom>
-          <a:ln>
-            <a:tailEnd type="triangle"/>
-          </a:ln>
-        </p:spPr>
-        <p:style>
-          <a:lnRef idx="1">
-            <a:schemeClr val="dk1"/>
-          </a:lnRef>
-          <a:fillRef idx="0">
-            <a:schemeClr val="dk1"/>
-          </a:fillRef>
-          <a:effectRef idx="0">
-            <a:schemeClr val="dk1"/>
-          </a:effectRef>
-          <a:fontRef idx="minor">
-            <a:schemeClr val="tx1"/>
-          </a:fontRef>
-        </p:style>
-      </p:cxnSp>
-      <p:cxnSp>
-        <p:nvCxnSpPr>
-          <p:cNvPr id="375" name="Straight Arrow Connector 374"/>
-          <p:cNvCxnSpPr>
-            <a:stCxn id="311" idx="0"/>
-            <a:endCxn id="343" idx="4"/>
-          </p:cNvCxnSpPr>
-          <p:nvPr/>
-        </p:nvCxnSpPr>
-        <p:spPr>
-          <a:xfrm flipH="1" flipV="1">
-            <a:off x="3928566" y="3899163"/>
-            <a:ext cx="873635" cy="448383"/>
-          </a:xfrm>
-          <a:prstGeom prst="straightConnector1">
-            <a:avLst/>
-          </a:prstGeom>
-          <a:ln>
-            <a:tailEnd type="triangle"/>
-          </a:ln>
-        </p:spPr>
-        <p:style>
-          <a:lnRef idx="1">
-            <a:schemeClr val="dk1"/>
-          </a:lnRef>
-          <a:fillRef idx="0">
-            <a:schemeClr val="dk1"/>
-          </a:fillRef>
-          <a:effectRef idx="0">
-            <a:schemeClr val="dk1"/>
-          </a:effectRef>
-          <a:fontRef idx="minor">
-            <a:schemeClr val="tx1"/>
-          </a:fontRef>
-        </p:style>
-      </p:cxnSp>
-      <p:cxnSp>
-        <p:nvCxnSpPr>
-          <p:cNvPr id="378" name="Straight Arrow Connector 377"/>
-          <p:cNvCxnSpPr>
-            <a:stCxn id="311" idx="0"/>
-            <a:endCxn id="344" idx="4"/>
-          </p:cNvCxnSpPr>
-          <p:nvPr/>
-        </p:nvCxnSpPr>
-        <p:spPr>
-          <a:xfrm flipV="1">
-            <a:off x="4802201" y="3899163"/>
-            <a:ext cx="0" cy="448383"/>
-          </a:xfrm>
-          <a:prstGeom prst="straightConnector1">
-            <a:avLst/>
-          </a:prstGeom>
-          <a:ln>
-            <a:tailEnd type="triangle"/>
-          </a:ln>
-        </p:spPr>
-        <p:style>
-          <a:lnRef idx="1">
-            <a:schemeClr val="dk1"/>
-          </a:lnRef>
-          <a:fillRef idx="0">
-            <a:schemeClr val="dk1"/>
-          </a:fillRef>
-          <a:effectRef idx="0">
-            <a:schemeClr val="dk1"/>
-          </a:effectRef>
-          <a:fontRef idx="minor">
-            <a:schemeClr val="tx1"/>
-          </a:fontRef>
-        </p:style>
-      </p:cxnSp>
-      <p:cxnSp>
-        <p:nvCxnSpPr>
-          <p:cNvPr id="381" name="Straight Arrow Connector 380"/>
-          <p:cNvCxnSpPr>
-            <a:stCxn id="311" idx="0"/>
-            <a:endCxn id="345" idx="4"/>
-          </p:cNvCxnSpPr>
-          <p:nvPr/>
-        </p:nvCxnSpPr>
-        <p:spPr>
-          <a:xfrm flipV="1">
-            <a:off x="4802201" y="3899163"/>
-            <a:ext cx="440912" cy="448383"/>
-          </a:xfrm>
-          <a:prstGeom prst="straightConnector1">
-            <a:avLst/>
-          </a:prstGeom>
-          <a:ln>
-            <a:tailEnd type="triangle"/>
-          </a:ln>
-        </p:spPr>
-        <p:style>
-          <a:lnRef idx="1">
-            <a:schemeClr val="dk1"/>
-          </a:lnRef>
-          <a:fillRef idx="0">
-            <a:schemeClr val="dk1"/>
-          </a:fillRef>
-          <a:effectRef idx="0">
-            <a:schemeClr val="dk1"/>
-          </a:effectRef>
-          <a:fontRef idx="minor">
-            <a:schemeClr val="tx1"/>
-          </a:fontRef>
-        </p:style>
-      </p:cxnSp>
-      <p:cxnSp>
-        <p:nvCxnSpPr>
-          <p:cNvPr id="384" name="Straight Arrow Connector 383"/>
-          <p:cNvCxnSpPr>
-            <a:stCxn id="312" idx="0"/>
-            <a:endCxn id="342" idx="4"/>
-          </p:cNvCxnSpPr>
-          <p:nvPr/>
-        </p:nvCxnSpPr>
-        <p:spPr>
-          <a:xfrm flipH="1" flipV="1">
-            <a:off x="3490384" y="3899163"/>
-            <a:ext cx="1752729" cy="448383"/>
-          </a:xfrm>
-          <a:prstGeom prst="straightConnector1">
-            <a:avLst/>
-          </a:prstGeom>
-          <a:ln>
-            <a:tailEnd type="triangle"/>
-          </a:ln>
-        </p:spPr>
-        <p:style>
-          <a:lnRef idx="1">
-            <a:schemeClr val="dk1"/>
-          </a:lnRef>
-          <a:fillRef idx="0">
-            <a:schemeClr val="dk1"/>
-          </a:fillRef>
-          <a:effectRef idx="0">
-            <a:schemeClr val="dk1"/>
-          </a:effectRef>
-          <a:fontRef idx="minor">
-            <a:schemeClr val="tx1"/>
-          </a:fontRef>
-        </p:style>
-      </p:cxnSp>
-      <p:cxnSp>
-        <p:nvCxnSpPr>
-          <p:cNvPr id="387" name="Straight Arrow Connector 386"/>
-          <p:cNvCxnSpPr>
-            <a:stCxn id="312" idx="0"/>
-            <a:endCxn id="343" idx="4"/>
-          </p:cNvCxnSpPr>
-          <p:nvPr/>
-        </p:nvCxnSpPr>
-        <p:spPr>
-          <a:xfrm flipH="1" flipV="1">
-            <a:off x="3928566" y="3899163"/>
-            <a:ext cx="1314547" cy="448383"/>
-          </a:xfrm>
-          <a:prstGeom prst="straightConnector1">
-            <a:avLst/>
-          </a:prstGeom>
-          <a:ln>
-            <a:tailEnd type="triangle"/>
-          </a:ln>
-        </p:spPr>
-        <p:style>
-          <a:lnRef idx="1">
-            <a:schemeClr val="dk1"/>
-          </a:lnRef>
-          <a:fillRef idx="0">
-            <a:schemeClr val="dk1"/>
-          </a:fillRef>
-          <a:effectRef idx="0">
-            <a:schemeClr val="dk1"/>
-          </a:effectRef>
-          <a:fontRef idx="minor">
-            <a:schemeClr val="tx1"/>
-          </a:fontRef>
-        </p:style>
-      </p:cxnSp>
-      <p:cxnSp>
-        <p:nvCxnSpPr>
-          <p:cNvPr id="390" name="Straight Arrow Connector 389"/>
-          <p:cNvCxnSpPr>
-            <a:stCxn id="312" idx="0"/>
-            <a:endCxn id="344" idx="4"/>
-          </p:cNvCxnSpPr>
-          <p:nvPr/>
-        </p:nvCxnSpPr>
-        <p:spPr>
-          <a:xfrm flipH="1" flipV="1">
-            <a:off x="4802201" y="3899163"/>
-            <a:ext cx="440912" cy="448383"/>
-          </a:xfrm>
-          <a:prstGeom prst="straightConnector1">
-            <a:avLst/>
-          </a:prstGeom>
-          <a:ln>
-            <a:tailEnd type="triangle"/>
-          </a:ln>
-        </p:spPr>
-        <p:style>
-          <a:lnRef idx="1">
-            <a:schemeClr val="dk1"/>
-          </a:lnRef>
-          <a:fillRef idx="0">
-            <a:schemeClr val="dk1"/>
-          </a:fillRef>
-          <a:effectRef idx="0">
-            <a:schemeClr val="dk1"/>
-          </a:effectRef>
-          <a:fontRef idx="minor">
-            <a:schemeClr val="tx1"/>
-          </a:fontRef>
-        </p:style>
-      </p:cxnSp>
-      <p:cxnSp>
-        <p:nvCxnSpPr>
-          <p:cNvPr id="393" name="Straight Arrow Connector 392"/>
-          <p:cNvCxnSpPr>
-            <a:stCxn id="312" idx="0"/>
-            <a:endCxn id="345" idx="4"/>
-          </p:cNvCxnSpPr>
-          <p:nvPr/>
-        </p:nvCxnSpPr>
-        <p:spPr>
-          <a:xfrm flipV="1">
-            <a:off x="5243113" y="3899163"/>
-            <a:ext cx="0" cy="448383"/>
-          </a:xfrm>
-          <a:prstGeom prst="straightConnector1">
-            <a:avLst/>
-          </a:prstGeom>
-          <a:ln>
-            <a:tailEnd type="triangle"/>
-          </a:ln>
-        </p:spPr>
-        <p:style>
-          <a:lnRef idx="1">
-            <a:schemeClr val="dk1"/>
-          </a:lnRef>
-          <a:fillRef idx="0">
-            <a:schemeClr val="dk1"/>
-          </a:fillRef>
-          <a:effectRef idx="0">
-            <a:schemeClr val="dk1"/>
-          </a:effectRef>
-          <a:fontRef idx="minor">
-            <a:schemeClr val="tx1"/>
-          </a:fontRef>
-        </p:style>
-      </p:cxnSp>
-      <p:sp>
-        <p:nvSpPr>
-          <p:cNvPr id="366" name="Rounded Rectangle 365"/>
-          <p:cNvSpPr/>
-          <p:nvPr/>
-        </p:nvSpPr>
-        <p:spPr>
-          <a:xfrm>
-            <a:off x="2944100" y="3338402"/>
-            <a:ext cx="3460878" cy="1473520"/>
-          </a:xfrm>
-          <a:prstGeom prst="roundRect">
-            <a:avLst/>
-          </a:prstGeom>
-          <a:noFill/>
-          <a:ln>
-            <a:solidFill>
-              <a:schemeClr val="accent6"/>
-            </a:solidFill>
-            <a:prstDash val="lgDash"/>
-          </a:ln>
-        </p:spPr>
-        <p:style>
-          <a:lnRef idx="2">
-            <a:schemeClr val="accent1">
-              <a:shade val="50000"/>
-            </a:schemeClr>
-          </a:lnRef>
-          <a:fillRef idx="1">
-            <a:schemeClr val="accent1"/>
-          </a:fillRef>
-          <a:effectRef idx="0">
-            <a:schemeClr val="accent1"/>
-          </a:effectRef>
-          <a:fontRef idx="minor">
-            <a:schemeClr val="lt1"/>
-          </a:fontRef>
-        </p:style>
-        <p:txBody>
-          <a:bodyPr rtlCol="0" anchor="ctr"/>
-          <a:lstStyle/>
-          <a:p>
-            <a:pPr algn="ctr"/>
-            <a:endParaRPr lang="en-US" sz="1350"/>
-          </a:p>
-        </p:txBody>
-      </p:sp>
-      <p:sp>
-        <p:nvSpPr>
-          <p:cNvPr id="372" name="Rectangle 371"/>
-          <p:cNvSpPr/>
-          <p:nvPr/>
-        </p:nvSpPr>
-        <p:spPr>
-          <a:xfrm>
-            <a:off x="5298955" y="3727923"/>
-            <a:ext cx="1309008" cy="430887"/>
-          </a:xfrm>
-          <a:prstGeom prst="rect">
-            <a:avLst/>
-          </a:prstGeom>
-        </p:spPr>
-        <p:txBody>
-          <a:bodyPr wrap="square">
-            <a:spAutoFit/>
-          </a:bodyPr>
-          <a:lstStyle/>
-          <a:p>
-            <a:pPr algn="ctr"/>
-            <a:r>
-              <a:rPr lang="en-US" altLang="zh-CN" sz="1100" dirty="0" smtClean="0">
-                <a:latin typeface="Times New Roman" charset="0"/>
-                <a:ea typeface="Times New Roman" charset="0"/>
-                <a:cs typeface="Times New Roman" charset="0"/>
-              </a:rPr>
-              <a:t>Feedforward</a:t>
-            </a:r>
-            <a:r>
-              <a:rPr lang="zh-CN" altLang="en-US" sz="1100" dirty="0" smtClean="0">
-                <a:latin typeface="Times New Roman" charset="0"/>
-                <a:ea typeface="Times New Roman" charset="0"/>
-                <a:cs typeface="Times New Roman" charset="0"/>
-              </a:rPr>
-              <a:t/>
-            </a:r>
-            <a:br>
-              <a:rPr lang="zh-CN" altLang="en-US" sz="1100" dirty="0" smtClean="0">
-                <a:latin typeface="Times New Roman" charset="0"/>
-                <a:ea typeface="Times New Roman" charset="0"/>
-                <a:cs typeface="Times New Roman" charset="0"/>
-              </a:rPr>
-            </a:br>
-            <a:r>
-              <a:rPr lang="en-US" altLang="zh-CN" sz="1100" dirty="0" smtClean="0">
-                <a:latin typeface="Times New Roman" charset="0"/>
-                <a:ea typeface="Times New Roman" charset="0"/>
-                <a:cs typeface="Times New Roman" charset="0"/>
-              </a:rPr>
-              <a:t>Neural</a:t>
-            </a:r>
-            <a:r>
-              <a:rPr lang="zh-CN" altLang="en-US" sz="1100" dirty="0" smtClean="0">
-                <a:latin typeface="Times New Roman" charset="0"/>
-                <a:ea typeface="Times New Roman" charset="0"/>
-                <a:cs typeface="Times New Roman" charset="0"/>
-              </a:rPr>
-              <a:t> </a:t>
-            </a:r>
-            <a:r>
-              <a:rPr lang="en-US" altLang="zh-CN" sz="1100" dirty="0" smtClean="0">
-                <a:latin typeface="Times New Roman" charset="0"/>
-                <a:ea typeface="Times New Roman" charset="0"/>
-                <a:cs typeface="Times New Roman" charset="0"/>
-              </a:rPr>
-              <a:t>Network</a:t>
-            </a:r>
-            <a:r>
-              <a:rPr lang="zh-CN" altLang="en-US" sz="1100" dirty="0" smtClean="0">
-                <a:latin typeface="Times New Roman" charset="0"/>
-                <a:ea typeface="Times New Roman" charset="0"/>
-                <a:cs typeface="Times New Roman" charset="0"/>
-              </a:rPr>
-              <a:t> </a:t>
-            </a:r>
-            <a:endParaRPr lang="en-US" sz="1100" dirty="0">
-              <a:latin typeface="Times New Roman" charset="0"/>
-              <a:ea typeface="Times New Roman" charset="0"/>
-              <a:cs typeface="Times New Roman" charset="0"/>
-            </a:endParaRPr>
-          </a:p>
-        </p:txBody>
-      </p:sp>
       <p:sp>
         <p:nvSpPr>
           <p:cNvPr id="128" name="TextBox 127"/>
@@ -7366,8 +5398,8 @@
         </p:nvSpPr>
         <p:spPr>
           <a:xfrm>
-            <a:off x="190824" y="5712276"/>
-            <a:ext cx="8918072" cy="830997"/>
+            <a:off x="306574" y="5712276"/>
+            <a:ext cx="8918072" cy="584775"/>
           </a:xfrm>
           <a:prstGeom prst="rect">
             <a:avLst/>
@@ -7384,7 +5416,7 @@
           <a:lstStyle/>
           <a:p>
             <a:r>
-              <a:rPr lang="mr-IN" sz="1600" b="1" dirty="0">
+              <a:rPr lang="mr-IN" sz="1600" dirty="0">
                 <a:latin typeface="Times New Roman" charset="0"/>
                 <a:ea typeface="Times New Roman" charset="0"/>
                 <a:cs typeface="Times New Roman" charset="0"/>
@@ -7392,7 +5424,7 @@
               <a:t>…</a:t>
             </a:r>
             <a:r>
-              <a:rPr lang="en-CA" sz="1600" b="1" dirty="0">
+              <a:rPr lang="en-CA" sz="1600" dirty="0">
                 <a:latin typeface="Times New Roman" charset="0"/>
                 <a:ea typeface="Times New Roman" charset="0"/>
                 <a:cs typeface="Times New Roman" charset="0"/>
@@ -7400,7 +5432,7 @@
               <a:t> </a:t>
             </a:r>
             <a:r>
-              <a:rPr lang="en-US" sz="1600" b="1" dirty="0">
+              <a:rPr lang="en-US" sz="1600" dirty="0">
                 <a:latin typeface="Times New Roman" charset="0"/>
                 <a:ea typeface="Times New Roman" charset="0"/>
                 <a:cs typeface="Times New Roman" charset="0"/>
@@ -7408,7 +5440,7 @@
               <a:t> achievements from space did not appear off </a:t>
             </a:r>
             <a:r>
-              <a:rPr lang="mr-IN" sz="1600" b="1" dirty="0">
+              <a:rPr lang="mr-IN" sz="1600" dirty="0">
                 <a:latin typeface="Times New Roman" charset="0"/>
                 <a:ea typeface="Times New Roman" charset="0"/>
                 <a:cs typeface="Times New Roman" charset="0"/>
@@ -7416,7 +5448,7 @@
               <a:t>–</a:t>
             </a:r>
             <a:r>
-              <a:rPr lang="en-US" sz="1600" b="1" dirty="0">
+              <a:rPr lang="en-US" sz="1600" dirty="0">
                 <a:latin typeface="Times New Roman" charset="0"/>
                 <a:ea typeface="Times New Roman" charset="0"/>
                 <a:cs typeface="Times New Roman" charset="0"/>
@@ -7426,7 +5458,7 @@
           </a:p>
           <a:p>
             <a:r>
-              <a:rPr lang="en-US" sz="1600" b="1" dirty="0">
+              <a:rPr lang="en-US" sz="1600" dirty="0">
                 <a:latin typeface="Times New Roman" charset="0"/>
                 <a:ea typeface="Times New Roman" charset="0"/>
                 <a:cs typeface="Times New Roman" charset="0"/>
@@ -7434,7 +5466,7 @@
               <a:t>He dropped a puck from space for the </a:t>
             </a:r>
             <a:r>
-              <a:rPr lang="en-US" sz="1600" b="1" dirty="0">
+              <a:rPr lang="en-US" sz="1600" dirty="0">
                 <a:solidFill>
                   <a:schemeClr val="accent6">
                     <a:lumMod val="75000"/>
@@ -7447,7 +5479,7 @@
               <a:t>Toronto Maple Leafs </a:t>
             </a:r>
             <a:r>
-              <a:rPr lang="en-US" sz="1600" b="1" dirty="0">
+              <a:rPr lang="en-US" sz="1600" dirty="0">
                 <a:latin typeface="Times New Roman" charset="0"/>
                 <a:ea typeface="Times New Roman" charset="0"/>
                 <a:cs typeface="Times New Roman" charset="0"/>
@@ -7455,7 +5487,7 @@
               <a:t>' home opener against the Buffalo </a:t>
             </a:r>
             <a:r>
-              <a:rPr lang="en-US" sz="1600" b="1" dirty="0" err="1">
+              <a:rPr lang="en-US" sz="1600" dirty="0" err="1" smtClean="0">
                 <a:latin typeface="Times New Roman" charset="0"/>
                 <a:ea typeface="Times New Roman" charset="0"/>
                 <a:cs typeface="Times New Roman" charset="0"/>
@@ -7463,22 +5495,14 @@
               <a:t>Sabres</a:t>
             </a:r>
             <a:r>
-              <a:rPr lang="en-US" sz="1600" b="1" dirty="0">
+              <a:rPr lang="en-US" sz="1600" dirty="0" smtClean="0">
                 <a:latin typeface="Times New Roman" charset="0"/>
                 <a:ea typeface="Times New Roman" charset="0"/>
                 <a:cs typeface="Times New Roman" charset="0"/>
               </a:rPr>
-              <a:t> . He also unveiled a new Canadian </a:t>
-            </a:r>
-            <a:r>
-              <a:rPr lang="mr-IN" sz="1600" b="1" dirty="0">
-                <a:latin typeface="Times New Roman" charset="0"/>
-                <a:ea typeface="Times New Roman" charset="0"/>
-                <a:cs typeface="Times New Roman" charset="0"/>
-              </a:rPr>
-              <a:t>…</a:t>
-            </a:r>
-            <a:endParaRPr lang="en-US" sz="1600" b="1" dirty="0">
+              <a:t>.</a:t>
+            </a:r>
+            <a:endParaRPr lang="en-US" sz="1600" dirty="0">
               <a:latin typeface="Times New Roman" charset="0"/>
               <a:ea typeface="Times New Roman" charset="0"/>
               <a:cs typeface="Times New Roman" charset="0"/>
@@ -7494,8 +5518,8 @@
         </p:nvSpPr>
         <p:spPr>
           <a:xfrm>
-            <a:off x="3637895" y="5980917"/>
-            <a:ext cx="1819641" cy="341908"/>
+            <a:off x="3533724" y="6015642"/>
+            <a:ext cx="1778339" cy="240237"/>
           </a:xfrm>
           <a:prstGeom prst="rect">
             <a:avLst/>
@@ -7543,8 +5567,8 @@
         </p:nvSpPr>
         <p:spPr>
           <a:xfrm>
-            <a:off x="-418057" y="5980917"/>
-            <a:ext cx="4017305" cy="341908"/>
+            <a:off x="-522227" y="6015642"/>
+            <a:ext cx="4017305" cy="240237"/>
           </a:xfrm>
           <a:prstGeom prst="rect">
             <a:avLst/>
@@ -7592,8 +5616,8 @@
         </p:nvSpPr>
         <p:spPr>
           <a:xfrm>
-            <a:off x="5559266" y="5986785"/>
-            <a:ext cx="4045215" cy="336040"/>
+            <a:off x="5362498" y="6021510"/>
+            <a:ext cx="4045215" cy="234369"/>
           </a:xfrm>
           <a:prstGeom prst="rect">
             <a:avLst/>
@@ -7633,576 +5657,6 @@
           </a:p>
         </p:txBody>
       </p:sp>
-      <p:grpSp>
-        <p:nvGrpSpPr>
-          <p:cNvPr id="150" name="Group 149"/>
-          <p:cNvGrpSpPr/>
-          <p:nvPr/>
-        </p:nvGrpSpPr>
-        <p:grpSpPr>
-          <a:xfrm>
-            <a:off x="3875061" y="4947004"/>
-            <a:ext cx="982043" cy="463958"/>
-            <a:chOff x="1672046" y="3370217"/>
-            <a:chExt cx="1658983" cy="783772"/>
-          </a:xfrm>
-        </p:grpSpPr>
-        <p:sp>
-          <p:nvSpPr>
-            <p:cNvPr id="151" name="Rounded Rectangle 150"/>
-            <p:cNvSpPr/>
-            <p:nvPr/>
-          </p:nvSpPr>
-          <p:spPr>
-            <a:xfrm>
-              <a:off x="1672046" y="3370217"/>
-              <a:ext cx="1658983" cy="783772"/>
-            </a:xfrm>
-            <a:prstGeom prst="roundRect">
-              <a:avLst/>
-            </a:prstGeom>
-            <a:solidFill>
-              <a:schemeClr val="accent6">
-                <a:lumMod val="40000"/>
-                <a:lumOff val="60000"/>
-              </a:schemeClr>
-            </a:solidFill>
-          </p:spPr>
-          <p:style>
-            <a:lnRef idx="1">
-              <a:schemeClr val="accent6"/>
-            </a:lnRef>
-            <a:fillRef idx="2">
-              <a:schemeClr val="accent6"/>
-            </a:fillRef>
-            <a:effectRef idx="1">
-              <a:schemeClr val="accent6"/>
-            </a:effectRef>
-            <a:fontRef idx="minor">
-              <a:schemeClr val="dk1"/>
-            </a:fontRef>
-          </p:style>
-          <p:txBody>
-            <a:bodyPr rtlCol="0" anchor="ctr"/>
-            <a:lstStyle/>
-            <a:p>
-              <a:pPr algn="ctr"/>
-              <a:endParaRPr lang="en-US" sz="1350"/>
-            </a:p>
-          </p:txBody>
-        </p:sp>
-        <p:sp>
-          <p:nvSpPr>
-            <p:cNvPr id="152" name="Oval 151"/>
-            <p:cNvSpPr/>
-            <p:nvPr/>
-          </p:nvSpPr>
-          <p:spPr>
-            <a:xfrm>
-              <a:off x="1869897" y="3524036"/>
-              <a:ext cx="513708" cy="513708"/>
-            </a:xfrm>
-            <a:prstGeom prst="ellipse">
-              <a:avLst/>
-            </a:prstGeom>
-          </p:spPr>
-          <p:style>
-            <a:lnRef idx="2">
-              <a:schemeClr val="accent6"/>
-            </a:lnRef>
-            <a:fillRef idx="1">
-              <a:schemeClr val="lt1"/>
-            </a:fillRef>
-            <a:effectRef idx="0">
-              <a:schemeClr val="accent6"/>
-            </a:effectRef>
-            <a:fontRef idx="minor">
-              <a:schemeClr val="dk1"/>
-            </a:fontRef>
-          </p:style>
-          <p:txBody>
-            <a:bodyPr rtlCol="0" anchor="ctr"/>
-            <a:lstStyle/>
-            <a:p>
-              <a:pPr algn="ctr"/>
-              <a:endParaRPr lang="en-US" sz="1350" dirty="0"/>
-            </a:p>
-          </p:txBody>
-        </p:sp>
-        <p:sp>
-          <p:nvSpPr>
-            <p:cNvPr id="153" name="Oval 152"/>
-            <p:cNvSpPr/>
-            <p:nvPr/>
-          </p:nvSpPr>
-          <p:spPr>
-            <a:xfrm>
-              <a:off x="2610126" y="3524036"/>
-              <a:ext cx="513708" cy="513708"/>
-            </a:xfrm>
-            <a:prstGeom prst="ellipse">
-              <a:avLst/>
-            </a:prstGeom>
-          </p:spPr>
-          <p:style>
-            <a:lnRef idx="2">
-              <a:schemeClr val="accent6"/>
-            </a:lnRef>
-            <a:fillRef idx="1">
-              <a:schemeClr val="lt1"/>
-            </a:fillRef>
-            <a:effectRef idx="0">
-              <a:schemeClr val="accent6"/>
-            </a:effectRef>
-            <a:fontRef idx="minor">
-              <a:schemeClr val="dk1"/>
-            </a:fontRef>
-          </p:style>
-          <p:txBody>
-            <a:bodyPr rtlCol="0" anchor="ctr"/>
-            <a:lstStyle/>
-            <a:p>
-              <a:pPr algn="ctr"/>
-              <a:endParaRPr lang="en-US" sz="1350"/>
-            </a:p>
-          </p:txBody>
-        </p:sp>
-      </p:grpSp>
-      <p:cxnSp>
-        <p:nvCxnSpPr>
-          <p:cNvPr id="154" name="Straight Arrow Connector 153"/>
-          <p:cNvCxnSpPr>
-            <a:stCxn id="152" idx="0"/>
-            <a:endCxn id="309" idx="4"/>
-          </p:cNvCxnSpPr>
-          <p:nvPr/>
-        </p:nvCxnSpPr>
-        <p:spPr>
-          <a:xfrm flipH="1" flipV="1">
-            <a:off x="3490384" y="4651638"/>
-            <a:ext cx="653842" cy="386420"/>
-          </a:xfrm>
-          <a:prstGeom prst="straightConnector1">
-            <a:avLst/>
-          </a:prstGeom>
-          <a:ln>
-            <a:tailEnd type="triangle"/>
-          </a:ln>
-        </p:spPr>
-        <p:style>
-          <a:lnRef idx="1">
-            <a:schemeClr val="dk1"/>
-          </a:lnRef>
-          <a:fillRef idx="0">
-            <a:schemeClr val="dk1"/>
-          </a:fillRef>
-          <a:effectRef idx="0">
-            <a:schemeClr val="dk1"/>
-          </a:effectRef>
-          <a:fontRef idx="minor">
-            <a:schemeClr val="tx1"/>
-          </a:fontRef>
-        </p:style>
-      </p:cxnSp>
-      <p:cxnSp>
-        <p:nvCxnSpPr>
-          <p:cNvPr id="159" name="Straight Arrow Connector 158"/>
-          <p:cNvCxnSpPr>
-            <a:stCxn id="152" idx="0"/>
-            <a:endCxn id="310" idx="4"/>
-          </p:cNvCxnSpPr>
-          <p:nvPr/>
-        </p:nvCxnSpPr>
-        <p:spPr>
-          <a:xfrm flipH="1" flipV="1">
-            <a:off x="3928567" y="4651638"/>
-            <a:ext cx="215659" cy="386420"/>
-          </a:xfrm>
-          <a:prstGeom prst="straightConnector1">
-            <a:avLst/>
-          </a:prstGeom>
-          <a:ln>
-            <a:tailEnd type="triangle"/>
-          </a:ln>
-        </p:spPr>
-        <p:style>
-          <a:lnRef idx="1">
-            <a:schemeClr val="dk1"/>
-          </a:lnRef>
-          <a:fillRef idx="0">
-            <a:schemeClr val="dk1"/>
-          </a:fillRef>
-          <a:effectRef idx="0">
-            <a:schemeClr val="dk1"/>
-          </a:effectRef>
-          <a:fontRef idx="minor">
-            <a:schemeClr val="tx1"/>
-          </a:fontRef>
-        </p:style>
-      </p:cxnSp>
-      <p:cxnSp>
-        <p:nvCxnSpPr>
-          <p:cNvPr id="162" name="Straight Arrow Connector 161"/>
-          <p:cNvCxnSpPr>
-            <a:stCxn id="152" idx="0"/>
-            <a:endCxn id="311" idx="4"/>
-          </p:cNvCxnSpPr>
-          <p:nvPr/>
-        </p:nvCxnSpPr>
-        <p:spPr>
-          <a:xfrm flipV="1">
-            <a:off x="4144226" y="4651638"/>
-            <a:ext cx="657975" cy="386420"/>
-          </a:xfrm>
-          <a:prstGeom prst="straightConnector1">
-            <a:avLst/>
-          </a:prstGeom>
-          <a:ln>
-            <a:tailEnd type="triangle"/>
-          </a:ln>
-        </p:spPr>
-        <p:style>
-          <a:lnRef idx="1">
-            <a:schemeClr val="dk1"/>
-          </a:lnRef>
-          <a:fillRef idx="0">
-            <a:schemeClr val="dk1"/>
-          </a:fillRef>
-          <a:effectRef idx="0">
-            <a:schemeClr val="dk1"/>
-          </a:effectRef>
-          <a:fontRef idx="minor">
-            <a:schemeClr val="tx1"/>
-          </a:fontRef>
-        </p:style>
-      </p:cxnSp>
-      <p:cxnSp>
-        <p:nvCxnSpPr>
-          <p:cNvPr id="165" name="Straight Arrow Connector 164"/>
-          <p:cNvCxnSpPr>
-            <a:stCxn id="152" idx="0"/>
-            <a:endCxn id="312" idx="4"/>
-          </p:cNvCxnSpPr>
-          <p:nvPr/>
-        </p:nvCxnSpPr>
-        <p:spPr>
-          <a:xfrm flipV="1">
-            <a:off x="4144226" y="4651638"/>
-            <a:ext cx="1098887" cy="386420"/>
-          </a:xfrm>
-          <a:prstGeom prst="straightConnector1">
-            <a:avLst/>
-          </a:prstGeom>
-          <a:ln>
-            <a:tailEnd type="triangle"/>
-          </a:ln>
-        </p:spPr>
-        <p:style>
-          <a:lnRef idx="1">
-            <a:schemeClr val="dk1"/>
-          </a:lnRef>
-          <a:fillRef idx="0">
-            <a:schemeClr val="dk1"/>
-          </a:fillRef>
-          <a:effectRef idx="0">
-            <a:schemeClr val="dk1"/>
-          </a:effectRef>
-          <a:fontRef idx="minor">
-            <a:schemeClr val="tx1"/>
-          </a:fontRef>
-        </p:style>
-      </p:cxnSp>
-      <p:cxnSp>
-        <p:nvCxnSpPr>
-          <p:cNvPr id="168" name="Straight Arrow Connector 167"/>
-          <p:cNvCxnSpPr>
-            <a:stCxn id="153" idx="0"/>
-            <a:endCxn id="309" idx="4"/>
-          </p:cNvCxnSpPr>
-          <p:nvPr/>
-        </p:nvCxnSpPr>
-        <p:spPr>
-          <a:xfrm flipH="1" flipV="1">
-            <a:off x="3490384" y="4651638"/>
-            <a:ext cx="1092024" cy="386420"/>
-          </a:xfrm>
-          <a:prstGeom prst="straightConnector1">
-            <a:avLst/>
-          </a:prstGeom>
-          <a:ln>
-            <a:tailEnd type="triangle"/>
-          </a:ln>
-        </p:spPr>
-        <p:style>
-          <a:lnRef idx="1">
-            <a:schemeClr val="dk1"/>
-          </a:lnRef>
-          <a:fillRef idx="0">
-            <a:schemeClr val="dk1"/>
-          </a:fillRef>
-          <a:effectRef idx="0">
-            <a:schemeClr val="dk1"/>
-          </a:effectRef>
-          <a:fontRef idx="minor">
-            <a:schemeClr val="tx1"/>
-          </a:fontRef>
-        </p:style>
-      </p:cxnSp>
-      <p:cxnSp>
-        <p:nvCxnSpPr>
-          <p:cNvPr id="171" name="Straight Arrow Connector 170"/>
-          <p:cNvCxnSpPr>
-            <a:stCxn id="153" idx="0"/>
-            <a:endCxn id="310" idx="4"/>
-          </p:cNvCxnSpPr>
-          <p:nvPr/>
-        </p:nvCxnSpPr>
-        <p:spPr>
-          <a:xfrm flipH="1" flipV="1">
-            <a:off x="3928567" y="4651638"/>
-            <a:ext cx="653841" cy="386420"/>
-          </a:xfrm>
-          <a:prstGeom prst="straightConnector1">
-            <a:avLst/>
-          </a:prstGeom>
-          <a:ln>
-            <a:tailEnd type="triangle"/>
-          </a:ln>
-        </p:spPr>
-        <p:style>
-          <a:lnRef idx="1">
-            <a:schemeClr val="dk1"/>
-          </a:lnRef>
-          <a:fillRef idx="0">
-            <a:schemeClr val="dk1"/>
-          </a:fillRef>
-          <a:effectRef idx="0">
-            <a:schemeClr val="dk1"/>
-          </a:effectRef>
-          <a:fontRef idx="minor">
-            <a:schemeClr val="tx1"/>
-          </a:fontRef>
-        </p:style>
-      </p:cxnSp>
-      <p:cxnSp>
-        <p:nvCxnSpPr>
-          <p:cNvPr id="174" name="Straight Arrow Connector 173"/>
-          <p:cNvCxnSpPr>
-            <a:stCxn id="153" idx="0"/>
-            <a:endCxn id="311" idx="4"/>
-          </p:cNvCxnSpPr>
-          <p:nvPr/>
-        </p:nvCxnSpPr>
-        <p:spPr>
-          <a:xfrm flipV="1">
-            <a:off x="4582408" y="4651638"/>
-            <a:ext cx="219793" cy="386420"/>
-          </a:xfrm>
-          <a:prstGeom prst="straightConnector1">
-            <a:avLst/>
-          </a:prstGeom>
-          <a:ln>
-            <a:tailEnd type="triangle"/>
-          </a:ln>
-        </p:spPr>
-        <p:style>
-          <a:lnRef idx="1">
-            <a:schemeClr val="dk1"/>
-          </a:lnRef>
-          <a:fillRef idx="0">
-            <a:schemeClr val="dk1"/>
-          </a:fillRef>
-          <a:effectRef idx="0">
-            <a:schemeClr val="dk1"/>
-          </a:effectRef>
-          <a:fontRef idx="minor">
-            <a:schemeClr val="tx1"/>
-          </a:fontRef>
-        </p:style>
-      </p:cxnSp>
-      <p:cxnSp>
-        <p:nvCxnSpPr>
-          <p:cNvPr id="177" name="Straight Arrow Connector 176"/>
-          <p:cNvCxnSpPr>
-            <a:stCxn id="153" idx="0"/>
-            <a:endCxn id="312" idx="4"/>
-          </p:cNvCxnSpPr>
-          <p:nvPr/>
-        </p:nvCxnSpPr>
-        <p:spPr>
-          <a:xfrm flipV="1">
-            <a:off x="4582408" y="4651638"/>
-            <a:ext cx="660705" cy="386420"/>
-          </a:xfrm>
-          <a:prstGeom prst="straightConnector1">
-            <a:avLst/>
-          </a:prstGeom>
-          <a:ln>
-            <a:tailEnd type="triangle"/>
-          </a:ln>
-        </p:spPr>
-        <p:style>
-          <a:lnRef idx="1">
-            <a:schemeClr val="dk1"/>
-          </a:lnRef>
-          <a:fillRef idx="0">
-            <a:schemeClr val="dk1"/>
-          </a:fillRef>
-          <a:effectRef idx="0">
-            <a:schemeClr val="dk1"/>
-          </a:effectRef>
-          <a:fontRef idx="minor">
-            <a:schemeClr val="tx1"/>
-          </a:fontRef>
-        </p:style>
-      </p:cxnSp>
-      <p:sp>
-        <p:nvSpPr>
-          <p:cNvPr id="180" name="Rectangle 179"/>
-          <p:cNvSpPr/>
-          <p:nvPr/>
-        </p:nvSpPr>
-        <p:spPr>
-          <a:xfrm>
-            <a:off x="6087677" y="4682273"/>
-            <a:ext cx="1371978" cy="461665"/>
-          </a:xfrm>
-          <a:prstGeom prst="rect">
-            <a:avLst/>
-          </a:prstGeom>
-        </p:spPr>
-        <p:txBody>
-          <a:bodyPr wrap="square">
-            <a:spAutoFit/>
-          </a:bodyPr>
-          <a:lstStyle/>
-          <a:p>
-            <a:pPr algn="ctr"/>
-            <a:r>
-              <a:rPr lang="en-US" altLang="zh-CN" sz="1200" dirty="0" smtClean="0">
-                <a:latin typeface="Times New Roman" charset="0"/>
-                <a:ea typeface="Times New Roman" charset="0"/>
-                <a:cs typeface="Times New Roman" charset="0"/>
-              </a:rPr>
-              <a:t>Right</a:t>
-            </a:r>
-            <a:r>
-              <a:rPr lang="zh-CN" altLang="en-US" sz="1200" dirty="0" smtClean="0">
-                <a:latin typeface="Times New Roman" charset="0"/>
-                <a:ea typeface="Times New Roman" charset="0"/>
-                <a:cs typeface="Times New Roman" charset="0"/>
-              </a:rPr>
-              <a:t> </a:t>
-            </a:r>
-            <a:r>
-              <a:rPr lang="en-US" altLang="zh-CN" sz="1200" dirty="0" smtClean="0">
-                <a:latin typeface="Times New Roman" charset="0"/>
-                <a:ea typeface="Times New Roman" charset="0"/>
-                <a:cs typeface="Times New Roman" charset="0"/>
-              </a:rPr>
-              <a:t>Context</a:t>
-            </a:r>
-            <a:r>
-              <a:rPr lang="zh-CN" altLang="en-US" sz="1200" dirty="0" smtClean="0">
-                <a:latin typeface="Times New Roman" charset="0"/>
-                <a:ea typeface="Times New Roman" charset="0"/>
-                <a:cs typeface="Times New Roman" charset="0"/>
-              </a:rPr>
-              <a:t> </a:t>
-            </a:r>
-            <a:r>
-              <a:rPr lang="en-US" altLang="zh-CN" sz="1200" dirty="0" smtClean="0">
-                <a:latin typeface="Times New Roman" charset="0"/>
-                <a:ea typeface="Times New Roman" charset="0"/>
-                <a:cs typeface="Times New Roman" charset="0"/>
-              </a:rPr>
-              <a:t>FOFE</a:t>
-            </a:r>
-            <a:endParaRPr lang="en-US" sz="1200" dirty="0">
-              <a:latin typeface="Times New Roman" charset="0"/>
-              <a:ea typeface="Times New Roman" charset="0"/>
-              <a:cs typeface="Times New Roman" charset="0"/>
-            </a:endParaRPr>
-          </a:p>
-        </p:txBody>
-      </p:sp>
-      <p:sp>
-        <p:nvSpPr>
-          <p:cNvPr id="181" name="Rectangle 180"/>
-          <p:cNvSpPr/>
-          <p:nvPr/>
-        </p:nvSpPr>
-        <p:spPr>
-          <a:xfrm>
-            <a:off x="1343699" y="4692018"/>
-            <a:ext cx="1371978" cy="461665"/>
-          </a:xfrm>
-          <a:prstGeom prst="rect">
-            <a:avLst/>
-          </a:prstGeom>
-        </p:spPr>
-        <p:txBody>
-          <a:bodyPr wrap="square">
-            <a:spAutoFit/>
-          </a:bodyPr>
-          <a:lstStyle/>
-          <a:p>
-            <a:pPr algn="ctr"/>
-            <a:r>
-              <a:rPr lang="en-US" altLang="zh-CN" sz="1200" dirty="0" smtClean="0">
-                <a:latin typeface="Times New Roman" charset="0"/>
-                <a:ea typeface="Times New Roman" charset="0"/>
-                <a:cs typeface="Times New Roman" charset="0"/>
-              </a:rPr>
-              <a:t>Left</a:t>
-            </a:r>
-            <a:r>
-              <a:rPr lang="zh-CN" altLang="en-US" sz="1200" dirty="0" smtClean="0">
-                <a:latin typeface="Times New Roman" charset="0"/>
-                <a:ea typeface="Times New Roman" charset="0"/>
-                <a:cs typeface="Times New Roman" charset="0"/>
-              </a:rPr>
-              <a:t> </a:t>
-            </a:r>
-            <a:r>
-              <a:rPr lang="en-US" altLang="zh-CN" sz="1200" dirty="0" smtClean="0">
-                <a:latin typeface="Times New Roman" charset="0"/>
-                <a:ea typeface="Times New Roman" charset="0"/>
-                <a:cs typeface="Times New Roman" charset="0"/>
-              </a:rPr>
-              <a:t>Context</a:t>
-            </a:r>
-            <a:r>
-              <a:rPr lang="zh-CN" altLang="en-US" sz="1200" dirty="0" smtClean="0">
-                <a:latin typeface="Times New Roman" charset="0"/>
-                <a:ea typeface="Times New Roman" charset="0"/>
-                <a:cs typeface="Times New Roman" charset="0"/>
-              </a:rPr>
-              <a:t> </a:t>
-            </a:r>
-            <a:br>
-              <a:rPr lang="zh-CN" altLang="en-US" sz="1200" dirty="0" smtClean="0">
-                <a:latin typeface="Times New Roman" charset="0"/>
-                <a:ea typeface="Times New Roman" charset="0"/>
-                <a:cs typeface="Times New Roman" charset="0"/>
-              </a:rPr>
-            </a:br>
-            <a:r>
-              <a:rPr lang="en-US" altLang="zh-CN" sz="1200" dirty="0" smtClean="0">
-                <a:latin typeface="Times New Roman" charset="0"/>
-                <a:ea typeface="Times New Roman" charset="0"/>
-                <a:cs typeface="Times New Roman" charset="0"/>
-              </a:rPr>
-              <a:t>FOFE</a:t>
-            </a:r>
-            <a:endParaRPr lang="en-US" sz="1200" dirty="0">
-              <a:latin typeface="Times New Roman" charset="0"/>
-              <a:ea typeface="Times New Roman" charset="0"/>
-              <a:cs typeface="Times New Roman" charset="0"/>
-            </a:endParaRPr>
-          </a:p>
-        </p:txBody>
-      </p:sp>
       <p:sp>
         <p:nvSpPr>
           <p:cNvPr id="182" name="Down Arrow 181"/>
@@ -8211,7 +5665,7 @@
         </p:nvSpPr>
         <p:spPr>
           <a:xfrm rot="12169760">
-            <a:off x="2605719" y="5518818"/>
+            <a:off x="2721469" y="5553543"/>
             <a:ext cx="230161" cy="242802"/>
           </a:xfrm>
           <a:prstGeom prst="downArrow">
@@ -8255,7 +5709,7 @@
         </p:nvSpPr>
         <p:spPr>
           <a:xfrm rot="9430240" flipH="1">
-            <a:off x="5985840" y="5512729"/>
+            <a:off x="6101590" y="5547454"/>
             <a:ext cx="230161" cy="242802"/>
           </a:xfrm>
           <a:prstGeom prst="downArrow">
@@ -8299,7 +5753,7 @@
         </p:nvSpPr>
         <p:spPr>
           <a:xfrm rot="10800000">
-            <a:off x="4279466" y="5504590"/>
+            <a:off x="4395216" y="5539315"/>
             <a:ext cx="230161" cy="242802"/>
           </a:xfrm>
           <a:prstGeom prst="downArrow">
@@ -8343,7 +5797,7 @@
         </p:nvSpPr>
         <p:spPr>
           <a:xfrm>
-            <a:off x="3294465" y="5329006"/>
+            <a:off x="3248170" y="5317431"/>
             <a:ext cx="950644" cy="461665"/>
           </a:xfrm>
           <a:prstGeom prst="rect">
@@ -8396,236 +5850,2789 @@
           </a:p>
         </p:txBody>
       </p:sp>
-      <p:sp>
-        <p:nvSpPr>
-          <p:cNvPr id="189" name="Rectangle 188"/>
-          <p:cNvSpPr/>
+      <p:grpSp>
+        <p:nvGrpSpPr>
+          <p:cNvPr id="2" name="Group 1"/>
+          <p:cNvGrpSpPr/>
           <p:nvPr/>
-        </p:nvSpPr>
-        <p:spPr>
+        </p:nvGrpSpPr>
+        <p:grpSpPr>
           <a:xfrm>
-            <a:off x="2908975" y="2835267"/>
-            <a:ext cx="616179" cy="276999"/>
+            <a:off x="1596483" y="2989124"/>
+            <a:ext cx="5827625" cy="2523190"/>
+            <a:chOff x="1343699" y="2835266"/>
+            <a:chExt cx="6115956" cy="2593170"/>
           </a:xfrm>
-          <a:prstGeom prst="rect">
-            <a:avLst/>
-          </a:prstGeom>
-        </p:spPr>
-        <p:txBody>
-          <a:bodyPr wrap="square">
-            <a:spAutoFit/>
-          </a:bodyPr>
-          <a:lstStyle/>
-          <a:p>
-            <a:pPr algn="ctr"/>
-            <a:r>
-              <a:rPr lang="en-US" altLang="zh-CN" sz="1200" dirty="0" smtClean="0">
+        </p:grpSpPr>
+        <p:grpSp>
+          <p:nvGrpSpPr>
+            <p:cNvPr id="25" name="Group 24"/>
+            <p:cNvGrpSpPr/>
+            <p:nvPr/>
+          </p:nvGrpSpPr>
+          <p:grpSpPr>
+            <a:xfrm>
+              <a:off x="2236399" y="4961233"/>
+              <a:ext cx="982043" cy="463958"/>
+              <a:chOff x="1672046" y="3370217"/>
+              <a:chExt cx="1658983" cy="783772"/>
+            </a:xfrm>
+          </p:grpSpPr>
+          <p:sp>
+            <p:nvSpPr>
+              <p:cNvPr id="334" name="Rounded Rectangle 333"/>
+              <p:cNvSpPr/>
+              <p:nvPr/>
+            </p:nvSpPr>
+            <p:spPr>
+              <a:xfrm>
+                <a:off x="1672046" y="3370217"/>
+                <a:ext cx="1658983" cy="783772"/>
+              </a:xfrm>
+              <a:prstGeom prst="roundRect">
+                <a:avLst/>
+              </a:prstGeom>
+              <a:solidFill>
+                <a:schemeClr val="accent6">
+                  <a:lumMod val="40000"/>
+                  <a:lumOff val="60000"/>
+                </a:schemeClr>
+              </a:solidFill>
+            </p:spPr>
+            <p:style>
+              <a:lnRef idx="1">
+                <a:schemeClr val="accent6"/>
+              </a:lnRef>
+              <a:fillRef idx="2">
+                <a:schemeClr val="accent6"/>
+              </a:fillRef>
+              <a:effectRef idx="1">
+                <a:schemeClr val="accent6"/>
+              </a:effectRef>
+              <a:fontRef idx="minor">
+                <a:schemeClr val="dk1"/>
+              </a:fontRef>
+            </p:style>
+            <p:txBody>
+              <a:bodyPr rtlCol="0" anchor="ctr"/>
+              <a:lstStyle/>
+              <a:p>
+                <a:pPr algn="ctr"/>
+                <a:endParaRPr lang="en-US" sz="1350"/>
+              </a:p>
+            </p:txBody>
+          </p:sp>
+          <p:sp>
+            <p:nvSpPr>
+              <p:cNvPr id="335" name="Oval 334"/>
+              <p:cNvSpPr/>
+              <p:nvPr/>
+            </p:nvSpPr>
+            <p:spPr>
+              <a:xfrm>
+                <a:off x="1869897" y="3524036"/>
+                <a:ext cx="513708" cy="513708"/>
+              </a:xfrm>
+              <a:prstGeom prst="ellipse">
+                <a:avLst/>
+              </a:prstGeom>
+            </p:spPr>
+            <p:style>
+              <a:lnRef idx="2">
+                <a:schemeClr val="accent6"/>
+              </a:lnRef>
+              <a:fillRef idx="1">
+                <a:schemeClr val="lt1"/>
+              </a:fillRef>
+              <a:effectRef idx="0">
+                <a:schemeClr val="accent6"/>
+              </a:effectRef>
+              <a:fontRef idx="minor">
+                <a:schemeClr val="dk1"/>
+              </a:fontRef>
+            </p:style>
+            <p:txBody>
+              <a:bodyPr rtlCol="0" anchor="ctr"/>
+              <a:lstStyle/>
+              <a:p>
+                <a:pPr algn="ctr"/>
+                <a:endParaRPr lang="en-US" sz="1350" dirty="0"/>
+              </a:p>
+            </p:txBody>
+          </p:sp>
+          <p:sp>
+            <p:nvSpPr>
+              <p:cNvPr id="336" name="Oval 335"/>
+              <p:cNvSpPr/>
+              <p:nvPr/>
+            </p:nvSpPr>
+            <p:spPr>
+              <a:xfrm>
+                <a:off x="2610126" y="3524036"/>
+                <a:ext cx="513708" cy="513708"/>
+              </a:xfrm>
+              <a:prstGeom prst="ellipse">
+                <a:avLst/>
+              </a:prstGeom>
+            </p:spPr>
+            <p:style>
+              <a:lnRef idx="2">
+                <a:schemeClr val="accent6"/>
+              </a:lnRef>
+              <a:fillRef idx="1">
+                <a:schemeClr val="lt1"/>
+              </a:fillRef>
+              <a:effectRef idx="0">
+                <a:schemeClr val="accent6"/>
+              </a:effectRef>
+              <a:fontRef idx="minor">
+                <a:schemeClr val="dk1"/>
+              </a:fontRef>
+            </p:style>
+            <p:txBody>
+              <a:bodyPr rtlCol="0" anchor="ctr"/>
+              <a:lstStyle/>
+              <a:p>
+                <a:pPr algn="ctr"/>
+                <a:endParaRPr lang="en-US" sz="1350"/>
+              </a:p>
+            </p:txBody>
+          </p:sp>
+        </p:grpSp>
+        <p:grpSp>
+          <p:nvGrpSpPr>
+            <p:cNvPr id="43" name="Group 42"/>
+            <p:cNvGrpSpPr/>
+            <p:nvPr/>
+          </p:nvGrpSpPr>
+          <p:grpSpPr>
+            <a:xfrm>
+              <a:off x="5526542" y="4964478"/>
+              <a:ext cx="982043" cy="463958"/>
+              <a:chOff x="1672044" y="3370218"/>
+              <a:chExt cx="1658982" cy="783772"/>
+            </a:xfrm>
+          </p:grpSpPr>
+          <p:sp>
+            <p:nvSpPr>
+              <p:cNvPr id="322" name="Rounded Rectangle 321"/>
+              <p:cNvSpPr/>
+              <p:nvPr/>
+            </p:nvSpPr>
+            <p:spPr>
+              <a:xfrm>
+                <a:off x="1672044" y="3370218"/>
+                <a:ext cx="1658982" cy="783772"/>
+              </a:xfrm>
+              <a:prstGeom prst="roundRect">
+                <a:avLst/>
+              </a:prstGeom>
+              <a:solidFill>
+                <a:schemeClr val="accent6">
+                  <a:lumMod val="40000"/>
+                  <a:lumOff val="60000"/>
+                </a:schemeClr>
+              </a:solidFill>
+            </p:spPr>
+            <p:style>
+              <a:lnRef idx="1">
+                <a:schemeClr val="accent6"/>
+              </a:lnRef>
+              <a:fillRef idx="2">
+                <a:schemeClr val="accent6"/>
+              </a:fillRef>
+              <a:effectRef idx="1">
+                <a:schemeClr val="accent6"/>
+              </a:effectRef>
+              <a:fontRef idx="minor">
+                <a:schemeClr val="dk1"/>
+              </a:fontRef>
+            </p:style>
+            <p:txBody>
+              <a:bodyPr rtlCol="0" anchor="ctr"/>
+              <a:lstStyle/>
+              <a:p>
+                <a:pPr algn="ctr"/>
+                <a:endParaRPr lang="en-US" sz="1350"/>
+              </a:p>
+            </p:txBody>
+          </p:sp>
+          <p:sp>
+            <p:nvSpPr>
+              <p:cNvPr id="323" name="Oval 322"/>
+              <p:cNvSpPr/>
+              <p:nvPr/>
+            </p:nvSpPr>
+            <p:spPr>
+              <a:xfrm>
+                <a:off x="1869897" y="3524033"/>
+                <a:ext cx="513708" cy="513708"/>
+              </a:xfrm>
+              <a:prstGeom prst="ellipse">
+                <a:avLst/>
+              </a:prstGeom>
+            </p:spPr>
+            <p:style>
+              <a:lnRef idx="2">
+                <a:schemeClr val="accent6"/>
+              </a:lnRef>
+              <a:fillRef idx="1">
+                <a:schemeClr val="lt1"/>
+              </a:fillRef>
+              <a:effectRef idx="0">
+                <a:schemeClr val="accent6"/>
+              </a:effectRef>
+              <a:fontRef idx="minor">
+                <a:schemeClr val="dk1"/>
+              </a:fontRef>
+            </p:style>
+            <p:txBody>
+              <a:bodyPr rtlCol="0" anchor="ctr"/>
+              <a:lstStyle/>
+              <a:p>
+                <a:pPr algn="ctr"/>
+                <a:endParaRPr lang="en-US" sz="1350" dirty="0"/>
+              </a:p>
+            </p:txBody>
+          </p:sp>
+          <p:sp>
+            <p:nvSpPr>
+              <p:cNvPr id="324" name="Oval 323"/>
+              <p:cNvSpPr/>
+              <p:nvPr/>
+            </p:nvSpPr>
+            <p:spPr>
+              <a:xfrm>
+                <a:off x="2610126" y="3524036"/>
+                <a:ext cx="513708" cy="513708"/>
+              </a:xfrm>
+              <a:prstGeom prst="ellipse">
+                <a:avLst/>
+              </a:prstGeom>
+            </p:spPr>
+            <p:style>
+              <a:lnRef idx="2">
+                <a:schemeClr val="accent6"/>
+              </a:lnRef>
+              <a:fillRef idx="1">
+                <a:schemeClr val="lt1"/>
+              </a:fillRef>
+              <a:effectRef idx="0">
+                <a:schemeClr val="accent6"/>
+              </a:effectRef>
+              <a:fontRef idx="minor">
+                <a:schemeClr val="dk1"/>
+              </a:fontRef>
+            </p:style>
+            <p:txBody>
+              <a:bodyPr rtlCol="0" anchor="ctr"/>
+              <a:lstStyle/>
+              <a:p>
+                <a:pPr algn="ctr"/>
+                <a:endParaRPr lang="en-US" sz="1350"/>
+              </a:p>
+            </p:txBody>
+          </p:sp>
+        </p:grpSp>
+        <p:grpSp>
+          <p:nvGrpSpPr>
+            <p:cNvPr id="54" name="Group 53"/>
+            <p:cNvGrpSpPr/>
+            <p:nvPr/>
+          </p:nvGrpSpPr>
+          <p:grpSpPr>
+            <a:xfrm>
+              <a:off x="3221220" y="4256492"/>
+              <a:ext cx="2311154" cy="463958"/>
+              <a:chOff x="1866157" y="3042474"/>
+              <a:chExt cx="3081539" cy="618610"/>
+            </a:xfrm>
+          </p:grpSpPr>
+          <p:sp>
+            <p:nvSpPr>
+              <p:cNvPr id="308" name="Rounded Rectangle 307"/>
+              <p:cNvSpPr/>
+              <p:nvPr/>
+            </p:nvSpPr>
+            <p:spPr>
+              <a:xfrm>
+                <a:off x="1866157" y="3042474"/>
+                <a:ext cx="3081539" cy="618610"/>
+              </a:xfrm>
+              <a:prstGeom prst="roundRect">
+                <a:avLst/>
+              </a:prstGeom>
+              <a:solidFill>
+                <a:schemeClr val="accent6">
+                  <a:lumMod val="40000"/>
+                  <a:lumOff val="60000"/>
+                </a:schemeClr>
+              </a:solidFill>
+            </p:spPr>
+            <p:style>
+              <a:lnRef idx="1">
+                <a:schemeClr val="accent6"/>
+              </a:lnRef>
+              <a:fillRef idx="2">
+                <a:schemeClr val="accent6"/>
+              </a:fillRef>
+              <a:effectRef idx="1">
+                <a:schemeClr val="accent6"/>
+              </a:effectRef>
+              <a:fontRef idx="minor">
+                <a:schemeClr val="dk1"/>
+              </a:fontRef>
+            </p:style>
+            <p:txBody>
+              <a:bodyPr rtlCol="0" anchor="ctr"/>
+              <a:lstStyle/>
+              <a:p>
+                <a:pPr algn="ctr"/>
+                <a:r>
+                  <a:rPr lang="is-IS" altLang="zh-CN" sz="1350" dirty="0"/>
+                  <a:t>……</a:t>
+                </a:r>
+                <a:endParaRPr lang="en-US" sz="1350" dirty="0"/>
+              </a:p>
+            </p:txBody>
+          </p:sp>
+          <p:sp>
+            <p:nvSpPr>
+              <p:cNvPr id="309" name="Oval 308"/>
+              <p:cNvSpPr/>
+              <p:nvPr/>
+            </p:nvSpPr>
+            <p:spPr>
+              <a:xfrm>
+                <a:off x="2022315" y="3163879"/>
+                <a:ext cx="405456" cy="405456"/>
+              </a:xfrm>
+              <a:prstGeom prst="ellipse">
+                <a:avLst/>
+              </a:prstGeom>
+            </p:spPr>
+            <p:style>
+              <a:lnRef idx="2">
+                <a:schemeClr val="accent6"/>
+              </a:lnRef>
+              <a:fillRef idx="1">
+                <a:schemeClr val="lt1"/>
+              </a:fillRef>
+              <a:effectRef idx="0">
+                <a:schemeClr val="accent6"/>
+              </a:effectRef>
+              <a:fontRef idx="minor">
+                <a:schemeClr val="dk1"/>
+              </a:fontRef>
+            </p:style>
+            <p:txBody>
+              <a:bodyPr rtlCol="0" anchor="ctr"/>
+              <a:lstStyle/>
+              <a:p>
+                <a:pPr algn="ctr"/>
+                <a:endParaRPr lang="en-US" sz="1350" dirty="0"/>
+              </a:p>
+            </p:txBody>
+          </p:sp>
+          <p:sp>
+            <p:nvSpPr>
+              <p:cNvPr id="310" name="Oval 309"/>
+              <p:cNvSpPr/>
+              <p:nvPr/>
+            </p:nvSpPr>
+            <p:spPr>
+              <a:xfrm>
+                <a:off x="2606558" y="3163879"/>
+                <a:ext cx="405456" cy="405456"/>
+              </a:xfrm>
+              <a:prstGeom prst="ellipse">
+                <a:avLst/>
+              </a:prstGeom>
+            </p:spPr>
+            <p:style>
+              <a:lnRef idx="2">
+                <a:schemeClr val="accent6"/>
+              </a:lnRef>
+              <a:fillRef idx="1">
+                <a:schemeClr val="lt1"/>
+              </a:fillRef>
+              <a:effectRef idx="0">
+                <a:schemeClr val="accent6"/>
+              </a:effectRef>
+              <a:fontRef idx="minor">
+                <a:schemeClr val="dk1"/>
+              </a:fontRef>
+            </p:style>
+            <p:txBody>
+              <a:bodyPr rtlCol="0" anchor="ctr"/>
+              <a:lstStyle/>
+              <a:p>
+                <a:pPr algn="ctr"/>
+                <a:endParaRPr lang="en-US" sz="1350"/>
+              </a:p>
+            </p:txBody>
+          </p:sp>
+          <p:sp>
+            <p:nvSpPr>
+              <p:cNvPr id="311" name="Oval 310"/>
+              <p:cNvSpPr/>
+              <p:nvPr/>
+            </p:nvSpPr>
+            <p:spPr>
+              <a:xfrm>
+                <a:off x="3771404" y="3163879"/>
+                <a:ext cx="405456" cy="405456"/>
+              </a:xfrm>
+              <a:prstGeom prst="ellipse">
+                <a:avLst/>
+              </a:prstGeom>
+            </p:spPr>
+            <p:style>
+              <a:lnRef idx="2">
+                <a:schemeClr val="accent6"/>
+              </a:lnRef>
+              <a:fillRef idx="1">
+                <a:schemeClr val="lt1"/>
+              </a:fillRef>
+              <a:effectRef idx="0">
+                <a:schemeClr val="accent6"/>
+              </a:effectRef>
+              <a:fontRef idx="minor">
+                <a:schemeClr val="dk1"/>
+              </a:fontRef>
+            </p:style>
+            <p:txBody>
+              <a:bodyPr rtlCol="0" anchor="ctr"/>
+              <a:lstStyle/>
+              <a:p>
+                <a:pPr algn="ctr"/>
+                <a:endParaRPr lang="en-US" sz="1350"/>
+              </a:p>
+            </p:txBody>
+          </p:sp>
+          <p:sp>
+            <p:nvSpPr>
+              <p:cNvPr id="312" name="Oval 311"/>
+              <p:cNvSpPr/>
+              <p:nvPr/>
+            </p:nvSpPr>
+            <p:spPr>
+              <a:xfrm>
+                <a:off x="4359287" y="3163879"/>
+                <a:ext cx="405456" cy="405456"/>
+              </a:xfrm>
+              <a:prstGeom prst="ellipse">
+                <a:avLst/>
+              </a:prstGeom>
+            </p:spPr>
+            <p:style>
+              <a:lnRef idx="2">
+                <a:schemeClr val="accent6"/>
+              </a:lnRef>
+              <a:fillRef idx="1">
+                <a:schemeClr val="lt1"/>
+              </a:fillRef>
+              <a:effectRef idx="0">
+                <a:schemeClr val="accent6"/>
+              </a:effectRef>
+              <a:fontRef idx="minor">
+                <a:schemeClr val="dk1"/>
+              </a:fontRef>
+            </p:style>
+            <p:txBody>
+              <a:bodyPr rtlCol="0" anchor="ctr"/>
+              <a:lstStyle/>
+              <a:p>
+                <a:pPr algn="ctr"/>
+                <a:endParaRPr lang="en-US" sz="1350"/>
+              </a:p>
+            </p:txBody>
+          </p:sp>
+        </p:grpSp>
+        <p:cxnSp>
+          <p:nvCxnSpPr>
+            <p:cNvPr id="55" name="Straight Arrow Connector 54"/>
+            <p:cNvCxnSpPr>
+              <a:stCxn id="335" idx="0"/>
+            </p:cNvCxnSpPr>
+            <p:nvPr/>
+          </p:nvCxnSpPr>
+          <p:spPr>
+            <a:xfrm flipV="1">
+              <a:off x="2505564" y="4651637"/>
+              <a:ext cx="984820" cy="400650"/>
+            </a:xfrm>
+            <a:prstGeom prst="straightConnector1">
+              <a:avLst/>
+            </a:prstGeom>
+            <a:ln>
+              <a:tailEnd type="triangle"/>
+            </a:ln>
+          </p:spPr>
+          <p:style>
+            <a:lnRef idx="1">
+              <a:schemeClr val="dk1"/>
+            </a:lnRef>
+            <a:fillRef idx="0">
+              <a:schemeClr val="dk1"/>
+            </a:fillRef>
+            <a:effectRef idx="0">
+              <a:schemeClr val="dk1"/>
+            </a:effectRef>
+            <a:fontRef idx="minor">
+              <a:schemeClr val="tx1"/>
+            </a:fontRef>
+          </p:style>
+        </p:cxnSp>
+        <p:cxnSp>
+          <p:nvCxnSpPr>
+            <p:cNvPr id="56" name="Straight Arrow Connector 55"/>
+            <p:cNvCxnSpPr>
+              <a:stCxn id="335" idx="0"/>
+            </p:cNvCxnSpPr>
+            <p:nvPr/>
+          </p:nvCxnSpPr>
+          <p:spPr>
+            <a:xfrm flipV="1">
+              <a:off x="2505564" y="4651637"/>
+              <a:ext cx="1423002" cy="400650"/>
+            </a:xfrm>
+            <a:prstGeom prst="straightConnector1">
+              <a:avLst/>
+            </a:prstGeom>
+            <a:ln>
+              <a:tailEnd type="triangle"/>
+            </a:ln>
+          </p:spPr>
+          <p:style>
+            <a:lnRef idx="1">
+              <a:schemeClr val="dk1"/>
+            </a:lnRef>
+            <a:fillRef idx="0">
+              <a:schemeClr val="dk1"/>
+            </a:fillRef>
+            <a:effectRef idx="0">
+              <a:schemeClr val="dk1"/>
+            </a:effectRef>
+            <a:fontRef idx="minor">
+              <a:schemeClr val="tx1"/>
+            </a:fontRef>
+          </p:style>
+        </p:cxnSp>
+        <p:cxnSp>
+          <p:nvCxnSpPr>
+            <p:cNvPr id="57" name="Straight Arrow Connector 56"/>
+            <p:cNvCxnSpPr>
+              <a:stCxn id="335" idx="0"/>
+            </p:cNvCxnSpPr>
+            <p:nvPr/>
+          </p:nvCxnSpPr>
+          <p:spPr>
+            <a:xfrm flipV="1">
+              <a:off x="2505564" y="4651638"/>
+              <a:ext cx="2296637" cy="400649"/>
+            </a:xfrm>
+            <a:prstGeom prst="straightConnector1">
+              <a:avLst/>
+            </a:prstGeom>
+            <a:ln>
+              <a:tailEnd type="triangle"/>
+            </a:ln>
+          </p:spPr>
+          <p:style>
+            <a:lnRef idx="1">
+              <a:schemeClr val="dk1"/>
+            </a:lnRef>
+            <a:fillRef idx="0">
+              <a:schemeClr val="dk1"/>
+            </a:fillRef>
+            <a:effectRef idx="0">
+              <a:schemeClr val="dk1"/>
+            </a:effectRef>
+            <a:fontRef idx="minor">
+              <a:schemeClr val="tx1"/>
+            </a:fontRef>
+          </p:style>
+        </p:cxnSp>
+        <p:cxnSp>
+          <p:nvCxnSpPr>
+            <p:cNvPr id="58" name="Straight Arrow Connector 57"/>
+            <p:cNvCxnSpPr>
+              <a:stCxn id="335" idx="0"/>
+            </p:cNvCxnSpPr>
+            <p:nvPr/>
+          </p:nvCxnSpPr>
+          <p:spPr>
+            <a:xfrm flipV="1">
+              <a:off x="2505564" y="4651637"/>
+              <a:ext cx="2737549" cy="400650"/>
+            </a:xfrm>
+            <a:prstGeom prst="straightConnector1">
+              <a:avLst/>
+            </a:prstGeom>
+            <a:ln>
+              <a:tailEnd type="triangle"/>
+            </a:ln>
+          </p:spPr>
+          <p:style>
+            <a:lnRef idx="1">
+              <a:schemeClr val="dk1"/>
+            </a:lnRef>
+            <a:fillRef idx="0">
+              <a:schemeClr val="dk1"/>
+            </a:fillRef>
+            <a:effectRef idx="0">
+              <a:schemeClr val="dk1"/>
+            </a:effectRef>
+            <a:fontRef idx="minor">
+              <a:schemeClr val="tx1"/>
+            </a:fontRef>
+          </p:style>
+        </p:cxnSp>
+        <p:cxnSp>
+          <p:nvCxnSpPr>
+            <p:cNvPr id="59" name="Straight Arrow Connector 58"/>
+            <p:cNvCxnSpPr>
+              <a:stCxn id="336" idx="0"/>
+            </p:cNvCxnSpPr>
+            <p:nvPr/>
+          </p:nvCxnSpPr>
+          <p:spPr>
+            <a:xfrm flipV="1">
+              <a:off x="2943746" y="4651637"/>
+              <a:ext cx="546638" cy="400650"/>
+            </a:xfrm>
+            <a:prstGeom prst="straightConnector1">
+              <a:avLst/>
+            </a:prstGeom>
+            <a:ln>
+              <a:tailEnd type="triangle"/>
+            </a:ln>
+          </p:spPr>
+          <p:style>
+            <a:lnRef idx="1">
+              <a:schemeClr val="dk1"/>
+            </a:lnRef>
+            <a:fillRef idx="0">
+              <a:schemeClr val="dk1"/>
+            </a:fillRef>
+            <a:effectRef idx="0">
+              <a:schemeClr val="dk1"/>
+            </a:effectRef>
+            <a:fontRef idx="minor">
+              <a:schemeClr val="tx1"/>
+            </a:fontRef>
+          </p:style>
+        </p:cxnSp>
+        <p:cxnSp>
+          <p:nvCxnSpPr>
+            <p:cNvPr id="60" name="Straight Arrow Connector 59"/>
+            <p:cNvCxnSpPr>
+              <a:stCxn id="336" idx="0"/>
+            </p:cNvCxnSpPr>
+            <p:nvPr/>
+          </p:nvCxnSpPr>
+          <p:spPr>
+            <a:xfrm flipV="1">
+              <a:off x="2943746" y="4651637"/>
+              <a:ext cx="984820" cy="400650"/>
+            </a:xfrm>
+            <a:prstGeom prst="straightConnector1">
+              <a:avLst/>
+            </a:prstGeom>
+            <a:ln>
+              <a:tailEnd type="triangle"/>
+            </a:ln>
+          </p:spPr>
+          <p:style>
+            <a:lnRef idx="1">
+              <a:schemeClr val="dk1"/>
+            </a:lnRef>
+            <a:fillRef idx="0">
+              <a:schemeClr val="dk1"/>
+            </a:fillRef>
+            <a:effectRef idx="0">
+              <a:schemeClr val="dk1"/>
+            </a:effectRef>
+            <a:fontRef idx="minor">
+              <a:schemeClr val="tx1"/>
+            </a:fontRef>
+          </p:style>
+        </p:cxnSp>
+        <p:cxnSp>
+          <p:nvCxnSpPr>
+            <p:cNvPr id="61" name="Straight Arrow Connector 60"/>
+            <p:cNvCxnSpPr>
+              <a:stCxn id="336" idx="0"/>
+            </p:cNvCxnSpPr>
+            <p:nvPr/>
+          </p:nvCxnSpPr>
+          <p:spPr>
+            <a:xfrm flipV="1">
+              <a:off x="2943746" y="4651637"/>
+              <a:ext cx="1858455" cy="400650"/>
+            </a:xfrm>
+            <a:prstGeom prst="straightConnector1">
+              <a:avLst/>
+            </a:prstGeom>
+            <a:ln>
+              <a:tailEnd type="triangle"/>
+            </a:ln>
+          </p:spPr>
+          <p:style>
+            <a:lnRef idx="1">
+              <a:schemeClr val="dk1"/>
+            </a:lnRef>
+            <a:fillRef idx="0">
+              <a:schemeClr val="dk1"/>
+            </a:fillRef>
+            <a:effectRef idx="0">
+              <a:schemeClr val="dk1"/>
+            </a:effectRef>
+            <a:fontRef idx="minor">
+              <a:schemeClr val="tx1"/>
+            </a:fontRef>
+          </p:style>
+        </p:cxnSp>
+        <p:cxnSp>
+          <p:nvCxnSpPr>
+            <p:cNvPr id="62" name="Straight Arrow Connector 61"/>
+            <p:cNvCxnSpPr>
+              <a:stCxn id="324" idx="0"/>
+            </p:cNvCxnSpPr>
+            <p:nvPr/>
+          </p:nvCxnSpPr>
+          <p:spPr>
+            <a:xfrm flipH="1" flipV="1">
+              <a:off x="3490384" y="4651638"/>
+              <a:ext cx="2743507" cy="403893"/>
+            </a:xfrm>
+            <a:prstGeom prst="straightConnector1">
+              <a:avLst/>
+            </a:prstGeom>
+            <a:ln>
+              <a:tailEnd type="triangle"/>
+            </a:ln>
+          </p:spPr>
+          <p:style>
+            <a:lnRef idx="1">
+              <a:schemeClr val="dk1"/>
+            </a:lnRef>
+            <a:fillRef idx="0">
+              <a:schemeClr val="dk1"/>
+            </a:fillRef>
+            <a:effectRef idx="0">
+              <a:schemeClr val="dk1"/>
+            </a:effectRef>
+            <a:fontRef idx="minor">
+              <a:schemeClr val="tx1"/>
+            </a:fontRef>
+          </p:style>
+        </p:cxnSp>
+        <p:cxnSp>
+          <p:nvCxnSpPr>
+            <p:cNvPr id="63" name="Straight Arrow Connector 62"/>
+            <p:cNvCxnSpPr>
+              <a:stCxn id="323" idx="0"/>
+            </p:cNvCxnSpPr>
+            <p:nvPr/>
+          </p:nvCxnSpPr>
+          <p:spPr>
+            <a:xfrm flipH="1" flipV="1">
+              <a:off x="3490384" y="4651639"/>
+              <a:ext cx="2305324" cy="403891"/>
+            </a:xfrm>
+            <a:prstGeom prst="straightConnector1">
+              <a:avLst/>
+            </a:prstGeom>
+            <a:ln>
+              <a:tailEnd type="triangle"/>
+            </a:ln>
+          </p:spPr>
+          <p:style>
+            <a:lnRef idx="1">
+              <a:schemeClr val="dk1"/>
+            </a:lnRef>
+            <a:fillRef idx="0">
+              <a:schemeClr val="dk1"/>
+            </a:fillRef>
+            <a:effectRef idx="0">
+              <a:schemeClr val="dk1"/>
+            </a:effectRef>
+            <a:fontRef idx="minor">
+              <a:schemeClr val="tx1"/>
+            </a:fontRef>
+          </p:style>
+        </p:cxnSp>
+        <p:cxnSp>
+          <p:nvCxnSpPr>
+            <p:cNvPr id="64" name="Straight Arrow Connector 63"/>
+            <p:cNvCxnSpPr>
+              <a:stCxn id="323" idx="0"/>
+            </p:cNvCxnSpPr>
+            <p:nvPr/>
+          </p:nvCxnSpPr>
+          <p:spPr>
+            <a:xfrm flipH="1" flipV="1">
+              <a:off x="3928566" y="4651639"/>
+              <a:ext cx="1867142" cy="403891"/>
+            </a:xfrm>
+            <a:prstGeom prst="straightConnector1">
+              <a:avLst/>
+            </a:prstGeom>
+            <a:ln>
+              <a:tailEnd type="triangle"/>
+            </a:ln>
+          </p:spPr>
+          <p:style>
+            <a:lnRef idx="1">
+              <a:schemeClr val="dk1"/>
+            </a:lnRef>
+            <a:fillRef idx="0">
+              <a:schemeClr val="dk1"/>
+            </a:fillRef>
+            <a:effectRef idx="0">
+              <a:schemeClr val="dk1"/>
+            </a:effectRef>
+            <a:fontRef idx="minor">
+              <a:schemeClr val="tx1"/>
+            </a:fontRef>
+          </p:style>
+        </p:cxnSp>
+        <p:cxnSp>
+          <p:nvCxnSpPr>
+            <p:cNvPr id="65" name="Straight Arrow Connector 64"/>
+            <p:cNvCxnSpPr>
+              <a:stCxn id="323" idx="0"/>
+            </p:cNvCxnSpPr>
+            <p:nvPr/>
+          </p:nvCxnSpPr>
+          <p:spPr>
+            <a:xfrm flipH="1" flipV="1">
+              <a:off x="4802202" y="4651639"/>
+              <a:ext cx="993506" cy="403891"/>
+            </a:xfrm>
+            <a:prstGeom prst="straightConnector1">
+              <a:avLst/>
+            </a:prstGeom>
+            <a:ln>
+              <a:tailEnd type="triangle"/>
+            </a:ln>
+          </p:spPr>
+          <p:style>
+            <a:lnRef idx="1">
+              <a:schemeClr val="dk1"/>
+            </a:lnRef>
+            <a:fillRef idx="0">
+              <a:schemeClr val="dk1"/>
+            </a:fillRef>
+            <a:effectRef idx="0">
+              <a:schemeClr val="dk1"/>
+            </a:effectRef>
+            <a:fontRef idx="minor">
+              <a:schemeClr val="tx1"/>
+            </a:fontRef>
+          </p:style>
+        </p:cxnSp>
+        <p:cxnSp>
+          <p:nvCxnSpPr>
+            <p:cNvPr id="66" name="Straight Arrow Connector 65"/>
+            <p:cNvCxnSpPr>
+              <a:stCxn id="323" idx="0"/>
+            </p:cNvCxnSpPr>
+            <p:nvPr/>
+          </p:nvCxnSpPr>
+          <p:spPr>
+            <a:xfrm flipH="1" flipV="1">
+              <a:off x="5243113" y="4651639"/>
+              <a:ext cx="552595" cy="403891"/>
+            </a:xfrm>
+            <a:prstGeom prst="straightConnector1">
+              <a:avLst/>
+            </a:prstGeom>
+            <a:ln>
+              <a:tailEnd type="triangle"/>
+            </a:ln>
+          </p:spPr>
+          <p:style>
+            <a:lnRef idx="1">
+              <a:schemeClr val="dk1"/>
+            </a:lnRef>
+            <a:fillRef idx="0">
+              <a:schemeClr val="dk1"/>
+            </a:fillRef>
+            <a:effectRef idx="0">
+              <a:schemeClr val="dk1"/>
+            </a:effectRef>
+            <a:fontRef idx="minor">
+              <a:schemeClr val="tx1"/>
+            </a:fontRef>
+          </p:style>
+        </p:cxnSp>
+        <p:cxnSp>
+          <p:nvCxnSpPr>
+            <p:cNvPr id="67" name="Straight Arrow Connector 66"/>
+            <p:cNvCxnSpPr>
+              <a:stCxn id="336" idx="0"/>
+            </p:cNvCxnSpPr>
+            <p:nvPr/>
+          </p:nvCxnSpPr>
+          <p:spPr>
+            <a:xfrm flipV="1">
+              <a:off x="2943746" y="4651637"/>
+              <a:ext cx="2299367" cy="400650"/>
+            </a:xfrm>
+            <a:prstGeom prst="straightConnector1">
+              <a:avLst/>
+            </a:prstGeom>
+            <a:ln>
+              <a:tailEnd type="triangle"/>
+            </a:ln>
+          </p:spPr>
+          <p:style>
+            <a:lnRef idx="1">
+              <a:schemeClr val="dk1"/>
+            </a:lnRef>
+            <a:fillRef idx="0">
+              <a:schemeClr val="dk1"/>
+            </a:fillRef>
+            <a:effectRef idx="0">
+              <a:schemeClr val="dk1"/>
+            </a:effectRef>
+            <a:fontRef idx="minor">
+              <a:schemeClr val="tx1"/>
+            </a:fontRef>
+          </p:style>
+        </p:cxnSp>
+        <p:cxnSp>
+          <p:nvCxnSpPr>
+            <p:cNvPr id="68" name="Straight Arrow Connector 67"/>
+            <p:cNvCxnSpPr>
+              <a:stCxn id="324" idx="0"/>
+            </p:cNvCxnSpPr>
+            <p:nvPr/>
+          </p:nvCxnSpPr>
+          <p:spPr>
+            <a:xfrm flipH="1" flipV="1">
+              <a:off x="3928566" y="4651638"/>
+              <a:ext cx="2305325" cy="403893"/>
+            </a:xfrm>
+            <a:prstGeom prst="straightConnector1">
+              <a:avLst/>
+            </a:prstGeom>
+            <a:ln>
+              <a:tailEnd type="triangle"/>
+            </a:ln>
+          </p:spPr>
+          <p:style>
+            <a:lnRef idx="1">
+              <a:schemeClr val="dk1"/>
+            </a:lnRef>
+            <a:fillRef idx="0">
+              <a:schemeClr val="dk1"/>
+            </a:fillRef>
+            <a:effectRef idx="0">
+              <a:schemeClr val="dk1"/>
+            </a:effectRef>
+            <a:fontRef idx="minor">
+              <a:schemeClr val="tx1"/>
+            </a:fontRef>
+          </p:style>
+        </p:cxnSp>
+        <p:cxnSp>
+          <p:nvCxnSpPr>
+            <p:cNvPr id="69" name="Straight Arrow Connector 68"/>
+            <p:cNvCxnSpPr>
+              <a:stCxn id="324" idx="0"/>
+            </p:cNvCxnSpPr>
+            <p:nvPr/>
+          </p:nvCxnSpPr>
+          <p:spPr>
+            <a:xfrm flipH="1" flipV="1">
+              <a:off x="4802200" y="4651638"/>
+              <a:ext cx="1431691" cy="403893"/>
+            </a:xfrm>
+            <a:prstGeom prst="straightConnector1">
+              <a:avLst/>
+            </a:prstGeom>
+            <a:ln>
+              <a:tailEnd type="triangle"/>
+            </a:ln>
+          </p:spPr>
+          <p:style>
+            <a:lnRef idx="1">
+              <a:schemeClr val="dk1"/>
+            </a:lnRef>
+            <a:fillRef idx="0">
+              <a:schemeClr val="dk1"/>
+            </a:fillRef>
+            <a:effectRef idx="0">
+              <a:schemeClr val="dk1"/>
+            </a:effectRef>
+            <a:fontRef idx="minor">
+              <a:schemeClr val="tx1"/>
+            </a:fontRef>
+          </p:style>
+        </p:cxnSp>
+        <p:cxnSp>
+          <p:nvCxnSpPr>
+            <p:cNvPr id="70" name="Straight Arrow Connector 69"/>
+            <p:cNvCxnSpPr>
+              <a:stCxn id="324" idx="0"/>
+            </p:cNvCxnSpPr>
+            <p:nvPr/>
+          </p:nvCxnSpPr>
+          <p:spPr>
+            <a:xfrm flipH="1" flipV="1">
+              <a:off x="5243113" y="4651638"/>
+              <a:ext cx="990778" cy="403893"/>
+            </a:xfrm>
+            <a:prstGeom prst="straightConnector1">
+              <a:avLst/>
+            </a:prstGeom>
+            <a:ln>
+              <a:tailEnd type="triangle"/>
+            </a:ln>
+          </p:spPr>
+          <p:style>
+            <a:lnRef idx="1">
+              <a:schemeClr val="dk1"/>
+            </a:lnRef>
+            <a:fillRef idx="0">
+              <a:schemeClr val="dk1"/>
+            </a:fillRef>
+            <a:effectRef idx="0">
+              <a:schemeClr val="dk1"/>
+            </a:effectRef>
+            <a:fontRef idx="minor">
+              <a:schemeClr val="tx1"/>
+            </a:fontRef>
+          </p:style>
+        </p:cxnSp>
+        <p:grpSp>
+          <p:nvGrpSpPr>
+            <p:cNvPr id="340" name="Group 339"/>
+            <p:cNvGrpSpPr/>
+            <p:nvPr/>
+          </p:nvGrpSpPr>
+          <p:grpSpPr>
+            <a:xfrm>
+              <a:off x="3221220" y="3504017"/>
+              <a:ext cx="2311154" cy="463958"/>
+              <a:chOff x="1866157" y="3042474"/>
+              <a:chExt cx="3081539" cy="618610"/>
+            </a:xfrm>
+          </p:grpSpPr>
+          <p:sp>
+            <p:nvSpPr>
+              <p:cNvPr id="341" name="Rounded Rectangle 340"/>
+              <p:cNvSpPr/>
+              <p:nvPr/>
+            </p:nvSpPr>
+            <p:spPr>
+              <a:xfrm>
+                <a:off x="1866157" y="3042474"/>
+                <a:ext cx="3081539" cy="618610"/>
+              </a:xfrm>
+              <a:prstGeom prst="roundRect">
+                <a:avLst/>
+              </a:prstGeom>
+              <a:solidFill>
+                <a:schemeClr val="accent6">
+                  <a:lumMod val="40000"/>
+                  <a:lumOff val="60000"/>
+                </a:schemeClr>
+              </a:solidFill>
+            </p:spPr>
+            <p:style>
+              <a:lnRef idx="1">
+                <a:schemeClr val="accent6"/>
+              </a:lnRef>
+              <a:fillRef idx="2">
+                <a:schemeClr val="accent6"/>
+              </a:fillRef>
+              <a:effectRef idx="1">
+                <a:schemeClr val="accent6"/>
+              </a:effectRef>
+              <a:fontRef idx="minor">
+                <a:schemeClr val="dk1"/>
+              </a:fontRef>
+            </p:style>
+            <p:txBody>
+              <a:bodyPr rtlCol="0" anchor="ctr"/>
+              <a:lstStyle/>
+              <a:p>
+                <a:pPr algn="ctr"/>
+                <a:r>
+                  <a:rPr lang="is-IS" altLang="zh-CN" sz="1350" dirty="0"/>
+                  <a:t>……</a:t>
+                </a:r>
+                <a:endParaRPr lang="en-US" sz="1350" dirty="0"/>
+              </a:p>
+            </p:txBody>
+          </p:sp>
+          <p:sp>
+            <p:nvSpPr>
+              <p:cNvPr id="342" name="Oval 341"/>
+              <p:cNvSpPr/>
+              <p:nvPr/>
+            </p:nvSpPr>
+            <p:spPr>
+              <a:xfrm>
+                <a:off x="2022315" y="3163879"/>
+                <a:ext cx="405456" cy="405456"/>
+              </a:xfrm>
+              <a:prstGeom prst="ellipse">
+                <a:avLst/>
+              </a:prstGeom>
+            </p:spPr>
+            <p:style>
+              <a:lnRef idx="2">
+                <a:schemeClr val="accent6"/>
+              </a:lnRef>
+              <a:fillRef idx="1">
+                <a:schemeClr val="lt1"/>
+              </a:fillRef>
+              <a:effectRef idx="0">
+                <a:schemeClr val="accent6"/>
+              </a:effectRef>
+              <a:fontRef idx="minor">
+                <a:schemeClr val="dk1"/>
+              </a:fontRef>
+            </p:style>
+            <p:txBody>
+              <a:bodyPr rtlCol="0" anchor="ctr"/>
+              <a:lstStyle/>
+              <a:p>
+                <a:pPr algn="ctr"/>
+                <a:endParaRPr lang="en-US" sz="1350" dirty="0"/>
+              </a:p>
+            </p:txBody>
+          </p:sp>
+          <p:sp>
+            <p:nvSpPr>
+              <p:cNvPr id="343" name="Oval 342"/>
+              <p:cNvSpPr/>
+              <p:nvPr/>
+            </p:nvSpPr>
+            <p:spPr>
+              <a:xfrm>
+                <a:off x="2606558" y="3163879"/>
+                <a:ext cx="405456" cy="405456"/>
+              </a:xfrm>
+              <a:prstGeom prst="ellipse">
+                <a:avLst/>
+              </a:prstGeom>
+            </p:spPr>
+            <p:style>
+              <a:lnRef idx="2">
+                <a:schemeClr val="accent6"/>
+              </a:lnRef>
+              <a:fillRef idx="1">
+                <a:schemeClr val="lt1"/>
+              </a:fillRef>
+              <a:effectRef idx="0">
+                <a:schemeClr val="accent6"/>
+              </a:effectRef>
+              <a:fontRef idx="minor">
+                <a:schemeClr val="dk1"/>
+              </a:fontRef>
+            </p:style>
+            <p:txBody>
+              <a:bodyPr rtlCol="0" anchor="ctr"/>
+              <a:lstStyle/>
+              <a:p>
+                <a:pPr algn="ctr"/>
+                <a:endParaRPr lang="en-US" sz="1350"/>
+              </a:p>
+            </p:txBody>
+          </p:sp>
+          <p:sp>
+            <p:nvSpPr>
+              <p:cNvPr id="344" name="Oval 343"/>
+              <p:cNvSpPr/>
+              <p:nvPr/>
+            </p:nvSpPr>
+            <p:spPr>
+              <a:xfrm>
+                <a:off x="3771404" y="3163879"/>
+                <a:ext cx="405456" cy="405456"/>
+              </a:xfrm>
+              <a:prstGeom prst="ellipse">
+                <a:avLst/>
+              </a:prstGeom>
+            </p:spPr>
+            <p:style>
+              <a:lnRef idx="2">
+                <a:schemeClr val="accent6"/>
+              </a:lnRef>
+              <a:fillRef idx="1">
+                <a:schemeClr val="lt1"/>
+              </a:fillRef>
+              <a:effectRef idx="0">
+                <a:schemeClr val="accent6"/>
+              </a:effectRef>
+              <a:fontRef idx="minor">
+                <a:schemeClr val="dk1"/>
+              </a:fontRef>
+            </p:style>
+            <p:txBody>
+              <a:bodyPr rtlCol="0" anchor="ctr"/>
+              <a:lstStyle/>
+              <a:p>
+                <a:pPr algn="ctr"/>
+                <a:endParaRPr lang="en-US" sz="1350"/>
+              </a:p>
+            </p:txBody>
+          </p:sp>
+          <p:sp>
+            <p:nvSpPr>
+              <p:cNvPr id="345" name="Oval 344"/>
+              <p:cNvSpPr/>
+              <p:nvPr/>
+            </p:nvSpPr>
+            <p:spPr>
+              <a:xfrm>
+                <a:off x="4359287" y="3163879"/>
+                <a:ext cx="405456" cy="405456"/>
+              </a:xfrm>
+              <a:prstGeom prst="ellipse">
+                <a:avLst/>
+              </a:prstGeom>
+            </p:spPr>
+            <p:style>
+              <a:lnRef idx="2">
+                <a:schemeClr val="accent6"/>
+              </a:lnRef>
+              <a:fillRef idx="1">
+                <a:schemeClr val="lt1"/>
+              </a:fillRef>
+              <a:effectRef idx="0">
+                <a:schemeClr val="accent6"/>
+              </a:effectRef>
+              <a:fontRef idx="minor">
+                <a:schemeClr val="dk1"/>
+              </a:fontRef>
+            </p:style>
+            <p:txBody>
+              <a:bodyPr rtlCol="0" anchor="ctr"/>
+              <a:lstStyle/>
+              <a:p>
+                <a:pPr algn="ctr"/>
+                <a:endParaRPr lang="en-US" sz="1350"/>
+              </a:p>
+            </p:txBody>
+          </p:sp>
+        </p:grpSp>
+        <p:cxnSp>
+          <p:nvCxnSpPr>
+            <p:cNvPr id="348" name="Straight Arrow Connector 347"/>
+            <p:cNvCxnSpPr>
+              <a:stCxn id="309" idx="0"/>
+              <a:endCxn id="342" idx="4"/>
+            </p:cNvCxnSpPr>
+            <p:nvPr/>
+          </p:nvCxnSpPr>
+          <p:spPr>
+            <a:xfrm flipV="1">
+              <a:off x="3490384" y="3899163"/>
+              <a:ext cx="0" cy="448383"/>
+            </a:xfrm>
+            <a:prstGeom prst="straightConnector1">
+              <a:avLst/>
+            </a:prstGeom>
+            <a:ln>
+              <a:tailEnd type="triangle"/>
+            </a:ln>
+          </p:spPr>
+          <p:style>
+            <a:lnRef idx="1">
+              <a:schemeClr val="dk1"/>
+            </a:lnRef>
+            <a:fillRef idx="0">
+              <a:schemeClr val="dk1"/>
+            </a:fillRef>
+            <a:effectRef idx="0">
+              <a:schemeClr val="dk1"/>
+            </a:effectRef>
+            <a:fontRef idx="minor">
+              <a:schemeClr val="tx1"/>
+            </a:fontRef>
+          </p:style>
+        </p:cxnSp>
+        <p:cxnSp>
+          <p:nvCxnSpPr>
+            <p:cNvPr id="349" name="Straight Arrow Connector 348"/>
+            <p:cNvCxnSpPr>
+              <a:stCxn id="309" idx="0"/>
+              <a:endCxn id="343" idx="4"/>
+            </p:cNvCxnSpPr>
+            <p:nvPr/>
+          </p:nvCxnSpPr>
+          <p:spPr>
+            <a:xfrm flipV="1">
+              <a:off x="3490384" y="3899163"/>
+              <a:ext cx="438182" cy="448383"/>
+            </a:xfrm>
+            <a:prstGeom prst="straightConnector1">
+              <a:avLst/>
+            </a:prstGeom>
+            <a:ln>
+              <a:tailEnd type="triangle"/>
+            </a:ln>
+          </p:spPr>
+          <p:style>
+            <a:lnRef idx="1">
+              <a:schemeClr val="dk1"/>
+            </a:lnRef>
+            <a:fillRef idx="0">
+              <a:schemeClr val="dk1"/>
+            </a:fillRef>
+            <a:effectRef idx="0">
+              <a:schemeClr val="dk1"/>
+            </a:effectRef>
+            <a:fontRef idx="minor">
+              <a:schemeClr val="tx1"/>
+            </a:fontRef>
+          </p:style>
+        </p:cxnSp>
+        <p:cxnSp>
+          <p:nvCxnSpPr>
+            <p:cNvPr id="350" name="Straight Arrow Connector 349"/>
+            <p:cNvCxnSpPr>
+              <a:stCxn id="309" idx="0"/>
+              <a:endCxn id="344" idx="4"/>
+            </p:cNvCxnSpPr>
+            <p:nvPr/>
+          </p:nvCxnSpPr>
+          <p:spPr>
+            <a:xfrm flipV="1">
+              <a:off x="3490384" y="3899163"/>
+              <a:ext cx="1311817" cy="448383"/>
+            </a:xfrm>
+            <a:prstGeom prst="straightConnector1">
+              <a:avLst/>
+            </a:prstGeom>
+            <a:ln>
+              <a:tailEnd type="triangle"/>
+            </a:ln>
+          </p:spPr>
+          <p:style>
+            <a:lnRef idx="1">
+              <a:schemeClr val="dk1"/>
+            </a:lnRef>
+            <a:fillRef idx="0">
+              <a:schemeClr val="dk1"/>
+            </a:fillRef>
+            <a:effectRef idx="0">
+              <a:schemeClr val="dk1"/>
+            </a:effectRef>
+            <a:fontRef idx="minor">
+              <a:schemeClr val="tx1"/>
+            </a:fontRef>
+          </p:style>
+        </p:cxnSp>
+        <p:cxnSp>
+          <p:nvCxnSpPr>
+            <p:cNvPr id="353" name="Straight Arrow Connector 352"/>
+            <p:cNvCxnSpPr>
+              <a:stCxn id="309" idx="0"/>
+              <a:endCxn id="345" idx="4"/>
+            </p:cNvCxnSpPr>
+            <p:nvPr/>
+          </p:nvCxnSpPr>
+          <p:spPr>
+            <a:xfrm flipV="1">
+              <a:off x="3490384" y="3899163"/>
+              <a:ext cx="1752729" cy="448383"/>
+            </a:xfrm>
+            <a:prstGeom prst="straightConnector1">
+              <a:avLst/>
+            </a:prstGeom>
+            <a:ln>
+              <a:tailEnd type="triangle"/>
+            </a:ln>
+          </p:spPr>
+          <p:style>
+            <a:lnRef idx="1">
+              <a:schemeClr val="dk1"/>
+            </a:lnRef>
+            <a:fillRef idx="0">
+              <a:schemeClr val="dk1"/>
+            </a:fillRef>
+            <a:effectRef idx="0">
+              <a:schemeClr val="dk1"/>
+            </a:effectRef>
+            <a:fontRef idx="minor">
+              <a:schemeClr val="tx1"/>
+            </a:fontRef>
+          </p:style>
+        </p:cxnSp>
+        <p:cxnSp>
+          <p:nvCxnSpPr>
+            <p:cNvPr id="356" name="Straight Arrow Connector 355"/>
+            <p:cNvCxnSpPr>
+              <a:stCxn id="310" idx="0"/>
+              <a:endCxn id="342" idx="4"/>
+            </p:cNvCxnSpPr>
+            <p:nvPr/>
+          </p:nvCxnSpPr>
+          <p:spPr>
+            <a:xfrm flipH="1" flipV="1">
+              <a:off x="3490384" y="3899163"/>
+              <a:ext cx="438182" cy="448383"/>
+            </a:xfrm>
+            <a:prstGeom prst="straightConnector1">
+              <a:avLst/>
+            </a:prstGeom>
+            <a:ln>
+              <a:tailEnd type="triangle"/>
+            </a:ln>
+          </p:spPr>
+          <p:style>
+            <a:lnRef idx="1">
+              <a:schemeClr val="dk1"/>
+            </a:lnRef>
+            <a:fillRef idx="0">
+              <a:schemeClr val="dk1"/>
+            </a:fillRef>
+            <a:effectRef idx="0">
+              <a:schemeClr val="dk1"/>
+            </a:effectRef>
+            <a:fontRef idx="minor">
+              <a:schemeClr val="tx1"/>
+            </a:fontRef>
+          </p:style>
+        </p:cxnSp>
+        <p:cxnSp>
+          <p:nvCxnSpPr>
+            <p:cNvPr id="360" name="Straight Arrow Connector 359"/>
+            <p:cNvCxnSpPr>
+              <a:stCxn id="310" idx="0"/>
+              <a:endCxn id="343" idx="4"/>
+            </p:cNvCxnSpPr>
+            <p:nvPr/>
+          </p:nvCxnSpPr>
+          <p:spPr>
+            <a:xfrm flipV="1">
+              <a:off x="3928566" y="3899163"/>
+              <a:ext cx="0" cy="448383"/>
+            </a:xfrm>
+            <a:prstGeom prst="straightConnector1">
+              <a:avLst/>
+            </a:prstGeom>
+            <a:ln>
+              <a:tailEnd type="triangle"/>
+            </a:ln>
+          </p:spPr>
+          <p:style>
+            <a:lnRef idx="1">
+              <a:schemeClr val="dk1"/>
+            </a:lnRef>
+            <a:fillRef idx="0">
+              <a:schemeClr val="dk1"/>
+            </a:fillRef>
+            <a:effectRef idx="0">
+              <a:schemeClr val="dk1"/>
+            </a:effectRef>
+            <a:fontRef idx="minor">
+              <a:schemeClr val="tx1"/>
+            </a:fontRef>
+          </p:style>
+        </p:cxnSp>
+        <p:cxnSp>
+          <p:nvCxnSpPr>
+            <p:cNvPr id="364" name="Straight Arrow Connector 363"/>
+            <p:cNvCxnSpPr>
+              <a:stCxn id="310" idx="0"/>
+              <a:endCxn id="344" idx="4"/>
+            </p:cNvCxnSpPr>
+            <p:nvPr/>
+          </p:nvCxnSpPr>
+          <p:spPr>
+            <a:xfrm flipV="1">
+              <a:off x="3928566" y="3899163"/>
+              <a:ext cx="873635" cy="448383"/>
+            </a:xfrm>
+            <a:prstGeom prst="straightConnector1">
+              <a:avLst/>
+            </a:prstGeom>
+            <a:ln>
+              <a:tailEnd type="triangle"/>
+            </a:ln>
+          </p:spPr>
+          <p:style>
+            <a:lnRef idx="1">
+              <a:schemeClr val="dk1"/>
+            </a:lnRef>
+            <a:fillRef idx="0">
+              <a:schemeClr val="dk1"/>
+            </a:fillRef>
+            <a:effectRef idx="0">
+              <a:schemeClr val="dk1"/>
+            </a:effectRef>
+            <a:fontRef idx="minor">
+              <a:schemeClr val="tx1"/>
+            </a:fontRef>
+          </p:style>
+        </p:cxnSp>
+        <p:cxnSp>
+          <p:nvCxnSpPr>
+            <p:cNvPr id="367" name="Straight Arrow Connector 366"/>
+            <p:cNvCxnSpPr>
+              <a:stCxn id="310" idx="0"/>
+              <a:endCxn id="345" idx="4"/>
+            </p:cNvCxnSpPr>
+            <p:nvPr/>
+          </p:nvCxnSpPr>
+          <p:spPr>
+            <a:xfrm flipV="1">
+              <a:off x="3928566" y="3899163"/>
+              <a:ext cx="1314547" cy="448383"/>
+            </a:xfrm>
+            <a:prstGeom prst="straightConnector1">
+              <a:avLst/>
+            </a:prstGeom>
+            <a:ln>
+              <a:tailEnd type="triangle"/>
+            </a:ln>
+          </p:spPr>
+          <p:style>
+            <a:lnRef idx="1">
+              <a:schemeClr val="dk1"/>
+            </a:lnRef>
+            <a:fillRef idx="0">
+              <a:schemeClr val="dk1"/>
+            </a:fillRef>
+            <a:effectRef idx="0">
+              <a:schemeClr val="dk1"/>
+            </a:effectRef>
+            <a:fontRef idx="minor">
+              <a:schemeClr val="tx1"/>
+            </a:fontRef>
+          </p:style>
+        </p:cxnSp>
+        <p:cxnSp>
+          <p:nvCxnSpPr>
+            <p:cNvPr id="371" name="Straight Arrow Connector 370"/>
+            <p:cNvCxnSpPr>
+              <a:stCxn id="311" idx="0"/>
+              <a:endCxn id="342" idx="4"/>
+            </p:cNvCxnSpPr>
+            <p:nvPr/>
+          </p:nvCxnSpPr>
+          <p:spPr>
+            <a:xfrm flipH="1" flipV="1">
+              <a:off x="3490384" y="3899163"/>
+              <a:ext cx="1311817" cy="448383"/>
+            </a:xfrm>
+            <a:prstGeom prst="straightConnector1">
+              <a:avLst/>
+            </a:prstGeom>
+            <a:ln>
+              <a:tailEnd type="triangle"/>
+            </a:ln>
+          </p:spPr>
+          <p:style>
+            <a:lnRef idx="1">
+              <a:schemeClr val="dk1"/>
+            </a:lnRef>
+            <a:fillRef idx="0">
+              <a:schemeClr val="dk1"/>
+            </a:fillRef>
+            <a:effectRef idx="0">
+              <a:schemeClr val="dk1"/>
+            </a:effectRef>
+            <a:fontRef idx="minor">
+              <a:schemeClr val="tx1"/>
+            </a:fontRef>
+          </p:style>
+        </p:cxnSp>
+        <p:cxnSp>
+          <p:nvCxnSpPr>
+            <p:cNvPr id="375" name="Straight Arrow Connector 374"/>
+            <p:cNvCxnSpPr>
+              <a:stCxn id="311" idx="0"/>
+              <a:endCxn id="343" idx="4"/>
+            </p:cNvCxnSpPr>
+            <p:nvPr/>
+          </p:nvCxnSpPr>
+          <p:spPr>
+            <a:xfrm flipH="1" flipV="1">
+              <a:off x="3928566" y="3899163"/>
+              <a:ext cx="873635" cy="448383"/>
+            </a:xfrm>
+            <a:prstGeom prst="straightConnector1">
+              <a:avLst/>
+            </a:prstGeom>
+            <a:ln>
+              <a:tailEnd type="triangle"/>
+            </a:ln>
+          </p:spPr>
+          <p:style>
+            <a:lnRef idx="1">
+              <a:schemeClr val="dk1"/>
+            </a:lnRef>
+            <a:fillRef idx="0">
+              <a:schemeClr val="dk1"/>
+            </a:fillRef>
+            <a:effectRef idx="0">
+              <a:schemeClr val="dk1"/>
+            </a:effectRef>
+            <a:fontRef idx="minor">
+              <a:schemeClr val="tx1"/>
+            </a:fontRef>
+          </p:style>
+        </p:cxnSp>
+        <p:cxnSp>
+          <p:nvCxnSpPr>
+            <p:cNvPr id="378" name="Straight Arrow Connector 377"/>
+            <p:cNvCxnSpPr>
+              <a:stCxn id="311" idx="0"/>
+              <a:endCxn id="344" idx="4"/>
+            </p:cNvCxnSpPr>
+            <p:nvPr/>
+          </p:nvCxnSpPr>
+          <p:spPr>
+            <a:xfrm flipV="1">
+              <a:off x="4802201" y="3899163"/>
+              <a:ext cx="0" cy="448383"/>
+            </a:xfrm>
+            <a:prstGeom prst="straightConnector1">
+              <a:avLst/>
+            </a:prstGeom>
+            <a:ln>
+              <a:tailEnd type="triangle"/>
+            </a:ln>
+          </p:spPr>
+          <p:style>
+            <a:lnRef idx="1">
+              <a:schemeClr val="dk1"/>
+            </a:lnRef>
+            <a:fillRef idx="0">
+              <a:schemeClr val="dk1"/>
+            </a:fillRef>
+            <a:effectRef idx="0">
+              <a:schemeClr val="dk1"/>
+            </a:effectRef>
+            <a:fontRef idx="minor">
+              <a:schemeClr val="tx1"/>
+            </a:fontRef>
+          </p:style>
+        </p:cxnSp>
+        <p:cxnSp>
+          <p:nvCxnSpPr>
+            <p:cNvPr id="381" name="Straight Arrow Connector 380"/>
+            <p:cNvCxnSpPr>
+              <a:stCxn id="311" idx="0"/>
+              <a:endCxn id="345" idx="4"/>
+            </p:cNvCxnSpPr>
+            <p:nvPr/>
+          </p:nvCxnSpPr>
+          <p:spPr>
+            <a:xfrm flipV="1">
+              <a:off x="4802201" y="3899163"/>
+              <a:ext cx="440912" cy="448383"/>
+            </a:xfrm>
+            <a:prstGeom prst="straightConnector1">
+              <a:avLst/>
+            </a:prstGeom>
+            <a:ln>
+              <a:tailEnd type="triangle"/>
+            </a:ln>
+          </p:spPr>
+          <p:style>
+            <a:lnRef idx="1">
+              <a:schemeClr val="dk1"/>
+            </a:lnRef>
+            <a:fillRef idx="0">
+              <a:schemeClr val="dk1"/>
+            </a:fillRef>
+            <a:effectRef idx="0">
+              <a:schemeClr val="dk1"/>
+            </a:effectRef>
+            <a:fontRef idx="minor">
+              <a:schemeClr val="tx1"/>
+            </a:fontRef>
+          </p:style>
+        </p:cxnSp>
+        <p:cxnSp>
+          <p:nvCxnSpPr>
+            <p:cNvPr id="384" name="Straight Arrow Connector 383"/>
+            <p:cNvCxnSpPr>
+              <a:stCxn id="312" idx="0"/>
+              <a:endCxn id="342" idx="4"/>
+            </p:cNvCxnSpPr>
+            <p:nvPr/>
+          </p:nvCxnSpPr>
+          <p:spPr>
+            <a:xfrm flipH="1" flipV="1">
+              <a:off x="3490384" y="3899163"/>
+              <a:ext cx="1752729" cy="448383"/>
+            </a:xfrm>
+            <a:prstGeom prst="straightConnector1">
+              <a:avLst/>
+            </a:prstGeom>
+            <a:ln>
+              <a:tailEnd type="triangle"/>
+            </a:ln>
+          </p:spPr>
+          <p:style>
+            <a:lnRef idx="1">
+              <a:schemeClr val="dk1"/>
+            </a:lnRef>
+            <a:fillRef idx="0">
+              <a:schemeClr val="dk1"/>
+            </a:fillRef>
+            <a:effectRef idx="0">
+              <a:schemeClr val="dk1"/>
+            </a:effectRef>
+            <a:fontRef idx="minor">
+              <a:schemeClr val="tx1"/>
+            </a:fontRef>
+          </p:style>
+        </p:cxnSp>
+        <p:cxnSp>
+          <p:nvCxnSpPr>
+            <p:cNvPr id="387" name="Straight Arrow Connector 386"/>
+            <p:cNvCxnSpPr>
+              <a:stCxn id="312" idx="0"/>
+              <a:endCxn id="343" idx="4"/>
+            </p:cNvCxnSpPr>
+            <p:nvPr/>
+          </p:nvCxnSpPr>
+          <p:spPr>
+            <a:xfrm flipH="1" flipV="1">
+              <a:off x="3928566" y="3899163"/>
+              <a:ext cx="1314547" cy="448383"/>
+            </a:xfrm>
+            <a:prstGeom prst="straightConnector1">
+              <a:avLst/>
+            </a:prstGeom>
+            <a:ln>
+              <a:tailEnd type="triangle"/>
+            </a:ln>
+          </p:spPr>
+          <p:style>
+            <a:lnRef idx="1">
+              <a:schemeClr val="dk1"/>
+            </a:lnRef>
+            <a:fillRef idx="0">
+              <a:schemeClr val="dk1"/>
+            </a:fillRef>
+            <a:effectRef idx="0">
+              <a:schemeClr val="dk1"/>
+            </a:effectRef>
+            <a:fontRef idx="minor">
+              <a:schemeClr val="tx1"/>
+            </a:fontRef>
+          </p:style>
+        </p:cxnSp>
+        <p:cxnSp>
+          <p:nvCxnSpPr>
+            <p:cNvPr id="390" name="Straight Arrow Connector 389"/>
+            <p:cNvCxnSpPr>
+              <a:stCxn id="312" idx="0"/>
+              <a:endCxn id="344" idx="4"/>
+            </p:cNvCxnSpPr>
+            <p:nvPr/>
+          </p:nvCxnSpPr>
+          <p:spPr>
+            <a:xfrm flipH="1" flipV="1">
+              <a:off x="4802201" y="3899163"/>
+              <a:ext cx="440912" cy="448383"/>
+            </a:xfrm>
+            <a:prstGeom prst="straightConnector1">
+              <a:avLst/>
+            </a:prstGeom>
+            <a:ln>
+              <a:tailEnd type="triangle"/>
+            </a:ln>
+          </p:spPr>
+          <p:style>
+            <a:lnRef idx="1">
+              <a:schemeClr val="dk1"/>
+            </a:lnRef>
+            <a:fillRef idx="0">
+              <a:schemeClr val="dk1"/>
+            </a:fillRef>
+            <a:effectRef idx="0">
+              <a:schemeClr val="dk1"/>
+            </a:effectRef>
+            <a:fontRef idx="minor">
+              <a:schemeClr val="tx1"/>
+            </a:fontRef>
+          </p:style>
+        </p:cxnSp>
+        <p:cxnSp>
+          <p:nvCxnSpPr>
+            <p:cNvPr id="393" name="Straight Arrow Connector 392"/>
+            <p:cNvCxnSpPr>
+              <a:stCxn id="312" idx="0"/>
+              <a:endCxn id="345" idx="4"/>
+            </p:cNvCxnSpPr>
+            <p:nvPr/>
+          </p:nvCxnSpPr>
+          <p:spPr>
+            <a:xfrm flipV="1">
+              <a:off x="5243113" y="3899163"/>
+              <a:ext cx="0" cy="448383"/>
+            </a:xfrm>
+            <a:prstGeom prst="straightConnector1">
+              <a:avLst/>
+            </a:prstGeom>
+            <a:ln>
+              <a:tailEnd type="triangle"/>
+            </a:ln>
+          </p:spPr>
+          <p:style>
+            <a:lnRef idx="1">
+              <a:schemeClr val="dk1"/>
+            </a:lnRef>
+            <a:fillRef idx="0">
+              <a:schemeClr val="dk1"/>
+            </a:fillRef>
+            <a:effectRef idx="0">
+              <a:schemeClr val="dk1"/>
+            </a:effectRef>
+            <a:fontRef idx="minor">
+              <a:schemeClr val="tx1"/>
+            </a:fontRef>
+          </p:style>
+        </p:cxnSp>
+        <p:sp>
+          <p:nvSpPr>
+            <p:cNvPr id="366" name="Rounded Rectangle 365"/>
+            <p:cNvSpPr/>
+            <p:nvPr/>
+          </p:nvSpPr>
+          <p:spPr>
+            <a:xfrm>
+              <a:off x="2944100" y="3338402"/>
+              <a:ext cx="3460878" cy="1473520"/>
+            </a:xfrm>
+            <a:prstGeom prst="roundRect">
+              <a:avLst/>
+            </a:prstGeom>
+            <a:noFill/>
+            <a:ln>
+              <a:solidFill>
+                <a:schemeClr val="accent6"/>
+              </a:solidFill>
+              <a:prstDash val="lgDash"/>
+            </a:ln>
+          </p:spPr>
+          <p:style>
+            <a:lnRef idx="2">
+              <a:schemeClr val="accent1">
+                <a:shade val="50000"/>
+              </a:schemeClr>
+            </a:lnRef>
+            <a:fillRef idx="1">
+              <a:schemeClr val="accent1"/>
+            </a:fillRef>
+            <a:effectRef idx="0">
+              <a:schemeClr val="accent1"/>
+            </a:effectRef>
+            <a:fontRef idx="minor">
+              <a:schemeClr val="lt1"/>
+            </a:fontRef>
+          </p:style>
+          <p:txBody>
+            <a:bodyPr rtlCol="0" anchor="ctr"/>
+            <a:lstStyle/>
+            <a:p>
+              <a:pPr algn="ctr"/>
+              <a:endParaRPr lang="en-US" sz="1350"/>
+            </a:p>
+          </p:txBody>
+        </p:sp>
+        <p:sp>
+          <p:nvSpPr>
+            <p:cNvPr id="372" name="Rectangle 371"/>
+            <p:cNvSpPr/>
+            <p:nvPr/>
+          </p:nvSpPr>
+          <p:spPr>
+            <a:xfrm>
+              <a:off x="5298955" y="3727923"/>
+              <a:ext cx="1309008" cy="430887"/>
+            </a:xfrm>
+            <a:prstGeom prst="rect">
+              <a:avLst/>
+            </a:prstGeom>
+          </p:spPr>
+          <p:txBody>
+            <a:bodyPr wrap="square">
+              <a:spAutoFit/>
+            </a:bodyPr>
+            <a:lstStyle/>
+            <a:p>
+              <a:pPr algn="ctr"/>
+              <a:r>
+                <a:rPr lang="en-US" altLang="zh-CN" sz="1100" dirty="0" smtClean="0">
+                  <a:latin typeface="Times New Roman" charset="0"/>
+                  <a:ea typeface="Times New Roman" charset="0"/>
+                  <a:cs typeface="Times New Roman" charset="0"/>
+                </a:rPr>
+                <a:t>Feedforward</a:t>
+              </a:r>
+              <a:r>
+                <a:rPr lang="zh-CN" altLang="en-US" sz="1100" dirty="0" smtClean="0">
+                  <a:latin typeface="Times New Roman" charset="0"/>
+                  <a:ea typeface="Times New Roman" charset="0"/>
+                  <a:cs typeface="Times New Roman" charset="0"/>
+                </a:rPr>
+                <a:t/>
+              </a:r>
+              <a:br>
+                <a:rPr lang="zh-CN" altLang="en-US" sz="1100" dirty="0" smtClean="0">
+                  <a:latin typeface="Times New Roman" charset="0"/>
+                  <a:ea typeface="Times New Roman" charset="0"/>
+                  <a:cs typeface="Times New Roman" charset="0"/>
+                </a:rPr>
+              </a:br>
+              <a:r>
+                <a:rPr lang="en-US" altLang="zh-CN" sz="1100" dirty="0" smtClean="0">
+                  <a:latin typeface="Times New Roman" charset="0"/>
+                  <a:ea typeface="Times New Roman" charset="0"/>
+                  <a:cs typeface="Times New Roman" charset="0"/>
+                </a:rPr>
+                <a:t>Neural</a:t>
+              </a:r>
+              <a:r>
+                <a:rPr lang="zh-CN" altLang="en-US" sz="1100" dirty="0" smtClean="0">
+                  <a:latin typeface="Times New Roman" charset="0"/>
+                  <a:ea typeface="Times New Roman" charset="0"/>
+                  <a:cs typeface="Times New Roman" charset="0"/>
+                </a:rPr>
+                <a:t> </a:t>
+              </a:r>
+              <a:r>
+                <a:rPr lang="en-US" altLang="zh-CN" sz="1100" dirty="0" smtClean="0">
+                  <a:latin typeface="Times New Roman" charset="0"/>
+                  <a:ea typeface="Times New Roman" charset="0"/>
+                  <a:cs typeface="Times New Roman" charset="0"/>
+                </a:rPr>
+                <a:t>Network</a:t>
+              </a:r>
+              <a:r>
+                <a:rPr lang="zh-CN" altLang="en-US" sz="1100" dirty="0" smtClean="0">
+                  <a:latin typeface="Times New Roman" charset="0"/>
+                  <a:ea typeface="Times New Roman" charset="0"/>
+                  <a:cs typeface="Times New Roman" charset="0"/>
+                </a:rPr>
+                <a:t> </a:t>
+              </a:r>
+              <a:endParaRPr lang="en-US" sz="1100" dirty="0">
                 <a:latin typeface="Times New Roman" charset="0"/>
                 <a:ea typeface="Times New Roman" charset="0"/>
                 <a:cs typeface="Times New Roman" charset="0"/>
-              </a:rPr>
-              <a:t>PER</a:t>
-            </a:r>
-            <a:r>
-              <a:rPr lang="zh-CN" altLang="en-US" sz="1200" dirty="0" smtClean="0">
+              </a:endParaRPr>
+            </a:p>
+          </p:txBody>
+        </p:sp>
+        <p:grpSp>
+          <p:nvGrpSpPr>
+            <p:cNvPr id="150" name="Group 149"/>
+            <p:cNvGrpSpPr/>
+            <p:nvPr/>
+          </p:nvGrpSpPr>
+          <p:grpSpPr>
+            <a:xfrm>
+              <a:off x="3875061" y="4947004"/>
+              <a:ext cx="982043" cy="463958"/>
+              <a:chOff x="1672046" y="3370217"/>
+              <a:chExt cx="1658983" cy="783772"/>
+            </a:xfrm>
+          </p:grpSpPr>
+          <p:sp>
+            <p:nvSpPr>
+              <p:cNvPr id="151" name="Rounded Rectangle 150"/>
+              <p:cNvSpPr/>
+              <p:nvPr/>
+            </p:nvSpPr>
+            <p:spPr>
+              <a:xfrm>
+                <a:off x="1672046" y="3370217"/>
+                <a:ext cx="1658983" cy="783772"/>
+              </a:xfrm>
+              <a:prstGeom prst="roundRect">
+                <a:avLst/>
+              </a:prstGeom>
+              <a:solidFill>
+                <a:schemeClr val="accent6">
+                  <a:lumMod val="40000"/>
+                  <a:lumOff val="60000"/>
+                </a:schemeClr>
+              </a:solidFill>
+            </p:spPr>
+            <p:style>
+              <a:lnRef idx="1">
+                <a:schemeClr val="accent6"/>
+              </a:lnRef>
+              <a:fillRef idx="2">
+                <a:schemeClr val="accent6"/>
+              </a:fillRef>
+              <a:effectRef idx="1">
+                <a:schemeClr val="accent6"/>
+              </a:effectRef>
+              <a:fontRef idx="minor">
+                <a:schemeClr val="dk1"/>
+              </a:fontRef>
+            </p:style>
+            <p:txBody>
+              <a:bodyPr rtlCol="0" anchor="ctr"/>
+              <a:lstStyle/>
+              <a:p>
+                <a:pPr algn="ctr"/>
+                <a:endParaRPr lang="en-US" sz="1350"/>
+              </a:p>
+            </p:txBody>
+          </p:sp>
+          <p:sp>
+            <p:nvSpPr>
+              <p:cNvPr id="152" name="Oval 151"/>
+              <p:cNvSpPr/>
+              <p:nvPr/>
+            </p:nvSpPr>
+            <p:spPr>
+              <a:xfrm>
+                <a:off x="1869897" y="3524036"/>
+                <a:ext cx="513708" cy="513708"/>
+              </a:xfrm>
+              <a:prstGeom prst="ellipse">
+                <a:avLst/>
+              </a:prstGeom>
+            </p:spPr>
+            <p:style>
+              <a:lnRef idx="2">
+                <a:schemeClr val="accent6"/>
+              </a:lnRef>
+              <a:fillRef idx="1">
+                <a:schemeClr val="lt1"/>
+              </a:fillRef>
+              <a:effectRef idx="0">
+                <a:schemeClr val="accent6"/>
+              </a:effectRef>
+              <a:fontRef idx="minor">
+                <a:schemeClr val="dk1"/>
+              </a:fontRef>
+            </p:style>
+            <p:txBody>
+              <a:bodyPr rtlCol="0" anchor="ctr"/>
+              <a:lstStyle/>
+              <a:p>
+                <a:pPr algn="ctr"/>
+                <a:endParaRPr lang="en-US" sz="1350" dirty="0"/>
+              </a:p>
+            </p:txBody>
+          </p:sp>
+          <p:sp>
+            <p:nvSpPr>
+              <p:cNvPr id="153" name="Oval 152"/>
+              <p:cNvSpPr/>
+              <p:nvPr/>
+            </p:nvSpPr>
+            <p:spPr>
+              <a:xfrm>
+                <a:off x="2610126" y="3524036"/>
+                <a:ext cx="513708" cy="513708"/>
+              </a:xfrm>
+              <a:prstGeom prst="ellipse">
+                <a:avLst/>
+              </a:prstGeom>
+            </p:spPr>
+            <p:style>
+              <a:lnRef idx="2">
+                <a:schemeClr val="accent6"/>
+              </a:lnRef>
+              <a:fillRef idx="1">
+                <a:schemeClr val="lt1"/>
+              </a:fillRef>
+              <a:effectRef idx="0">
+                <a:schemeClr val="accent6"/>
+              </a:effectRef>
+              <a:fontRef idx="minor">
+                <a:schemeClr val="dk1"/>
+              </a:fontRef>
+            </p:style>
+            <p:txBody>
+              <a:bodyPr rtlCol="0" anchor="ctr"/>
+              <a:lstStyle/>
+              <a:p>
+                <a:pPr algn="ctr"/>
+                <a:endParaRPr lang="en-US" sz="1350"/>
+              </a:p>
+            </p:txBody>
+          </p:sp>
+        </p:grpSp>
+        <p:cxnSp>
+          <p:nvCxnSpPr>
+            <p:cNvPr id="154" name="Straight Arrow Connector 153"/>
+            <p:cNvCxnSpPr>
+              <a:stCxn id="152" idx="0"/>
+              <a:endCxn id="309" idx="4"/>
+            </p:cNvCxnSpPr>
+            <p:nvPr/>
+          </p:nvCxnSpPr>
+          <p:spPr>
+            <a:xfrm flipH="1" flipV="1">
+              <a:off x="3490384" y="4651638"/>
+              <a:ext cx="653842" cy="386420"/>
+            </a:xfrm>
+            <a:prstGeom prst="straightConnector1">
+              <a:avLst/>
+            </a:prstGeom>
+            <a:ln>
+              <a:tailEnd type="triangle"/>
+            </a:ln>
+          </p:spPr>
+          <p:style>
+            <a:lnRef idx="1">
+              <a:schemeClr val="dk1"/>
+            </a:lnRef>
+            <a:fillRef idx="0">
+              <a:schemeClr val="dk1"/>
+            </a:fillRef>
+            <a:effectRef idx="0">
+              <a:schemeClr val="dk1"/>
+            </a:effectRef>
+            <a:fontRef idx="minor">
+              <a:schemeClr val="tx1"/>
+            </a:fontRef>
+          </p:style>
+        </p:cxnSp>
+        <p:cxnSp>
+          <p:nvCxnSpPr>
+            <p:cNvPr id="159" name="Straight Arrow Connector 158"/>
+            <p:cNvCxnSpPr>
+              <a:stCxn id="152" idx="0"/>
+              <a:endCxn id="310" idx="4"/>
+            </p:cNvCxnSpPr>
+            <p:nvPr/>
+          </p:nvCxnSpPr>
+          <p:spPr>
+            <a:xfrm flipH="1" flipV="1">
+              <a:off x="3928567" y="4651638"/>
+              <a:ext cx="215659" cy="386420"/>
+            </a:xfrm>
+            <a:prstGeom prst="straightConnector1">
+              <a:avLst/>
+            </a:prstGeom>
+            <a:ln>
+              <a:tailEnd type="triangle"/>
+            </a:ln>
+          </p:spPr>
+          <p:style>
+            <a:lnRef idx="1">
+              <a:schemeClr val="dk1"/>
+            </a:lnRef>
+            <a:fillRef idx="0">
+              <a:schemeClr val="dk1"/>
+            </a:fillRef>
+            <a:effectRef idx="0">
+              <a:schemeClr val="dk1"/>
+            </a:effectRef>
+            <a:fontRef idx="minor">
+              <a:schemeClr val="tx1"/>
+            </a:fontRef>
+          </p:style>
+        </p:cxnSp>
+        <p:cxnSp>
+          <p:nvCxnSpPr>
+            <p:cNvPr id="162" name="Straight Arrow Connector 161"/>
+            <p:cNvCxnSpPr>
+              <a:stCxn id="152" idx="0"/>
+              <a:endCxn id="311" idx="4"/>
+            </p:cNvCxnSpPr>
+            <p:nvPr/>
+          </p:nvCxnSpPr>
+          <p:spPr>
+            <a:xfrm flipV="1">
+              <a:off x="4144226" y="4651638"/>
+              <a:ext cx="657975" cy="386420"/>
+            </a:xfrm>
+            <a:prstGeom prst="straightConnector1">
+              <a:avLst/>
+            </a:prstGeom>
+            <a:ln>
+              <a:tailEnd type="triangle"/>
+            </a:ln>
+          </p:spPr>
+          <p:style>
+            <a:lnRef idx="1">
+              <a:schemeClr val="dk1"/>
+            </a:lnRef>
+            <a:fillRef idx="0">
+              <a:schemeClr val="dk1"/>
+            </a:fillRef>
+            <a:effectRef idx="0">
+              <a:schemeClr val="dk1"/>
+            </a:effectRef>
+            <a:fontRef idx="minor">
+              <a:schemeClr val="tx1"/>
+            </a:fontRef>
+          </p:style>
+        </p:cxnSp>
+        <p:cxnSp>
+          <p:nvCxnSpPr>
+            <p:cNvPr id="165" name="Straight Arrow Connector 164"/>
+            <p:cNvCxnSpPr>
+              <a:stCxn id="152" idx="0"/>
+              <a:endCxn id="312" idx="4"/>
+            </p:cNvCxnSpPr>
+            <p:nvPr/>
+          </p:nvCxnSpPr>
+          <p:spPr>
+            <a:xfrm flipV="1">
+              <a:off x="4144226" y="4651638"/>
+              <a:ext cx="1098887" cy="386420"/>
+            </a:xfrm>
+            <a:prstGeom prst="straightConnector1">
+              <a:avLst/>
+            </a:prstGeom>
+            <a:ln>
+              <a:tailEnd type="triangle"/>
+            </a:ln>
+          </p:spPr>
+          <p:style>
+            <a:lnRef idx="1">
+              <a:schemeClr val="dk1"/>
+            </a:lnRef>
+            <a:fillRef idx="0">
+              <a:schemeClr val="dk1"/>
+            </a:fillRef>
+            <a:effectRef idx="0">
+              <a:schemeClr val="dk1"/>
+            </a:effectRef>
+            <a:fontRef idx="minor">
+              <a:schemeClr val="tx1"/>
+            </a:fontRef>
+          </p:style>
+        </p:cxnSp>
+        <p:cxnSp>
+          <p:nvCxnSpPr>
+            <p:cNvPr id="168" name="Straight Arrow Connector 167"/>
+            <p:cNvCxnSpPr>
+              <a:stCxn id="153" idx="0"/>
+              <a:endCxn id="309" idx="4"/>
+            </p:cNvCxnSpPr>
+            <p:nvPr/>
+          </p:nvCxnSpPr>
+          <p:spPr>
+            <a:xfrm flipH="1" flipV="1">
+              <a:off x="3490384" y="4651638"/>
+              <a:ext cx="1092024" cy="386420"/>
+            </a:xfrm>
+            <a:prstGeom prst="straightConnector1">
+              <a:avLst/>
+            </a:prstGeom>
+            <a:ln>
+              <a:tailEnd type="triangle"/>
+            </a:ln>
+          </p:spPr>
+          <p:style>
+            <a:lnRef idx="1">
+              <a:schemeClr val="dk1"/>
+            </a:lnRef>
+            <a:fillRef idx="0">
+              <a:schemeClr val="dk1"/>
+            </a:fillRef>
+            <a:effectRef idx="0">
+              <a:schemeClr val="dk1"/>
+            </a:effectRef>
+            <a:fontRef idx="minor">
+              <a:schemeClr val="tx1"/>
+            </a:fontRef>
+          </p:style>
+        </p:cxnSp>
+        <p:cxnSp>
+          <p:nvCxnSpPr>
+            <p:cNvPr id="171" name="Straight Arrow Connector 170"/>
+            <p:cNvCxnSpPr>
+              <a:stCxn id="153" idx="0"/>
+              <a:endCxn id="310" idx="4"/>
+            </p:cNvCxnSpPr>
+            <p:nvPr/>
+          </p:nvCxnSpPr>
+          <p:spPr>
+            <a:xfrm flipH="1" flipV="1">
+              <a:off x="3928567" y="4651638"/>
+              <a:ext cx="653841" cy="386420"/>
+            </a:xfrm>
+            <a:prstGeom prst="straightConnector1">
+              <a:avLst/>
+            </a:prstGeom>
+            <a:ln>
+              <a:tailEnd type="triangle"/>
+            </a:ln>
+          </p:spPr>
+          <p:style>
+            <a:lnRef idx="1">
+              <a:schemeClr val="dk1"/>
+            </a:lnRef>
+            <a:fillRef idx="0">
+              <a:schemeClr val="dk1"/>
+            </a:fillRef>
+            <a:effectRef idx="0">
+              <a:schemeClr val="dk1"/>
+            </a:effectRef>
+            <a:fontRef idx="minor">
+              <a:schemeClr val="tx1"/>
+            </a:fontRef>
+          </p:style>
+        </p:cxnSp>
+        <p:cxnSp>
+          <p:nvCxnSpPr>
+            <p:cNvPr id="174" name="Straight Arrow Connector 173"/>
+            <p:cNvCxnSpPr>
+              <a:stCxn id="153" idx="0"/>
+              <a:endCxn id="311" idx="4"/>
+            </p:cNvCxnSpPr>
+            <p:nvPr/>
+          </p:nvCxnSpPr>
+          <p:spPr>
+            <a:xfrm flipV="1">
+              <a:off x="4582408" y="4651638"/>
+              <a:ext cx="219793" cy="386420"/>
+            </a:xfrm>
+            <a:prstGeom prst="straightConnector1">
+              <a:avLst/>
+            </a:prstGeom>
+            <a:ln>
+              <a:tailEnd type="triangle"/>
+            </a:ln>
+          </p:spPr>
+          <p:style>
+            <a:lnRef idx="1">
+              <a:schemeClr val="dk1"/>
+            </a:lnRef>
+            <a:fillRef idx="0">
+              <a:schemeClr val="dk1"/>
+            </a:fillRef>
+            <a:effectRef idx="0">
+              <a:schemeClr val="dk1"/>
+            </a:effectRef>
+            <a:fontRef idx="minor">
+              <a:schemeClr val="tx1"/>
+            </a:fontRef>
+          </p:style>
+        </p:cxnSp>
+        <p:cxnSp>
+          <p:nvCxnSpPr>
+            <p:cNvPr id="177" name="Straight Arrow Connector 176"/>
+            <p:cNvCxnSpPr>
+              <a:stCxn id="153" idx="0"/>
+              <a:endCxn id="312" idx="4"/>
+            </p:cNvCxnSpPr>
+            <p:nvPr/>
+          </p:nvCxnSpPr>
+          <p:spPr>
+            <a:xfrm flipV="1">
+              <a:off x="4582408" y="4651638"/>
+              <a:ext cx="660705" cy="386420"/>
+            </a:xfrm>
+            <a:prstGeom prst="straightConnector1">
+              <a:avLst/>
+            </a:prstGeom>
+            <a:ln>
+              <a:tailEnd type="triangle"/>
+            </a:ln>
+          </p:spPr>
+          <p:style>
+            <a:lnRef idx="1">
+              <a:schemeClr val="dk1"/>
+            </a:lnRef>
+            <a:fillRef idx="0">
+              <a:schemeClr val="dk1"/>
+            </a:fillRef>
+            <a:effectRef idx="0">
+              <a:schemeClr val="dk1"/>
+            </a:effectRef>
+            <a:fontRef idx="minor">
+              <a:schemeClr val="tx1"/>
+            </a:fontRef>
+          </p:style>
+        </p:cxnSp>
+        <p:sp>
+          <p:nvSpPr>
+            <p:cNvPr id="180" name="Rectangle 179"/>
+            <p:cNvSpPr/>
+            <p:nvPr/>
+          </p:nvSpPr>
+          <p:spPr>
+            <a:xfrm>
+              <a:off x="6087677" y="4682273"/>
+              <a:ext cx="1371978" cy="461665"/>
+            </a:xfrm>
+            <a:prstGeom prst="rect">
+              <a:avLst/>
+            </a:prstGeom>
+          </p:spPr>
+          <p:txBody>
+            <a:bodyPr wrap="square">
+              <a:spAutoFit/>
+            </a:bodyPr>
+            <a:lstStyle/>
+            <a:p>
+              <a:pPr algn="ctr"/>
+              <a:r>
+                <a:rPr lang="en-US" altLang="zh-CN" sz="1200" dirty="0" smtClean="0">
+                  <a:latin typeface="Times New Roman" charset="0"/>
+                  <a:ea typeface="Times New Roman" charset="0"/>
+                  <a:cs typeface="Times New Roman" charset="0"/>
+                </a:rPr>
+                <a:t>Right</a:t>
+              </a:r>
+              <a:r>
+                <a:rPr lang="zh-CN" altLang="en-US" sz="1200" dirty="0" smtClean="0">
+                  <a:latin typeface="Times New Roman" charset="0"/>
+                  <a:ea typeface="Times New Roman" charset="0"/>
+                  <a:cs typeface="Times New Roman" charset="0"/>
+                </a:rPr>
+                <a:t> </a:t>
+              </a:r>
+              <a:r>
+                <a:rPr lang="en-US" altLang="zh-CN" sz="1200" dirty="0" smtClean="0">
+                  <a:latin typeface="Times New Roman" charset="0"/>
+                  <a:ea typeface="Times New Roman" charset="0"/>
+                  <a:cs typeface="Times New Roman" charset="0"/>
+                </a:rPr>
+                <a:t>Context</a:t>
+              </a:r>
+              <a:r>
+                <a:rPr lang="zh-CN" altLang="en-US" sz="1200" dirty="0" smtClean="0">
+                  <a:latin typeface="Times New Roman" charset="0"/>
+                  <a:ea typeface="Times New Roman" charset="0"/>
+                  <a:cs typeface="Times New Roman" charset="0"/>
+                </a:rPr>
+                <a:t> </a:t>
+              </a:r>
+              <a:r>
+                <a:rPr lang="en-US" altLang="zh-CN" sz="1200" dirty="0" smtClean="0">
+                  <a:latin typeface="Times New Roman" charset="0"/>
+                  <a:ea typeface="Times New Roman" charset="0"/>
+                  <a:cs typeface="Times New Roman" charset="0"/>
+                </a:rPr>
+                <a:t>FOFE</a:t>
+              </a:r>
+              <a:endParaRPr lang="en-US" sz="1200" dirty="0">
                 <a:latin typeface="Times New Roman" charset="0"/>
                 <a:ea typeface="Times New Roman" charset="0"/>
                 <a:cs typeface="Times New Roman" charset="0"/>
-              </a:rPr>
-              <a:t> </a:t>
-            </a:r>
-            <a:endParaRPr lang="en-US" sz="1200" dirty="0">
-              <a:latin typeface="Times New Roman" charset="0"/>
-              <a:ea typeface="Times New Roman" charset="0"/>
-              <a:cs typeface="Times New Roman" charset="0"/>
-            </a:endParaRPr>
-          </a:p>
-        </p:txBody>
-      </p:sp>
-      <p:sp>
-        <p:nvSpPr>
-          <p:cNvPr id="191" name="Rectangle 190"/>
-          <p:cNvSpPr/>
-          <p:nvPr/>
-        </p:nvSpPr>
-        <p:spPr>
-          <a:xfrm>
-            <a:off x="3461697" y="2835266"/>
-            <a:ext cx="616179" cy="276999"/>
-          </a:xfrm>
-          <a:prstGeom prst="rect">
-            <a:avLst/>
-          </a:prstGeom>
-        </p:spPr>
-        <p:txBody>
-          <a:bodyPr wrap="square">
-            <a:spAutoFit/>
-          </a:bodyPr>
-          <a:lstStyle/>
-          <a:p>
-            <a:pPr algn="ctr"/>
-            <a:r>
-              <a:rPr lang="en-US" altLang="zh-CN" sz="1200" dirty="0" smtClean="0">
+              </a:endParaRPr>
+            </a:p>
+          </p:txBody>
+        </p:sp>
+        <p:sp>
+          <p:nvSpPr>
+            <p:cNvPr id="181" name="Rectangle 180"/>
+            <p:cNvSpPr/>
+            <p:nvPr/>
+          </p:nvSpPr>
+          <p:spPr>
+            <a:xfrm>
+              <a:off x="1343699" y="4692018"/>
+              <a:ext cx="1371978" cy="461665"/>
+            </a:xfrm>
+            <a:prstGeom prst="rect">
+              <a:avLst/>
+            </a:prstGeom>
+          </p:spPr>
+          <p:txBody>
+            <a:bodyPr wrap="square">
+              <a:spAutoFit/>
+            </a:bodyPr>
+            <a:lstStyle/>
+            <a:p>
+              <a:pPr algn="ctr"/>
+              <a:r>
+                <a:rPr lang="en-US" altLang="zh-CN" sz="1200" dirty="0" smtClean="0">
+                  <a:latin typeface="Times New Roman" charset="0"/>
+                  <a:ea typeface="Times New Roman" charset="0"/>
+                  <a:cs typeface="Times New Roman" charset="0"/>
+                </a:rPr>
+                <a:t>Left</a:t>
+              </a:r>
+              <a:r>
+                <a:rPr lang="zh-CN" altLang="en-US" sz="1200" dirty="0" smtClean="0">
+                  <a:latin typeface="Times New Roman" charset="0"/>
+                  <a:ea typeface="Times New Roman" charset="0"/>
+                  <a:cs typeface="Times New Roman" charset="0"/>
+                </a:rPr>
+                <a:t> </a:t>
+              </a:r>
+              <a:r>
+                <a:rPr lang="en-US" altLang="zh-CN" sz="1200" dirty="0" smtClean="0">
+                  <a:latin typeface="Times New Roman" charset="0"/>
+                  <a:ea typeface="Times New Roman" charset="0"/>
+                  <a:cs typeface="Times New Roman" charset="0"/>
+                </a:rPr>
+                <a:t>Context</a:t>
+              </a:r>
+              <a:r>
+                <a:rPr lang="zh-CN" altLang="en-US" sz="1200" dirty="0" smtClean="0">
+                  <a:latin typeface="Times New Roman" charset="0"/>
+                  <a:ea typeface="Times New Roman" charset="0"/>
+                  <a:cs typeface="Times New Roman" charset="0"/>
+                </a:rPr>
+                <a:t> </a:t>
+              </a:r>
+              <a:br>
+                <a:rPr lang="zh-CN" altLang="en-US" sz="1200" dirty="0" smtClean="0">
+                  <a:latin typeface="Times New Roman" charset="0"/>
+                  <a:ea typeface="Times New Roman" charset="0"/>
+                  <a:cs typeface="Times New Roman" charset="0"/>
+                </a:rPr>
+              </a:br>
+              <a:r>
+                <a:rPr lang="en-US" altLang="zh-CN" sz="1200" dirty="0" smtClean="0">
+                  <a:latin typeface="Times New Roman" charset="0"/>
+                  <a:ea typeface="Times New Roman" charset="0"/>
+                  <a:cs typeface="Times New Roman" charset="0"/>
+                </a:rPr>
+                <a:t>FOFE</a:t>
+              </a:r>
+              <a:endParaRPr lang="en-US" sz="1200" dirty="0">
                 <a:latin typeface="Times New Roman" charset="0"/>
                 <a:ea typeface="Times New Roman" charset="0"/>
                 <a:cs typeface="Times New Roman" charset="0"/>
-              </a:rPr>
-              <a:t>ORG</a:t>
-            </a:r>
-            <a:endParaRPr lang="en-US" sz="1200" dirty="0">
-              <a:latin typeface="Times New Roman" charset="0"/>
-              <a:ea typeface="Times New Roman" charset="0"/>
-              <a:cs typeface="Times New Roman" charset="0"/>
-            </a:endParaRPr>
-          </a:p>
-        </p:txBody>
-      </p:sp>
-      <p:sp>
-        <p:nvSpPr>
-          <p:cNvPr id="192" name="Rectangle 191"/>
-          <p:cNvSpPr/>
-          <p:nvPr/>
-        </p:nvSpPr>
-        <p:spPr>
-          <a:xfrm>
-            <a:off x="4990865" y="2835908"/>
-            <a:ext cx="616179" cy="276999"/>
-          </a:xfrm>
-          <a:prstGeom prst="rect">
-            <a:avLst/>
-          </a:prstGeom>
-        </p:spPr>
-        <p:txBody>
-          <a:bodyPr wrap="square">
-            <a:spAutoFit/>
-          </a:bodyPr>
-          <a:lstStyle/>
-          <a:p>
-            <a:pPr algn="ctr"/>
-            <a:r>
-              <a:rPr lang="en-US" altLang="zh-CN" sz="1200" dirty="0" smtClean="0">
+              </a:endParaRPr>
+            </a:p>
+          </p:txBody>
+        </p:sp>
+        <p:sp>
+          <p:nvSpPr>
+            <p:cNvPr id="189" name="Rectangle 188"/>
+            <p:cNvSpPr/>
+            <p:nvPr/>
+          </p:nvSpPr>
+          <p:spPr>
+            <a:xfrm>
+              <a:off x="2908975" y="2835267"/>
+              <a:ext cx="616179" cy="276999"/>
+            </a:xfrm>
+            <a:prstGeom prst="rect">
+              <a:avLst/>
+            </a:prstGeom>
+          </p:spPr>
+          <p:txBody>
+            <a:bodyPr wrap="square">
+              <a:spAutoFit/>
+            </a:bodyPr>
+            <a:lstStyle/>
+            <a:p>
+              <a:pPr algn="ctr"/>
+              <a:r>
+                <a:rPr lang="en-US" altLang="zh-CN" sz="1200" dirty="0" smtClean="0">
+                  <a:latin typeface="Times New Roman" charset="0"/>
+                  <a:ea typeface="Times New Roman" charset="0"/>
+                  <a:cs typeface="Times New Roman" charset="0"/>
+                </a:rPr>
+                <a:t>PER</a:t>
+              </a:r>
+              <a:r>
+                <a:rPr lang="zh-CN" altLang="en-US" sz="1200" dirty="0" smtClean="0">
+                  <a:latin typeface="Times New Roman" charset="0"/>
+                  <a:ea typeface="Times New Roman" charset="0"/>
+                  <a:cs typeface="Times New Roman" charset="0"/>
+                </a:rPr>
+                <a:t> </a:t>
+              </a:r>
+              <a:endParaRPr lang="en-US" sz="1200" dirty="0">
                 <a:latin typeface="Times New Roman" charset="0"/>
                 <a:ea typeface="Times New Roman" charset="0"/>
                 <a:cs typeface="Times New Roman" charset="0"/>
-              </a:rPr>
-              <a:t>NONE</a:t>
-            </a:r>
-            <a:endParaRPr lang="en-US" sz="1200" dirty="0">
-              <a:latin typeface="Times New Roman" charset="0"/>
-              <a:ea typeface="Times New Roman" charset="0"/>
-              <a:cs typeface="Times New Roman" charset="0"/>
-            </a:endParaRPr>
-          </a:p>
-        </p:txBody>
-      </p:sp>
-      <p:cxnSp>
-        <p:nvCxnSpPr>
-          <p:cNvPr id="193" name="Straight Arrow Connector 192"/>
-          <p:cNvCxnSpPr>
-            <a:stCxn id="342" idx="0"/>
-            <a:endCxn id="189" idx="2"/>
-          </p:cNvCxnSpPr>
-          <p:nvPr/>
-        </p:nvCxnSpPr>
-        <p:spPr>
-          <a:xfrm flipH="1" flipV="1">
-            <a:off x="3217065" y="3112266"/>
-            <a:ext cx="273319" cy="482805"/>
-          </a:xfrm>
-          <a:prstGeom prst="straightConnector1">
-            <a:avLst/>
-          </a:prstGeom>
-          <a:ln>
-            <a:tailEnd type="triangle"/>
-          </a:ln>
-        </p:spPr>
-        <p:style>
-          <a:lnRef idx="1">
-            <a:schemeClr val="dk1"/>
-          </a:lnRef>
-          <a:fillRef idx="0">
-            <a:schemeClr val="dk1"/>
-          </a:fillRef>
-          <a:effectRef idx="0">
-            <a:schemeClr val="dk1"/>
-          </a:effectRef>
-          <a:fontRef idx="minor">
-            <a:schemeClr val="tx1"/>
-          </a:fontRef>
-        </p:style>
-      </p:cxnSp>
-      <p:cxnSp>
-        <p:nvCxnSpPr>
-          <p:cNvPr id="196" name="Straight Arrow Connector 195"/>
-          <p:cNvCxnSpPr>
-            <a:stCxn id="343" idx="0"/>
-            <a:endCxn id="191" idx="2"/>
-          </p:cNvCxnSpPr>
-          <p:nvPr/>
-        </p:nvCxnSpPr>
-        <p:spPr>
-          <a:xfrm flipH="1" flipV="1">
-            <a:off x="3769787" y="3112265"/>
-            <a:ext cx="158780" cy="482806"/>
-          </a:xfrm>
-          <a:prstGeom prst="straightConnector1">
-            <a:avLst/>
-          </a:prstGeom>
-          <a:ln>
-            <a:tailEnd type="triangle"/>
-          </a:ln>
-        </p:spPr>
-        <p:style>
-          <a:lnRef idx="1">
-            <a:schemeClr val="dk1"/>
-          </a:lnRef>
-          <a:fillRef idx="0">
-            <a:schemeClr val="dk1"/>
-          </a:fillRef>
-          <a:effectRef idx="0">
-            <a:schemeClr val="dk1"/>
-          </a:effectRef>
-          <a:fontRef idx="minor">
-            <a:schemeClr val="tx1"/>
-          </a:fontRef>
-        </p:style>
-      </p:cxnSp>
-      <p:cxnSp>
-        <p:nvCxnSpPr>
-          <p:cNvPr id="202" name="Straight Arrow Connector 201"/>
-          <p:cNvCxnSpPr>
-            <a:stCxn id="345" idx="0"/>
-            <a:endCxn id="192" idx="2"/>
-          </p:cNvCxnSpPr>
-          <p:nvPr/>
-        </p:nvCxnSpPr>
-        <p:spPr>
-          <a:xfrm flipV="1">
-            <a:off x="5243113" y="3112907"/>
-            <a:ext cx="55842" cy="482164"/>
-          </a:xfrm>
-          <a:prstGeom prst="straightConnector1">
-            <a:avLst/>
-          </a:prstGeom>
-          <a:ln>
-            <a:tailEnd type="triangle"/>
-          </a:ln>
-        </p:spPr>
-        <p:style>
-          <a:lnRef idx="1">
-            <a:schemeClr val="dk1"/>
-          </a:lnRef>
-          <a:fillRef idx="0">
-            <a:schemeClr val="dk1"/>
-          </a:fillRef>
-          <a:effectRef idx="0">
-            <a:schemeClr val="dk1"/>
-          </a:effectRef>
-          <a:fontRef idx="minor">
-            <a:schemeClr val="tx1"/>
-          </a:fontRef>
-        </p:style>
-      </p:cxnSp>
+              </a:endParaRPr>
+            </a:p>
+          </p:txBody>
+        </p:sp>
+        <p:sp>
+          <p:nvSpPr>
+            <p:cNvPr id="191" name="Rectangle 190"/>
+            <p:cNvSpPr/>
+            <p:nvPr/>
+          </p:nvSpPr>
+          <p:spPr>
+            <a:xfrm>
+              <a:off x="3461697" y="2835266"/>
+              <a:ext cx="616179" cy="276999"/>
+            </a:xfrm>
+            <a:prstGeom prst="rect">
+              <a:avLst/>
+            </a:prstGeom>
+          </p:spPr>
+          <p:txBody>
+            <a:bodyPr wrap="square">
+              <a:spAutoFit/>
+            </a:bodyPr>
+            <a:lstStyle/>
+            <a:p>
+              <a:pPr algn="ctr"/>
+              <a:r>
+                <a:rPr lang="en-US" altLang="zh-CN" sz="1200" dirty="0" smtClean="0">
+                  <a:latin typeface="Times New Roman" charset="0"/>
+                  <a:ea typeface="Times New Roman" charset="0"/>
+                  <a:cs typeface="Times New Roman" charset="0"/>
+                </a:rPr>
+                <a:t>ORG</a:t>
+              </a:r>
+              <a:endParaRPr lang="en-US" sz="1200" dirty="0">
+                <a:latin typeface="Times New Roman" charset="0"/>
+                <a:ea typeface="Times New Roman" charset="0"/>
+                <a:cs typeface="Times New Roman" charset="0"/>
+              </a:endParaRPr>
+            </a:p>
+          </p:txBody>
+        </p:sp>
+        <p:sp>
+          <p:nvSpPr>
+            <p:cNvPr id="192" name="Rectangle 191"/>
+            <p:cNvSpPr/>
+            <p:nvPr/>
+          </p:nvSpPr>
+          <p:spPr>
+            <a:xfrm>
+              <a:off x="4990864" y="2835908"/>
+              <a:ext cx="804843" cy="284681"/>
+            </a:xfrm>
+            <a:prstGeom prst="rect">
+              <a:avLst/>
+            </a:prstGeom>
+          </p:spPr>
+          <p:txBody>
+            <a:bodyPr wrap="square">
+              <a:spAutoFit/>
+            </a:bodyPr>
+            <a:lstStyle/>
+            <a:p>
+              <a:pPr algn="ctr"/>
+              <a:r>
+                <a:rPr lang="en-US" altLang="zh-CN" sz="1200" dirty="0" smtClean="0">
+                  <a:latin typeface="Times New Roman" charset="0"/>
+                  <a:ea typeface="Times New Roman" charset="0"/>
+                  <a:cs typeface="Times New Roman" charset="0"/>
+                </a:rPr>
+                <a:t>NONE</a:t>
+              </a:r>
+              <a:endParaRPr lang="en-US" sz="1200" dirty="0">
+                <a:latin typeface="Times New Roman" charset="0"/>
+                <a:ea typeface="Times New Roman" charset="0"/>
+                <a:cs typeface="Times New Roman" charset="0"/>
+              </a:endParaRPr>
+            </a:p>
+          </p:txBody>
+        </p:sp>
+        <p:cxnSp>
+          <p:nvCxnSpPr>
+            <p:cNvPr id="193" name="Straight Arrow Connector 192"/>
+            <p:cNvCxnSpPr>
+              <a:stCxn id="342" idx="0"/>
+              <a:endCxn id="189" idx="2"/>
+            </p:cNvCxnSpPr>
+            <p:nvPr/>
+          </p:nvCxnSpPr>
+          <p:spPr>
+            <a:xfrm flipH="1" flipV="1">
+              <a:off x="3217065" y="3112266"/>
+              <a:ext cx="273319" cy="482805"/>
+            </a:xfrm>
+            <a:prstGeom prst="straightConnector1">
+              <a:avLst/>
+            </a:prstGeom>
+            <a:ln>
+              <a:tailEnd type="triangle"/>
+            </a:ln>
+          </p:spPr>
+          <p:style>
+            <a:lnRef idx="1">
+              <a:schemeClr val="dk1"/>
+            </a:lnRef>
+            <a:fillRef idx="0">
+              <a:schemeClr val="dk1"/>
+            </a:fillRef>
+            <a:effectRef idx="0">
+              <a:schemeClr val="dk1"/>
+            </a:effectRef>
+            <a:fontRef idx="minor">
+              <a:schemeClr val="tx1"/>
+            </a:fontRef>
+          </p:style>
+        </p:cxnSp>
+        <p:cxnSp>
+          <p:nvCxnSpPr>
+            <p:cNvPr id="196" name="Straight Arrow Connector 195"/>
+            <p:cNvCxnSpPr>
+              <a:stCxn id="343" idx="0"/>
+              <a:endCxn id="191" idx="2"/>
+            </p:cNvCxnSpPr>
+            <p:nvPr/>
+          </p:nvCxnSpPr>
+          <p:spPr>
+            <a:xfrm flipH="1" flipV="1">
+              <a:off x="3769787" y="3112265"/>
+              <a:ext cx="158780" cy="482806"/>
+            </a:xfrm>
+            <a:prstGeom prst="straightConnector1">
+              <a:avLst/>
+            </a:prstGeom>
+            <a:ln>
+              <a:tailEnd type="triangle"/>
+            </a:ln>
+          </p:spPr>
+          <p:style>
+            <a:lnRef idx="1">
+              <a:schemeClr val="dk1"/>
+            </a:lnRef>
+            <a:fillRef idx="0">
+              <a:schemeClr val="dk1"/>
+            </a:fillRef>
+            <a:effectRef idx="0">
+              <a:schemeClr val="dk1"/>
+            </a:effectRef>
+            <a:fontRef idx="minor">
+              <a:schemeClr val="tx1"/>
+            </a:fontRef>
+          </p:style>
+        </p:cxnSp>
+        <p:cxnSp>
+          <p:nvCxnSpPr>
+            <p:cNvPr id="202" name="Straight Arrow Connector 201"/>
+            <p:cNvCxnSpPr>
+              <a:stCxn id="345" idx="0"/>
+              <a:endCxn id="192" idx="2"/>
+            </p:cNvCxnSpPr>
+            <p:nvPr/>
+          </p:nvCxnSpPr>
+          <p:spPr>
+            <a:xfrm flipV="1">
+              <a:off x="5243113" y="3120590"/>
+              <a:ext cx="150173" cy="474481"/>
+            </a:xfrm>
+            <a:prstGeom prst="straightConnector1">
+              <a:avLst/>
+            </a:prstGeom>
+            <a:ln>
+              <a:tailEnd type="triangle"/>
+            </a:ln>
+          </p:spPr>
+          <p:style>
+            <a:lnRef idx="1">
+              <a:schemeClr val="dk1"/>
+            </a:lnRef>
+            <a:fillRef idx="0">
+              <a:schemeClr val="dk1"/>
+            </a:fillRef>
+            <a:effectRef idx="0">
+              <a:schemeClr val="dk1"/>
+            </a:effectRef>
+            <a:fontRef idx="minor">
+              <a:schemeClr val="tx1"/>
+            </a:fontRef>
+          </p:style>
+        </p:cxnSp>
+      </p:grpSp>
     </p:spTree>
     <p:extLst>
       <p:ext uri="{BB962C8B-B14F-4D97-AF65-F5344CB8AC3E}">

--- a/ppt.pptx
+++ b/ppt.pptx
@@ -4033,33 +4033,33 @@
           <a:lstStyle/>
           <a:p>
             <a:r>
-              <a:rPr lang="mr-IN" sz="1600" b="1"/>
+              <a:rPr lang="mr-IN" sz="1600" b="1" dirty="0"/>
               <a:t>…</a:t>
             </a:r>
             <a:r>
-              <a:rPr lang="en-CA" sz="1600" b="1"/>
+              <a:rPr lang="en-CA" sz="1600" b="1" dirty="0"/>
               <a:t> </a:t>
             </a:r>
             <a:r>
-              <a:rPr lang="en-US" sz="1600" b="1"/>
+              <a:rPr lang="en-US" sz="1600" b="1" dirty="0"/>
               <a:t> achievements from space did not appear off </a:t>
             </a:r>
             <a:r>
-              <a:rPr lang="mr-IN" sz="1600" b="1"/>
+              <a:rPr lang="mr-IN" sz="1600" b="1" dirty="0"/>
               <a:t>–</a:t>
             </a:r>
             <a:r>
-              <a:rPr lang="en-US" sz="1600" b="1"/>
+              <a:rPr lang="en-US" sz="1600" b="1" dirty="0"/>
               <a:t> the  charts from a scientific point of view. </a:t>
             </a:r>
           </a:p>
           <a:p>
             <a:r>
-              <a:rPr lang="en-US" sz="1600" b="1"/>
+              <a:rPr lang="en-US" sz="1600" b="1" dirty="0"/>
               <a:t>He dropped a puck from space for the </a:t>
             </a:r>
             <a:r>
-              <a:rPr lang="en-US" sz="1600" b="1">
+              <a:rPr lang="en-US" sz="1600" b="1" dirty="0">
                 <a:solidFill>
                   <a:srgbClr val="B80903"/>
                 </a:solidFill>
@@ -4067,14 +4067,14 @@
               <a:t>Toronto Maple Leafs </a:t>
             </a:r>
             <a:r>
-              <a:rPr lang="en-US" sz="1600" b="1"/>
+              <a:rPr lang="en-US" sz="1600" b="1" dirty="0"/>
               <a:t>' home opener against the Buffalo Sabres . He also unveiled a new Canadian </a:t>
             </a:r>
             <a:r>
-              <a:rPr lang="mr-IN" sz="1600" b="1"/>
+              <a:rPr lang="mr-IN" sz="1600" b="1" dirty="0"/>
               <a:t>…</a:t>
             </a:r>
-            <a:endParaRPr lang="en-US" sz="1600" b="1"/>
+            <a:endParaRPr lang="en-US" sz="1600" b="1" dirty="0"/>
           </a:p>
         </p:txBody>
       </p:sp>
@@ -5487,20 +5487,12 @@
               <a:t>' home opener against the Buffalo </a:t>
             </a:r>
             <a:r>
-              <a:rPr lang="en-US" sz="1600" dirty="0" err="1" smtClean="0">
-                <a:latin typeface="Times New Roman" charset="0"/>
-                <a:ea typeface="Times New Roman" charset="0"/>
-                <a:cs typeface="Times New Roman" charset="0"/>
-              </a:rPr>
-              <a:t>Sabres</a:t>
-            </a:r>
-            <a:r>
               <a:rPr lang="en-US" sz="1600" dirty="0" smtClean="0">
                 <a:latin typeface="Times New Roman" charset="0"/>
                 <a:ea typeface="Times New Roman" charset="0"/>
                 <a:cs typeface="Times New Roman" charset="0"/>
               </a:rPr>
-              <a:t>.</a:t>
+              <a:t>Sabres.</a:t>
             </a:r>
             <a:endParaRPr lang="en-US" sz="1600" dirty="0">
               <a:latin typeface="Times New Roman" charset="0"/>
@@ -5858,10 +5850,10 @@
         </p:nvGrpSpPr>
         <p:grpSpPr>
           <a:xfrm>
-            <a:off x="1596483" y="2989124"/>
-            <a:ext cx="5827625" cy="2523190"/>
-            <a:chOff x="1343699" y="2835266"/>
-            <a:chExt cx="6115956" cy="2593170"/>
+            <a:off x="1596483" y="3104874"/>
+            <a:ext cx="5827625" cy="2407440"/>
+            <a:chOff x="1343699" y="2954226"/>
+            <a:chExt cx="6115956" cy="2474210"/>
           </a:xfrm>
         </p:grpSpPr>
         <p:grpSp>
@@ -6142,9 +6134,9 @@
           </p:nvGrpSpPr>
           <p:grpSpPr>
             <a:xfrm>
-              <a:off x="3221220" y="4256492"/>
+              <a:off x="3221220" y="4256493"/>
               <a:ext cx="2311154" cy="463958"/>
-              <a:chOff x="1866157" y="3042474"/>
+              <a:chOff x="1866157" y="3042475"/>
               <a:chExt cx="3081539" cy="618610"/>
             </a:xfrm>
           </p:grpSpPr>
@@ -6156,7 +6148,7 @@
             </p:nvSpPr>
             <p:spPr>
               <a:xfrm>
-                <a:off x="1866157" y="3042474"/>
+                <a:off x="1866157" y="3042475"/>
                 <a:ext cx="3081539" cy="618610"/>
               </a:xfrm>
               <a:prstGeom prst="roundRect">
@@ -8410,7 +8402,7 @@
           </p:nvSpPr>
           <p:spPr>
             <a:xfrm>
-              <a:off x="2908975" y="2835267"/>
+              <a:off x="2908975" y="2954227"/>
               <a:ext cx="616179" cy="276999"/>
             </a:xfrm>
             <a:prstGeom prst="rect">
@@ -8456,7 +8448,7 @@
           </p:nvSpPr>
           <p:spPr>
             <a:xfrm>
-              <a:off x="3461697" y="2835266"/>
+              <a:off x="3461697" y="2954226"/>
               <a:ext cx="616179" cy="276999"/>
             </a:xfrm>
             <a:prstGeom prst="rect">
@@ -8494,7 +8486,7 @@
           </p:nvSpPr>
           <p:spPr>
             <a:xfrm>
-              <a:off x="4990864" y="2835908"/>
+              <a:off x="4990864" y="2954869"/>
               <a:ext cx="804843" cy="284681"/>
             </a:xfrm>
             <a:prstGeom prst="rect">
@@ -8535,8 +8527,8 @@
           </p:nvCxnSpPr>
           <p:spPr>
             <a:xfrm flipH="1" flipV="1">
-              <a:off x="3217065" y="3112266"/>
-              <a:ext cx="273319" cy="482805"/>
+              <a:off x="3217065" y="3231226"/>
+              <a:ext cx="273319" cy="363845"/>
             </a:xfrm>
             <a:prstGeom prst="straightConnector1">
               <a:avLst/>
@@ -8571,8 +8563,8 @@
           </p:nvCxnSpPr>
           <p:spPr>
             <a:xfrm flipH="1" flipV="1">
-              <a:off x="3769787" y="3112265"/>
-              <a:ext cx="158780" cy="482806"/>
+              <a:off x="3769787" y="3231225"/>
+              <a:ext cx="158781" cy="363846"/>
             </a:xfrm>
             <a:prstGeom prst="straightConnector1">
               <a:avLst/>
@@ -8607,8 +8599,8 @@
           </p:nvCxnSpPr>
           <p:spPr>
             <a:xfrm flipV="1">
-              <a:off x="5243113" y="3120590"/>
-              <a:ext cx="150173" cy="474481"/>
+              <a:off x="5243113" y="3239550"/>
+              <a:ext cx="150173" cy="355521"/>
             </a:xfrm>
             <a:prstGeom prst="straightConnector1">
               <a:avLst/>

--- a/ppt.pptx
+++ b/ppt.pptx
@@ -209,7 +209,7 @@
           <a:p>
             <a:fld id="{D07D4BFB-5337-F24A-A33C-2E310DD8F672}" type="datetimeFigureOut">
               <a:rPr lang="en-US" smtClean="0"/>
-              <a:t>2/5/17</a:t>
+              <a:t>2/6/17</a:t>
             </a:fld>
             <a:endParaRPr lang="en-US"/>
           </a:p>
@@ -1228,7 +1228,7 @@
           <a:p>
             <a:fld id="{C47D408F-8A80-EC46-9B06-2A4F39B76EBA}" type="datetimeFigureOut">
               <a:rPr lang="en-US" smtClean="0"/>
-              <a:t>2/5/17</a:t>
+              <a:t>2/6/17</a:t>
             </a:fld>
             <a:endParaRPr lang="en-US"/>
           </a:p>
@@ -1398,7 +1398,7 @@
           <a:p>
             <a:fld id="{C47D408F-8A80-EC46-9B06-2A4F39B76EBA}" type="datetimeFigureOut">
               <a:rPr lang="en-US" smtClean="0"/>
-              <a:t>2/5/17</a:t>
+              <a:t>2/6/17</a:t>
             </a:fld>
             <a:endParaRPr lang="en-US"/>
           </a:p>
@@ -1578,7 +1578,7 @@
           <a:p>
             <a:fld id="{C47D408F-8A80-EC46-9B06-2A4F39B76EBA}" type="datetimeFigureOut">
               <a:rPr lang="en-US" smtClean="0"/>
-              <a:t>2/5/17</a:t>
+              <a:t>2/6/17</a:t>
             </a:fld>
             <a:endParaRPr lang="en-US"/>
           </a:p>
@@ -1748,7 +1748,7 @@
           <a:p>
             <a:fld id="{C47D408F-8A80-EC46-9B06-2A4F39B76EBA}" type="datetimeFigureOut">
               <a:rPr lang="en-US" smtClean="0"/>
-              <a:t>2/5/17</a:t>
+              <a:t>2/6/17</a:t>
             </a:fld>
             <a:endParaRPr lang="en-US"/>
           </a:p>
@@ -1992,7 +1992,7 @@
           <a:p>
             <a:fld id="{C47D408F-8A80-EC46-9B06-2A4F39B76EBA}" type="datetimeFigureOut">
               <a:rPr lang="en-US" smtClean="0"/>
-              <a:t>2/5/17</a:t>
+              <a:t>2/6/17</a:t>
             </a:fld>
             <a:endParaRPr lang="en-US"/>
           </a:p>
@@ -2224,7 +2224,7 @@
           <a:p>
             <a:fld id="{C47D408F-8A80-EC46-9B06-2A4F39B76EBA}" type="datetimeFigureOut">
               <a:rPr lang="en-US" smtClean="0"/>
-              <a:t>2/5/17</a:t>
+              <a:t>2/6/17</a:t>
             </a:fld>
             <a:endParaRPr lang="en-US"/>
           </a:p>
@@ -2591,7 +2591,7 @@
           <a:p>
             <a:fld id="{C47D408F-8A80-EC46-9B06-2A4F39B76EBA}" type="datetimeFigureOut">
               <a:rPr lang="en-US" smtClean="0"/>
-              <a:t>2/5/17</a:t>
+              <a:t>2/6/17</a:t>
             </a:fld>
             <a:endParaRPr lang="en-US"/>
           </a:p>
@@ -2709,7 +2709,7 @@
           <a:p>
             <a:fld id="{C47D408F-8A80-EC46-9B06-2A4F39B76EBA}" type="datetimeFigureOut">
               <a:rPr lang="en-US" smtClean="0"/>
-              <a:t>2/5/17</a:t>
+              <a:t>2/6/17</a:t>
             </a:fld>
             <a:endParaRPr lang="en-US"/>
           </a:p>
@@ -2804,7 +2804,7 @@
           <a:p>
             <a:fld id="{C47D408F-8A80-EC46-9B06-2A4F39B76EBA}" type="datetimeFigureOut">
               <a:rPr lang="en-US" smtClean="0"/>
-              <a:t>2/5/17</a:t>
+              <a:t>2/6/17</a:t>
             </a:fld>
             <a:endParaRPr lang="en-US"/>
           </a:p>
@@ -3081,7 +3081,7 @@
           <a:p>
             <a:fld id="{C47D408F-8A80-EC46-9B06-2A4F39B76EBA}" type="datetimeFigureOut">
               <a:rPr lang="en-US" smtClean="0"/>
-              <a:t>2/5/17</a:t>
+              <a:t>2/6/17</a:t>
             </a:fld>
             <a:endParaRPr lang="en-US"/>
           </a:p>
@@ -3338,7 +3338,7 @@
           <a:p>
             <a:fld id="{C47D408F-8A80-EC46-9B06-2A4F39B76EBA}" type="datetimeFigureOut">
               <a:rPr lang="en-US" smtClean="0"/>
-              <a:t>2/5/17</a:t>
+              <a:t>2/6/17</a:t>
             </a:fld>
             <a:endParaRPr lang="en-US"/>
           </a:p>
@@ -3551,7 +3551,7 @@
           <a:p>
             <a:fld id="{C47D408F-8A80-EC46-9B06-2A4F39B76EBA}" type="datetimeFigureOut">
               <a:rPr lang="en-US" smtClean="0"/>
-              <a:t>2/5/17</a:t>
+              <a:t>2/6/17</a:t>
             </a:fld>
             <a:endParaRPr lang="en-US"/>
           </a:p>
@@ -5398,8 +5398,8 @@
         </p:nvSpPr>
         <p:spPr>
           <a:xfrm>
-            <a:off x="306574" y="5712276"/>
-            <a:ext cx="8918072" cy="584775"/>
+            <a:off x="306574" y="5816450"/>
+            <a:ext cx="8918072" cy="338554"/>
           </a:xfrm>
           <a:prstGeom prst="rect">
             <a:avLst/>
@@ -5416,57 +5416,23 @@
           <a:lstStyle/>
           <a:p>
             <a:r>
-              <a:rPr lang="mr-IN" sz="1600" dirty="0">
+              <a:rPr lang="en-US" sz="1600" smtClean="0">
                 <a:latin typeface="Times New Roman" charset="0"/>
                 <a:ea typeface="Times New Roman" charset="0"/>
                 <a:cs typeface="Times New Roman" charset="0"/>
               </a:rPr>
-              <a:t>…</a:t>
-            </a:r>
-            <a:r>
-              <a:rPr lang="en-CA" sz="1600" dirty="0">
+              <a:t>He </a:t>
+            </a:r>
+            <a:r>
+              <a:rPr lang="en-US" sz="1600" dirty="0" smtClean="0">
                 <a:latin typeface="Times New Roman" charset="0"/>
                 <a:ea typeface="Times New Roman" charset="0"/>
                 <a:cs typeface="Times New Roman" charset="0"/>
               </a:rPr>
-              <a:t> </a:t>
-            </a:r>
-            <a:r>
-              <a:rPr lang="en-US" sz="1600" dirty="0">
-                <a:latin typeface="Times New Roman" charset="0"/>
-                <a:ea typeface="Times New Roman" charset="0"/>
-                <a:cs typeface="Times New Roman" charset="0"/>
-              </a:rPr>
-              <a:t> achievements from space did not appear off </a:t>
-            </a:r>
-            <a:r>
-              <a:rPr lang="mr-IN" sz="1600" dirty="0">
-                <a:latin typeface="Times New Roman" charset="0"/>
-                <a:ea typeface="Times New Roman" charset="0"/>
-                <a:cs typeface="Times New Roman" charset="0"/>
-              </a:rPr>
-              <a:t>–</a:t>
-            </a:r>
-            <a:r>
-              <a:rPr lang="en-US" sz="1600" dirty="0">
-                <a:latin typeface="Times New Roman" charset="0"/>
-                <a:ea typeface="Times New Roman" charset="0"/>
-                <a:cs typeface="Times New Roman" charset="0"/>
-              </a:rPr>
-              <a:t> the  charts from a scientific point of view. </a:t>
-            </a:r>
-          </a:p>
-          <a:p>
-            <a:r>
-              <a:rPr lang="en-US" sz="1600" dirty="0">
-                <a:latin typeface="Times New Roman" charset="0"/>
-                <a:ea typeface="Times New Roman" charset="0"/>
-                <a:cs typeface="Times New Roman" charset="0"/>
-              </a:rPr>
-              <a:t>He dropped a puck from space for the </a:t>
-            </a:r>
-            <a:r>
-              <a:rPr lang="en-US" sz="1600" dirty="0">
+              <a:t>dropped a puck from space for the </a:t>
+            </a:r>
+            <a:r>
+              <a:rPr lang="en-US" sz="1600" dirty="0" smtClean="0">
                 <a:solidFill>
                   <a:schemeClr val="accent6">
                     <a:lumMod val="75000"/>
@@ -5479,20 +5445,12 @@
               <a:t>Toronto Maple Leafs </a:t>
             </a:r>
             <a:r>
-              <a:rPr lang="en-US" sz="1600" dirty="0">
-                <a:latin typeface="Times New Roman" charset="0"/>
-                <a:ea typeface="Times New Roman" charset="0"/>
-                <a:cs typeface="Times New Roman" charset="0"/>
-              </a:rPr>
-              <a:t>' home opener against the Buffalo </a:t>
-            </a:r>
-            <a:r>
               <a:rPr lang="en-US" sz="1600" dirty="0" smtClean="0">
                 <a:latin typeface="Times New Roman" charset="0"/>
                 <a:ea typeface="Times New Roman" charset="0"/>
                 <a:cs typeface="Times New Roman" charset="0"/>
               </a:rPr>
-              <a:t>Sabres.</a:t>
+              <a:t>' home opener against the Buffalo Sabres.</a:t>
             </a:r>
             <a:endParaRPr lang="en-US" sz="1600" dirty="0">
               <a:latin typeface="Times New Roman" charset="0"/>
@@ -5510,7 +5468,7 @@
         </p:nvSpPr>
         <p:spPr>
           <a:xfrm>
-            <a:off x="3533724" y="6015642"/>
+            <a:off x="3533724" y="5865172"/>
             <a:ext cx="1778339" cy="240237"/>
           </a:xfrm>
           <a:prstGeom prst="rect">
@@ -5559,7 +5517,7 @@
         </p:nvSpPr>
         <p:spPr>
           <a:xfrm>
-            <a:off x="-522227" y="6015642"/>
+            <a:off x="-522227" y="5865172"/>
             <a:ext cx="4017305" cy="240237"/>
           </a:xfrm>
           <a:prstGeom prst="rect">
@@ -5608,7 +5566,7 @@
         </p:nvSpPr>
         <p:spPr>
           <a:xfrm>
-            <a:off x="5362498" y="6021510"/>
+            <a:off x="5362498" y="5871040"/>
             <a:ext cx="4045215" cy="234369"/>
           </a:xfrm>
           <a:prstGeom prst="rect">
